--- a/palestras/ppt/nocoes-netcore-docker-ddd-e-boas-praticas-programacao.pptx
+++ b/palestras/ppt/nocoes-netcore-docker-ddd-e-boas-praticas-programacao.pptx
@@ -148,7 +148,7 @@
   </p:defaultTextStyle>
   <p:extLst>
     <p:ext uri="{EFAFB233-063F-42B5-8137-9DF3F51BA10A}">
-      <p15:sldGuideLst xmlns:p15="http://schemas.microsoft.com/office/powerpoint/2012/main" xmlns="">
+      <p15:sldGuideLst xmlns="" xmlns:p15="http://schemas.microsoft.com/office/powerpoint/2012/main">
         <p15:guide id="1" orient="horz" pos="2880" userDrawn="1">
           <p15:clr>
             <a:srgbClr val="A4A3A4"/>
@@ -162,7 +162,7 @@
       </p15:sldGuideLst>
     </p:ext>
     <p:ext uri="{2D200454-40CA-4A62-9FC3-DE9A4176ACB9}">
-      <p15:notesGuideLst xmlns:p15="http://schemas.microsoft.com/office/powerpoint/2012/main" xmlns=""/>
+      <p15:notesGuideLst xmlns="" xmlns:p15="http://schemas.microsoft.com/office/powerpoint/2012/main"/>
     </p:ext>
   </p:extLst>
 </p:presentation>
@@ -3416,7 +3416,7 @@
           <p:cNvPr id="2" name="Título 1">
             <a:extLst>
               <a:ext uri="{FF2B5EF4-FFF2-40B4-BE49-F238E27FC236}">
-                <a16:creationId xmlns:a16="http://schemas.microsoft.com/office/drawing/2014/main" xmlns="" id="{328FDD3B-C71B-4548-8784-EADB039BFEA4}"/>
+                <a16:creationId xmlns="" xmlns:a16="http://schemas.microsoft.com/office/drawing/2014/main" id="{328FDD3B-C71B-4548-8784-EADB039BFEA4}"/>
               </a:ext>
             </a:extLst>
           </p:cNvPr>
@@ -3453,7 +3453,7 @@
           <p:cNvPr id="3" name="Subtítulo 2">
             <a:extLst>
               <a:ext uri="{FF2B5EF4-FFF2-40B4-BE49-F238E27FC236}">
-                <a16:creationId xmlns:a16="http://schemas.microsoft.com/office/drawing/2014/main" xmlns="" id="{51CAE9D0-544A-4B1F-B574-D7120E537687}"/>
+                <a16:creationId xmlns="" xmlns:a16="http://schemas.microsoft.com/office/drawing/2014/main" id="{51CAE9D0-544A-4B1F-B574-D7120E537687}"/>
               </a:ext>
             </a:extLst>
           </p:cNvPr>
@@ -3523,7 +3523,7 @@
           <p:cNvPr id="4" name="Espaço Reservado para Data 3">
             <a:extLst>
               <a:ext uri="{FF2B5EF4-FFF2-40B4-BE49-F238E27FC236}">
-                <a16:creationId xmlns:a16="http://schemas.microsoft.com/office/drawing/2014/main" xmlns="" id="{05E7A6B1-ED5B-4827-8503-F862B2ECAE60}"/>
+                <a16:creationId xmlns="" xmlns:a16="http://schemas.microsoft.com/office/drawing/2014/main" id="{05E7A6B1-ED5B-4827-8503-F862B2ECAE60}"/>
               </a:ext>
             </a:extLst>
           </p:cNvPr>
@@ -3553,7 +3553,7 @@
           <p:cNvPr id="5" name="Espaço Reservado para Rodapé 4">
             <a:extLst>
               <a:ext uri="{FF2B5EF4-FFF2-40B4-BE49-F238E27FC236}">
-                <a16:creationId xmlns:a16="http://schemas.microsoft.com/office/drawing/2014/main" xmlns="" id="{05A0CD02-B28D-44BA-A6D6-D21116F21416}"/>
+                <a16:creationId xmlns="" xmlns:a16="http://schemas.microsoft.com/office/drawing/2014/main" id="{05A0CD02-B28D-44BA-A6D6-D21116F21416}"/>
               </a:ext>
             </a:extLst>
           </p:cNvPr>
@@ -3583,7 +3583,7 @@
           <p:cNvPr id="6" name="Espaço Reservado para Número de Slide 5">
             <a:extLst>
               <a:ext uri="{FF2B5EF4-FFF2-40B4-BE49-F238E27FC236}">
-                <a16:creationId xmlns:a16="http://schemas.microsoft.com/office/drawing/2014/main" xmlns="" id="{2A1E9E18-124F-420D-848F-E5D3EF5611AF}"/>
+                <a16:creationId xmlns="" xmlns:a16="http://schemas.microsoft.com/office/drawing/2014/main" id="{2A1E9E18-124F-420D-848F-E5D3EF5611AF}"/>
               </a:ext>
             </a:extLst>
           </p:cNvPr>
@@ -3645,7 +3645,7 @@
           <p:cNvPr id="2" name="Título 1">
             <a:extLst>
               <a:ext uri="{FF2B5EF4-FFF2-40B4-BE49-F238E27FC236}">
-                <a16:creationId xmlns:a16="http://schemas.microsoft.com/office/drawing/2014/main" xmlns="" id="{749CDB67-247E-4CFC-B935-C01FAC45912D}"/>
+                <a16:creationId xmlns="" xmlns:a16="http://schemas.microsoft.com/office/drawing/2014/main" id="{749CDB67-247E-4CFC-B935-C01FAC45912D}"/>
               </a:ext>
             </a:extLst>
           </p:cNvPr>
@@ -3673,7 +3673,7 @@
           <p:cNvPr id="3" name="Espaço Reservado para Texto Vertical 2">
             <a:extLst>
               <a:ext uri="{FF2B5EF4-FFF2-40B4-BE49-F238E27FC236}">
-                <a16:creationId xmlns:a16="http://schemas.microsoft.com/office/drawing/2014/main" xmlns="" id="{8513F99A-AF0F-49E2-95E8-DB1913A6FAF0}"/>
+                <a16:creationId xmlns="" xmlns:a16="http://schemas.microsoft.com/office/drawing/2014/main" id="{8513F99A-AF0F-49E2-95E8-DB1913A6FAF0}"/>
               </a:ext>
             </a:extLst>
           </p:cNvPr>
@@ -3730,7 +3730,7 @@
           <p:cNvPr id="4" name="Espaço Reservado para Data 3">
             <a:extLst>
               <a:ext uri="{FF2B5EF4-FFF2-40B4-BE49-F238E27FC236}">
-                <a16:creationId xmlns:a16="http://schemas.microsoft.com/office/drawing/2014/main" xmlns="" id="{70EB0773-5E65-48F6-B8B5-A5CFB0204C70}"/>
+                <a16:creationId xmlns="" xmlns:a16="http://schemas.microsoft.com/office/drawing/2014/main" id="{70EB0773-5E65-48F6-B8B5-A5CFB0204C70}"/>
               </a:ext>
             </a:extLst>
           </p:cNvPr>
@@ -3760,7 +3760,7 @@
           <p:cNvPr id="5" name="Espaço Reservado para Rodapé 4">
             <a:extLst>
               <a:ext uri="{FF2B5EF4-FFF2-40B4-BE49-F238E27FC236}">
-                <a16:creationId xmlns:a16="http://schemas.microsoft.com/office/drawing/2014/main" xmlns="" id="{42DB6347-F127-48A2-B5E5-B3C6574F774E}"/>
+                <a16:creationId xmlns="" xmlns:a16="http://schemas.microsoft.com/office/drawing/2014/main" id="{42DB6347-F127-48A2-B5E5-B3C6574F774E}"/>
               </a:ext>
             </a:extLst>
           </p:cNvPr>
@@ -3790,7 +3790,7 @@
           <p:cNvPr id="6" name="Espaço Reservado para Número de Slide 5">
             <a:extLst>
               <a:ext uri="{FF2B5EF4-FFF2-40B4-BE49-F238E27FC236}">
-                <a16:creationId xmlns:a16="http://schemas.microsoft.com/office/drawing/2014/main" xmlns="" id="{CCC05B6F-0320-4840-9DBE-F52340B922AB}"/>
+                <a16:creationId xmlns="" xmlns:a16="http://schemas.microsoft.com/office/drawing/2014/main" id="{CCC05B6F-0320-4840-9DBE-F52340B922AB}"/>
               </a:ext>
             </a:extLst>
           </p:cNvPr>
@@ -3852,7 +3852,7 @@
           <p:cNvPr id="2" name="Título Vertical 1">
             <a:extLst>
               <a:ext uri="{FF2B5EF4-FFF2-40B4-BE49-F238E27FC236}">
-                <a16:creationId xmlns:a16="http://schemas.microsoft.com/office/drawing/2014/main" xmlns="" id="{7A271065-E8FD-46C5-BCB7-F5BAF589DF38}"/>
+                <a16:creationId xmlns="" xmlns:a16="http://schemas.microsoft.com/office/drawing/2014/main" id="{7A271065-E8FD-46C5-BCB7-F5BAF589DF38}"/>
               </a:ext>
             </a:extLst>
           </p:cNvPr>
@@ -3885,7 +3885,7 @@
           <p:cNvPr id="3" name="Espaço Reservado para Texto Vertical 2">
             <a:extLst>
               <a:ext uri="{FF2B5EF4-FFF2-40B4-BE49-F238E27FC236}">
-                <a16:creationId xmlns:a16="http://schemas.microsoft.com/office/drawing/2014/main" xmlns="" id="{53006FF7-555C-4D24-86D8-8391732A3917}"/>
+                <a16:creationId xmlns="" xmlns:a16="http://schemas.microsoft.com/office/drawing/2014/main" id="{53006FF7-555C-4D24-86D8-8391732A3917}"/>
               </a:ext>
             </a:extLst>
           </p:cNvPr>
@@ -3947,7 +3947,7 @@
           <p:cNvPr id="4" name="Espaço Reservado para Data 3">
             <a:extLst>
               <a:ext uri="{FF2B5EF4-FFF2-40B4-BE49-F238E27FC236}">
-                <a16:creationId xmlns:a16="http://schemas.microsoft.com/office/drawing/2014/main" xmlns="" id="{C322060C-8854-44D1-B2F4-3A8F468F0C08}"/>
+                <a16:creationId xmlns="" xmlns:a16="http://schemas.microsoft.com/office/drawing/2014/main" id="{C322060C-8854-44D1-B2F4-3A8F468F0C08}"/>
               </a:ext>
             </a:extLst>
           </p:cNvPr>
@@ -3977,7 +3977,7 @@
           <p:cNvPr id="5" name="Espaço Reservado para Rodapé 4">
             <a:extLst>
               <a:ext uri="{FF2B5EF4-FFF2-40B4-BE49-F238E27FC236}">
-                <a16:creationId xmlns:a16="http://schemas.microsoft.com/office/drawing/2014/main" xmlns="" id="{C110E28E-BF0C-42C0-AB63-BD50EE9B6EF7}"/>
+                <a16:creationId xmlns="" xmlns:a16="http://schemas.microsoft.com/office/drawing/2014/main" id="{C110E28E-BF0C-42C0-AB63-BD50EE9B6EF7}"/>
               </a:ext>
             </a:extLst>
           </p:cNvPr>
@@ -4007,7 +4007,7 @@
           <p:cNvPr id="6" name="Espaço Reservado para Número de Slide 5">
             <a:extLst>
               <a:ext uri="{FF2B5EF4-FFF2-40B4-BE49-F238E27FC236}">
-                <a16:creationId xmlns:a16="http://schemas.microsoft.com/office/drawing/2014/main" xmlns="" id="{1424E9DD-C7CB-49CD-A3B2-D99FDBB84DD1}"/>
+                <a16:creationId xmlns="" xmlns:a16="http://schemas.microsoft.com/office/drawing/2014/main" id="{1424E9DD-C7CB-49CD-A3B2-D99FDBB84DD1}"/>
               </a:ext>
             </a:extLst>
           </p:cNvPr>
@@ -4186,7 +4186,7 @@
           <p:cNvPr id="2" name="Título 1">
             <a:extLst>
               <a:ext uri="{FF2B5EF4-FFF2-40B4-BE49-F238E27FC236}">
-                <a16:creationId xmlns:a16="http://schemas.microsoft.com/office/drawing/2014/main" xmlns="" id="{65A76646-477F-4DC3-93B6-6E97BA8576D9}"/>
+                <a16:creationId xmlns="" xmlns:a16="http://schemas.microsoft.com/office/drawing/2014/main" id="{65A76646-477F-4DC3-93B6-6E97BA8576D9}"/>
               </a:ext>
             </a:extLst>
           </p:cNvPr>
@@ -4214,7 +4214,7 @@
           <p:cNvPr id="3" name="Espaço Reservado para Conteúdo 2">
             <a:extLst>
               <a:ext uri="{FF2B5EF4-FFF2-40B4-BE49-F238E27FC236}">
-                <a16:creationId xmlns:a16="http://schemas.microsoft.com/office/drawing/2014/main" xmlns="" id="{F437C698-3FBC-455B-A64F-543780F4CDD4}"/>
+                <a16:creationId xmlns="" xmlns:a16="http://schemas.microsoft.com/office/drawing/2014/main" id="{F437C698-3FBC-455B-A64F-543780F4CDD4}"/>
               </a:ext>
             </a:extLst>
           </p:cNvPr>
@@ -4271,7 +4271,7 @@
           <p:cNvPr id="4" name="Espaço Reservado para Data 3">
             <a:extLst>
               <a:ext uri="{FF2B5EF4-FFF2-40B4-BE49-F238E27FC236}">
-                <a16:creationId xmlns:a16="http://schemas.microsoft.com/office/drawing/2014/main" xmlns="" id="{0A3C3C5D-E998-4F65-B2C1-65DCC34A9093}"/>
+                <a16:creationId xmlns="" xmlns:a16="http://schemas.microsoft.com/office/drawing/2014/main" id="{0A3C3C5D-E998-4F65-B2C1-65DCC34A9093}"/>
               </a:ext>
             </a:extLst>
           </p:cNvPr>
@@ -4301,7 +4301,7 @@
           <p:cNvPr id="5" name="Espaço Reservado para Rodapé 4">
             <a:extLst>
               <a:ext uri="{FF2B5EF4-FFF2-40B4-BE49-F238E27FC236}">
-                <a16:creationId xmlns:a16="http://schemas.microsoft.com/office/drawing/2014/main" xmlns="" id="{B482CA17-C994-4F44-9CA0-A9C2694AAD56}"/>
+                <a16:creationId xmlns="" xmlns:a16="http://schemas.microsoft.com/office/drawing/2014/main" id="{B482CA17-C994-4F44-9CA0-A9C2694AAD56}"/>
               </a:ext>
             </a:extLst>
           </p:cNvPr>
@@ -4331,7 +4331,7 @@
           <p:cNvPr id="6" name="Espaço Reservado para Número de Slide 5">
             <a:extLst>
               <a:ext uri="{FF2B5EF4-FFF2-40B4-BE49-F238E27FC236}">
-                <a16:creationId xmlns:a16="http://schemas.microsoft.com/office/drawing/2014/main" xmlns="" id="{B03762D5-BBC8-4E4C-A678-09AF3379E404}"/>
+                <a16:creationId xmlns="" xmlns:a16="http://schemas.microsoft.com/office/drawing/2014/main" id="{B03762D5-BBC8-4E4C-A678-09AF3379E404}"/>
               </a:ext>
             </a:extLst>
           </p:cNvPr>
@@ -4393,7 +4393,7 @@
           <p:cNvPr id="2" name="Título 1">
             <a:extLst>
               <a:ext uri="{FF2B5EF4-FFF2-40B4-BE49-F238E27FC236}">
-                <a16:creationId xmlns:a16="http://schemas.microsoft.com/office/drawing/2014/main" xmlns="" id="{D57F0FB3-AE4C-4FF3-BBAA-425ACAC2D8F5}"/>
+                <a16:creationId xmlns="" xmlns:a16="http://schemas.microsoft.com/office/drawing/2014/main" id="{D57F0FB3-AE4C-4FF3-BBAA-425ACAC2D8F5}"/>
               </a:ext>
             </a:extLst>
           </p:cNvPr>
@@ -4430,7 +4430,7 @@
           <p:cNvPr id="3" name="Espaço Reservado para Texto 2">
             <a:extLst>
               <a:ext uri="{FF2B5EF4-FFF2-40B4-BE49-F238E27FC236}">
-                <a16:creationId xmlns:a16="http://schemas.microsoft.com/office/drawing/2014/main" xmlns="" id="{CF6A422B-99F1-4FD5-8630-B1D60130CBDA}"/>
+                <a16:creationId xmlns="" xmlns:a16="http://schemas.microsoft.com/office/drawing/2014/main" id="{CF6A422B-99F1-4FD5-8630-B1D60130CBDA}"/>
               </a:ext>
             </a:extLst>
           </p:cNvPr>
@@ -4555,7 +4555,7 @@
           <p:cNvPr id="4" name="Espaço Reservado para Data 3">
             <a:extLst>
               <a:ext uri="{FF2B5EF4-FFF2-40B4-BE49-F238E27FC236}">
-                <a16:creationId xmlns:a16="http://schemas.microsoft.com/office/drawing/2014/main" xmlns="" id="{C08581E8-AB8A-477A-8D90-ED018B3D3A6D}"/>
+                <a16:creationId xmlns="" xmlns:a16="http://schemas.microsoft.com/office/drawing/2014/main" id="{C08581E8-AB8A-477A-8D90-ED018B3D3A6D}"/>
               </a:ext>
             </a:extLst>
           </p:cNvPr>
@@ -4585,7 +4585,7 @@
           <p:cNvPr id="5" name="Espaço Reservado para Rodapé 4">
             <a:extLst>
               <a:ext uri="{FF2B5EF4-FFF2-40B4-BE49-F238E27FC236}">
-                <a16:creationId xmlns:a16="http://schemas.microsoft.com/office/drawing/2014/main" xmlns="" id="{648E47BE-8DEA-4804-9454-FC8027304DEE}"/>
+                <a16:creationId xmlns="" xmlns:a16="http://schemas.microsoft.com/office/drawing/2014/main" id="{648E47BE-8DEA-4804-9454-FC8027304DEE}"/>
               </a:ext>
             </a:extLst>
           </p:cNvPr>
@@ -4615,7 +4615,7 @@
           <p:cNvPr id="6" name="Espaço Reservado para Número de Slide 5">
             <a:extLst>
               <a:ext uri="{FF2B5EF4-FFF2-40B4-BE49-F238E27FC236}">
-                <a16:creationId xmlns:a16="http://schemas.microsoft.com/office/drawing/2014/main" xmlns="" id="{4C4745E7-5C38-4367-9803-31D163C90418}"/>
+                <a16:creationId xmlns="" xmlns:a16="http://schemas.microsoft.com/office/drawing/2014/main" id="{4C4745E7-5C38-4367-9803-31D163C90418}"/>
               </a:ext>
             </a:extLst>
           </p:cNvPr>
@@ -4677,7 +4677,7 @@
           <p:cNvPr id="2" name="Título 1">
             <a:extLst>
               <a:ext uri="{FF2B5EF4-FFF2-40B4-BE49-F238E27FC236}">
-                <a16:creationId xmlns:a16="http://schemas.microsoft.com/office/drawing/2014/main" xmlns="" id="{DF6545DF-287C-420C-B704-9296AF8EF71F}"/>
+                <a16:creationId xmlns="" xmlns:a16="http://schemas.microsoft.com/office/drawing/2014/main" id="{DF6545DF-287C-420C-B704-9296AF8EF71F}"/>
               </a:ext>
             </a:extLst>
           </p:cNvPr>
@@ -4705,7 +4705,7 @@
           <p:cNvPr id="3" name="Espaço Reservado para Conteúdo 2">
             <a:extLst>
               <a:ext uri="{FF2B5EF4-FFF2-40B4-BE49-F238E27FC236}">
-                <a16:creationId xmlns:a16="http://schemas.microsoft.com/office/drawing/2014/main" xmlns="" id="{42D68AEE-6A6E-4DB3-9578-88FB08B7677A}"/>
+                <a16:creationId xmlns="" xmlns:a16="http://schemas.microsoft.com/office/drawing/2014/main" id="{42D68AEE-6A6E-4DB3-9578-88FB08B7677A}"/>
               </a:ext>
             </a:extLst>
           </p:cNvPr>
@@ -4767,7 +4767,7 @@
           <p:cNvPr id="4" name="Espaço Reservado para Conteúdo 3">
             <a:extLst>
               <a:ext uri="{FF2B5EF4-FFF2-40B4-BE49-F238E27FC236}">
-                <a16:creationId xmlns:a16="http://schemas.microsoft.com/office/drawing/2014/main" xmlns="" id="{AFC11F56-F88C-43CC-B471-CE26A359D6CE}"/>
+                <a16:creationId xmlns="" xmlns:a16="http://schemas.microsoft.com/office/drawing/2014/main" id="{AFC11F56-F88C-43CC-B471-CE26A359D6CE}"/>
               </a:ext>
             </a:extLst>
           </p:cNvPr>
@@ -4829,7 +4829,7 @@
           <p:cNvPr id="5" name="Espaço Reservado para Data 4">
             <a:extLst>
               <a:ext uri="{FF2B5EF4-FFF2-40B4-BE49-F238E27FC236}">
-                <a16:creationId xmlns:a16="http://schemas.microsoft.com/office/drawing/2014/main" xmlns="" id="{0D47E071-BB0C-44DA-9348-80389B8AF030}"/>
+                <a16:creationId xmlns="" xmlns:a16="http://schemas.microsoft.com/office/drawing/2014/main" id="{0D47E071-BB0C-44DA-9348-80389B8AF030}"/>
               </a:ext>
             </a:extLst>
           </p:cNvPr>
@@ -4859,7 +4859,7 @@
           <p:cNvPr id="6" name="Espaço Reservado para Rodapé 5">
             <a:extLst>
               <a:ext uri="{FF2B5EF4-FFF2-40B4-BE49-F238E27FC236}">
-                <a16:creationId xmlns:a16="http://schemas.microsoft.com/office/drawing/2014/main" xmlns="" id="{BD1D7A69-5491-46B3-9940-9FD43C398E93}"/>
+                <a16:creationId xmlns="" xmlns:a16="http://schemas.microsoft.com/office/drawing/2014/main" id="{BD1D7A69-5491-46B3-9940-9FD43C398E93}"/>
               </a:ext>
             </a:extLst>
           </p:cNvPr>
@@ -4889,7 +4889,7 @@
           <p:cNvPr id="7" name="Espaço Reservado para Número de Slide 6">
             <a:extLst>
               <a:ext uri="{FF2B5EF4-FFF2-40B4-BE49-F238E27FC236}">
-                <a16:creationId xmlns:a16="http://schemas.microsoft.com/office/drawing/2014/main" xmlns="" id="{EFE2BA0D-7FDA-4B96-96CD-ED8B7D0481E5}"/>
+                <a16:creationId xmlns="" xmlns:a16="http://schemas.microsoft.com/office/drawing/2014/main" id="{EFE2BA0D-7FDA-4B96-96CD-ED8B7D0481E5}"/>
               </a:ext>
             </a:extLst>
           </p:cNvPr>
@@ -4951,7 +4951,7 @@
           <p:cNvPr id="2" name="Título 1">
             <a:extLst>
               <a:ext uri="{FF2B5EF4-FFF2-40B4-BE49-F238E27FC236}">
-                <a16:creationId xmlns:a16="http://schemas.microsoft.com/office/drawing/2014/main" xmlns="" id="{4650CA4E-CAD3-471C-9192-FD8060E1F123}"/>
+                <a16:creationId xmlns="" xmlns:a16="http://schemas.microsoft.com/office/drawing/2014/main" id="{4650CA4E-CAD3-471C-9192-FD8060E1F123}"/>
               </a:ext>
             </a:extLst>
           </p:cNvPr>
@@ -4984,7 +4984,7 @@
           <p:cNvPr id="3" name="Espaço Reservado para Texto 2">
             <a:extLst>
               <a:ext uri="{FF2B5EF4-FFF2-40B4-BE49-F238E27FC236}">
-                <a16:creationId xmlns:a16="http://schemas.microsoft.com/office/drawing/2014/main" xmlns="" id="{33927C35-10FF-441C-BC0E-4F678989A5F3}"/>
+                <a16:creationId xmlns="" xmlns:a16="http://schemas.microsoft.com/office/drawing/2014/main" id="{33927C35-10FF-441C-BC0E-4F678989A5F3}"/>
               </a:ext>
             </a:extLst>
           </p:cNvPr>
@@ -5055,7 +5055,7 @@
           <p:cNvPr id="4" name="Espaço Reservado para Conteúdo 3">
             <a:extLst>
               <a:ext uri="{FF2B5EF4-FFF2-40B4-BE49-F238E27FC236}">
-                <a16:creationId xmlns:a16="http://schemas.microsoft.com/office/drawing/2014/main" xmlns="" id="{86DE992B-D12C-4EC0-B8B9-F73F4DC796DD}"/>
+                <a16:creationId xmlns="" xmlns:a16="http://schemas.microsoft.com/office/drawing/2014/main" id="{86DE992B-D12C-4EC0-B8B9-F73F4DC796DD}"/>
               </a:ext>
             </a:extLst>
           </p:cNvPr>
@@ -5117,7 +5117,7 @@
           <p:cNvPr id="5" name="Espaço Reservado para Texto 4">
             <a:extLst>
               <a:ext uri="{FF2B5EF4-FFF2-40B4-BE49-F238E27FC236}">
-                <a16:creationId xmlns:a16="http://schemas.microsoft.com/office/drawing/2014/main" xmlns="" id="{4D50EA5A-0C05-4541-A620-518F91AF9219}"/>
+                <a16:creationId xmlns="" xmlns:a16="http://schemas.microsoft.com/office/drawing/2014/main" id="{4D50EA5A-0C05-4541-A620-518F91AF9219}"/>
               </a:ext>
             </a:extLst>
           </p:cNvPr>
@@ -5188,7 +5188,7 @@
           <p:cNvPr id="6" name="Espaço Reservado para Conteúdo 5">
             <a:extLst>
               <a:ext uri="{FF2B5EF4-FFF2-40B4-BE49-F238E27FC236}">
-                <a16:creationId xmlns:a16="http://schemas.microsoft.com/office/drawing/2014/main" xmlns="" id="{38E03F06-5FD5-49F4-A60C-1C7BF6F314EC}"/>
+                <a16:creationId xmlns="" xmlns:a16="http://schemas.microsoft.com/office/drawing/2014/main" id="{38E03F06-5FD5-49F4-A60C-1C7BF6F314EC}"/>
               </a:ext>
             </a:extLst>
           </p:cNvPr>
@@ -5250,7 +5250,7 @@
           <p:cNvPr id="7" name="Espaço Reservado para Data 6">
             <a:extLst>
               <a:ext uri="{FF2B5EF4-FFF2-40B4-BE49-F238E27FC236}">
-                <a16:creationId xmlns:a16="http://schemas.microsoft.com/office/drawing/2014/main" xmlns="" id="{71B4D5E1-DD1A-4208-A22C-F18B282A9475}"/>
+                <a16:creationId xmlns="" xmlns:a16="http://schemas.microsoft.com/office/drawing/2014/main" id="{71B4D5E1-DD1A-4208-A22C-F18B282A9475}"/>
               </a:ext>
             </a:extLst>
           </p:cNvPr>
@@ -5280,7 +5280,7 @@
           <p:cNvPr id="8" name="Espaço Reservado para Rodapé 7">
             <a:extLst>
               <a:ext uri="{FF2B5EF4-FFF2-40B4-BE49-F238E27FC236}">
-                <a16:creationId xmlns:a16="http://schemas.microsoft.com/office/drawing/2014/main" xmlns="" id="{641CEADA-441F-4AA1-97D9-F07FF4D2ABE0}"/>
+                <a16:creationId xmlns="" xmlns:a16="http://schemas.microsoft.com/office/drawing/2014/main" id="{641CEADA-441F-4AA1-97D9-F07FF4D2ABE0}"/>
               </a:ext>
             </a:extLst>
           </p:cNvPr>
@@ -5310,7 +5310,7 @@
           <p:cNvPr id="9" name="Espaço Reservado para Número de Slide 8">
             <a:extLst>
               <a:ext uri="{FF2B5EF4-FFF2-40B4-BE49-F238E27FC236}">
-                <a16:creationId xmlns:a16="http://schemas.microsoft.com/office/drawing/2014/main" xmlns="" id="{9C79D476-5F9C-403B-96CD-9E0BEDF83764}"/>
+                <a16:creationId xmlns="" xmlns:a16="http://schemas.microsoft.com/office/drawing/2014/main" id="{9C79D476-5F9C-403B-96CD-9E0BEDF83764}"/>
               </a:ext>
             </a:extLst>
           </p:cNvPr>
@@ -5359,7 +5359,7 @@
   </mc:AlternateContent>
   <p:extLst>
     <p:ext uri="{DCECCB84-F9BA-43D5-87BE-67443E8EF086}">
-      <p15:sldGuideLst xmlns:p15="http://schemas.microsoft.com/office/powerpoint/2012/main" xmlns=""/>
+      <p15:sldGuideLst xmlns="" xmlns:p15="http://schemas.microsoft.com/office/powerpoint/2012/main"/>
     </p:ext>
   </p:extLst>
 </p:sldLayout>
@@ -5387,7 +5387,7 @@
           <p:cNvPr id="2" name="Título 1">
             <a:extLst>
               <a:ext uri="{FF2B5EF4-FFF2-40B4-BE49-F238E27FC236}">
-                <a16:creationId xmlns:a16="http://schemas.microsoft.com/office/drawing/2014/main" xmlns="" id="{16068DDE-35F6-494A-8DD4-65DC01724C08}"/>
+                <a16:creationId xmlns="" xmlns:a16="http://schemas.microsoft.com/office/drawing/2014/main" id="{16068DDE-35F6-494A-8DD4-65DC01724C08}"/>
               </a:ext>
             </a:extLst>
           </p:cNvPr>
@@ -5415,7 +5415,7 @@
           <p:cNvPr id="3" name="Espaço Reservado para Data 2">
             <a:extLst>
               <a:ext uri="{FF2B5EF4-FFF2-40B4-BE49-F238E27FC236}">
-                <a16:creationId xmlns:a16="http://schemas.microsoft.com/office/drawing/2014/main" xmlns="" id="{FDD6150E-1E49-4B30-BAD3-648928CB16FE}"/>
+                <a16:creationId xmlns="" xmlns:a16="http://schemas.microsoft.com/office/drawing/2014/main" id="{FDD6150E-1E49-4B30-BAD3-648928CB16FE}"/>
               </a:ext>
             </a:extLst>
           </p:cNvPr>
@@ -5445,7 +5445,7 @@
           <p:cNvPr id="4" name="Espaço Reservado para Rodapé 3">
             <a:extLst>
               <a:ext uri="{FF2B5EF4-FFF2-40B4-BE49-F238E27FC236}">
-                <a16:creationId xmlns:a16="http://schemas.microsoft.com/office/drawing/2014/main" xmlns="" id="{EB181428-25ED-4544-BC01-E504AED586E2}"/>
+                <a16:creationId xmlns="" xmlns:a16="http://schemas.microsoft.com/office/drawing/2014/main" id="{EB181428-25ED-4544-BC01-E504AED586E2}"/>
               </a:ext>
             </a:extLst>
           </p:cNvPr>
@@ -5475,7 +5475,7 @@
           <p:cNvPr id="5" name="Espaço Reservado para Número de Slide 4">
             <a:extLst>
               <a:ext uri="{FF2B5EF4-FFF2-40B4-BE49-F238E27FC236}">
-                <a16:creationId xmlns:a16="http://schemas.microsoft.com/office/drawing/2014/main" xmlns="" id="{13A5EB19-F7F0-4B5C-8BD6-347F56FEBE37}"/>
+                <a16:creationId xmlns="" xmlns:a16="http://schemas.microsoft.com/office/drawing/2014/main" id="{13A5EB19-F7F0-4B5C-8BD6-347F56FEBE37}"/>
               </a:ext>
             </a:extLst>
           </p:cNvPr>
@@ -5547,7 +5547,7 @@
           <p:cNvPr id="2" name="Espaço Reservado para Data 1">
             <a:extLst>
               <a:ext uri="{FF2B5EF4-FFF2-40B4-BE49-F238E27FC236}">
-                <a16:creationId xmlns:a16="http://schemas.microsoft.com/office/drawing/2014/main" xmlns="" id="{BFA09DCC-9233-4CAE-ACFD-D1944DDFFA18}"/>
+                <a16:creationId xmlns="" xmlns:a16="http://schemas.microsoft.com/office/drawing/2014/main" id="{BFA09DCC-9233-4CAE-ACFD-D1944DDFFA18}"/>
               </a:ext>
             </a:extLst>
           </p:cNvPr>
@@ -5577,7 +5577,7 @@
           <p:cNvPr id="3" name="Espaço Reservado para Rodapé 2">
             <a:extLst>
               <a:ext uri="{FF2B5EF4-FFF2-40B4-BE49-F238E27FC236}">
-                <a16:creationId xmlns:a16="http://schemas.microsoft.com/office/drawing/2014/main" xmlns="" id="{444622EF-844D-41D2-9C39-B3E6E2EE4E01}"/>
+                <a16:creationId xmlns="" xmlns:a16="http://schemas.microsoft.com/office/drawing/2014/main" id="{444622EF-844D-41D2-9C39-B3E6E2EE4E01}"/>
               </a:ext>
             </a:extLst>
           </p:cNvPr>
@@ -5607,7 +5607,7 @@
           <p:cNvPr id="4" name="Espaço Reservado para Número de Slide 3">
             <a:extLst>
               <a:ext uri="{FF2B5EF4-FFF2-40B4-BE49-F238E27FC236}">
-                <a16:creationId xmlns:a16="http://schemas.microsoft.com/office/drawing/2014/main" xmlns="" id="{59AF3F4E-6CA8-4692-A6BE-9C22A3AC0CBB}"/>
+                <a16:creationId xmlns="" xmlns:a16="http://schemas.microsoft.com/office/drawing/2014/main" id="{59AF3F4E-6CA8-4692-A6BE-9C22A3AC0CBB}"/>
               </a:ext>
             </a:extLst>
           </p:cNvPr>
@@ -5679,7 +5679,7 @@
           <p:cNvPr id="2" name="Título 1">
             <a:extLst>
               <a:ext uri="{FF2B5EF4-FFF2-40B4-BE49-F238E27FC236}">
-                <a16:creationId xmlns:a16="http://schemas.microsoft.com/office/drawing/2014/main" xmlns="" id="{62433BF4-EB7C-45B5-9204-D6989F6E1EF6}"/>
+                <a16:creationId xmlns="" xmlns:a16="http://schemas.microsoft.com/office/drawing/2014/main" id="{62433BF4-EB7C-45B5-9204-D6989F6E1EF6}"/>
               </a:ext>
             </a:extLst>
           </p:cNvPr>
@@ -5716,7 +5716,7 @@
           <p:cNvPr id="3" name="Espaço Reservado para Conteúdo 2">
             <a:extLst>
               <a:ext uri="{FF2B5EF4-FFF2-40B4-BE49-F238E27FC236}">
-                <a16:creationId xmlns:a16="http://schemas.microsoft.com/office/drawing/2014/main" xmlns="" id="{333FA09C-8318-4961-A093-1A0D4D00B7EB}"/>
+                <a16:creationId xmlns="" xmlns:a16="http://schemas.microsoft.com/office/drawing/2014/main" id="{333FA09C-8318-4961-A093-1A0D4D00B7EB}"/>
               </a:ext>
             </a:extLst>
           </p:cNvPr>
@@ -5806,7 +5806,7 @@
           <p:cNvPr id="4" name="Espaço Reservado para Texto 3">
             <a:extLst>
               <a:ext uri="{FF2B5EF4-FFF2-40B4-BE49-F238E27FC236}">
-                <a16:creationId xmlns:a16="http://schemas.microsoft.com/office/drawing/2014/main" xmlns="" id="{0A8C28F5-072C-439F-A715-443B700B4AF8}"/>
+                <a16:creationId xmlns="" xmlns:a16="http://schemas.microsoft.com/office/drawing/2014/main" id="{0A8C28F5-072C-439F-A715-443B700B4AF8}"/>
               </a:ext>
             </a:extLst>
           </p:cNvPr>
@@ -5877,7 +5877,7 @@
           <p:cNvPr id="5" name="Espaço Reservado para Data 4">
             <a:extLst>
               <a:ext uri="{FF2B5EF4-FFF2-40B4-BE49-F238E27FC236}">
-                <a16:creationId xmlns:a16="http://schemas.microsoft.com/office/drawing/2014/main" xmlns="" id="{24F88EDA-4E8E-4F12-8923-CA9FAA822BF0}"/>
+                <a16:creationId xmlns="" xmlns:a16="http://schemas.microsoft.com/office/drawing/2014/main" id="{24F88EDA-4E8E-4F12-8923-CA9FAA822BF0}"/>
               </a:ext>
             </a:extLst>
           </p:cNvPr>
@@ -5907,7 +5907,7 @@
           <p:cNvPr id="6" name="Espaço Reservado para Rodapé 5">
             <a:extLst>
               <a:ext uri="{FF2B5EF4-FFF2-40B4-BE49-F238E27FC236}">
-                <a16:creationId xmlns:a16="http://schemas.microsoft.com/office/drawing/2014/main" xmlns="" id="{6E826B8B-EC61-483B-878C-72E9C8959E34}"/>
+                <a16:creationId xmlns="" xmlns:a16="http://schemas.microsoft.com/office/drawing/2014/main" id="{6E826B8B-EC61-483B-878C-72E9C8959E34}"/>
               </a:ext>
             </a:extLst>
           </p:cNvPr>
@@ -5937,7 +5937,7 @@
           <p:cNvPr id="7" name="Espaço Reservado para Número de Slide 6">
             <a:extLst>
               <a:ext uri="{FF2B5EF4-FFF2-40B4-BE49-F238E27FC236}">
-                <a16:creationId xmlns:a16="http://schemas.microsoft.com/office/drawing/2014/main" xmlns="" id="{B9EDA95B-F2FD-43DF-82D2-9DB2A9571727}"/>
+                <a16:creationId xmlns="" xmlns:a16="http://schemas.microsoft.com/office/drawing/2014/main" id="{B9EDA95B-F2FD-43DF-82D2-9DB2A9571727}"/>
               </a:ext>
             </a:extLst>
           </p:cNvPr>
@@ -5986,7 +5986,7 @@
   </mc:AlternateContent>
   <p:extLst>
     <p:ext uri="{DCECCB84-F9BA-43D5-87BE-67443E8EF086}">
-      <p15:sldGuideLst xmlns:p15="http://schemas.microsoft.com/office/powerpoint/2012/main" xmlns=""/>
+      <p15:sldGuideLst xmlns="" xmlns:p15="http://schemas.microsoft.com/office/powerpoint/2012/main"/>
     </p:ext>
   </p:extLst>
 </p:sldLayout>
@@ -6014,7 +6014,7 @@
           <p:cNvPr id="2" name="Título 1">
             <a:extLst>
               <a:ext uri="{FF2B5EF4-FFF2-40B4-BE49-F238E27FC236}">
-                <a16:creationId xmlns:a16="http://schemas.microsoft.com/office/drawing/2014/main" xmlns="" id="{08A99CE4-6079-437F-8713-FD50F200B60B}"/>
+                <a16:creationId xmlns="" xmlns:a16="http://schemas.microsoft.com/office/drawing/2014/main" id="{08A99CE4-6079-437F-8713-FD50F200B60B}"/>
               </a:ext>
             </a:extLst>
           </p:cNvPr>
@@ -6051,7 +6051,7 @@
           <p:cNvPr id="3" name="Espaço Reservado para Imagem 2">
             <a:extLst>
               <a:ext uri="{FF2B5EF4-FFF2-40B4-BE49-F238E27FC236}">
-                <a16:creationId xmlns:a16="http://schemas.microsoft.com/office/drawing/2014/main" xmlns="" id="{FF353BD5-6832-4AA1-BE01-AFFAB34A2F7A}"/>
+                <a16:creationId xmlns="" xmlns:a16="http://schemas.microsoft.com/office/drawing/2014/main" id="{FF353BD5-6832-4AA1-BE01-AFFAB34A2F7A}"/>
               </a:ext>
             </a:extLst>
           </p:cNvPr>
@@ -6118,7 +6118,7 @@
           <p:cNvPr id="4" name="Espaço Reservado para Texto 3">
             <a:extLst>
               <a:ext uri="{FF2B5EF4-FFF2-40B4-BE49-F238E27FC236}">
-                <a16:creationId xmlns:a16="http://schemas.microsoft.com/office/drawing/2014/main" xmlns="" id="{62B82EC0-B14D-4A63-B2AD-83CD2C58C89D}"/>
+                <a16:creationId xmlns="" xmlns:a16="http://schemas.microsoft.com/office/drawing/2014/main" id="{62B82EC0-B14D-4A63-B2AD-83CD2C58C89D}"/>
               </a:ext>
             </a:extLst>
           </p:cNvPr>
@@ -6189,7 +6189,7 @@
           <p:cNvPr id="5" name="Espaço Reservado para Data 4">
             <a:extLst>
               <a:ext uri="{FF2B5EF4-FFF2-40B4-BE49-F238E27FC236}">
-                <a16:creationId xmlns:a16="http://schemas.microsoft.com/office/drawing/2014/main" xmlns="" id="{DE711C9D-1B7D-4F6A-A7E9-3E5685E516E5}"/>
+                <a16:creationId xmlns="" xmlns:a16="http://schemas.microsoft.com/office/drawing/2014/main" id="{DE711C9D-1B7D-4F6A-A7E9-3E5685E516E5}"/>
               </a:ext>
             </a:extLst>
           </p:cNvPr>
@@ -6219,7 +6219,7 @@
           <p:cNvPr id="6" name="Espaço Reservado para Rodapé 5">
             <a:extLst>
               <a:ext uri="{FF2B5EF4-FFF2-40B4-BE49-F238E27FC236}">
-                <a16:creationId xmlns:a16="http://schemas.microsoft.com/office/drawing/2014/main" xmlns="" id="{7C0115E1-5C8B-48D8-8864-2D123A87BFF3}"/>
+                <a16:creationId xmlns="" xmlns:a16="http://schemas.microsoft.com/office/drawing/2014/main" id="{7C0115E1-5C8B-48D8-8864-2D123A87BFF3}"/>
               </a:ext>
             </a:extLst>
           </p:cNvPr>
@@ -6249,7 +6249,7 @@
           <p:cNvPr id="7" name="Espaço Reservado para Número de Slide 6">
             <a:extLst>
               <a:ext uri="{FF2B5EF4-FFF2-40B4-BE49-F238E27FC236}">
-                <a16:creationId xmlns:a16="http://schemas.microsoft.com/office/drawing/2014/main" xmlns="" id="{1CF25855-6709-42E9-AD73-D3756F67F757}"/>
+                <a16:creationId xmlns="" xmlns:a16="http://schemas.microsoft.com/office/drawing/2014/main" id="{1CF25855-6709-42E9-AD73-D3756F67F757}"/>
               </a:ext>
             </a:extLst>
           </p:cNvPr>
@@ -6316,7 +6316,7 @@
           <p:cNvPr id="2" name="Espaço Reservado para Título 1">
             <a:extLst>
               <a:ext uri="{FF2B5EF4-FFF2-40B4-BE49-F238E27FC236}">
-                <a16:creationId xmlns:a16="http://schemas.microsoft.com/office/drawing/2014/main" xmlns="" id="{C138DEF2-0077-4F48-9703-11D18FCADE10}"/>
+                <a16:creationId xmlns="" xmlns:a16="http://schemas.microsoft.com/office/drawing/2014/main" id="{C138DEF2-0077-4F48-9703-11D18FCADE10}"/>
               </a:ext>
             </a:extLst>
           </p:cNvPr>
@@ -6354,7 +6354,7 @@
           <p:cNvPr id="3" name="Espaço Reservado para Texto 2">
             <a:extLst>
               <a:ext uri="{FF2B5EF4-FFF2-40B4-BE49-F238E27FC236}">
-                <a16:creationId xmlns:a16="http://schemas.microsoft.com/office/drawing/2014/main" xmlns="" id="{F035B580-AD85-4EE1-A30D-23BF7F0E6150}"/>
+                <a16:creationId xmlns="" xmlns:a16="http://schemas.microsoft.com/office/drawing/2014/main" id="{F035B580-AD85-4EE1-A30D-23BF7F0E6150}"/>
               </a:ext>
             </a:extLst>
           </p:cNvPr>
@@ -6421,7 +6421,7 @@
           <p:cNvPr id="4" name="Espaço Reservado para Data 3">
             <a:extLst>
               <a:ext uri="{FF2B5EF4-FFF2-40B4-BE49-F238E27FC236}">
-                <a16:creationId xmlns:a16="http://schemas.microsoft.com/office/drawing/2014/main" xmlns="" id="{7830DF28-DDB8-40CC-92AE-9D4C75AC1441}"/>
+                <a16:creationId xmlns="" xmlns:a16="http://schemas.microsoft.com/office/drawing/2014/main" id="{7830DF28-DDB8-40CC-92AE-9D4C75AC1441}"/>
               </a:ext>
             </a:extLst>
           </p:cNvPr>
@@ -6469,7 +6469,7 @@
           <p:cNvPr id="5" name="Espaço Reservado para Rodapé 4">
             <a:extLst>
               <a:ext uri="{FF2B5EF4-FFF2-40B4-BE49-F238E27FC236}">
-                <a16:creationId xmlns:a16="http://schemas.microsoft.com/office/drawing/2014/main" xmlns="" id="{36A3BFE7-DD1F-46D9-9610-2A86130E72FC}"/>
+                <a16:creationId xmlns="" xmlns:a16="http://schemas.microsoft.com/office/drawing/2014/main" id="{36A3BFE7-DD1F-46D9-9610-2A86130E72FC}"/>
               </a:ext>
             </a:extLst>
           </p:cNvPr>
@@ -6517,7 +6517,7 @@
           <p:cNvPr id="6" name="Espaço Reservado para Número de Slide 5">
             <a:extLst>
               <a:ext uri="{FF2B5EF4-FFF2-40B4-BE49-F238E27FC236}">
-                <a16:creationId xmlns:a16="http://schemas.microsoft.com/office/drawing/2014/main" xmlns="" id="{59F4F714-D84C-4848-AEAB-595364DC3302}"/>
+                <a16:creationId xmlns="" xmlns:a16="http://schemas.microsoft.com/office/drawing/2014/main" id="{59F4F714-D84C-4848-AEAB-595364DC3302}"/>
               </a:ext>
             </a:extLst>
           </p:cNvPr>
@@ -6566,7 +6566,7 @@
           <p:cNvPr id="7" name="Retângulo 6">
             <a:extLst>
               <a:ext uri="{FF2B5EF4-FFF2-40B4-BE49-F238E27FC236}">
-                <a16:creationId xmlns:a16="http://schemas.microsoft.com/office/drawing/2014/main" xmlns="" id="{25144D4D-9551-44E4-BE4D-D1B77CB41695}"/>
+                <a16:creationId xmlns="" xmlns:a16="http://schemas.microsoft.com/office/drawing/2014/main" id="{25144D4D-9551-44E4-BE4D-D1B77CB41695}"/>
               </a:ext>
             </a:extLst>
           </p:cNvPr>
@@ -6944,7 +6944,7 @@
   </p:txStyles>
   <p:extLst>
     <p:ext uri="{27BBF7A9-308A-43DC-89C8-2F10F3537804}">
-      <p15:sldGuideLst xmlns:p15="http://schemas.microsoft.com/office/powerpoint/2012/main" xmlns="">
+      <p15:sldGuideLst xmlns="" xmlns:p15="http://schemas.microsoft.com/office/powerpoint/2012/main">
         <p15:guide id="1" orient="horz" pos="2880" userDrawn="1">
           <p15:clr>
             <a:srgbClr val="F26B43"/>
@@ -7011,7 +7011,7 @@
           <p:cNvPr id="18" name="Agrupar 17">
             <a:extLst>
               <a:ext uri="{FF2B5EF4-FFF2-40B4-BE49-F238E27FC236}">
-                <a16:creationId xmlns:a16="http://schemas.microsoft.com/office/drawing/2014/main" xmlns="" id="{091CF8E9-9826-4DC9-8B8A-385E1F361D84}"/>
+                <a16:creationId xmlns="" xmlns:a16="http://schemas.microsoft.com/office/drawing/2014/main" id="{091CF8E9-9826-4DC9-8B8A-385E1F361D84}"/>
               </a:ext>
             </a:extLst>
           </p:cNvPr>
@@ -7031,7 +7031,7 @@
             <p:cNvPr id="7" name="Imagem 6">
               <a:extLst>
                 <a:ext uri="{FF2B5EF4-FFF2-40B4-BE49-F238E27FC236}">
-                  <a16:creationId xmlns:a16="http://schemas.microsoft.com/office/drawing/2014/main" xmlns="" id="{82213B39-016E-431F-BB49-787213EAD620}"/>
+                  <a16:creationId xmlns="" xmlns:a16="http://schemas.microsoft.com/office/drawing/2014/main" id="{82213B39-016E-431F-BB49-787213EAD620}"/>
                 </a:ext>
               </a:extLst>
             </p:cNvPr>
@@ -7067,7 +7067,7 @@
             <p:cNvPr id="5" name="Imagem 4">
               <a:extLst>
                 <a:ext uri="{FF2B5EF4-FFF2-40B4-BE49-F238E27FC236}">
-                  <a16:creationId xmlns:a16="http://schemas.microsoft.com/office/drawing/2014/main" xmlns="" id="{234D1DF1-9BF6-4886-8472-4EB5F991FC5C}"/>
+                  <a16:creationId xmlns="" xmlns:a16="http://schemas.microsoft.com/office/drawing/2014/main" id="{234D1DF1-9BF6-4886-8472-4EB5F991FC5C}"/>
                 </a:ext>
               </a:extLst>
             </p:cNvPr>
@@ -7097,7 +7097,7 @@
             <p:cNvPr id="2052" name="Picture 4" descr="Resultado de imagem para docker">
               <a:extLst>
                 <a:ext uri="{FF2B5EF4-FFF2-40B4-BE49-F238E27FC236}">
-                  <a16:creationId xmlns:a16="http://schemas.microsoft.com/office/drawing/2014/main" xmlns="" id="{0A469F05-D243-4689-B23B-6ABDA983E349}"/>
+                  <a16:creationId xmlns="" xmlns:a16="http://schemas.microsoft.com/office/drawing/2014/main" id="{0A469F05-D243-4689-B23B-6ABDA983E349}"/>
                 </a:ext>
               </a:extLst>
             </p:cNvPr>
@@ -7144,7 +7144,7 @@
             <p:cNvPr id="11" name="Imagem 10">
               <a:extLst>
                 <a:ext uri="{FF2B5EF4-FFF2-40B4-BE49-F238E27FC236}">
-                  <a16:creationId xmlns:a16="http://schemas.microsoft.com/office/drawing/2014/main" xmlns="" id="{DD1C7421-60FB-43C9-ABC1-981C91743169}"/>
+                  <a16:creationId xmlns="" xmlns:a16="http://schemas.microsoft.com/office/drawing/2014/main" id="{DD1C7421-60FB-43C9-ABC1-981C91743169}"/>
                 </a:ext>
               </a:extLst>
             </p:cNvPr>
@@ -7179,7 +7179,7 @@
             <p:cNvPr id="12" name="Imagem 11">
               <a:extLst>
                 <a:ext uri="{FF2B5EF4-FFF2-40B4-BE49-F238E27FC236}">
-                  <a16:creationId xmlns:a16="http://schemas.microsoft.com/office/drawing/2014/main" xmlns="" id="{951A1ADB-F02C-402A-8D42-1ECA9DD8F705}"/>
+                  <a16:creationId xmlns="" xmlns:a16="http://schemas.microsoft.com/office/drawing/2014/main" id="{951A1ADB-F02C-402A-8D42-1ECA9DD8F705}"/>
                 </a:ext>
               </a:extLst>
             </p:cNvPr>
@@ -7210,7 +7210,7 @@
           <p:cNvPr id="14" name="CaixaDeTexto 13">
             <a:extLst>
               <a:ext uri="{FF2B5EF4-FFF2-40B4-BE49-F238E27FC236}">
-                <a16:creationId xmlns:a16="http://schemas.microsoft.com/office/drawing/2014/main" xmlns="" id="{63ABAE87-6092-46C1-967B-C04FD14D379D}"/>
+                <a16:creationId xmlns="" xmlns:a16="http://schemas.microsoft.com/office/drawing/2014/main" id="{63ABAE87-6092-46C1-967B-C04FD14D379D}"/>
               </a:ext>
             </a:extLst>
           </p:cNvPr>
@@ -7257,7 +7257,7 @@
           <p:cNvPr id="15" name="Retângulo 14">
             <a:extLst>
               <a:ext uri="{FF2B5EF4-FFF2-40B4-BE49-F238E27FC236}">
-                <a16:creationId xmlns:a16="http://schemas.microsoft.com/office/drawing/2014/main" xmlns="" id="{C3CCABEF-033E-4DF1-BFAD-BCA137951BEB}"/>
+                <a16:creationId xmlns="" xmlns:a16="http://schemas.microsoft.com/office/drawing/2014/main" id="{C3CCABEF-033E-4DF1-BFAD-BCA137951BEB}"/>
               </a:ext>
             </a:extLst>
           </p:cNvPr>
@@ -7309,7 +7309,7 @@
           <p:cNvPr id="16" name="Picture 3">
             <a:extLst>
               <a:ext uri="{FF2B5EF4-FFF2-40B4-BE49-F238E27FC236}">
-                <a16:creationId xmlns:a16="http://schemas.microsoft.com/office/drawing/2014/main" xmlns="" id="{D5C5D036-BBBD-4C9D-BBA9-B7CB2AA2A165}"/>
+                <a16:creationId xmlns="" xmlns:a16="http://schemas.microsoft.com/office/drawing/2014/main" id="{D5C5D036-BBBD-4C9D-BBA9-B7CB2AA2A165}"/>
               </a:ext>
             </a:extLst>
           </p:cNvPr>
@@ -7367,7 +7367,7 @@
           <p:cNvPr id="17" name="Picture 3">
             <a:extLst>
               <a:ext uri="{FF2B5EF4-FFF2-40B4-BE49-F238E27FC236}">
-                <a16:creationId xmlns:a16="http://schemas.microsoft.com/office/drawing/2014/main" xmlns="" id="{C02F1669-F9D1-492B-8275-A6FA3DF4A06A}"/>
+                <a16:creationId xmlns="" xmlns:a16="http://schemas.microsoft.com/office/drawing/2014/main" id="{C02F1669-F9D1-492B-8275-A6FA3DF4A06A}"/>
               </a:ext>
             </a:extLst>
           </p:cNvPr>
@@ -7499,7 +7499,7 @@
           <p:cNvPr id="7" name="Espaço Reservado para Data 4">
             <a:extLst>
               <a:ext uri="{FF2B5EF4-FFF2-40B4-BE49-F238E27FC236}">
-                <a16:creationId xmlns:a16="http://schemas.microsoft.com/office/drawing/2014/main" xmlns="" id="{5027949B-8BAD-4E75-AC2F-213BC962F9B3}"/>
+                <a16:creationId xmlns="" xmlns:a16="http://schemas.microsoft.com/office/drawing/2014/main" id="{5027949B-8BAD-4E75-AC2F-213BC962F9B3}"/>
               </a:ext>
             </a:extLst>
           </p:cNvPr>
@@ -7533,7 +7533,7 @@
           <p:cNvPr id="8" name="Espaço reservado para rodapé 5">
             <a:extLst>
               <a:ext uri="{FF2B5EF4-FFF2-40B4-BE49-F238E27FC236}">
-                <a16:creationId xmlns:a16="http://schemas.microsoft.com/office/drawing/2014/main" xmlns="" id="{812E6C33-6473-43E3-8DE1-9D33AB15D861}"/>
+                <a16:creationId xmlns="" xmlns:a16="http://schemas.microsoft.com/office/drawing/2014/main" id="{812E6C33-6473-43E3-8DE1-9D33AB15D861}"/>
               </a:ext>
             </a:extLst>
           </p:cNvPr>
@@ -7566,7 +7566,7 @@
           <p:cNvPr id="4" name="Imagem 3">
             <a:extLst>
               <a:ext uri="{FF2B5EF4-FFF2-40B4-BE49-F238E27FC236}">
-                <a16:creationId xmlns:a16="http://schemas.microsoft.com/office/drawing/2014/main" xmlns="" id="{059AA447-6512-4C45-A211-0C1D3DE7A1FC}"/>
+                <a16:creationId xmlns="" xmlns:a16="http://schemas.microsoft.com/office/drawing/2014/main" id="{059AA447-6512-4C45-A211-0C1D3DE7A1FC}"/>
               </a:ext>
             </a:extLst>
           </p:cNvPr>
@@ -7668,7 +7668,7 @@
           <p:cNvPr id="7" name="Espaço Reservado para Data 4">
             <a:extLst>
               <a:ext uri="{FF2B5EF4-FFF2-40B4-BE49-F238E27FC236}">
-                <a16:creationId xmlns:a16="http://schemas.microsoft.com/office/drawing/2014/main" xmlns="" id="{5027949B-8BAD-4E75-AC2F-213BC962F9B3}"/>
+                <a16:creationId xmlns="" xmlns:a16="http://schemas.microsoft.com/office/drawing/2014/main" id="{5027949B-8BAD-4E75-AC2F-213BC962F9B3}"/>
               </a:ext>
             </a:extLst>
           </p:cNvPr>
@@ -7702,7 +7702,7 @@
           <p:cNvPr id="8" name="Espaço reservado para rodapé 5">
             <a:extLst>
               <a:ext uri="{FF2B5EF4-FFF2-40B4-BE49-F238E27FC236}">
-                <a16:creationId xmlns:a16="http://schemas.microsoft.com/office/drawing/2014/main" xmlns="" id="{812E6C33-6473-43E3-8DE1-9D33AB15D861}"/>
+                <a16:creationId xmlns="" xmlns:a16="http://schemas.microsoft.com/office/drawing/2014/main" id="{812E6C33-6473-43E3-8DE1-9D33AB15D861}"/>
               </a:ext>
             </a:extLst>
           </p:cNvPr>
@@ -7735,7 +7735,7 @@
           <p:cNvPr id="3" name="Imagem 2">
             <a:extLst>
               <a:ext uri="{FF2B5EF4-FFF2-40B4-BE49-F238E27FC236}">
-                <a16:creationId xmlns:a16="http://schemas.microsoft.com/office/drawing/2014/main" xmlns="" id="{CC9AEA72-15F7-4D3E-868F-ED084C015124}"/>
+                <a16:creationId xmlns="" xmlns:a16="http://schemas.microsoft.com/office/drawing/2014/main" id="{CC9AEA72-15F7-4D3E-868F-ED084C015124}"/>
               </a:ext>
             </a:extLst>
           </p:cNvPr>
@@ -7814,7 +7814,7 @@
           <p:cNvPr id="7" name="Espaço Reservado para Data 4">
             <a:extLst>
               <a:ext uri="{FF2B5EF4-FFF2-40B4-BE49-F238E27FC236}">
-                <a16:creationId xmlns:a16="http://schemas.microsoft.com/office/drawing/2014/main" xmlns="" id="{5027949B-8BAD-4E75-AC2F-213BC962F9B3}"/>
+                <a16:creationId xmlns="" xmlns:a16="http://schemas.microsoft.com/office/drawing/2014/main" id="{5027949B-8BAD-4E75-AC2F-213BC962F9B3}"/>
               </a:ext>
             </a:extLst>
           </p:cNvPr>
@@ -7848,7 +7848,7 @@
           <p:cNvPr id="8" name="Espaço reservado para rodapé 5">
             <a:extLst>
               <a:ext uri="{FF2B5EF4-FFF2-40B4-BE49-F238E27FC236}">
-                <a16:creationId xmlns:a16="http://schemas.microsoft.com/office/drawing/2014/main" xmlns="" id="{812E6C33-6473-43E3-8DE1-9D33AB15D861}"/>
+                <a16:creationId xmlns="" xmlns:a16="http://schemas.microsoft.com/office/drawing/2014/main" id="{812E6C33-6473-43E3-8DE1-9D33AB15D861}"/>
               </a:ext>
             </a:extLst>
           </p:cNvPr>
@@ -7881,7 +7881,7 @@
           <p:cNvPr id="6" name="Picture 3">
             <a:extLst>
               <a:ext uri="{FF2B5EF4-FFF2-40B4-BE49-F238E27FC236}">
-                <a16:creationId xmlns:a16="http://schemas.microsoft.com/office/drawing/2014/main" xmlns="" id="{E846F328-97B0-483A-AE23-7DC13DA97D54}"/>
+                <a16:creationId xmlns="" xmlns:a16="http://schemas.microsoft.com/office/drawing/2014/main" id="{E846F328-97B0-483A-AE23-7DC13DA97D54}"/>
               </a:ext>
             </a:extLst>
           </p:cNvPr>
@@ -7941,7 +7941,7 @@
           <p:cNvPr id="9" name="CaixaDeTexto 8">
             <a:extLst>
               <a:ext uri="{FF2B5EF4-FFF2-40B4-BE49-F238E27FC236}">
-                <a16:creationId xmlns:a16="http://schemas.microsoft.com/office/drawing/2014/main" xmlns="" id="{8C2E87D7-072B-493C-9B73-42B9AB587217}"/>
+                <a16:creationId xmlns="" xmlns:a16="http://schemas.microsoft.com/office/drawing/2014/main" id="{8C2E87D7-072B-493C-9B73-42B9AB587217}"/>
               </a:ext>
             </a:extLst>
           </p:cNvPr>
@@ -8048,7 +8048,7 @@
           <p:cNvPr id="7" name="Espaço Reservado para Data 4">
             <a:extLst>
               <a:ext uri="{FF2B5EF4-FFF2-40B4-BE49-F238E27FC236}">
-                <a16:creationId xmlns:a16="http://schemas.microsoft.com/office/drawing/2014/main" xmlns="" id="{5027949B-8BAD-4E75-AC2F-213BC962F9B3}"/>
+                <a16:creationId xmlns="" xmlns:a16="http://schemas.microsoft.com/office/drawing/2014/main" id="{5027949B-8BAD-4E75-AC2F-213BC962F9B3}"/>
               </a:ext>
             </a:extLst>
           </p:cNvPr>
@@ -8082,7 +8082,7 @@
           <p:cNvPr id="8" name="Espaço reservado para rodapé 5">
             <a:extLst>
               <a:ext uri="{FF2B5EF4-FFF2-40B4-BE49-F238E27FC236}">
-                <a16:creationId xmlns:a16="http://schemas.microsoft.com/office/drawing/2014/main" xmlns="" id="{812E6C33-6473-43E3-8DE1-9D33AB15D861}"/>
+                <a16:creationId xmlns="" xmlns:a16="http://schemas.microsoft.com/office/drawing/2014/main" id="{812E6C33-6473-43E3-8DE1-9D33AB15D861}"/>
               </a:ext>
             </a:extLst>
           </p:cNvPr>
@@ -8138,7 +8138,7 @@
           <p:cNvPr id="3" name="CaixaDeTexto 2">
             <a:extLst>
               <a:ext uri="{FF2B5EF4-FFF2-40B4-BE49-F238E27FC236}">
-                <a16:creationId xmlns:a16="http://schemas.microsoft.com/office/drawing/2014/main" xmlns="" id="{ED83B7A3-7C7D-4B10-B385-70688D39A23B}"/>
+                <a16:creationId xmlns="" xmlns:a16="http://schemas.microsoft.com/office/drawing/2014/main" id="{ED83B7A3-7C7D-4B10-B385-70688D39A23B}"/>
               </a:ext>
             </a:extLst>
           </p:cNvPr>
@@ -8173,7 +8173,7 @@
           <p:cNvPr id="4" name="Retângulo 3">
             <a:extLst>
               <a:ext uri="{FF2B5EF4-FFF2-40B4-BE49-F238E27FC236}">
-                <a16:creationId xmlns:a16="http://schemas.microsoft.com/office/drawing/2014/main" xmlns="" id="{7EF4B5F7-A455-486A-954B-88A63DDF46C6}"/>
+                <a16:creationId xmlns="" xmlns:a16="http://schemas.microsoft.com/office/drawing/2014/main" id="{7EF4B5F7-A455-486A-954B-88A63DDF46C6}"/>
               </a:ext>
             </a:extLst>
           </p:cNvPr>
@@ -8250,7 +8250,7 @@
           <p:cNvPr id="5" name="Imagem 4">
             <a:extLst>
               <a:ext uri="{FF2B5EF4-FFF2-40B4-BE49-F238E27FC236}">
-                <a16:creationId xmlns:a16="http://schemas.microsoft.com/office/drawing/2014/main" xmlns="" id="{D1510C6E-A70A-4618-94BB-4C23C2583521}"/>
+                <a16:creationId xmlns="" xmlns:a16="http://schemas.microsoft.com/office/drawing/2014/main" id="{D1510C6E-A70A-4618-94BB-4C23C2583521}"/>
               </a:ext>
             </a:extLst>
           </p:cNvPr>
@@ -8329,7 +8329,7 @@
           <p:cNvPr id="7" name="Espaço Reservado para Data 4">
             <a:extLst>
               <a:ext uri="{FF2B5EF4-FFF2-40B4-BE49-F238E27FC236}">
-                <a16:creationId xmlns:a16="http://schemas.microsoft.com/office/drawing/2014/main" xmlns="" id="{5027949B-8BAD-4E75-AC2F-213BC962F9B3}"/>
+                <a16:creationId xmlns="" xmlns:a16="http://schemas.microsoft.com/office/drawing/2014/main" id="{5027949B-8BAD-4E75-AC2F-213BC962F9B3}"/>
               </a:ext>
             </a:extLst>
           </p:cNvPr>
@@ -8363,7 +8363,7 @@
           <p:cNvPr id="8" name="Espaço reservado para rodapé 5">
             <a:extLst>
               <a:ext uri="{FF2B5EF4-FFF2-40B4-BE49-F238E27FC236}">
-                <a16:creationId xmlns:a16="http://schemas.microsoft.com/office/drawing/2014/main" xmlns="" id="{812E6C33-6473-43E3-8DE1-9D33AB15D861}"/>
+                <a16:creationId xmlns="" xmlns:a16="http://schemas.microsoft.com/office/drawing/2014/main" id="{812E6C33-6473-43E3-8DE1-9D33AB15D861}"/>
               </a:ext>
             </a:extLst>
           </p:cNvPr>
@@ -8419,7 +8419,7 @@
           <p:cNvPr id="3" name="CaixaDeTexto 2">
             <a:extLst>
               <a:ext uri="{FF2B5EF4-FFF2-40B4-BE49-F238E27FC236}">
-                <a16:creationId xmlns:a16="http://schemas.microsoft.com/office/drawing/2014/main" xmlns="" id="{ED83B7A3-7C7D-4B10-B385-70688D39A23B}"/>
+                <a16:creationId xmlns="" xmlns:a16="http://schemas.microsoft.com/office/drawing/2014/main" id="{ED83B7A3-7C7D-4B10-B385-70688D39A23B}"/>
               </a:ext>
             </a:extLst>
           </p:cNvPr>
@@ -8454,7 +8454,7 @@
           <p:cNvPr id="6" name="Imagem 5">
             <a:extLst>
               <a:ext uri="{FF2B5EF4-FFF2-40B4-BE49-F238E27FC236}">
-                <a16:creationId xmlns:a16="http://schemas.microsoft.com/office/drawing/2014/main" xmlns="" id="{5BB01F81-F9FD-418A-9CC1-87EFB716236A}"/>
+                <a16:creationId xmlns="" xmlns:a16="http://schemas.microsoft.com/office/drawing/2014/main" id="{5BB01F81-F9FD-418A-9CC1-87EFB716236A}"/>
               </a:ext>
             </a:extLst>
           </p:cNvPr>
@@ -8484,7 +8484,7 @@
           <p:cNvPr id="9" name="Imagem 8">
             <a:extLst>
               <a:ext uri="{FF2B5EF4-FFF2-40B4-BE49-F238E27FC236}">
-                <a16:creationId xmlns:a16="http://schemas.microsoft.com/office/drawing/2014/main" xmlns="" id="{7AA5FC0C-5EEA-4723-B4B9-E4FAE9C4DDFC}"/>
+                <a16:creationId xmlns="" xmlns:a16="http://schemas.microsoft.com/office/drawing/2014/main" id="{7AA5FC0C-5EEA-4723-B4B9-E4FAE9C4DDFC}"/>
               </a:ext>
             </a:extLst>
           </p:cNvPr>
@@ -8514,7 +8514,7 @@
           <p:cNvPr id="11" name="CaixaDeTexto 10">
             <a:extLst>
               <a:ext uri="{FF2B5EF4-FFF2-40B4-BE49-F238E27FC236}">
-                <a16:creationId xmlns:a16="http://schemas.microsoft.com/office/drawing/2014/main" xmlns="" id="{DA5165CA-DB4F-4FD8-AE96-C9A4CF5149DC}"/>
+                <a16:creationId xmlns="" xmlns:a16="http://schemas.microsoft.com/office/drawing/2014/main" id="{DA5165CA-DB4F-4FD8-AE96-C9A4CF5149DC}"/>
               </a:ext>
             </a:extLst>
           </p:cNvPr>
@@ -8598,7 +8598,7 @@
           <p:cNvPr id="7" name="Espaço Reservado para Data 4">
             <a:extLst>
               <a:ext uri="{FF2B5EF4-FFF2-40B4-BE49-F238E27FC236}">
-                <a16:creationId xmlns:a16="http://schemas.microsoft.com/office/drawing/2014/main" xmlns="" id="{5027949B-8BAD-4E75-AC2F-213BC962F9B3}"/>
+                <a16:creationId xmlns="" xmlns:a16="http://schemas.microsoft.com/office/drawing/2014/main" id="{5027949B-8BAD-4E75-AC2F-213BC962F9B3}"/>
               </a:ext>
             </a:extLst>
           </p:cNvPr>
@@ -8632,7 +8632,7 @@
           <p:cNvPr id="8" name="Espaço reservado para rodapé 5">
             <a:extLst>
               <a:ext uri="{FF2B5EF4-FFF2-40B4-BE49-F238E27FC236}">
-                <a16:creationId xmlns:a16="http://schemas.microsoft.com/office/drawing/2014/main" xmlns="" id="{812E6C33-6473-43E3-8DE1-9D33AB15D861}"/>
+                <a16:creationId xmlns="" xmlns:a16="http://schemas.microsoft.com/office/drawing/2014/main" id="{812E6C33-6473-43E3-8DE1-9D33AB15D861}"/>
               </a:ext>
             </a:extLst>
           </p:cNvPr>
@@ -8688,7 +8688,7 @@
           <p:cNvPr id="3" name="CaixaDeTexto 2">
             <a:extLst>
               <a:ext uri="{FF2B5EF4-FFF2-40B4-BE49-F238E27FC236}">
-                <a16:creationId xmlns:a16="http://schemas.microsoft.com/office/drawing/2014/main" xmlns="" id="{ED83B7A3-7C7D-4B10-B385-70688D39A23B}"/>
+                <a16:creationId xmlns="" xmlns:a16="http://schemas.microsoft.com/office/drawing/2014/main" id="{ED83B7A3-7C7D-4B10-B385-70688D39A23B}"/>
               </a:ext>
             </a:extLst>
           </p:cNvPr>
@@ -8723,7 +8723,7 @@
           <p:cNvPr id="4" name="Imagem 3">
             <a:extLst>
               <a:ext uri="{FF2B5EF4-FFF2-40B4-BE49-F238E27FC236}">
-                <a16:creationId xmlns:a16="http://schemas.microsoft.com/office/drawing/2014/main" xmlns="" id="{1BE8853E-4A60-47AC-85C3-39559E18A61F}"/>
+                <a16:creationId xmlns="" xmlns:a16="http://schemas.microsoft.com/office/drawing/2014/main" id="{1BE8853E-4A60-47AC-85C3-39559E18A61F}"/>
               </a:ext>
             </a:extLst>
           </p:cNvPr>
@@ -8802,7 +8802,7 @@
           <p:cNvPr id="18" name="Imagem 17">
             <a:extLst>
               <a:ext uri="{FF2B5EF4-FFF2-40B4-BE49-F238E27FC236}">
-                <a16:creationId xmlns:a16="http://schemas.microsoft.com/office/drawing/2014/main" xmlns="" id="{BFBC559E-DB2C-4BFA-B382-CD59A4DB82E7}"/>
+                <a16:creationId xmlns="" xmlns:a16="http://schemas.microsoft.com/office/drawing/2014/main" id="{BFBC559E-DB2C-4BFA-B382-CD59A4DB82E7}"/>
               </a:ext>
             </a:extLst>
           </p:cNvPr>
@@ -8832,7 +8832,7 @@
           <p:cNvPr id="7" name="Espaço Reservado para Data 4">
             <a:extLst>
               <a:ext uri="{FF2B5EF4-FFF2-40B4-BE49-F238E27FC236}">
-                <a16:creationId xmlns:a16="http://schemas.microsoft.com/office/drawing/2014/main" xmlns="" id="{5027949B-8BAD-4E75-AC2F-213BC962F9B3}"/>
+                <a16:creationId xmlns="" xmlns:a16="http://schemas.microsoft.com/office/drawing/2014/main" id="{5027949B-8BAD-4E75-AC2F-213BC962F9B3}"/>
               </a:ext>
             </a:extLst>
           </p:cNvPr>
@@ -8866,7 +8866,7 @@
           <p:cNvPr id="8" name="Espaço reservado para rodapé 5">
             <a:extLst>
               <a:ext uri="{FF2B5EF4-FFF2-40B4-BE49-F238E27FC236}">
-                <a16:creationId xmlns:a16="http://schemas.microsoft.com/office/drawing/2014/main" xmlns="" id="{812E6C33-6473-43E3-8DE1-9D33AB15D861}"/>
+                <a16:creationId xmlns="" xmlns:a16="http://schemas.microsoft.com/office/drawing/2014/main" id="{812E6C33-6473-43E3-8DE1-9D33AB15D861}"/>
               </a:ext>
             </a:extLst>
           </p:cNvPr>
@@ -8922,7 +8922,7 @@
           <p:cNvPr id="6" name="Elipse 5">
             <a:extLst>
               <a:ext uri="{FF2B5EF4-FFF2-40B4-BE49-F238E27FC236}">
-                <a16:creationId xmlns:a16="http://schemas.microsoft.com/office/drawing/2014/main" xmlns="" id="{12902DC4-A7AD-4B65-A0ED-864437E7F40B}"/>
+                <a16:creationId xmlns="" xmlns:a16="http://schemas.microsoft.com/office/drawing/2014/main" id="{12902DC4-A7AD-4B65-A0ED-864437E7F40B}"/>
               </a:ext>
             </a:extLst>
           </p:cNvPr>
@@ -8971,7 +8971,7 @@
           <p:cNvPr id="19" name="Retângulo 18">
             <a:extLst>
               <a:ext uri="{FF2B5EF4-FFF2-40B4-BE49-F238E27FC236}">
-                <a16:creationId xmlns:a16="http://schemas.microsoft.com/office/drawing/2014/main" xmlns="" id="{FC71F58B-22A6-449A-B58B-616DF0449ECF}"/>
+                <a16:creationId xmlns="" xmlns:a16="http://schemas.microsoft.com/office/drawing/2014/main" id="{FC71F58B-22A6-449A-B58B-616DF0449ECF}"/>
               </a:ext>
             </a:extLst>
           </p:cNvPr>
@@ -9024,7 +9024,7 @@
           <p:cNvPr id="20" name="Retângulo 19">
             <a:extLst>
               <a:ext uri="{FF2B5EF4-FFF2-40B4-BE49-F238E27FC236}">
-                <a16:creationId xmlns:a16="http://schemas.microsoft.com/office/drawing/2014/main" xmlns="" id="{A731E8BE-FF16-42B3-BC91-27B6045A6CA2}"/>
+                <a16:creationId xmlns="" xmlns:a16="http://schemas.microsoft.com/office/drawing/2014/main" id="{A731E8BE-FF16-42B3-BC91-27B6045A6CA2}"/>
               </a:ext>
             </a:extLst>
           </p:cNvPr>
@@ -9077,7 +9077,7 @@
           <p:cNvPr id="21" name="Retângulo 20">
             <a:extLst>
               <a:ext uri="{FF2B5EF4-FFF2-40B4-BE49-F238E27FC236}">
-                <a16:creationId xmlns:a16="http://schemas.microsoft.com/office/drawing/2014/main" xmlns="" id="{526D8193-4311-4302-A8A4-F459EF6117E9}"/>
+                <a16:creationId xmlns="" xmlns:a16="http://schemas.microsoft.com/office/drawing/2014/main" id="{526D8193-4311-4302-A8A4-F459EF6117E9}"/>
               </a:ext>
             </a:extLst>
           </p:cNvPr>
@@ -9179,7 +9179,7 @@
           <p:cNvPr id="7" name="Espaço Reservado para Data 4">
             <a:extLst>
               <a:ext uri="{FF2B5EF4-FFF2-40B4-BE49-F238E27FC236}">
-                <a16:creationId xmlns:a16="http://schemas.microsoft.com/office/drawing/2014/main" xmlns="" id="{5027949B-8BAD-4E75-AC2F-213BC962F9B3}"/>
+                <a16:creationId xmlns="" xmlns:a16="http://schemas.microsoft.com/office/drawing/2014/main" id="{5027949B-8BAD-4E75-AC2F-213BC962F9B3}"/>
               </a:ext>
             </a:extLst>
           </p:cNvPr>
@@ -9213,7 +9213,7 @@
           <p:cNvPr id="8" name="Espaço reservado para rodapé 5">
             <a:extLst>
               <a:ext uri="{FF2B5EF4-FFF2-40B4-BE49-F238E27FC236}">
-                <a16:creationId xmlns:a16="http://schemas.microsoft.com/office/drawing/2014/main" xmlns="" id="{812E6C33-6473-43E3-8DE1-9D33AB15D861}"/>
+                <a16:creationId xmlns="" xmlns:a16="http://schemas.microsoft.com/office/drawing/2014/main" id="{812E6C33-6473-43E3-8DE1-9D33AB15D861}"/>
               </a:ext>
             </a:extLst>
           </p:cNvPr>
@@ -9269,7 +9269,7 @@
           <p:cNvPr id="3" name="CaixaDeTexto 2">
             <a:extLst>
               <a:ext uri="{FF2B5EF4-FFF2-40B4-BE49-F238E27FC236}">
-                <a16:creationId xmlns:a16="http://schemas.microsoft.com/office/drawing/2014/main" xmlns="" id="{ED83B7A3-7C7D-4B10-B385-70688D39A23B}"/>
+                <a16:creationId xmlns="" xmlns:a16="http://schemas.microsoft.com/office/drawing/2014/main" id="{ED83B7A3-7C7D-4B10-B385-70688D39A23B}"/>
               </a:ext>
             </a:extLst>
           </p:cNvPr>
@@ -9304,7 +9304,7 @@
           <p:cNvPr id="6" name="Imagem 5">
             <a:extLst>
               <a:ext uri="{FF2B5EF4-FFF2-40B4-BE49-F238E27FC236}">
-                <a16:creationId xmlns:a16="http://schemas.microsoft.com/office/drawing/2014/main" xmlns="" id="{5BB01F81-F9FD-418A-9CC1-87EFB716236A}"/>
+                <a16:creationId xmlns="" xmlns:a16="http://schemas.microsoft.com/office/drawing/2014/main" id="{5BB01F81-F9FD-418A-9CC1-87EFB716236A}"/>
               </a:ext>
             </a:extLst>
           </p:cNvPr>
@@ -9334,7 +9334,7 @@
           <p:cNvPr id="10" name="Imagem 9">
             <a:extLst>
               <a:ext uri="{FF2B5EF4-FFF2-40B4-BE49-F238E27FC236}">
-                <a16:creationId xmlns:a16="http://schemas.microsoft.com/office/drawing/2014/main" xmlns="" id="{7B8AEBAD-D616-4CFC-9676-2E48D67D0D13}"/>
+                <a16:creationId xmlns="" xmlns:a16="http://schemas.microsoft.com/office/drawing/2014/main" id="{7B8AEBAD-D616-4CFC-9676-2E48D67D0D13}"/>
               </a:ext>
             </a:extLst>
           </p:cNvPr>
@@ -9413,7 +9413,7 @@
           <p:cNvPr id="7" name="Espaço Reservado para Data 4">
             <a:extLst>
               <a:ext uri="{FF2B5EF4-FFF2-40B4-BE49-F238E27FC236}">
-                <a16:creationId xmlns:a16="http://schemas.microsoft.com/office/drawing/2014/main" xmlns="" id="{5027949B-8BAD-4E75-AC2F-213BC962F9B3}"/>
+                <a16:creationId xmlns="" xmlns:a16="http://schemas.microsoft.com/office/drawing/2014/main" id="{5027949B-8BAD-4E75-AC2F-213BC962F9B3}"/>
               </a:ext>
             </a:extLst>
           </p:cNvPr>
@@ -9447,7 +9447,7 @@
           <p:cNvPr id="8" name="Espaço reservado para rodapé 5">
             <a:extLst>
               <a:ext uri="{FF2B5EF4-FFF2-40B4-BE49-F238E27FC236}">
-                <a16:creationId xmlns:a16="http://schemas.microsoft.com/office/drawing/2014/main" xmlns="" id="{812E6C33-6473-43E3-8DE1-9D33AB15D861}"/>
+                <a16:creationId xmlns="" xmlns:a16="http://schemas.microsoft.com/office/drawing/2014/main" id="{812E6C33-6473-43E3-8DE1-9D33AB15D861}"/>
               </a:ext>
             </a:extLst>
           </p:cNvPr>
@@ -9503,7 +9503,7 @@
           <p:cNvPr id="3" name="CaixaDeTexto 2">
             <a:extLst>
               <a:ext uri="{FF2B5EF4-FFF2-40B4-BE49-F238E27FC236}">
-                <a16:creationId xmlns:a16="http://schemas.microsoft.com/office/drawing/2014/main" xmlns="" id="{ED83B7A3-7C7D-4B10-B385-70688D39A23B}"/>
+                <a16:creationId xmlns="" xmlns:a16="http://schemas.microsoft.com/office/drawing/2014/main" id="{ED83B7A3-7C7D-4B10-B385-70688D39A23B}"/>
               </a:ext>
             </a:extLst>
           </p:cNvPr>
@@ -9538,7 +9538,7 @@
           <p:cNvPr id="5" name="Imagem 4">
             <a:extLst>
               <a:ext uri="{FF2B5EF4-FFF2-40B4-BE49-F238E27FC236}">
-                <a16:creationId xmlns:a16="http://schemas.microsoft.com/office/drawing/2014/main" xmlns="" id="{742B3735-F13E-43FE-B154-9640B504587A}"/>
+                <a16:creationId xmlns="" xmlns:a16="http://schemas.microsoft.com/office/drawing/2014/main" id="{742B3735-F13E-43FE-B154-9640B504587A}"/>
               </a:ext>
             </a:extLst>
           </p:cNvPr>
@@ -9617,7 +9617,7 @@
           <p:cNvPr id="7" name="Espaço Reservado para Data 4">
             <a:extLst>
               <a:ext uri="{FF2B5EF4-FFF2-40B4-BE49-F238E27FC236}">
-                <a16:creationId xmlns:a16="http://schemas.microsoft.com/office/drawing/2014/main" xmlns="" id="{5027949B-8BAD-4E75-AC2F-213BC962F9B3}"/>
+                <a16:creationId xmlns="" xmlns:a16="http://schemas.microsoft.com/office/drawing/2014/main" id="{5027949B-8BAD-4E75-AC2F-213BC962F9B3}"/>
               </a:ext>
             </a:extLst>
           </p:cNvPr>
@@ -9651,7 +9651,7 @@
           <p:cNvPr id="8" name="Espaço reservado para rodapé 5">
             <a:extLst>
               <a:ext uri="{FF2B5EF4-FFF2-40B4-BE49-F238E27FC236}">
-                <a16:creationId xmlns:a16="http://schemas.microsoft.com/office/drawing/2014/main" xmlns="" id="{812E6C33-6473-43E3-8DE1-9D33AB15D861}"/>
+                <a16:creationId xmlns="" xmlns:a16="http://schemas.microsoft.com/office/drawing/2014/main" id="{812E6C33-6473-43E3-8DE1-9D33AB15D861}"/>
               </a:ext>
             </a:extLst>
           </p:cNvPr>
@@ -9707,7 +9707,7 @@
           <p:cNvPr id="3" name="CaixaDeTexto 2">
             <a:extLst>
               <a:ext uri="{FF2B5EF4-FFF2-40B4-BE49-F238E27FC236}">
-                <a16:creationId xmlns:a16="http://schemas.microsoft.com/office/drawing/2014/main" xmlns="" id="{ED83B7A3-7C7D-4B10-B385-70688D39A23B}"/>
+                <a16:creationId xmlns="" xmlns:a16="http://schemas.microsoft.com/office/drawing/2014/main" id="{ED83B7A3-7C7D-4B10-B385-70688D39A23B}"/>
               </a:ext>
             </a:extLst>
           </p:cNvPr>
@@ -9742,7 +9742,7 @@
           <p:cNvPr id="4" name="Imagem 3">
             <a:extLst>
               <a:ext uri="{FF2B5EF4-FFF2-40B4-BE49-F238E27FC236}">
-                <a16:creationId xmlns:a16="http://schemas.microsoft.com/office/drawing/2014/main" xmlns="" id="{E59668EF-0D70-47ED-95D9-FE11F5EB0C00}"/>
+                <a16:creationId xmlns="" xmlns:a16="http://schemas.microsoft.com/office/drawing/2014/main" id="{E59668EF-0D70-47ED-95D9-FE11F5EB0C00}"/>
               </a:ext>
             </a:extLst>
           </p:cNvPr>
@@ -9772,7 +9772,7 @@
           <p:cNvPr id="6" name="Imagem 5">
             <a:extLst>
               <a:ext uri="{FF2B5EF4-FFF2-40B4-BE49-F238E27FC236}">
-                <a16:creationId xmlns:a16="http://schemas.microsoft.com/office/drawing/2014/main" xmlns="" id="{2211F5AE-2249-404D-912C-8A1307B6C3C9}"/>
+                <a16:creationId xmlns="" xmlns:a16="http://schemas.microsoft.com/office/drawing/2014/main" id="{2211F5AE-2249-404D-912C-8A1307B6C3C9}"/>
               </a:ext>
             </a:extLst>
           </p:cNvPr>
@@ -9851,7 +9851,7 @@
           <p:cNvPr id="2" name="Título 1">
             <a:extLst>
               <a:ext uri="{FF2B5EF4-FFF2-40B4-BE49-F238E27FC236}">
-                <a16:creationId xmlns:a16="http://schemas.microsoft.com/office/drawing/2014/main" xmlns="" id="{B757E818-F6B8-4ACE-B105-451DE8012196}"/>
+                <a16:creationId xmlns="" xmlns:a16="http://schemas.microsoft.com/office/drawing/2014/main" id="{B757E818-F6B8-4ACE-B105-451DE8012196}"/>
               </a:ext>
             </a:extLst>
           </p:cNvPr>
@@ -9880,7 +9880,7 @@
           <p:cNvPr id="3" name="Espaço Reservado para Conteúdo 2">
             <a:extLst>
               <a:ext uri="{FF2B5EF4-FFF2-40B4-BE49-F238E27FC236}">
-                <a16:creationId xmlns:a16="http://schemas.microsoft.com/office/drawing/2014/main" xmlns="" id="{A5CD6BFF-7BBD-46CC-B8E8-BB191ADE5120}"/>
+                <a16:creationId xmlns="" xmlns:a16="http://schemas.microsoft.com/office/drawing/2014/main" id="{A5CD6BFF-7BBD-46CC-B8E8-BB191ADE5120}"/>
               </a:ext>
             </a:extLst>
           </p:cNvPr>
@@ -10002,7 +10002,7 @@
           <p:cNvPr id="9" name="Espaço Reservado para Data 4">
             <a:extLst>
               <a:ext uri="{FF2B5EF4-FFF2-40B4-BE49-F238E27FC236}">
-                <a16:creationId xmlns:a16="http://schemas.microsoft.com/office/drawing/2014/main" xmlns="" id="{4E2ED8B8-CBF2-482A-846A-0AEBF3EE3C8D}"/>
+                <a16:creationId xmlns="" xmlns:a16="http://schemas.microsoft.com/office/drawing/2014/main" id="{4E2ED8B8-CBF2-482A-846A-0AEBF3EE3C8D}"/>
               </a:ext>
             </a:extLst>
           </p:cNvPr>
@@ -10036,7 +10036,7 @@
           <p:cNvPr id="10" name="Espaço reservado para rodapé 5">
             <a:extLst>
               <a:ext uri="{FF2B5EF4-FFF2-40B4-BE49-F238E27FC236}">
-                <a16:creationId xmlns:a16="http://schemas.microsoft.com/office/drawing/2014/main" xmlns="" id="{E4719D23-DEAC-49CA-89AF-895E574CE0DB}"/>
+                <a16:creationId xmlns="" xmlns:a16="http://schemas.microsoft.com/office/drawing/2014/main" id="{E4719D23-DEAC-49CA-89AF-895E574CE0DB}"/>
               </a:ext>
             </a:extLst>
           </p:cNvPr>
@@ -10146,7 +10146,7 @@
           <p:cNvPr id="7" name="Espaço Reservado para Data 4">
             <a:extLst>
               <a:ext uri="{FF2B5EF4-FFF2-40B4-BE49-F238E27FC236}">
-                <a16:creationId xmlns:a16="http://schemas.microsoft.com/office/drawing/2014/main" xmlns="" id="{5027949B-8BAD-4E75-AC2F-213BC962F9B3}"/>
+                <a16:creationId xmlns="" xmlns:a16="http://schemas.microsoft.com/office/drawing/2014/main" id="{5027949B-8BAD-4E75-AC2F-213BC962F9B3}"/>
               </a:ext>
             </a:extLst>
           </p:cNvPr>
@@ -10180,7 +10180,7 @@
           <p:cNvPr id="8" name="Espaço reservado para rodapé 5">
             <a:extLst>
               <a:ext uri="{FF2B5EF4-FFF2-40B4-BE49-F238E27FC236}">
-                <a16:creationId xmlns:a16="http://schemas.microsoft.com/office/drawing/2014/main" xmlns="" id="{812E6C33-6473-43E3-8DE1-9D33AB15D861}"/>
+                <a16:creationId xmlns="" xmlns:a16="http://schemas.microsoft.com/office/drawing/2014/main" id="{812E6C33-6473-43E3-8DE1-9D33AB15D861}"/>
               </a:ext>
             </a:extLst>
           </p:cNvPr>
@@ -10236,7 +10236,7 @@
           <p:cNvPr id="3" name="CaixaDeTexto 2">
             <a:extLst>
               <a:ext uri="{FF2B5EF4-FFF2-40B4-BE49-F238E27FC236}">
-                <a16:creationId xmlns:a16="http://schemas.microsoft.com/office/drawing/2014/main" xmlns="" id="{ED83B7A3-7C7D-4B10-B385-70688D39A23B}"/>
+                <a16:creationId xmlns="" xmlns:a16="http://schemas.microsoft.com/office/drawing/2014/main" id="{ED83B7A3-7C7D-4B10-B385-70688D39A23B}"/>
               </a:ext>
             </a:extLst>
           </p:cNvPr>
@@ -10271,7 +10271,7 @@
           <p:cNvPr id="5" name="Imagem 4">
             <a:extLst>
               <a:ext uri="{FF2B5EF4-FFF2-40B4-BE49-F238E27FC236}">
-                <a16:creationId xmlns:a16="http://schemas.microsoft.com/office/drawing/2014/main" xmlns="" id="{090D1415-164A-4846-B767-CC720C061417}"/>
+                <a16:creationId xmlns="" xmlns:a16="http://schemas.microsoft.com/office/drawing/2014/main" id="{090D1415-164A-4846-B767-CC720C061417}"/>
               </a:ext>
             </a:extLst>
           </p:cNvPr>
@@ -10301,7 +10301,7 @@
           <p:cNvPr id="10" name="Imagem 9">
             <a:extLst>
               <a:ext uri="{FF2B5EF4-FFF2-40B4-BE49-F238E27FC236}">
-                <a16:creationId xmlns:a16="http://schemas.microsoft.com/office/drawing/2014/main" xmlns="" id="{361622EB-55A6-4923-828C-1B9CEC38AA71}"/>
+                <a16:creationId xmlns="" xmlns:a16="http://schemas.microsoft.com/office/drawing/2014/main" id="{361622EB-55A6-4923-828C-1B9CEC38AA71}"/>
               </a:ext>
             </a:extLst>
           </p:cNvPr>
@@ -10331,7 +10331,7 @@
           <p:cNvPr id="12" name="Imagem 11">
             <a:extLst>
               <a:ext uri="{FF2B5EF4-FFF2-40B4-BE49-F238E27FC236}">
-                <a16:creationId xmlns:a16="http://schemas.microsoft.com/office/drawing/2014/main" xmlns="" id="{D8BC51B2-9CEB-401D-B48A-53BCB7396C8A}"/>
+                <a16:creationId xmlns="" xmlns:a16="http://schemas.microsoft.com/office/drawing/2014/main" id="{D8BC51B2-9CEB-401D-B48A-53BCB7396C8A}"/>
               </a:ext>
             </a:extLst>
           </p:cNvPr>
@@ -10409,7 +10409,7 @@
           <p:cNvPr id="5" name="Imagem 4">
             <a:extLst>
               <a:ext uri="{FF2B5EF4-FFF2-40B4-BE49-F238E27FC236}">
-                <a16:creationId xmlns:a16="http://schemas.microsoft.com/office/drawing/2014/main" xmlns="" id="{1F12941F-E676-48FF-913B-D3E17EDB5193}"/>
+                <a16:creationId xmlns="" xmlns:a16="http://schemas.microsoft.com/office/drawing/2014/main" id="{1F12941F-E676-48FF-913B-D3E17EDB5193}"/>
               </a:ext>
             </a:extLst>
           </p:cNvPr>
@@ -10439,7 +10439,7 @@
           <p:cNvPr id="7" name="Espaço Reservado para Data 4">
             <a:extLst>
               <a:ext uri="{FF2B5EF4-FFF2-40B4-BE49-F238E27FC236}">
-                <a16:creationId xmlns:a16="http://schemas.microsoft.com/office/drawing/2014/main" xmlns="" id="{5027949B-8BAD-4E75-AC2F-213BC962F9B3}"/>
+                <a16:creationId xmlns="" xmlns:a16="http://schemas.microsoft.com/office/drawing/2014/main" id="{5027949B-8BAD-4E75-AC2F-213BC962F9B3}"/>
               </a:ext>
             </a:extLst>
           </p:cNvPr>
@@ -10473,7 +10473,7 @@
           <p:cNvPr id="8" name="Espaço reservado para rodapé 5">
             <a:extLst>
               <a:ext uri="{FF2B5EF4-FFF2-40B4-BE49-F238E27FC236}">
-                <a16:creationId xmlns:a16="http://schemas.microsoft.com/office/drawing/2014/main" xmlns="" id="{812E6C33-6473-43E3-8DE1-9D33AB15D861}"/>
+                <a16:creationId xmlns="" xmlns:a16="http://schemas.microsoft.com/office/drawing/2014/main" id="{812E6C33-6473-43E3-8DE1-9D33AB15D861}"/>
               </a:ext>
             </a:extLst>
           </p:cNvPr>
@@ -10529,7 +10529,7 @@
           <p:cNvPr id="3" name="CaixaDeTexto 2">
             <a:extLst>
               <a:ext uri="{FF2B5EF4-FFF2-40B4-BE49-F238E27FC236}">
-                <a16:creationId xmlns:a16="http://schemas.microsoft.com/office/drawing/2014/main" xmlns="" id="{ED83B7A3-7C7D-4B10-B385-70688D39A23B}"/>
+                <a16:creationId xmlns="" xmlns:a16="http://schemas.microsoft.com/office/drawing/2014/main" id="{ED83B7A3-7C7D-4B10-B385-70688D39A23B}"/>
               </a:ext>
             </a:extLst>
           </p:cNvPr>
@@ -10564,7 +10564,7 @@
           <p:cNvPr id="9" name="Imagem 8">
             <a:extLst>
               <a:ext uri="{FF2B5EF4-FFF2-40B4-BE49-F238E27FC236}">
-                <a16:creationId xmlns:a16="http://schemas.microsoft.com/office/drawing/2014/main" xmlns="" id="{757D02A9-CD7E-4EEE-8391-0AE839FEFFC8}"/>
+                <a16:creationId xmlns="" xmlns:a16="http://schemas.microsoft.com/office/drawing/2014/main" id="{757D02A9-CD7E-4EEE-8391-0AE839FEFFC8}"/>
               </a:ext>
             </a:extLst>
           </p:cNvPr>
@@ -10642,7 +10642,7 @@
           <p:cNvPr id="8" name="Espaço Reservado para Conteúdo 7">
             <a:extLst>
               <a:ext uri="{FF2B5EF4-FFF2-40B4-BE49-F238E27FC236}">
-                <a16:creationId xmlns:a16="http://schemas.microsoft.com/office/drawing/2014/main" xmlns="" id="{00E10BFB-86E8-4B5E-BA0C-DE180390189F}"/>
+                <a16:creationId xmlns="" xmlns:a16="http://schemas.microsoft.com/office/drawing/2014/main" id="{00E10BFB-86E8-4B5E-BA0C-DE180390189F}"/>
               </a:ext>
             </a:extLst>
           </p:cNvPr>
@@ -10677,7 +10677,7 @@
           <p:cNvPr id="9" name="Espaço Reservado para Data 4">
             <a:extLst>
               <a:ext uri="{FF2B5EF4-FFF2-40B4-BE49-F238E27FC236}">
-                <a16:creationId xmlns:a16="http://schemas.microsoft.com/office/drawing/2014/main" xmlns="" id="{8E89A0D7-82C7-4A2A-A478-DA1E22196DBC}"/>
+                <a16:creationId xmlns="" xmlns:a16="http://schemas.microsoft.com/office/drawing/2014/main" id="{8E89A0D7-82C7-4A2A-A478-DA1E22196DBC}"/>
               </a:ext>
             </a:extLst>
           </p:cNvPr>
@@ -10711,7 +10711,7 @@
           <p:cNvPr id="10" name="Espaço reservado para rodapé 5">
             <a:extLst>
               <a:ext uri="{FF2B5EF4-FFF2-40B4-BE49-F238E27FC236}">
-                <a16:creationId xmlns:a16="http://schemas.microsoft.com/office/drawing/2014/main" xmlns="" id="{196F2E32-33FC-4386-B96C-242E77AF62CC}"/>
+                <a16:creationId xmlns="" xmlns:a16="http://schemas.microsoft.com/office/drawing/2014/main" id="{196F2E32-33FC-4386-B96C-242E77AF62CC}"/>
               </a:ext>
             </a:extLst>
           </p:cNvPr>
@@ -10744,7 +10744,7 @@
           <p:cNvPr id="11" name="CaixaDeTexto 10">
             <a:extLst>
               <a:ext uri="{FF2B5EF4-FFF2-40B4-BE49-F238E27FC236}">
-                <a16:creationId xmlns:a16="http://schemas.microsoft.com/office/drawing/2014/main" xmlns="" id="{246B3A5E-AA59-47CA-9192-018719DC96DC}"/>
+                <a16:creationId xmlns="" xmlns:a16="http://schemas.microsoft.com/office/drawing/2014/main" id="{246B3A5E-AA59-47CA-9192-018719DC96DC}"/>
               </a:ext>
             </a:extLst>
           </p:cNvPr>
@@ -10872,7 +10872,7 @@
           <p:cNvPr id="12" name="Imagem 11">
             <a:extLst>
               <a:ext uri="{FF2B5EF4-FFF2-40B4-BE49-F238E27FC236}">
-                <a16:creationId xmlns:a16="http://schemas.microsoft.com/office/drawing/2014/main" xmlns="" id="{E98E2891-128D-4085-BA78-D83CABC1197E}"/>
+                <a16:creationId xmlns="" xmlns:a16="http://schemas.microsoft.com/office/drawing/2014/main" id="{E98E2891-128D-4085-BA78-D83CABC1197E}"/>
               </a:ext>
             </a:extLst>
           </p:cNvPr>
@@ -10901,7 +10901,7 @@
           <p:cNvPr id="13" name="Título 1">
             <a:extLst>
               <a:ext uri="{FF2B5EF4-FFF2-40B4-BE49-F238E27FC236}">
-                <a16:creationId xmlns:a16="http://schemas.microsoft.com/office/drawing/2014/main" xmlns="" id="{F3823A05-2CB8-453D-B7C2-B4BF564EC4F0}"/>
+                <a16:creationId xmlns="" xmlns:a16="http://schemas.microsoft.com/office/drawing/2014/main" id="{F3823A05-2CB8-453D-B7C2-B4BF564EC4F0}"/>
               </a:ext>
             </a:extLst>
           </p:cNvPr>
@@ -10981,7 +10981,7 @@
           <p:cNvPr id="14" name="CaixaDeTexto 13">
             <a:extLst>
               <a:ext uri="{FF2B5EF4-FFF2-40B4-BE49-F238E27FC236}">
-                <a16:creationId xmlns:a16="http://schemas.microsoft.com/office/drawing/2014/main" xmlns="" id="{B2385810-E73F-4C63-A448-7C7A4CC2A2E9}"/>
+                <a16:creationId xmlns="" xmlns:a16="http://schemas.microsoft.com/office/drawing/2014/main" id="{B2385810-E73F-4C63-A448-7C7A4CC2A2E9}"/>
               </a:ext>
             </a:extLst>
           </p:cNvPr>
@@ -11021,7 +11021,7 @@
           <p:cNvPr id="10" name="Retângulo 9">
             <a:extLst>
               <a:ext uri="{FF2B5EF4-FFF2-40B4-BE49-F238E27FC236}">
-                <a16:creationId xmlns:a16="http://schemas.microsoft.com/office/drawing/2014/main" xmlns="" id="{953BFCC7-565D-4266-854F-C11EC80182C6}"/>
+                <a16:creationId xmlns="" xmlns:a16="http://schemas.microsoft.com/office/drawing/2014/main" id="{953BFCC7-565D-4266-854F-C11EC80182C6}"/>
               </a:ext>
             </a:extLst>
           </p:cNvPr>
@@ -11073,7 +11073,7 @@
           <p:cNvPr id="11" name="Imagem 10">
             <a:extLst>
               <a:ext uri="{FF2B5EF4-FFF2-40B4-BE49-F238E27FC236}">
-                <a16:creationId xmlns:a16="http://schemas.microsoft.com/office/drawing/2014/main" xmlns="" id="{A8DE9A58-CFA6-4D60-A704-AD56A80C11D7}"/>
+                <a16:creationId xmlns="" xmlns:a16="http://schemas.microsoft.com/office/drawing/2014/main" id="{A8DE9A58-CFA6-4D60-A704-AD56A80C11D7}"/>
               </a:ext>
             </a:extLst>
           </p:cNvPr>
@@ -11151,7 +11151,7 @@
           <p:cNvPr id="15" name="Retângulo 14">
             <a:extLst>
               <a:ext uri="{FF2B5EF4-FFF2-40B4-BE49-F238E27FC236}">
-                <a16:creationId xmlns:a16="http://schemas.microsoft.com/office/drawing/2014/main" xmlns="" id="{6DC9F291-4E26-400A-A559-6E5FD48E6659}"/>
+                <a16:creationId xmlns="" xmlns:a16="http://schemas.microsoft.com/office/drawing/2014/main" id="{6DC9F291-4E26-400A-A559-6E5FD48E6659}"/>
               </a:ext>
             </a:extLst>
           </p:cNvPr>
@@ -11259,7 +11259,7 @@
           <p:cNvPr id="12" name="Imagem 11">
             <a:extLst>
               <a:ext uri="{FF2B5EF4-FFF2-40B4-BE49-F238E27FC236}">
-                <a16:creationId xmlns:a16="http://schemas.microsoft.com/office/drawing/2014/main" xmlns="" id="{E98E2891-128D-4085-BA78-D83CABC1197E}"/>
+                <a16:creationId xmlns="" xmlns:a16="http://schemas.microsoft.com/office/drawing/2014/main" id="{E98E2891-128D-4085-BA78-D83CABC1197E}"/>
               </a:ext>
             </a:extLst>
           </p:cNvPr>
@@ -11288,7 +11288,7 @@
           <p:cNvPr id="13" name="Título 1">
             <a:extLst>
               <a:ext uri="{FF2B5EF4-FFF2-40B4-BE49-F238E27FC236}">
-                <a16:creationId xmlns:a16="http://schemas.microsoft.com/office/drawing/2014/main" xmlns="" id="{F3823A05-2CB8-453D-B7C2-B4BF564EC4F0}"/>
+                <a16:creationId xmlns="" xmlns:a16="http://schemas.microsoft.com/office/drawing/2014/main" id="{F3823A05-2CB8-453D-B7C2-B4BF564EC4F0}"/>
               </a:ext>
             </a:extLst>
           </p:cNvPr>
@@ -11368,7 +11368,7 @@
           <p:cNvPr id="14" name="CaixaDeTexto 13">
             <a:extLst>
               <a:ext uri="{FF2B5EF4-FFF2-40B4-BE49-F238E27FC236}">
-                <a16:creationId xmlns:a16="http://schemas.microsoft.com/office/drawing/2014/main" xmlns="" id="{B2385810-E73F-4C63-A448-7C7A4CC2A2E9}"/>
+                <a16:creationId xmlns="" xmlns:a16="http://schemas.microsoft.com/office/drawing/2014/main" id="{B2385810-E73F-4C63-A448-7C7A4CC2A2E9}"/>
               </a:ext>
             </a:extLst>
           </p:cNvPr>
@@ -11408,7 +11408,7 @@
           <p:cNvPr id="7" name="Seta: para a Direita 6">
             <a:extLst>
               <a:ext uri="{FF2B5EF4-FFF2-40B4-BE49-F238E27FC236}">
-                <a16:creationId xmlns:a16="http://schemas.microsoft.com/office/drawing/2014/main" xmlns="" id="{E5D22274-CFD0-4164-AFEC-40AFC77D30F8}"/>
+                <a16:creationId xmlns="" xmlns:a16="http://schemas.microsoft.com/office/drawing/2014/main" id="{E5D22274-CFD0-4164-AFEC-40AFC77D30F8}"/>
               </a:ext>
             </a:extLst>
           </p:cNvPr>
@@ -11460,7 +11460,7 @@
           <p:cNvPr id="11" name="Imagem 10">
             <a:extLst>
               <a:ext uri="{FF2B5EF4-FFF2-40B4-BE49-F238E27FC236}">
-                <a16:creationId xmlns:a16="http://schemas.microsoft.com/office/drawing/2014/main" xmlns="" id="{09FDC5A6-F58E-48A0-9635-94BA7F0AE6C3}"/>
+                <a16:creationId xmlns="" xmlns:a16="http://schemas.microsoft.com/office/drawing/2014/main" id="{09FDC5A6-F58E-48A0-9635-94BA7F0AE6C3}"/>
               </a:ext>
             </a:extLst>
           </p:cNvPr>
@@ -11489,7 +11489,7 @@
           <p:cNvPr id="16" name="Retângulo 15">
             <a:extLst>
               <a:ext uri="{FF2B5EF4-FFF2-40B4-BE49-F238E27FC236}">
-                <a16:creationId xmlns:a16="http://schemas.microsoft.com/office/drawing/2014/main" xmlns="" id="{F647EDFB-9389-4E93-A1D1-20B073D3A068}"/>
+                <a16:creationId xmlns="" xmlns:a16="http://schemas.microsoft.com/office/drawing/2014/main" id="{F647EDFB-9389-4E93-A1D1-20B073D3A068}"/>
               </a:ext>
             </a:extLst>
           </p:cNvPr>
@@ -11541,7 +11541,7 @@
           <p:cNvPr id="8" name="Gráfico 7">
             <a:extLst>
               <a:ext uri="{FF2B5EF4-FFF2-40B4-BE49-F238E27FC236}">
-                <a16:creationId xmlns:a16="http://schemas.microsoft.com/office/drawing/2014/main" xmlns="" id="{164EC046-7EC9-45F5-AB00-75D3B7031E29}"/>
+                <a16:creationId xmlns="" xmlns:a16="http://schemas.microsoft.com/office/drawing/2014/main" id="{164EC046-7EC9-45F5-AB00-75D3B7031E29}"/>
               </a:ext>
             </a:extLst>
           </p:cNvPr>
@@ -11557,7 +11557,7 @@
                 <a14:useLocalDpi xmlns:a14="http://schemas.microsoft.com/office/drawing/2010/main" val="0"/>
               </a:ext>
               <a:ext uri="{96DAC541-7B7A-43D3-8B79-37D633B846F1}">
-                <asvg:svgBlip xmlns:asvg="http://schemas.microsoft.com/office/drawing/2016/SVG/main" xmlns="" r:embed="rId6"/>
+                <asvg:svgBlip xmlns="" xmlns:asvg="http://schemas.microsoft.com/office/drawing/2016/SVG/main" r:embed="rId6"/>
               </a:ext>
             </a:extLst>
           </a:blip>
@@ -11660,7 +11660,7 @@
           <p:cNvPr id="7" name="Espaço Reservado para Data 4">
             <a:extLst>
               <a:ext uri="{FF2B5EF4-FFF2-40B4-BE49-F238E27FC236}">
-                <a16:creationId xmlns:a16="http://schemas.microsoft.com/office/drawing/2014/main" xmlns="" id="{5027949B-8BAD-4E75-AC2F-213BC962F9B3}"/>
+                <a16:creationId xmlns="" xmlns:a16="http://schemas.microsoft.com/office/drawing/2014/main" id="{5027949B-8BAD-4E75-AC2F-213BC962F9B3}"/>
               </a:ext>
             </a:extLst>
           </p:cNvPr>
@@ -11694,7 +11694,7 @@
           <p:cNvPr id="8" name="Espaço reservado para rodapé 5">
             <a:extLst>
               <a:ext uri="{FF2B5EF4-FFF2-40B4-BE49-F238E27FC236}">
-                <a16:creationId xmlns:a16="http://schemas.microsoft.com/office/drawing/2014/main" xmlns="" id="{812E6C33-6473-43E3-8DE1-9D33AB15D861}"/>
+                <a16:creationId xmlns="" xmlns:a16="http://schemas.microsoft.com/office/drawing/2014/main" id="{812E6C33-6473-43E3-8DE1-9D33AB15D861}"/>
               </a:ext>
             </a:extLst>
           </p:cNvPr>
@@ -11728,7 +11728,7 @@
           <p:cNvPr id="4" name="Retângulo 3">
             <a:extLst>
               <a:ext uri="{FF2B5EF4-FFF2-40B4-BE49-F238E27FC236}">
-                <a16:creationId xmlns:a16="http://schemas.microsoft.com/office/drawing/2014/main" xmlns="" id="{92B3A1DC-FFBF-4264-ABED-47FE243305BA}"/>
+                <a16:creationId xmlns="" xmlns:a16="http://schemas.microsoft.com/office/drawing/2014/main" id="{92B3A1DC-FFBF-4264-ABED-47FE243305BA}"/>
               </a:ext>
             </a:extLst>
           </p:cNvPr>
@@ -11787,7 +11787,7 @@
           <p:cNvPr id="5" name="Retângulo 4">
             <a:extLst>
               <a:ext uri="{FF2B5EF4-FFF2-40B4-BE49-F238E27FC236}">
-                <a16:creationId xmlns:a16="http://schemas.microsoft.com/office/drawing/2014/main" xmlns="" id="{06797C99-AC55-44CF-B98B-2604AB32C55D}"/>
+                <a16:creationId xmlns="" xmlns:a16="http://schemas.microsoft.com/office/drawing/2014/main" id="{06797C99-AC55-44CF-B98B-2604AB32C55D}"/>
               </a:ext>
             </a:extLst>
           </p:cNvPr>
@@ -11841,7 +11841,7 @@
           <p:cNvPr id="15" name="CaixaDeTexto 14">
             <a:extLst>
               <a:ext uri="{FF2B5EF4-FFF2-40B4-BE49-F238E27FC236}">
-                <a16:creationId xmlns:a16="http://schemas.microsoft.com/office/drawing/2014/main" xmlns="" id="{0446D310-6E73-4F6A-A2D6-E01643B757A7}"/>
+                <a16:creationId xmlns="" xmlns:a16="http://schemas.microsoft.com/office/drawing/2014/main" id="{0446D310-6E73-4F6A-A2D6-E01643B757A7}"/>
               </a:ext>
             </a:extLst>
           </p:cNvPr>
@@ -11877,7 +11877,7 @@
           <p:cNvPr id="25" name="Retângulo 24">
             <a:extLst>
               <a:ext uri="{FF2B5EF4-FFF2-40B4-BE49-F238E27FC236}">
-                <a16:creationId xmlns:a16="http://schemas.microsoft.com/office/drawing/2014/main" xmlns="" id="{296D32AB-3E3B-41EC-B5AF-82E0D82AB3EF}"/>
+                <a16:creationId xmlns="" xmlns:a16="http://schemas.microsoft.com/office/drawing/2014/main" id="{296D32AB-3E3B-41EC-B5AF-82E0D82AB3EF}"/>
               </a:ext>
             </a:extLst>
           </p:cNvPr>
@@ -11932,7 +11932,7 @@
           <p:cNvPr id="26" name="Retângulo 25">
             <a:extLst>
               <a:ext uri="{FF2B5EF4-FFF2-40B4-BE49-F238E27FC236}">
-                <a16:creationId xmlns:a16="http://schemas.microsoft.com/office/drawing/2014/main" xmlns="" id="{E272E3BB-C1F8-43E6-928D-8F6B61453BCE}"/>
+                <a16:creationId xmlns="" xmlns:a16="http://schemas.microsoft.com/office/drawing/2014/main" id="{E272E3BB-C1F8-43E6-928D-8F6B61453BCE}"/>
               </a:ext>
             </a:extLst>
           </p:cNvPr>
@@ -11987,7 +11987,7 @@
           <p:cNvPr id="27" name="Retângulo 26">
             <a:extLst>
               <a:ext uri="{FF2B5EF4-FFF2-40B4-BE49-F238E27FC236}">
-                <a16:creationId xmlns:a16="http://schemas.microsoft.com/office/drawing/2014/main" xmlns="" id="{74B5839C-647F-469D-A9F6-7E7E681ED037}"/>
+                <a16:creationId xmlns="" xmlns:a16="http://schemas.microsoft.com/office/drawing/2014/main" id="{74B5839C-647F-469D-A9F6-7E7E681ED037}"/>
               </a:ext>
             </a:extLst>
           </p:cNvPr>
@@ -12042,7 +12042,7 @@
           <p:cNvPr id="30" name="Retângulo 29">
             <a:extLst>
               <a:ext uri="{FF2B5EF4-FFF2-40B4-BE49-F238E27FC236}">
-                <a16:creationId xmlns:a16="http://schemas.microsoft.com/office/drawing/2014/main" xmlns="" id="{DD77C262-5814-4677-B274-649CC2550EFF}"/>
+                <a16:creationId xmlns="" xmlns:a16="http://schemas.microsoft.com/office/drawing/2014/main" id="{DD77C262-5814-4677-B274-649CC2550EFF}"/>
               </a:ext>
             </a:extLst>
           </p:cNvPr>
@@ -12097,7 +12097,7 @@
           <p:cNvPr id="31" name="Retângulo 30">
             <a:extLst>
               <a:ext uri="{FF2B5EF4-FFF2-40B4-BE49-F238E27FC236}">
-                <a16:creationId xmlns:a16="http://schemas.microsoft.com/office/drawing/2014/main" xmlns="" id="{14577EDC-0CC0-4769-A749-DCE7444B9D88}"/>
+                <a16:creationId xmlns="" xmlns:a16="http://schemas.microsoft.com/office/drawing/2014/main" id="{14577EDC-0CC0-4769-A749-DCE7444B9D88}"/>
               </a:ext>
             </a:extLst>
           </p:cNvPr>
@@ -12149,7 +12149,7 @@
           <p:cNvPr id="33" name="Retângulo 32">
             <a:extLst>
               <a:ext uri="{FF2B5EF4-FFF2-40B4-BE49-F238E27FC236}">
-                <a16:creationId xmlns:a16="http://schemas.microsoft.com/office/drawing/2014/main" xmlns="" id="{51B6A882-08E7-417F-93B2-1C446F666B9F}"/>
+                <a16:creationId xmlns="" xmlns:a16="http://schemas.microsoft.com/office/drawing/2014/main" id="{51B6A882-08E7-417F-93B2-1C446F666B9F}"/>
               </a:ext>
             </a:extLst>
           </p:cNvPr>
@@ -12204,7 +12204,7 @@
           <p:cNvPr id="37" name="Retângulo 36">
             <a:extLst>
               <a:ext uri="{FF2B5EF4-FFF2-40B4-BE49-F238E27FC236}">
-                <a16:creationId xmlns:a16="http://schemas.microsoft.com/office/drawing/2014/main" xmlns="" id="{02A7DE99-847B-4BC4-B213-00EAFEC388A8}"/>
+                <a16:creationId xmlns="" xmlns:a16="http://schemas.microsoft.com/office/drawing/2014/main" id="{02A7DE99-847B-4BC4-B213-00EAFEC388A8}"/>
               </a:ext>
             </a:extLst>
           </p:cNvPr>
@@ -12259,7 +12259,7 @@
           <p:cNvPr id="38" name="Retângulo 37">
             <a:extLst>
               <a:ext uri="{FF2B5EF4-FFF2-40B4-BE49-F238E27FC236}">
-                <a16:creationId xmlns:a16="http://schemas.microsoft.com/office/drawing/2014/main" xmlns="" id="{0C849E23-C958-4BE7-9742-8AF2C95114E1}"/>
+                <a16:creationId xmlns="" xmlns:a16="http://schemas.microsoft.com/office/drawing/2014/main" id="{0C849E23-C958-4BE7-9742-8AF2C95114E1}"/>
               </a:ext>
             </a:extLst>
           </p:cNvPr>
@@ -12314,7 +12314,7 @@
           <p:cNvPr id="39" name="Retângulo 38">
             <a:extLst>
               <a:ext uri="{FF2B5EF4-FFF2-40B4-BE49-F238E27FC236}">
-                <a16:creationId xmlns:a16="http://schemas.microsoft.com/office/drawing/2014/main" xmlns="" id="{663BFB2D-AB2B-4107-B5F9-9EB5690476E8}"/>
+                <a16:creationId xmlns="" xmlns:a16="http://schemas.microsoft.com/office/drawing/2014/main" id="{663BFB2D-AB2B-4107-B5F9-9EB5690476E8}"/>
               </a:ext>
             </a:extLst>
           </p:cNvPr>
@@ -12369,7 +12369,7 @@
           <p:cNvPr id="40" name="Retângulo 39">
             <a:extLst>
               <a:ext uri="{FF2B5EF4-FFF2-40B4-BE49-F238E27FC236}">
-                <a16:creationId xmlns:a16="http://schemas.microsoft.com/office/drawing/2014/main" xmlns="" id="{BDB7E775-2025-4FD3-B8DE-AE3B1E81A2C4}"/>
+                <a16:creationId xmlns="" xmlns:a16="http://schemas.microsoft.com/office/drawing/2014/main" id="{BDB7E775-2025-4FD3-B8DE-AE3B1E81A2C4}"/>
               </a:ext>
             </a:extLst>
           </p:cNvPr>
@@ -12424,7 +12424,7 @@
           <p:cNvPr id="43" name="Retângulo 42">
             <a:extLst>
               <a:ext uri="{FF2B5EF4-FFF2-40B4-BE49-F238E27FC236}">
-                <a16:creationId xmlns:a16="http://schemas.microsoft.com/office/drawing/2014/main" xmlns="" id="{46771B18-C8DD-440F-88BF-6495C4194396}"/>
+                <a16:creationId xmlns="" xmlns:a16="http://schemas.microsoft.com/office/drawing/2014/main" id="{46771B18-C8DD-440F-88BF-6495C4194396}"/>
               </a:ext>
             </a:extLst>
           </p:cNvPr>
@@ -12479,7 +12479,7 @@
           <p:cNvPr id="44" name="Retângulo 43">
             <a:extLst>
               <a:ext uri="{FF2B5EF4-FFF2-40B4-BE49-F238E27FC236}">
-                <a16:creationId xmlns:a16="http://schemas.microsoft.com/office/drawing/2014/main" xmlns="" id="{51F916F5-A4D9-4127-BB4D-8AADF965C2B7}"/>
+                <a16:creationId xmlns="" xmlns:a16="http://schemas.microsoft.com/office/drawing/2014/main" id="{51F916F5-A4D9-4127-BB4D-8AADF965C2B7}"/>
               </a:ext>
             </a:extLst>
           </p:cNvPr>
@@ -12533,7 +12533,7 @@
           <p:cNvPr id="45" name="Retângulo 44">
             <a:extLst>
               <a:ext uri="{FF2B5EF4-FFF2-40B4-BE49-F238E27FC236}">
-                <a16:creationId xmlns:a16="http://schemas.microsoft.com/office/drawing/2014/main" xmlns="" id="{B280ACBE-6895-4AAE-B42C-24F4556C7596}"/>
+                <a16:creationId xmlns="" xmlns:a16="http://schemas.microsoft.com/office/drawing/2014/main" id="{B280ACBE-6895-4AAE-B42C-24F4556C7596}"/>
               </a:ext>
             </a:extLst>
           </p:cNvPr>
@@ -12588,7 +12588,7 @@
           <p:cNvPr id="47" name="Retângulo 46">
             <a:extLst>
               <a:ext uri="{FF2B5EF4-FFF2-40B4-BE49-F238E27FC236}">
-                <a16:creationId xmlns:a16="http://schemas.microsoft.com/office/drawing/2014/main" xmlns="" id="{D3749FC8-1DF0-4FCC-9F30-B2101433C20E}"/>
+                <a16:creationId xmlns="" xmlns:a16="http://schemas.microsoft.com/office/drawing/2014/main" id="{D3749FC8-1DF0-4FCC-9F30-B2101433C20E}"/>
               </a:ext>
             </a:extLst>
           </p:cNvPr>
@@ -12647,7 +12647,7 @@
           <p:cNvPr id="48" name="Retângulo 47">
             <a:extLst>
               <a:ext uri="{FF2B5EF4-FFF2-40B4-BE49-F238E27FC236}">
-                <a16:creationId xmlns:a16="http://schemas.microsoft.com/office/drawing/2014/main" xmlns="" id="{22C8B44B-D718-4336-9C3A-48B174E40AB4}"/>
+                <a16:creationId xmlns="" xmlns:a16="http://schemas.microsoft.com/office/drawing/2014/main" id="{22C8B44B-D718-4336-9C3A-48B174E40AB4}"/>
               </a:ext>
             </a:extLst>
           </p:cNvPr>
@@ -12696,7 +12696,7 @@
           <p:cNvPr id="49" name="CaixaDeTexto 48">
             <a:extLst>
               <a:ext uri="{FF2B5EF4-FFF2-40B4-BE49-F238E27FC236}">
-                <a16:creationId xmlns:a16="http://schemas.microsoft.com/office/drawing/2014/main" xmlns="" id="{3AE75C82-7E2B-4080-A5D8-9B19E4BF9609}"/>
+                <a16:creationId xmlns="" xmlns:a16="http://schemas.microsoft.com/office/drawing/2014/main" id="{3AE75C82-7E2B-4080-A5D8-9B19E4BF9609}"/>
               </a:ext>
             </a:extLst>
           </p:cNvPr>
@@ -12740,7 +12740,7 @@
           <p:cNvPr id="50" name="Retângulo 49">
             <a:extLst>
               <a:ext uri="{FF2B5EF4-FFF2-40B4-BE49-F238E27FC236}">
-                <a16:creationId xmlns:a16="http://schemas.microsoft.com/office/drawing/2014/main" xmlns="" id="{3A2F0F08-D7DF-4EBA-A137-5A296597AD1A}"/>
+                <a16:creationId xmlns="" xmlns:a16="http://schemas.microsoft.com/office/drawing/2014/main" id="{3A2F0F08-D7DF-4EBA-A137-5A296597AD1A}"/>
               </a:ext>
             </a:extLst>
           </p:cNvPr>
@@ -12792,7 +12792,7 @@
           <p:cNvPr id="51" name="CaixaDeTexto 50">
             <a:extLst>
               <a:ext uri="{FF2B5EF4-FFF2-40B4-BE49-F238E27FC236}">
-                <a16:creationId xmlns:a16="http://schemas.microsoft.com/office/drawing/2014/main" xmlns="" id="{FFB410CA-A850-443A-8FD3-ABADED535B9A}"/>
+                <a16:creationId xmlns="" xmlns:a16="http://schemas.microsoft.com/office/drawing/2014/main" id="{FFB410CA-A850-443A-8FD3-ABADED535B9A}"/>
               </a:ext>
             </a:extLst>
           </p:cNvPr>
@@ -12836,7 +12836,7 @@
           <p:cNvPr id="53" name="Conector reto 52">
             <a:extLst>
               <a:ext uri="{FF2B5EF4-FFF2-40B4-BE49-F238E27FC236}">
-                <a16:creationId xmlns:a16="http://schemas.microsoft.com/office/drawing/2014/main" xmlns="" id="{082C2AE9-E6FF-4BB5-89A3-E11684481463}"/>
+                <a16:creationId xmlns="" xmlns:a16="http://schemas.microsoft.com/office/drawing/2014/main" id="{082C2AE9-E6FF-4BB5-89A3-E11684481463}"/>
               </a:ext>
             </a:extLst>
           </p:cNvPr>
@@ -12963,7 +12963,7 @@
           <p:cNvPr id="7" name="Espaço Reservado para Data 4">
             <a:extLst>
               <a:ext uri="{FF2B5EF4-FFF2-40B4-BE49-F238E27FC236}">
-                <a16:creationId xmlns:a16="http://schemas.microsoft.com/office/drawing/2014/main" xmlns="" id="{5027949B-8BAD-4E75-AC2F-213BC962F9B3}"/>
+                <a16:creationId xmlns="" xmlns:a16="http://schemas.microsoft.com/office/drawing/2014/main" id="{5027949B-8BAD-4E75-AC2F-213BC962F9B3}"/>
               </a:ext>
             </a:extLst>
           </p:cNvPr>
@@ -12997,7 +12997,7 @@
           <p:cNvPr id="8" name="Espaço reservado para rodapé 5">
             <a:extLst>
               <a:ext uri="{FF2B5EF4-FFF2-40B4-BE49-F238E27FC236}">
-                <a16:creationId xmlns:a16="http://schemas.microsoft.com/office/drawing/2014/main" xmlns="" id="{812E6C33-6473-43E3-8DE1-9D33AB15D861}"/>
+                <a16:creationId xmlns="" xmlns:a16="http://schemas.microsoft.com/office/drawing/2014/main" id="{812E6C33-6473-43E3-8DE1-9D33AB15D861}"/>
               </a:ext>
             </a:extLst>
           </p:cNvPr>
@@ -13031,7 +13031,7 @@
           <p:cNvPr id="5" name="Retângulo 4">
             <a:extLst>
               <a:ext uri="{FF2B5EF4-FFF2-40B4-BE49-F238E27FC236}">
-                <a16:creationId xmlns:a16="http://schemas.microsoft.com/office/drawing/2014/main" xmlns="" id="{06797C99-AC55-44CF-B98B-2604AB32C55D}"/>
+                <a16:creationId xmlns="" xmlns:a16="http://schemas.microsoft.com/office/drawing/2014/main" id="{06797C99-AC55-44CF-B98B-2604AB32C55D}"/>
               </a:ext>
             </a:extLst>
           </p:cNvPr>
@@ -13085,7 +13085,7 @@
           <p:cNvPr id="15" name="CaixaDeTexto 14">
             <a:extLst>
               <a:ext uri="{FF2B5EF4-FFF2-40B4-BE49-F238E27FC236}">
-                <a16:creationId xmlns:a16="http://schemas.microsoft.com/office/drawing/2014/main" xmlns="" id="{0446D310-6E73-4F6A-A2D6-E01643B757A7}"/>
+                <a16:creationId xmlns="" xmlns:a16="http://schemas.microsoft.com/office/drawing/2014/main" id="{0446D310-6E73-4F6A-A2D6-E01643B757A7}"/>
               </a:ext>
             </a:extLst>
           </p:cNvPr>
@@ -13121,7 +13121,7 @@
           <p:cNvPr id="26" name="Retângulo 25">
             <a:extLst>
               <a:ext uri="{FF2B5EF4-FFF2-40B4-BE49-F238E27FC236}">
-                <a16:creationId xmlns:a16="http://schemas.microsoft.com/office/drawing/2014/main" xmlns="" id="{E272E3BB-C1F8-43E6-928D-8F6B61453BCE}"/>
+                <a16:creationId xmlns="" xmlns:a16="http://schemas.microsoft.com/office/drawing/2014/main" id="{E272E3BB-C1F8-43E6-928D-8F6B61453BCE}"/>
               </a:ext>
             </a:extLst>
           </p:cNvPr>
@@ -13176,7 +13176,7 @@
           <p:cNvPr id="31" name="Retângulo 30">
             <a:extLst>
               <a:ext uri="{FF2B5EF4-FFF2-40B4-BE49-F238E27FC236}">
-                <a16:creationId xmlns:a16="http://schemas.microsoft.com/office/drawing/2014/main" xmlns="" id="{14577EDC-0CC0-4769-A749-DCE7444B9D88}"/>
+                <a16:creationId xmlns="" xmlns:a16="http://schemas.microsoft.com/office/drawing/2014/main" id="{14577EDC-0CC0-4769-A749-DCE7444B9D88}"/>
               </a:ext>
             </a:extLst>
           </p:cNvPr>
@@ -13228,7 +13228,7 @@
           <p:cNvPr id="37" name="Retângulo 36">
             <a:extLst>
               <a:ext uri="{FF2B5EF4-FFF2-40B4-BE49-F238E27FC236}">
-                <a16:creationId xmlns:a16="http://schemas.microsoft.com/office/drawing/2014/main" xmlns="" id="{02A7DE99-847B-4BC4-B213-00EAFEC388A8}"/>
+                <a16:creationId xmlns="" xmlns:a16="http://schemas.microsoft.com/office/drawing/2014/main" id="{02A7DE99-847B-4BC4-B213-00EAFEC388A8}"/>
               </a:ext>
             </a:extLst>
           </p:cNvPr>
@@ -13283,7 +13283,7 @@
           <p:cNvPr id="47" name="Retângulo 46">
             <a:extLst>
               <a:ext uri="{FF2B5EF4-FFF2-40B4-BE49-F238E27FC236}">
-                <a16:creationId xmlns:a16="http://schemas.microsoft.com/office/drawing/2014/main" xmlns="" id="{D3749FC8-1DF0-4FCC-9F30-B2101433C20E}"/>
+                <a16:creationId xmlns="" xmlns:a16="http://schemas.microsoft.com/office/drawing/2014/main" id="{D3749FC8-1DF0-4FCC-9F30-B2101433C20E}"/>
               </a:ext>
             </a:extLst>
           </p:cNvPr>
@@ -13342,7 +13342,7 @@
           <p:cNvPr id="3" name="Retângulo 2">
             <a:extLst>
               <a:ext uri="{FF2B5EF4-FFF2-40B4-BE49-F238E27FC236}">
-                <a16:creationId xmlns:a16="http://schemas.microsoft.com/office/drawing/2014/main" xmlns="" id="{37E533CA-A1F3-491B-BC81-655B04724607}"/>
+                <a16:creationId xmlns="" xmlns:a16="http://schemas.microsoft.com/office/drawing/2014/main" id="{37E533CA-A1F3-491B-BC81-655B04724607}"/>
               </a:ext>
             </a:extLst>
           </p:cNvPr>
@@ -13396,7 +13396,7 @@
           <p:cNvPr id="6" name="CaixaDeTexto 5">
             <a:extLst>
               <a:ext uri="{FF2B5EF4-FFF2-40B4-BE49-F238E27FC236}">
-                <a16:creationId xmlns:a16="http://schemas.microsoft.com/office/drawing/2014/main" xmlns="" id="{22C2E258-D101-43B8-AE83-752E0D9FB25B}"/>
+                <a16:creationId xmlns="" xmlns:a16="http://schemas.microsoft.com/office/drawing/2014/main" id="{22C2E258-D101-43B8-AE83-752E0D9FB25B}"/>
               </a:ext>
             </a:extLst>
           </p:cNvPr>
@@ -13431,7 +13431,7 @@
           <p:cNvPr id="32" name="Retângulo 31">
             <a:extLst>
               <a:ext uri="{FF2B5EF4-FFF2-40B4-BE49-F238E27FC236}">
-                <a16:creationId xmlns:a16="http://schemas.microsoft.com/office/drawing/2014/main" xmlns="" id="{77C69484-D926-41CC-83E0-9987A0F98E3B}"/>
+                <a16:creationId xmlns="" xmlns:a16="http://schemas.microsoft.com/office/drawing/2014/main" id="{77C69484-D926-41CC-83E0-9987A0F98E3B}"/>
               </a:ext>
             </a:extLst>
           </p:cNvPr>
@@ -13486,7 +13486,7 @@
           <p:cNvPr id="35" name="Retângulo 34">
             <a:extLst>
               <a:ext uri="{FF2B5EF4-FFF2-40B4-BE49-F238E27FC236}">
-                <a16:creationId xmlns:a16="http://schemas.microsoft.com/office/drawing/2014/main" xmlns="" id="{9D0B72B3-6F6F-43BF-B625-CB031063931D}"/>
+                <a16:creationId xmlns="" xmlns:a16="http://schemas.microsoft.com/office/drawing/2014/main" id="{9D0B72B3-6F6F-43BF-B625-CB031063931D}"/>
               </a:ext>
             </a:extLst>
           </p:cNvPr>
@@ -13544,7 +13544,7 @@
           <p:cNvPr id="36" name="CaixaDeTexto 35">
             <a:extLst>
               <a:ext uri="{FF2B5EF4-FFF2-40B4-BE49-F238E27FC236}">
-                <a16:creationId xmlns:a16="http://schemas.microsoft.com/office/drawing/2014/main" xmlns="" id="{4EEF85AF-B8CA-4D19-847A-231001CBDE54}"/>
+                <a16:creationId xmlns="" xmlns:a16="http://schemas.microsoft.com/office/drawing/2014/main" id="{4EEF85AF-B8CA-4D19-847A-231001CBDE54}"/>
               </a:ext>
             </a:extLst>
           </p:cNvPr>
@@ -13579,7 +13579,7 @@
           <p:cNvPr id="48" name="CaixaDeTexto 47">
             <a:extLst>
               <a:ext uri="{FF2B5EF4-FFF2-40B4-BE49-F238E27FC236}">
-                <a16:creationId xmlns:a16="http://schemas.microsoft.com/office/drawing/2014/main" xmlns="" id="{F7FB5E81-9889-471A-9BF7-8FE130A18F3D}"/>
+                <a16:creationId xmlns="" xmlns:a16="http://schemas.microsoft.com/office/drawing/2014/main" id="{F7FB5E81-9889-471A-9BF7-8FE130A18F3D}"/>
               </a:ext>
             </a:extLst>
           </p:cNvPr>
@@ -13623,7 +13623,7 @@
           <p:cNvPr id="49" name="Retângulo 48">
             <a:extLst>
               <a:ext uri="{FF2B5EF4-FFF2-40B4-BE49-F238E27FC236}">
-                <a16:creationId xmlns:a16="http://schemas.microsoft.com/office/drawing/2014/main" xmlns="" id="{7F5CDB55-452B-47B9-AF12-938006AC302D}"/>
+                <a16:creationId xmlns="" xmlns:a16="http://schemas.microsoft.com/office/drawing/2014/main" id="{7F5CDB55-452B-47B9-AF12-938006AC302D}"/>
               </a:ext>
             </a:extLst>
           </p:cNvPr>
@@ -13682,7 +13682,7 @@
           <p:cNvPr id="52" name="Retângulo 51">
             <a:extLst>
               <a:ext uri="{FF2B5EF4-FFF2-40B4-BE49-F238E27FC236}">
-                <a16:creationId xmlns:a16="http://schemas.microsoft.com/office/drawing/2014/main" xmlns="" id="{2EBD069D-635D-4E40-AF29-899274423A02}"/>
+                <a16:creationId xmlns="" xmlns:a16="http://schemas.microsoft.com/office/drawing/2014/main" id="{2EBD069D-635D-4E40-AF29-899274423A02}"/>
               </a:ext>
             </a:extLst>
           </p:cNvPr>
@@ -13731,7 +13731,7 @@
           <p:cNvPr id="53" name="CaixaDeTexto 52">
             <a:extLst>
               <a:ext uri="{FF2B5EF4-FFF2-40B4-BE49-F238E27FC236}">
-                <a16:creationId xmlns:a16="http://schemas.microsoft.com/office/drawing/2014/main" xmlns="" id="{55BF7F07-AADA-4B81-A2A8-1910559E7995}"/>
+                <a16:creationId xmlns="" xmlns:a16="http://schemas.microsoft.com/office/drawing/2014/main" id="{55BF7F07-AADA-4B81-A2A8-1910559E7995}"/>
               </a:ext>
             </a:extLst>
           </p:cNvPr>
@@ -13775,7 +13775,7 @@
           <p:cNvPr id="57" name="Retângulo 56">
             <a:extLst>
               <a:ext uri="{FF2B5EF4-FFF2-40B4-BE49-F238E27FC236}">
-                <a16:creationId xmlns:a16="http://schemas.microsoft.com/office/drawing/2014/main" xmlns="" id="{C9491021-5D23-4742-8F8F-30D153528679}"/>
+                <a16:creationId xmlns="" xmlns:a16="http://schemas.microsoft.com/office/drawing/2014/main" id="{C9491021-5D23-4742-8F8F-30D153528679}"/>
               </a:ext>
             </a:extLst>
           </p:cNvPr>
@@ -13827,7 +13827,7 @@
           <p:cNvPr id="58" name="CaixaDeTexto 57">
             <a:extLst>
               <a:ext uri="{FF2B5EF4-FFF2-40B4-BE49-F238E27FC236}">
-                <a16:creationId xmlns:a16="http://schemas.microsoft.com/office/drawing/2014/main" xmlns="" id="{AB8B7510-6EF9-4C8E-8F53-7ED53A6B7BDC}"/>
+                <a16:creationId xmlns="" xmlns:a16="http://schemas.microsoft.com/office/drawing/2014/main" id="{AB8B7510-6EF9-4C8E-8F53-7ED53A6B7BDC}"/>
               </a:ext>
             </a:extLst>
           </p:cNvPr>
@@ -13871,7 +13871,7 @@
           <p:cNvPr id="59" name="Conector reto 58">
             <a:extLst>
               <a:ext uri="{FF2B5EF4-FFF2-40B4-BE49-F238E27FC236}">
-                <a16:creationId xmlns:a16="http://schemas.microsoft.com/office/drawing/2014/main" xmlns="" id="{C749E662-FF51-471C-A39D-99B232400887}"/>
+                <a16:creationId xmlns="" xmlns:a16="http://schemas.microsoft.com/office/drawing/2014/main" id="{C749E662-FF51-471C-A39D-99B232400887}"/>
               </a:ext>
             </a:extLst>
           </p:cNvPr>
@@ -14018,7 +14018,7 @@
           <p:cNvPr id="11" name="Gráfico 10">
             <a:extLst>
               <a:ext uri="{FF2B5EF4-FFF2-40B4-BE49-F238E27FC236}">
-                <a16:creationId xmlns:a16="http://schemas.microsoft.com/office/drawing/2014/main" xmlns="" id="{2CEEA5B4-5936-4CD7-ADA5-FC79BBCA8D31}"/>
+                <a16:creationId xmlns="" xmlns:a16="http://schemas.microsoft.com/office/drawing/2014/main" id="{2CEEA5B4-5936-4CD7-ADA5-FC79BBCA8D31}"/>
               </a:ext>
             </a:extLst>
           </p:cNvPr>
@@ -14034,7 +14034,7 @@
                 <a14:useLocalDpi xmlns:a14="http://schemas.microsoft.com/office/drawing/2010/main" val="0"/>
               </a:ext>
               <a:ext uri="{96DAC541-7B7A-43D3-8B79-37D633B846F1}">
-                <asvg:svgBlip xmlns:asvg="http://schemas.microsoft.com/office/drawing/2016/SVG/main" xmlns="" r:embed="rId4"/>
+                <asvg:svgBlip xmlns="" xmlns:asvg="http://schemas.microsoft.com/office/drawing/2016/SVG/main" r:embed="rId4"/>
               </a:ext>
             </a:extLst>
           </a:blip>
@@ -14057,7 +14057,7 @@
           <p:cNvPr id="18" name="Imagem 17">
             <a:extLst>
               <a:ext uri="{FF2B5EF4-FFF2-40B4-BE49-F238E27FC236}">
-                <a16:creationId xmlns:a16="http://schemas.microsoft.com/office/drawing/2014/main" xmlns="" id="{45D537CB-DA77-40CA-9D00-00C6F845FD3D}"/>
+                <a16:creationId xmlns="" xmlns:a16="http://schemas.microsoft.com/office/drawing/2014/main" id="{45D537CB-DA77-40CA-9D00-00C6F845FD3D}"/>
               </a:ext>
             </a:extLst>
           </p:cNvPr>
@@ -14093,7 +14093,7 @@
           <p:cNvPr id="20" name="Imagem 19">
             <a:extLst>
               <a:ext uri="{FF2B5EF4-FFF2-40B4-BE49-F238E27FC236}">
-                <a16:creationId xmlns:a16="http://schemas.microsoft.com/office/drawing/2014/main" xmlns="" id="{1906072A-1B2E-45B4-95B3-BCE987083A1E}"/>
+                <a16:creationId xmlns="" xmlns:a16="http://schemas.microsoft.com/office/drawing/2014/main" id="{1906072A-1B2E-45B4-95B3-BCE987083A1E}"/>
               </a:ext>
             </a:extLst>
           </p:cNvPr>
@@ -14129,7 +14129,7 @@
           <p:cNvPr id="21" name="Título 1">
             <a:extLst>
               <a:ext uri="{FF2B5EF4-FFF2-40B4-BE49-F238E27FC236}">
-                <a16:creationId xmlns:a16="http://schemas.microsoft.com/office/drawing/2014/main" xmlns="" id="{0C574178-5DAF-41CD-9A4A-9B53CAB1B582}"/>
+                <a16:creationId xmlns="" xmlns:a16="http://schemas.microsoft.com/office/drawing/2014/main" id="{0C574178-5DAF-41CD-9A4A-9B53CAB1B582}"/>
               </a:ext>
             </a:extLst>
           </p:cNvPr>
@@ -14212,7 +14212,7 @@
           <p:cNvPr id="7" name="Espaço Reservado para Data 4">
             <a:extLst>
               <a:ext uri="{FF2B5EF4-FFF2-40B4-BE49-F238E27FC236}">
-                <a16:creationId xmlns:a16="http://schemas.microsoft.com/office/drawing/2014/main" xmlns="" id="{5027949B-8BAD-4E75-AC2F-213BC962F9B3}"/>
+                <a16:creationId xmlns="" xmlns:a16="http://schemas.microsoft.com/office/drawing/2014/main" id="{5027949B-8BAD-4E75-AC2F-213BC962F9B3}"/>
               </a:ext>
             </a:extLst>
           </p:cNvPr>
@@ -14246,7 +14246,7 @@
           <p:cNvPr id="8" name="Espaço reservado para rodapé 5">
             <a:extLst>
               <a:ext uri="{FF2B5EF4-FFF2-40B4-BE49-F238E27FC236}">
-                <a16:creationId xmlns:a16="http://schemas.microsoft.com/office/drawing/2014/main" xmlns="" id="{812E6C33-6473-43E3-8DE1-9D33AB15D861}"/>
+                <a16:creationId xmlns="" xmlns:a16="http://schemas.microsoft.com/office/drawing/2014/main" id="{812E6C33-6473-43E3-8DE1-9D33AB15D861}"/>
               </a:ext>
             </a:extLst>
           </p:cNvPr>
@@ -14280,7 +14280,7 @@
           <p:cNvPr id="9" name="Imagem 8">
             <a:extLst>
               <a:ext uri="{FF2B5EF4-FFF2-40B4-BE49-F238E27FC236}">
-                <a16:creationId xmlns:a16="http://schemas.microsoft.com/office/drawing/2014/main" xmlns="" id="{B1FC80DE-D63D-4D67-A422-F46237BBAC4B}"/>
+                <a16:creationId xmlns="" xmlns:a16="http://schemas.microsoft.com/office/drawing/2014/main" id="{B1FC80DE-D63D-4D67-A422-F46237BBAC4B}"/>
               </a:ext>
             </a:extLst>
           </p:cNvPr>
@@ -14315,7 +14315,7 @@
           <p:cNvPr id="12" name="Título 1">
             <a:extLst>
               <a:ext uri="{FF2B5EF4-FFF2-40B4-BE49-F238E27FC236}">
-                <a16:creationId xmlns:a16="http://schemas.microsoft.com/office/drawing/2014/main" xmlns="" id="{1386CF17-2663-42B2-8CF9-18B81769FB0F}"/>
+                <a16:creationId xmlns="" xmlns:a16="http://schemas.microsoft.com/office/drawing/2014/main" id="{1386CF17-2663-42B2-8CF9-18B81769FB0F}"/>
               </a:ext>
             </a:extLst>
           </p:cNvPr>
@@ -14341,6 +14341,35 @@
               <a:t>.NET Standard</a:t>
             </a:r>
             <a:endParaRPr lang="pt-BR" dirty="0"/>
+          </a:p>
+        </p:txBody>
+      </p:sp>
+      <p:sp>
+        <p:nvSpPr>
+          <p:cNvPr id="2" name="CaixaDeTexto 1"/>
+          <p:cNvSpPr txBox="1"/>
+          <p:nvPr/>
+        </p:nvSpPr>
+        <p:spPr>
+          <a:xfrm>
+            <a:off x="3630576" y="8084035"/>
+            <a:ext cx="6991209" cy="369332"/>
+          </a:xfrm>
+          <a:prstGeom prst="rect">
+            <a:avLst/>
+          </a:prstGeom>
+          <a:noFill/>
+        </p:spPr>
+        <p:txBody>
+          <a:bodyPr wrap="none" rtlCol="0">
+            <a:spAutoFit/>
+          </a:bodyPr>
+          <a:lstStyle/>
+          <a:p>
+            <a:r>
+              <a:rPr lang="pt-BR" dirty="0"/>
+              <a:t>https://www.slideshare.net/dotnet18/moving-forward-with-aspnet-core</a:t>
+            </a:r>
           </a:p>
         </p:txBody>
       </p:sp>
@@ -14398,7 +14427,7 @@
           <p:cNvPr id="2" name="Título 1">
             <a:extLst>
               <a:ext uri="{FF2B5EF4-FFF2-40B4-BE49-F238E27FC236}">
-                <a16:creationId xmlns:a16="http://schemas.microsoft.com/office/drawing/2014/main" xmlns="" id="{103D01CA-8E71-4B89-92CF-CAD3965A63EA}"/>
+                <a16:creationId xmlns="" xmlns:a16="http://schemas.microsoft.com/office/drawing/2014/main" id="{103D01CA-8E71-4B89-92CF-CAD3965A63EA}"/>
               </a:ext>
             </a:extLst>
           </p:cNvPr>
@@ -14427,7 +14456,7 @@
           <p:cNvPr id="7" name="Espaço Reservado para Conteúdo 6">
             <a:extLst>
               <a:ext uri="{FF2B5EF4-FFF2-40B4-BE49-F238E27FC236}">
-                <a16:creationId xmlns:a16="http://schemas.microsoft.com/office/drawing/2014/main" xmlns="" id="{8E976631-8CDC-462F-89DD-E90A2328B00C}"/>
+                <a16:creationId xmlns="" xmlns:a16="http://schemas.microsoft.com/office/drawing/2014/main" id="{8E976631-8CDC-462F-89DD-E90A2328B00C}"/>
               </a:ext>
             </a:extLst>
           </p:cNvPr>
@@ -14455,63 +14484,63 @@
                 <a:gridCol w="2597274">
                   <a:extLst>
                     <a:ext uri="{9D8B030D-6E8A-4147-A177-3AD203B41FA5}">
-                      <a16:colId xmlns:a16="http://schemas.microsoft.com/office/drawing/2014/main" xmlns="" val="191229460"/>
+                      <a16:colId xmlns="" xmlns:a16="http://schemas.microsoft.com/office/drawing/2014/main" val="191229460"/>
                     </a:ext>
                   </a:extLst>
                 </a:gridCol>
                 <a:gridCol w="1097280">
                   <a:extLst>
                     <a:ext uri="{9D8B030D-6E8A-4147-A177-3AD203B41FA5}">
-                      <a16:colId xmlns:a16="http://schemas.microsoft.com/office/drawing/2014/main" xmlns="" val="4235767327"/>
+                      <a16:colId xmlns="" xmlns:a16="http://schemas.microsoft.com/office/drawing/2014/main" val="4235767327"/>
                     </a:ext>
                   </a:extLst>
                 </a:gridCol>
                 <a:gridCol w="1097280">
                   <a:extLst>
                     <a:ext uri="{9D8B030D-6E8A-4147-A177-3AD203B41FA5}">
-                      <a16:colId xmlns:a16="http://schemas.microsoft.com/office/drawing/2014/main" xmlns="" val="2775312768"/>
+                      <a16:colId xmlns="" xmlns:a16="http://schemas.microsoft.com/office/drawing/2014/main" val="2775312768"/>
                     </a:ext>
                   </a:extLst>
                 </a:gridCol>
                 <a:gridCol w="1097280">
                   <a:extLst>
                     <a:ext uri="{9D8B030D-6E8A-4147-A177-3AD203B41FA5}">
-                      <a16:colId xmlns:a16="http://schemas.microsoft.com/office/drawing/2014/main" xmlns="" val="1601795952"/>
+                      <a16:colId xmlns="" xmlns:a16="http://schemas.microsoft.com/office/drawing/2014/main" val="1601795952"/>
                     </a:ext>
                   </a:extLst>
                 </a:gridCol>
                 <a:gridCol w="1097280">
                   <a:extLst>
                     <a:ext uri="{9D8B030D-6E8A-4147-A177-3AD203B41FA5}">
-                      <a16:colId xmlns:a16="http://schemas.microsoft.com/office/drawing/2014/main" xmlns="" val="395602532"/>
+                      <a16:colId xmlns="" xmlns:a16="http://schemas.microsoft.com/office/drawing/2014/main" val="395602532"/>
                     </a:ext>
                   </a:extLst>
                 </a:gridCol>
                 <a:gridCol w="1097280">
                   <a:extLst>
                     <a:ext uri="{9D8B030D-6E8A-4147-A177-3AD203B41FA5}">
-                      <a16:colId xmlns:a16="http://schemas.microsoft.com/office/drawing/2014/main" xmlns="" val="3139327269"/>
+                      <a16:colId xmlns="" xmlns:a16="http://schemas.microsoft.com/office/drawing/2014/main" val="3139327269"/>
                     </a:ext>
                   </a:extLst>
                 </a:gridCol>
                 <a:gridCol w="1097280">
                   <a:extLst>
                     <a:ext uri="{9D8B030D-6E8A-4147-A177-3AD203B41FA5}">
-                      <a16:colId xmlns:a16="http://schemas.microsoft.com/office/drawing/2014/main" xmlns="" val="4142479305"/>
+                      <a16:colId xmlns="" xmlns:a16="http://schemas.microsoft.com/office/drawing/2014/main" val="4142479305"/>
                     </a:ext>
                   </a:extLst>
                 </a:gridCol>
                 <a:gridCol w="1097280">
                   <a:extLst>
                     <a:ext uri="{9D8B030D-6E8A-4147-A177-3AD203B41FA5}">
-                      <a16:colId xmlns:a16="http://schemas.microsoft.com/office/drawing/2014/main" xmlns="" val="95559826"/>
+                      <a16:colId xmlns="" xmlns:a16="http://schemas.microsoft.com/office/drawing/2014/main" val="95559826"/>
                     </a:ext>
                   </a:extLst>
                 </a:gridCol>
                 <a:gridCol w="1097280">
                   <a:extLst>
                     <a:ext uri="{9D8B030D-6E8A-4147-A177-3AD203B41FA5}">
-                      <a16:colId xmlns:a16="http://schemas.microsoft.com/office/drawing/2014/main" xmlns="" val="373507774"/>
+                      <a16:colId xmlns="" xmlns:a16="http://schemas.microsoft.com/office/drawing/2014/main" val="373507774"/>
                     </a:ext>
                   </a:extLst>
                 </a:gridCol>
@@ -15055,7 +15084,7 @@
                 </a:tc>
                 <a:extLst>
                   <a:ext uri="{0D108BD9-81ED-4DB2-BD59-A6C34878D82A}">
-                    <a16:rowId xmlns:a16="http://schemas.microsoft.com/office/drawing/2014/main" xmlns="" val="1070861653"/>
+                    <a16:rowId xmlns="" xmlns:a16="http://schemas.microsoft.com/office/drawing/2014/main" val="1070861653"/>
                   </a:ext>
                 </a:extLst>
               </a:tr>
@@ -15566,7 +15595,7 @@
                 </a:tc>
                 <a:extLst>
                   <a:ext uri="{0D108BD9-81ED-4DB2-BD59-A6C34878D82A}">
-                    <a16:rowId xmlns:a16="http://schemas.microsoft.com/office/drawing/2014/main" xmlns="" val="3958851293"/>
+                    <a16:rowId xmlns="" xmlns:a16="http://schemas.microsoft.com/office/drawing/2014/main" val="3958851293"/>
                   </a:ext>
                 </a:extLst>
               </a:tr>
@@ -16077,7 +16106,7 @@
                 </a:tc>
                 <a:extLst>
                   <a:ext uri="{0D108BD9-81ED-4DB2-BD59-A6C34878D82A}">
-                    <a16:rowId xmlns:a16="http://schemas.microsoft.com/office/drawing/2014/main" xmlns="" val="4075081376"/>
+                    <a16:rowId xmlns="" xmlns:a16="http://schemas.microsoft.com/office/drawing/2014/main" val="4075081376"/>
                   </a:ext>
                 </a:extLst>
               </a:tr>
@@ -16588,7 +16617,7 @@
                 </a:tc>
                 <a:extLst>
                   <a:ext uri="{0D108BD9-81ED-4DB2-BD59-A6C34878D82A}">
-                    <a16:rowId xmlns:a16="http://schemas.microsoft.com/office/drawing/2014/main" xmlns="" val="2095508437"/>
+                    <a16:rowId xmlns="" xmlns:a16="http://schemas.microsoft.com/office/drawing/2014/main" val="2095508437"/>
                   </a:ext>
                 </a:extLst>
               </a:tr>
@@ -17102,7 +17131,7 @@
                 </a:tc>
                 <a:extLst>
                   <a:ext uri="{0D108BD9-81ED-4DB2-BD59-A6C34878D82A}">
-                    <a16:rowId xmlns:a16="http://schemas.microsoft.com/office/drawing/2014/main" xmlns="" val="2258305970"/>
+                    <a16:rowId xmlns="" xmlns:a16="http://schemas.microsoft.com/office/drawing/2014/main" val="2258305970"/>
                   </a:ext>
                 </a:extLst>
               </a:tr>
@@ -17613,7 +17642,7 @@
                 </a:tc>
                 <a:extLst>
                   <a:ext uri="{0D108BD9-81ED-4DB2-BD59-A6C34878D82A}">
-                    <a16:rowId xmlns:a16="http://schemas.microsoft.com/office/drawing/2014/main" xmlns="" val="744571697"/>
+                    <a16:rowId xmlns="" xmlns:a16="http://schemas.microsoft.com/office/drawing/2014/main" val="744571697"/>
                   </a:ext>
                 </a:extLst>
               </a:tr>
@@ -18127,7 +18156,7 @@
                 </a:tc>
                 <a:extLst>
                   <a:ext uri="{0D108BD9-81ED-4DB2-BD59-A6C34878D82A}">
-                    <a16:rowId xmlns:a16="http://schemas.microsoft.com/office/drawing/2014/main" xmlns="" val="3083516599"/>
+                    <a16:rowId xmlns="" xmlns:a16="http://schemas.microsoft.com/office/drawing/2014/main" val="3083516599"/>
                   </a:ext>
                 </a:extLst>
               </a:tr>
@@ -18638,7 +18667,7 @@
                 </a:tc>
                 <a:extLst>
                   <a:ext uri="{0D108BD9-81ED-4DB2-BD59-A6C34878D82A}">
-                    <a16:rowId xmlns:a16="http://schemas.microsoft.com/office/drawing/2014/main" xmlns="" val="2480875318"/>
+                    <a16:rowId xmlns="" xmlns:a16="http://schemas.microsoft.com/office/drawing/2014/main" val="2480875318"/>
                   </a:ext>
                 </a:extLst>
               </a:tr>
@@ -19134,7 +19163,7 @@
                 </a:tc>
                 <a:extLst>
                   <a:ext uri="{0D108BD9-81ED-4DB2-BD59-A6C34878D82A}">
-                    <a16:rowId xmlns:a16="http://schemas.microsoft.com/office/drawing/2014/main" xmlns="" val="318003309"/>
+                    <a16:rowId xmlns="" xmlns:a16="http://schemas.microsoft.com/office/drawing/2014/main" val="318003309"/>
                   </a:ext>
                 </a:extLst>
               </a:tr>
@@ -19147,7 +19176,7 @@
           <p:cNvPr id="10" name="Espaço Reservado para Data 4">
             <a:extLst>
               <a:ext uri="{FF2B5EF4-FFF2-40B4-BE49-F238E27FC236}">
-                <a16:creationId xmlns:a16="http://schemas.microsoft.com/office/drawing/2014/main" xmlns="" id="{9115A0F9-2127-4119-BB62-7C6900FFA044}"/>
+                <a16:creationId xmlns="" xmlns:a16="http://schemas.microsoft.com/office/drawing/2014/main" id="{9115A0F9-2127-4119-BB62-7C6900FFA044}"/>
               </a:ext>
             </a:extLst>
           </p:cNvPr>
@@ -19181,7 +19210,7 @@
           <p:cNvPr id="11" name="Espaço reservado para rodapé 5">
             <a:extLst>
               <a:ext uri="{FF2B5EF4-FFF2-40B4-BE49-F238E27FC236}">
-                <a16:creationId xmlns:a16="http://schemas.microsoft.com/office/drawing/2014/main" xmlns="" id="{E3E93A11-598C-4BAA-ACBA-36240270BEB7}"/>
+                <a16:creationId xmlns="" xmlns:a16="http://schemas.microsoft.com/office/drawing/2014/main" id="{E3E93A11-598C-4BAA-ACBA-36240270BEB7}"/>
               </a:ext>
             </a:extLst>
           </p:cNvPr>
@@ -19206,6 +19235,35 @@
             <a:r>
               <a:rPr lang="pt-BR" dirty="0"/>
               <a:t>Olé Tecnologia</a:t>
+            </a:r>
+          </a:p>
+        </p:txBody>
+      </p:sp>
+      <p:sp>
+        <p:nvSpPr>
+          <p:cNvPr id="3" name="CaixaDeTexto 2"/>
+          <p:cNvSpPr txBox="1"/>
+          <p:nvPr/>
+        </p:nvSpPr>
+        <p:spPr>
+          <a:xfrm>
+            <a:off x="4161453" y="8156901"/>
+            <a:ext cx="6595652" cy="369332"/>
+          </a:xfrm>
+          <a:prstGeom prst="rect">
+            <a:avLst/>
+          </a:prstGeom>
+          <a:noFill/>
+        </p:spPr>
+        <p:txBody>
+          <a:bodyPr wrap="none" rtlCol="0">
+            <a:spAutoFit/>
+          </a:bodyPr>
+          <a:lstStyle/>
+          <a:p>
+            <a:r>
+              <a:rPr lang="pt-BR" dirty="0"/>
+              <a:t>https://github.com/dotnet/standard/blob/master/docs/versions.md</a:t>
             </a:r>
           </a:p>
         </p:txBody>
@@ -19412,7 +19470,7 @@
           <p:cNvPr id="7" name="Espaço Reservado para Data 4">
             <a:extLst>
               <a:ext uri="{FF2B5EF4-FFF2-40B4-BE49-F238E27FC236}">
-                <a16:creationId xmlns:a16="http://schemas.microsoft.com/office/drawing/2014/main" xmlns="" id="{5027949B-8BAD-4E75-AC2F-213BC962F9B3}"/>
+                <a16:creationId xmlns="" xmlns:a16="http://schemas.microsoft.com/office/drawing/2014/main" id="{5027949B-8BAD-4E75-AC2F-213BC962F9B3}"/>
               </a:ext>
             </a:extLst>
           </p:cNvPr>
@@ -19446,7 +19504,7 @@
           <p:cNvPr id="8" name="Espaço reservado para rodapé 5">
             <a:extLst>
               <a:ext uri="{FF2B5EF4-FFF2-40B4-BE49-F238E27FC236}">
-                <a16:creationId xmlns:a16="http://schemas.microsoft.com/office/drawing/2014/main" xmlns="" id="{812E6C33-6473-43E3-8DE1-9D33AB15D861}"/>
+                <a16:creationId xmlns="" xmlns:a16="http://schemas.microsoft.com/office/drawing/2014/main" id="{812E6C33-6473-43E3-8DE1-9D33AB15D861}"/>
               </a:ext>
             </a:extLst>
           </p:cNvPr>
@@ -19639,7 +19697,7 @@
           <p:cNvPr id="7" name="Espaço Reservado para Data 4">
             <a:extLst>
               <a:ext uri="{FF2B5EF4-FFF2-40B4-BE49-F238E27FC236}">
-                <a16:creationId xmlns:a16="http://schemas.microsoft.com/office/drawing/2014/main" xmlns="" id="{5027949B-8BAD-4E75-AC2F-213BC962F9B3}"/>
+                <a16:creationId xmlns="" xmlns:a16="http://schemas.microsoft.com/office/drawing/2014/main" id="{5027949B-8BAD-4E75-AC2F-213BC962F9B3}"/>
               </a:ext>
             </a:extLst>
           </p:cNvPr>
@@ -19673,7 +19731,7 @@
           <p:cNvPr id="8" name="Espaço reservado para rodapé 5">
             <a:extLst>
               <a:ext uri="{FF2B5EF4-FFF2-40B4-BE49-F238E27FC236}">
-                <a16:creationId xmlns:a16="http://schemas.microsoft.com/office/drawing/2014/main" xmlns="" id="{812E6C33-6473-43E3-8DE1-9D33AB15D861}"/>
+                <a16:creationId xmlns="" xmlns:a16="http://schemas.microsoft.com/office/drawing/2014/main" id="{812E6C33-6473-43E3-8DE1-9D33AB15D861}"/>
               </a:ext>
             </a:extLst>
           </p:cNvPr>
@@ -19779,7 +19837,7 @@
           <p:cNvPr id="7" name="Espaço Reservado para Data 4">
             <a:extLst>
               <a:ext uri="{FF2B5EF4-FFF2-40B4-BE49-F238E27FC236}">
-                <a16:creationId xmlns:a16="http://schemas.microsoft.com/office/drawing/2014/main" xmlns="" id="{5027949B-8BAD-4E75-AC2F-213BC962F9B3}"/>
+                <a16:creationId xmlns="" xmlns:a16="http://schemas.microsoft.com/office/drawing/2014/main" id="{5027949B-8BAD-4E75-AC2F-213BC962F9B3}"/>
               </a:ext>
             </a:extLst>
           </p:cNvPr>
@@ -19813,7 +19871,7 @@
           <p:cNvPr id="8" name="Espaço reservado para rodapé 5">
             <a:extLst>
               <a:ext uri="{FF2B5EF4-FFF2-40B4-BE49-F238E27FC236}">
-                <a16:creationId xmlns:a16="http://schemas.microsoft.com/office/drawing/2014/main" xmlns="" id="{812E6C33-6473-43E3-8DE1-9D33AB15D861}"/>
+                <a16:creationId xmlns="" xmlns:a16="http://schemas.microsoft.com/office/drawing/2014/main" id="{812E6C33-6473-43E3-8DE1-9D33AB15D861}"/>
               </a:ext>
             </a:extLst>
           </p:cNvPr>
@@ -19847,7 +19905,7 @@
           <p:cNvPr id="5" name="Imagem 4">
             <a:extLst>
               <a:ext uri="{FF2B5EF4-FFF2-40B4-BE49-F238E27FC236}">
-                <a16:creationId xmlns:a16="http://schemas.microsoft.com/office/drawing/2014/main" xmlns="" id="{6D7A36B0-D3C7-47AB-B913-8F09DDACDD89}"/>
+                <a16:creationId xmlns="" xmlns:a16="http://schemas.microsoft.com/office/drawing/2014/main" id="{6D7A36B0-D3C7-47AB-B913-8F09DDACDD89}"/>
               </a:ext>
             </a:extLst>
           </p:cNvPr>
@@ -19883,7 +19941,7 @@
           <p:cNvPr id="9" name="Imagem 8">
             <a:extLst>
               <a:ext uri="{FF2B5EF4-FFF2-40B4-BE49-F238E27FC236}">
-                <a16:creationId xmlns:a16="http://schemas.microsoft.com/office/drawing/2014/main" xmlns="" id="{BA721030-9050-407D-BE57-E1342DB51CE0}"/>
+                <a16:creationId xmlns="" xmlns:a16="http://schemas.microsoft.com/office/drawing/2014/main" id="{BA721030-9050-407D-BE57-E1342DB51CE0}"/>
               </a:ext>
             </a:extLst>
           </p:cNvPr>
@@ -19919,7 +19977,7 @@
           <p:cNvPr id="10" name="CaixaDeTexto 9">
             <a:extLst>
               <a:ext uri="{FF2B5EF4-FFF2-40B4-BE49-F238E27FC236}">
-                <a16:creationId xmlns:a16="http://schemas.microsoft.com/office/drawing/2014/main" xmlns="" id="{231CBFE9-1E26-4813-836B-A182012C11FE}"/>
+                <a16:creationId xmlns="" xmlns:a16="http://schemas.microsoft.com/office/drawing/2014/main" id="{231CBFE9-1E26-4813-836B-A182012C11FE}"/>
               </a:ext>
             </a:extLst>
           </p:cNvPr>
@@ -20031,7 +20089,7 @@
           <p:cNvPr id="7" name="Espaço Reservado para Data 4">
             <a:extLst>
               <a:ext uri="{FF2B5EF4-FFF2-40B4-BE49-F238E27FC236}">
-                <a16:creationId xmlns:a16="http://schemas.microsoft.com/office/drawing/2014/main" xmlns="" id="{5027949B-8BAD-4E75-AC2F-213BC962F9B3}"/>
+                <a16:creationId xmlns="" xmlns:a16="http://schemas.microsoft.com/office/drawing/2014/main" id="{5027949B-8BAD-4E75-AC2F-213BC962F9B3}"/>
               </a:ext>
             </a:extLst>
           </p:cNvPr>
@@ -20065,7 +20123,7 @@
           <p:cNvPr id="8" name="Espaço reservado para rodapé 5">
             <a:extLst>
               <a:ext uri="{FF2B5EF4-FFF2-40B4-BE49-F238E27FC236}">
-                <a16:creationId xmlns:a16="http://schemas.microsoft.com/office/drawing/2014/main" xmlns="" id="{812E6C33-6473-43E3-8DE1-9D33AB15D861}"/>
+                <a16:creationId xmlns="" xmlns:a16="http://schemas.microsoft.com/office/drawing/2014/main" id="{812E6C33-6473-43E3-8DE1-9D33AB15D861}"/>
               </a:ext>
             </a:extLst>
           </p:cNvPr>
@@ -20099,7 +20157,7 @@
           <p:cNvPr id="5" name="Imagem 4">
             <a:extLst>
               <a:ext uri="{FF2B5EF4-FFF2-40B4-BE49-F238E27FC236}">
-                <a16:creationId xmlns:a16="http://schemas.microsoft.com/office/drawing/2014/main" xmlns="" id="{6D7A36B0-D3C7-47AB-B913-8F09DDACDD89}"/>
+                <a16:creationId xmlns="" xmlns:a16="http://schemas.microsoft.com/office/drawing/2014/main" id="{6D7A36B0-D3C7-47AB-B913-8F09DDACDD89}"/>
               </a:ext>
             </a:extLst>
           </p:cNvPr>
@@ -20135,7 +20193,7 @@
           <p:cNvPr id="9" name="Imagem 8">
             <a:extLst>
               <a:ext uri="{FF2B5EF4-FFF2-40B4-BE49-F238E27FC236}">
-                <a16:creationId xmlns:a16="http://schemas.microsoft.com/office/drawing/2014/main" xmlns="" id="{BA721030-9050-407D-BE57-E1342DB51CE0}"/>
+                <a16:creationId xmlns="" xmlns:a16="http://schemas.microsoft.com/office/drawing/2014/main" id="{BA721030-9050-407D-BE57-E1342DB51CE0}"/>
               </a:ext>
             </a:extLst>
           </p:cNvPr>
@@ -20171,7 +20229,7 @@
           <p:cNvPr id="4" name="Imagem 3">
             <a:extLst>
               <a:ext uri="{FF2B5EF4-FFF2-40B4-BE49-F238E27FC236}">
-                <a16:creationId xmlns:a16="http://schemas.microsoft.com/office/drawing/2014/main" xmlns="" id="{E99AA9E7-B5D0-429A-B671-3EA84C9E3C76}"/>
+                <a16:creationId xmlns="" xmlns:a16="http://schemas.microsoft.com/office/drawing/2014/main" id="{E99AA9E7-B5D0-429A-B671-3EA84C9E3C76}"/>
               </a:ext>
             </a:extLst>
           </p:cNvPr>
@@ -20207,7 +20265,7 @@
           <p:cNvPr id="6" name="Seta: da Esquerda para a Direita 5">
             <a:extLst>
               <a:ext uri="{FF2B5EF4-FFF2-40B4-BE49-F238E27FC236}">
-                <a16:creationId xmlns:a16="http://schemas.microsoft.com/office/drawing/2014/main" xmlns="" id="{EC10CD27-9B67-43E3-ADC4-6D1FC3314889}"/>
+                <a16:creationId xmlns="" xmlns:a16="http://schemas.microsoft.com/office/drawing/2014/main" id="{EC10CD27-9B67-43E3-ADC4-6D1FC3314889}"/>
               </a:ext>
             </a:extLst>
           </p:cNvPr>
@@ -20256,7 +20314,7 @@
           <p:cNvPr id="11" name="CaixaDeTexto 10">
             <a:extLst>
               <a:ext uri="{FF2B5EF4-FFF2-40B4-BE49-F238E27FC236}">
-                <a16:creationId xmlns:a16="http://schemas.microsoft.com/office/drawing/2014/main" xmlns="" id="{DCDBC631-5406-4CC3-9D5F-1AB592C94074}"/>
+                <a16:creationId xmlns="" xmlns:a16="http://schemas.microsoft.com/office/drawing/2014/main" id="{DCDBC631-5406-4CC3-9D5F-1AB592C94074}"/>
               </a:ext>
             </a:extLst>
           </p:cNvPr>
@@ -20357,7 +20415,7 @@
           <p:cNvPr id="12" name="CaixaDeTexto 11">
             <a:extLst>
               <a:ext uri="{FF2B5EF4-FFF2-40B4-BE49-F238E27FC236}">
-                <a16:creationId xmlns:a16="http://schemas.microsoft.com/office/drawing/2014/main" xmlns="" id="{7B0F3F2F-AA97-4EA7-926C-140727412082}"/>
+                <a16:creationId xmlns="" xmlns:a16="http://schemas.microsoft.com/office/drawing/2014/main" id="{7B0F3F2F-AA97-4EA7-926C-140727412082}"/>
               </a:ext>
             </a:extLst>
           </p:cNvPr>
@@ -20414,7 +20472,7 @@
           <p:cNvPr id="13" name="CaixaDeTexto 12">
             <a:extLst>
               <a:ext uri="{FF2B5EF4-FFF2-40B4-BE49-F238E27FC236}">
-                <a16:creationId xmlns:a16="http://schemas.microsoft.com/office/drawing/2014/main" xmlns="" id="{330939B9-CDE1-4913-B196-D70167E38018}"/>
+                <a16:creationId xmlns="" xmlns:a16="http://schemas.microsoft.com/office/drawing/2014/main" id="{330939B9-CDE1-4913-B196-D70167E38018}"/>
               </a:ext>
             </a:extLst>
           </p:cNvPr>
@@ -20471,7 +20529,7 @@
           <p:cNvPr id="14" name="Retângulo 13">
             <a:extLst>
               <a:ext uri="{FF2B5EF4-FFF2-40B4-BE49-F238E27FC236}">
-                <a16:creationId xmlns:a16="http://schemas.microsoft.com/office/drawing/2014/main" xmlns="" id="{1A57EC71-475C-42C2-A35B-CCCE55C3396C}"/>
+                <a16:creationId xmlns="" xmlns:a16="http://schemas.microsoft.com/office/drawing/2014/main" id="{1A57EC71-475C-42C2-A35B-CCCE55C3396C}"/>
               </a:ext>
             </a:extLst>
           </p:cNvPr>
@@ -20527,7 +20585,7 @@
           <p:cNvPr id="15" name="Retângulo 14">
             <a:extLst>
               <a:ext uri="{FF2B5EF4-FFF2-40B4-BE49-F238E27FC236}">
-                <a16:creationId xmlns:a16="http://schemas.microsoft.com/office/drawing/2014/main" xmlns="" id="{F7B64608-EAED-47D2-AC01-15021BD10DA8}"/>
+                <a16:creationId xmlns="" xmlns:a16="http://schemas.microsoft.com/office/drawing/2014/main" id="{F7B64608-EAED-47D2-AC01-15021BD10DA8}"/>
               </a:ext>
             </a:extLst>
           </p:cNvPr>
@@ -20579,7 +20637,7 @@
           <p:cNvPr id="16" name="Retângulo 15">
             <a:extLst>
               <a:ext uri="{FF2B5EF4-FFF2-40B4-BE49-F238E27FC236}">
-                <a16:creationId xmlns:a16="http://schemas.microsoft.com/office/drawing/2014/main" xmlns="" id="{A7D2CE41-AD51-4E1C-B566-8DF05B6F76BB}"/>
+                <a16:creationId xmlns="" xmlns:a16="http://schemas.microsoft.com/office/drawing/2014/main" id="{A7D2CE41-AD51-4E1C-B566-8DF05B6F76BB}"/>
               </a:ext>
             </a:extLst>
           </p:cNvPr>
@@ -20637,7 +20695,7 @@
           <p:cNvPr id="17" name="Retângulo 16">
             <a:extLst>
               <a:ext uri="{FF2B5EF4-FFF2-40B4-BE49-F238E27FC236}">
-                <a16:creationId xmlns:a16="http://schemas.microsoft.com/office/drawing/2014/main" xmlns="" id="{FDC74E52-46D5-4D01-BF0E-C1090B62B076}"/>
+                <a16:creationId xmlns="" xmlns:a16="http://schemas.microsoft.com/office/drawing/2014/main" id="{FDC74E52-46D5-4D01-BF0E-C1090B62B076}"/>
               </a:ext>
             </a:extLst>
           </p:cNvPr>
@@ -20695,7 +20753,7 @@
           <p:cNvPr id="18" name="Retângulo 17">
             <a:extLst>
               <a:ext uri="{FF2B5EF4-FFF2-40B4-BE49-F238E27FC236}">
-                <a16:creationId xmlns:a16="http://schemas.microsoft.com/office/drawing/2014/main" xmlns="" id="{C5E83839-80A6-4849-B84E-AD8CE7D9BB5B}"/>
+                <a16:creationId xmlns="" xmlns:a16="http://schemas.microsoft.com/office/drawing/2014/main" id="{C5E83839-80A6-4849-B84E-AD8CE7D9BB5B}"/>
               </a:ext>
             </a:extLst>
           </p:cNvPr>
@@ -20753,7 +20811,7 @@
           <p:cNvPr id="22" name="CaixaDeTexto 21">
             <a:extLst>
               <a:ext uri="{FF2B5EF4-FFF2-40B4-BE49-F238E27FC236}">
-                <a16:creationId xmlns:a16="http://schemas.microsoft.com/office/drawing/2014/main" xmlns="" id="{F6C700BD-5448-4F5B-84AB-73C5FBC3231D}"/>
+                <a16:creationId xmlns="" xmlns:a16="http://schemas.microsoft.com/office/drawing/2014/main" id="{F6C700BD-5448-4F5B-84AB-73C5FBC3231D}"/>
               </a:ext>
             </a:extLst>
           </p:cNvPr>
@@ -20830,7 +20888,7 @@
           <p:cNvPr id="23" name="Retângulo 22">
             <a:extLst>
               <a:ext uri="{FF2B5EF4-FFF2-40B4-BE49-F238E27FC236}">
-                <a16:creationId xmlns:a16="http://schemas.microsoft.com/office/drawing/2014/main" xmlns="" id="{BFD07A00-61DE-4F50-81F5-D636BCEFBCD6}"/>
+                <a16:creationId xmlns="" xmlns:a16="http://schemas.microsoft.com/office/drawing/2014/main" id="{BFD07A00-61DE-4F50-81F5-D636BCEFBCD6}"/>
               </a:ext>
             </a:extLst>
           </p:cNvPr>
@@ -20888,7 +20946,7 @@
           <p:cNvPr id="24" name="Retângulo 23">
             <a:extLst>
               <a:ext uri="{FF2B5EF4-FFF2-40B4-BE49-F238E27FC236}">
-                <a16:creationId xmlns:a16="http://schemas.microsoft.com/office/drawing/2014/main" xmlns="" id="{4CEDA3B7-1AA1-4DC0-A00E-ADB917EEB80A}"/>
+                <a16:creationId xmlns="" xmlns:a16="http://schemas.microsoft.com/office/drawing/2014/main" id="{4CEDA3B7-1AA1-4DC0-A00E-ADB917EEB80A}"/>
               </a:ext>
             </a:extLst>
           </p:cNvPr>
@@ -20940,7 +20998,7 @@
           <p:cNvPr id="25" name="CaixaDeTexto 24">
             <a:extLst>
               <a:ext uri="{FF2B5EF4-FFF2-40B4-BE49-F238E27FC236}">
-                <a16:creationId xmlns:a16="http://schemas.microsoft.com/office/drawing/2014/main" xmlns="" id="{599E0BBF-3073-43DD-A59D-8F82EA46AD72}"/>
+                <a16:creationId xmlns="" xmlns:a16="http://schemas.microsoft.com/office/drawing/2014/main" id="{599E0BBF-3073-43DD-A59D-8F82EA46AD72}"/>
               </a:ext>
             </a:extLst>
           </p:cNvPr>
@@ -20997,7 +21055,7 @@
           <p:cNvPr id="26" name="CaixaDeTexto 25">
             <a:extLst>
               <a:ext uri="{FF2B5EF4-FFF2-40B4-BE49-F238E27FC236}">
-                <a16:creationId xmlns:a16="http://schemas.microsoft.com/office/drawing/2014/main" xmlns="" id="{AAD120F8-D8FE-4DF3-9373-63081E5EF414}"/>
+                <a16:creationId xmlns="" xmlns:a16="http://schemas.microsoft.com/office/drawing/2014/main" id="{AAD120F8-D8FE-4DF3-9373-63081E5EF414}"/>
               </a:ext>
             </a:extLst>
           </p:cNvPr>
@@ -21053,7 +21111,7 @@
           <p:cNvPr id="27" name="CaixaDeTexto 26">
             <a:extLst>
               <a:ext uri="{FF2B5EF4-FFF2-40B4-BE49-F238E27FC236}">
-                <a16:creationId xmlns:a16="http://schemas.microsoft.com/office/drawing/2014/main" xmlns="" id="{CAF7D14F-EA83-45EA-B43E-D3CF96D19901}"/>
+                <a16:creationId xmlns="" xmlns:a16="http://schemas.microsoft.com/office/drawing/2014/main" id="{CAF7D14F-EA83-45EA-B43E-D3CF96D19901}"/>
               </a:ext>
             </a:extLst>
           </p:cNvPr>
@@ -21110,7 +21168,7 @@
           <p:cNvPr id="28" name="CaixaDeTexto 27">
             <a:extLst>
               <a:ext uri="{FF2B5EF4-FFF2-40B4-BE49-F238E27FC236}">
-                <a16:creationId xmlns:a16="http://schemas.microsoft.com/office/drawing/2014/main" xmlns="" id="{11ADA97D-7419-4893-825C-B72991FB0704}"/>
+                <a16:creationId xmlns="" xmlns:a16="http://schemas.microsoft.com/office/drawing/2014/main" id="{11ADA97D-7419-4893-825C-B72991FB0704}"/>
               </a:ext>
             </a:extLst>
           </p:cNvPr>
@@ -21233,7 +21291,7 @@
           <p:cNvPr id="19" name="Nuvem 18">
             <a:extLst>
               <a:ext uri="{FF2B5EF4-FFF2-40B4-BE49-F238E27FC236}">
-                <a16:creationId xmlns:a16="http://schemas.microsoft.com/office/drawing/2014/main" xmlns="" id="{0619F3B1-ADD2-470C-A94A-CBF2D44EC011}"/>
+                <a16:creationId xmlns="" xmlns:a16="http://schemas.microsoft.com/office/drawing/2014/main" id="{0619F3B1-ADD2-470C-A94A-CBF2D44EC011}"/>
               </a:ext>
             </a:extLst>
           </p:cNvPr>
@@ -21315,7 +21373,7 @@
           <p:cNvPr id="7" name="Espaço Reservado para Data 4">
             <a:extLst>
               <a:ext uri="{FF2B5EF4-FFF2-40B4-BE49-F238E27FC236}">
-                <a16:creationId xmlns:a16="http://schemas.microsoft.com/office/drawing/2014/main" xmlns="" id="{5027949B-8BAD-4E75-AC2F-213BC962F9B3}"/>
+                <a16:creationId xmlns="" xmlns:a16="http://schemas.microsoft.com/office/drawing/2014/main" id="{5027949B-8BAD-4E75-AC2F-213BC962F9B3}"/>
               </a:ext>
             </a:extLst>
           </p:cNvPr>
@@ -21349,7 +21407,7 @@
           <p:cNvPr id="8" name="Espaço reservado para rodapé 5">
             <a:extLst>
               <a:ext uri="{FF2B5EF4-FFF2-40B4-BE49-F238E27FC236}">
-                <a16:creationId xmlns:a16="http://schemas.microsoft.com/office/drawing/2014/main" xmlns="" id="{812E6C33-6473-43E3-8DE1-9D33AB15D861}"/>
+                <a16:creationId xmlns="" xmlns:a16="http://schemas.microsoft.com/office/drawing/2014/main" id="{812E6C33-6473-43E3-8DE1-9D33AB15D861}"/>
               </a:ext>
             </a:extLst>
           </p:cNvPr>
@@ -21383,7 +21441,7 @@
           <p:cNvPr id="5" name="Imagem 4">
             <a:extLst>
               <a:ext uri="{FF2B5EF4-FFF2-40B4-BE49-F238E27FC236}">
-                <a16:creationId xmlns:a16="http://schemas.microsoft.com/office/drawing/2014/main" xmlns="" id="{6D7A36B0-D3C7-47AB-B913-8F09DDACDD89}"/>
+                <a16:creationId xmlns="" xmlns:a16="http://schemas.microsoft.com/office/drawing/2014/main" id="{6D7A36B0-D3C7-47AB-B913-8F09DDACDD89}"/>
               </a:ext>
             </a:extLst>
           </p:cNvPr>
@@ -21419,7 +21477,7 @@
           <p:cNvPr id="9" name="Imagem 8">
             <a:extLst>
               <a:ext uri="{FF2B5EF4-FFF2-40B4-BE49-F238E27FC236}">
-                <a16:creationId xmlns:a16="http://schemas.microsoft.com/office/drawing/2014/main" xmlns="" id="{BA721030-9050-407D-BE57-E1342DB51CE0}"/>
+                <a16:creationId xmlns="" xmlns:a16="http://schemas.microsoft.com/office/drawing/2014/main" id="{BA721030-9050-407D-BE57-E1342DB51CE0}"/>
               </a:ext>
             </a:extLst>
           </p:cNvPr>
@@ -21455,7 +21513,7 @@
           <p:cNvPr id="17" name="Retângulo 16">
             <a:extLst>
               <a:ext uri="{FF2B5EF4-FFF2-40B4-BE49-F238E27FC236}">
-                <a16:creationId xmlns:a16="http://schemas.microsoft.com/office/drawing/2014/main" xmlns="" id="{FDC74E52-46D5-4D01-BF0E-C1090B62B076}"/>
+                <a16:creationId xmlns="" xmlns:a16="http://schemas.microsoft.com/office/drawing/2014/main" id="{FDC74E52-46D5-4D01-BF0E-C1090B62B076}"/>
               </a:ext>
             </a:extLst>
           </p:cNvPr>
@@ -21513,7 +21571,7 @@
           <p:cNvPr id="18" name="Retângulo 17">
             <a:extLst>
               <a:ext uri="{FF2B5EF4-FFF2-40B4-BE49-F238E27FC236}">
-                <a16:creationId xmlns:a16="http://schemas.microsoft.com/office/drawing/2014/main" xmlns="" id="{C5E83839-80A6-4849-B84E-AD8CE7D9BB5B}"/>
+                <a16:creationId xmlns="" xmlns:a16="http://schemas.microsoft.com/office/drawing/2014/main" id="{C5E83839-80A6-4849-B84E-AD8CE7D9BB5B}"/>
               </a:ext>
             </a:extLst>
           </p:cNvPr>
@@ -21571,7 +21629,7 @@
           <p:cNvPr id="23" name="Retângulo 22">
             <a:extLst>
               <a:ext uri="{FF2B5EF4-FFF2-40B4-BE49-F238E27FC236}">
-                <a16:creationId xmlns:a16="http://schemas.microsoft.com/office/drawing/2014/main" xmlns="" id="{BFD07A00-61DE-4F50-81F5-D636BCEFBCD6}"/>
+                <a16:creationId xmlns="" xmlns:a16="http://schemas.microsoft.com/office/drawing/2014/main" id="{BFD07A00-61DE-4F50-81F5-D636BCEFBCD6}"/>
               </a:ext>
             </a:extLst>
           </p:cNvPr>
@@ -21629,7 +21687,7 @@
           <p:cNvPr id="3" name="Seta: para a Direita 2">
             <a:extLst>
               <a:ext uri="{FF2B5EF4-FFF2-40B4-BE49-F238E27FC236}">
-                <a16:creationId xmlns:a16="http://schemas.microsoft.com/office/drawing/2014/main" xmlns="" id="{785AF93A-BED1-4FA9-AFA0-BBF43806201A}"/>
+                <a16:creationId xmlns="" xmlns:a16="http://schemas.microsoft.com/office/drawing/2014/main" id="{785AF93A-BED1-4FA9-AFA0-BBF43806201A}"/>
               </a:ext>
             </a:extLst>
           </p:cNvPr>
@@ -21676,7 +21734,7 @@
           <p:cNvPr id="10" name="CaixaDeTexto 9">
             <a:extLst>
               <a:ext uri="{FF2B5EF4-FFF2-40B4-BE49-F238E27FC236}">
-                <a16:creationId xmlns:a16="http://schemas.microsoft.com/office/drawing/2014/main" xmlns="" id="{235CF823-66A8-45A4-B5A4-D5D56D83B37F}"/>
+                <a16:creationId xmlns="" xmlns:a16="http://schemas.microsoft.com/office/drawing/2014/main" id="{235CF823-66A8-45A4-B5A4-D5D56D83B37F}"/>
               </a:ext>
             </a:extLst>
           </p:cNvPr>
@@ -21761,7 +21819,7 @@
           <p:cNvPr id="3074" name="Picture 2" descr="Imagem relacionada">
             <a:extLst>
               <a:ext uri="{FF2B5EF4-FFF2-40B4-BE49-F238E27FC236}">
-                <a16:creationId xmlns:a16="http://schemas.microsoft.com/office/drawing/2014/main" xmlns="" id="{47DA235D-671A-4E33-94F8-9BEE73A80CCA}"/>
+                <a16:creationId xmlns="" xmlns:a16="http://schemas.microsoft.com/office/drawing/2014/main" id="{47DA235D-671A-4E33-94F8-9BEE73A80CCA}"/>
               </a:ext>
             </a:extLst>
           </p:cNvPr>
@@ -21806,7 +21864,7 @@
           <p:cNvPr id="8" name="Título 1">
             <a:extLst>
               <a:ext uri="{FF2B5EF4-FFF2-40B4-BE49-F238E27FC236}">
-                <a16:creationId xmlns:a16="http://schemas.microsoft.com/office/drawing/2014/main" xmlns="" id="{00959F68-754E-4CEF-9184-723DD7981F88}"/>
+                <a16:creationId xmlns="" xmlns:a16="http://schemas.microsoft.com/office/drawing/2014/main" id="{00959F68-754E-4CEF-9184-723DD7981F88}"/>
               </a:ext>
             </a:extLst>
           </p:cNvPr>
@@ -21840,7 +21898,7 @@
           <p:cNvPr id="3076" name="Picture 4" descr="Resultado de imagem para kestrel nginx">
             <a:extLst>
               <a:ext uri="{FF2B5EF4-FFF2-40B4-BE49-F238E27FC236}">
-                <a16:creationId xmlns:a16="http://schemas.microsoft.com/office/drawing/2014/main" xmlns="" id="{DCD36044-EFA3-431D-96E9-685677FD62C7}"/>
+                <a16:creationId xmlns="" xmlns:a16="http://schemas.microsoft.com/office/drawing/2014/main" id="{DCD36044-EFA3-431D-96E9-685677FD62C7}"/>
               </a:ext>
             </a:extLst>
           </p:cNvPr>
@@ -21887,7 +21945,7 @@
           <p:cNvPr id="5" name="Espaço Reservado para Data 4">
             <a:extLst>
               <a:ext uri="{FF2B5EF4-FFF2-40B4-BE49-F238E27FC236}">
-                <a16:creationId xmlns:a16="http://schemas.microsoft.com/office/drawing/2014/main" xmlns="" id="{4735D08F-89B6-46D8-AD4A-2FD9AB5907BF}"/>
+                <a16:creationId xmlns="" xmlns:a16="http://schemas.microsoft.com/office/drawing/2014/main" id="{4735D08F-89B6-46D8-AD4A-2FD9AB5907BF}"/>
               </a:ext>
             </a:extLst>
           </p:cNvPr>
@@ -21921,7 +21979,7 @@
           <p:cNvPr id="6" name="Espaço reservado para rodapé 5">
             <a:extLst>
               <a:ext uri="{FF2B5EF4-FFF2-40B4-BE49-F238E27FC236}">
-                <a16:creationId xmlns:a16="http://schemas.microsoft.com/office/drawing/2014/main" xmlns="" id="{50236FB9-480B-4663-8B50-90ED625E40F4}"/>
+                <a16:creationId xmlns="" xmlns:a16="http://schemas.microsoft.com/office/drawing/2014/main" id="{50236FB9-480B-4663-8B50-90ED625E40F4}"/>
               </a:ext>
             </a:extLst>
           </p:cNvPr>
@@ -21946,6 +22004,64 @@
             <a:r>
               <a:rPr lang="pt-BR" dirty="0"/>
               <a:t>Olé Tecnologia</a:t>
+            </a:r>
+          </a:p>
+        </p:txBody>
+      </p:sp>
+      <p:sp>
+        <p:nvSpPr>
+          <p:cNvPr id="2" name="CaixaDeTexto 1"/>
+          <p:cNvSpPr txBox="1"/>
+          <p:nvPr/>
+        </p:nvSpPr>
+        <p:spPr>
+          <a:xfrm>
+            <a:off x="3603671" y="7934913"/>
+            <a:ext cx="7423058" cy="369332"/>
+          </a:xfrm>
+          <a:prstGeom prst="rect">
+            <a:avLst/>
+          </a:prstGeom>
+          <a:noFill/>
+        </p:spPr>
+        <p:txBody>
+          <a:bodyPr wrap="none" rtlCol="0">
+            <a:spAutoFit/>
+          </a:bodyPr>
+          <a:lstStyle/>
+          <a:p>
+            <a:r>
+              <a:rPr lang="pt-BR" dirty="0"/>
+              <a:t>https://www.slideshare.net/Avanade-Nederland/introduction-to-aspnet-core</a:t>
+            </a:r>
+          </a:p>
+        </p:txBody>
+      </p:sp>
+      <p:sp>
+        <p:nvSpPr>
+          <p:cNvPr id="3" name="CaixaDeTexto 2"/>
+          <p:cNvSpPr txBox="1"/>
+          <p:nvPr/>
+        </p:nvSpPr>
+        <p:spPr>
+          <a:xfrm>
+            <a:off x="3155802" y="3763223"/>
+            <a:ext cx="8903528" cy="369332"/>
+          </a:xfrm>
+          <a:prstGeom prst="rect">
+            <a:avLst/>
+          </a:prstGeom>
+          <a:noFill/>
+        </p:spPr>
+        <p:txBody>
+          <a:bodyPr wrap="none" rtlCol="0">
+            <a:spAutoFit/>
+          </a:bodyPr>
+          <a:lstStyle/>
+          <a:p>
+            <a:r>
+              <a:rPr lang="pt-BR" dirty="0"/>
+              <a:t>https://imasters.com.br/dotnet/configuracao-e-deploy-de-aplicativos-asp-net-core-2-0-no-iis</a:t>
             </a:r>
           </a:p>
         </p:txBody>
@@ -21992,7 +22108,7 @@
           <p:cNvPr id="1026" name="Picture 2" descr="http://espacojacyra.com.br/wp-content/uploads/2017/05/Untitled-1.png">
             <a:extLst>
               <a:ext uri="{FF2B5EF4-FFF2-40B4-BE49-F238E27FC236}">
-                <a16:creationId xmlns:a16="http://schemas.microsoft.com/office/drawing/2014/main" xmlns="" id="{1661535E-7222-49EB-B25D-5AE64E2AA955}"/>
+                <a16:creationId xmlns="" xmlns:a16="http://schemas.microsoft.com/office/drawing/2014/main" id="{1661535E-7222-49EB-B25D-5AE64E2AA955}"/>
               </a:ext>
             </a:extLst>
           </p:cNvPr>
@@ -22039,7 +22155,7 @@
           <p:cNvPr id="4" name="Retângulo 3">
             <a:extLst>
               <a:ext uri="{FF2B5EF4-FFF2-40B4-BE49-F238E27FC236}">
-                <a16:creationId xmlns:a16="http://schemas.microsoft.com/office/drawing/2014/main" xmlns="" id="{573691C4-264D-45FB-A726-9C37056D8188}"/>
+                <a16:creationId xmlns="" xmlns:a16="http://schemas.microsoft.com/office/drawing/2014/main" id="{573691C4-264D-45FB-A726-9C37056D8188}"/>
               </a:ext>
             </a:extLst>
           </p:cNvPr>
@@ -22091,7 +22207,7 @@
           <p:cNvPr id="9" name="Retângulo 8">
             <a:extLst>
               <a:ext uri="{FF2B5EF4-FFF2-40B4-BE49-F238E27FC236}">
-                <a16:creationId xmlns:a16="http://schemas.microsoft.com/office/drawing/2014/main" xmlns="" id="{589AEE5D-31EF-42A2-BD9F-A53F7E0CFF72}"/>
+                <a16:creationId xmlns="" xmlns:a16="http://schemas.microsoft.com/office/drawing/2014/main" id="{589AEE5D-31EF-42A2-BD9F-A53F7E0CFF72}"/>
               </a:ext>
             </a:extLst>
           </p:cNvPr>
@@ -22143,7 +22259,7 @@
           <p:cNvPr id="5" name="CaixaDeTexto 4">
             <a:extLst>
               <a:ext uri="{FF2B5EF4-FFF2-40B4-BE49-F238E27FC236}">
-                <a16:creationId xmlns:a16="http://schemas.microsoft.com/office/drawing/2014/main" xmlns="" id="{1BE11E3C-E998-41F9-BA56-C4BD8003732F}"/>
+                <a16:creationId xmlns="" xmlns:a16="http://schemas.microsoft.com/office/drawing/2014/main" id="{1BE11E3C-E998-41F9-BA56-C4BD8003732F}"/>
               </a:ext>
             </a:extLst>
           </p:cNvPr>
@@ -22182,7 +22298,7 @@
           <p:cNvPr id="13" name="Espaço Reservado para Data 4">
             <a:extLst>
               <a:ext uri="{FF2B5EF4-FFF2-40B4-BE49-F238E27FC236}">
-                <a16:creationId xmlns:a16="http://schemas.microsoft.com/office/drawing/2014/main" xmlns="" id="{4DA7F7DF-79FC-4782-8BBB-8E272F0DFB83}"/>
+                <a16:creationId xmlns="" xmlns:a16="http://schemas.microsoft.com/office/drawing/2014/main" id="{4DA7F7DF-79FC-4782-8BBB-8E272F0DFB83}"/>
               </a:ext>
             </a:extLst>
           </p:cNvPr>
@@ -22216,7 +22332,7 @@
           <p:cNvPr id="14" name="Espaço reservado para rodapé 5">
             <a:extLst>
               <a:ext uri="{FF2B5EF4-FFF2-40B4-BE49-F238E27FC236}">
-                <a16:creationId xmlns:a16="http://schemas.microsoft.com/office/drawing/2014/main" xmlns="" id="{021DA041-32B5-43DD-B16D-F849B179196D}"/>
+                <a16:creationId xmlns="" xmlns:a16="http://schemas.microsoft.com/office/drawing/2014/main" id="{021DA041-32B5-43DD-B16D-F849B179196D}"/>
               </a:ext>
             </a:extLst>
           </p:cNvPr>
@@ -22241,6 +22357,35 @@
             <a:r>
               <a:rPr lang="pt-BR" dirty="0"/>
               <a:t>Olé Tecnologia</a:t>
+            </a:r>
+          </a:p>
+        </p:txBody>
+      </p:sp>
+      <p:sp>
+        <p:nvSpPr>
+          <p:cNvPr id="2" name="CaixaDeTexto 1"/>
+          <p:cNvSpPr txBox="1"/>
+          <p:nvPr/>
+        </p:nvSpPr>
+        <p:spPr>
+          <a:xfrm>
+            <a:off x="5494462" y="7056865"/>
+            <a:ext cx="7690247" cy="307777"/>
+          </a:xfrm>
+          <a:prstGeom prst="rect">
+            <a:avLst/>
+          </a:prstGeom>
+          <a:noFill/>
+        </p:spPr>
+        <p:txBody>
+          <a:bodyPr wrap="none" rtlCol="0">
+            <a:spAutoFit/>
+          </a:bodyPr>
+          <a:lstStyle/>
+          <a:p>
+            <a:r>
+              <a:rPr lang="pt-BR" sz="1400" dirty="0"/>
+              <a:t>http://espacojacyra.com.br/mao-na-massa-colaboradoras-participam-de-treinamento-na-chocolandia/</a:t>
             </a:r>
           </a:p>
         </p:txBody>
@@ -22287,7 +22432,7 @@
           <p:cNvPr id="8" name="Título 1">
             <a:extLst>
               <a:ext uri="{FF2B5EF4-FFF2-40B4-BE49-F238E27FC236}">
-                <a16:creationId xmlns:a16="http://schemas.microsoft.com/office/drawing/2014/main" xmlns="" id="{00959F68-754E-4CEF-9184-723DD7981F88}"/>
+                <a16:creationId xmlns="" xmlns:a16="http://schemas.microsoft.com/office/drawing/2014/main" id="{00959F68-754E-4CEF-9184-723DD7981F88}"/>
               </a:ext>
             </a:extLst>
           </p:cNvPr>
@@ -22322,7 +22467,7 @@
           <p:cNvPr id="5" name="Espaço Reservado para Data 4">
             <a:extLst>
               <a:ext uri="{FF2B5EF4-FFF2-40B4-BE49-F238E27FC236}">
-                <a16:creationId xmlns:a16="http://schemas.microsoft.com/office/drawing/2014/main" xmlns="" id="{4735D08F-89B6-46D8-AD4A-2FD9AB5907BF}"/>
+                <a16:creationId xmlns="" xmlns:a16="http://schemas.microsoft.com/office/drawing/2014/main" id="{4735D08F-89B6-46D8-AD4A-2FD9AB5907BF}"/>
               </a:ext>
             </a:extLst>
           </p:cNvPr>
@@ -22356,7 +22501,7 @@
           <p:cNvPr id="6" name="Espaço reservado para rodapé 5">
             <a:extLst>
               <a:ext uri="{FF2B5EF4-FFF2-40B4-BE49-F238E27FC236}">
-                <a16:creationId xmlns:a16="http://schemas.microsoft.com/office/drawing/2014/main" xmlns="" id="{50236FB9-480B-4663-8B50-90ED625E40F4}"/>
+                <a16:creationId xmlns="" xmlns:a16="http://schemas.microsoft.com/office/drawing/2014/main" id="{50236FB9-480B-4663-8B50-90ED625E40F4}"/>
               </a:ext>
             </a:extLst>
           </p:cNvPr>
@@ -22498,7 +22643,7 @@
           <p:cNvPr id="13" name="Espaço Reservado para Data 4">
             <a:extLst>
               <a:ext uri="{FF2B5EF4-FFF2-40B4-BE49-F238E27FC236}">
-                <a16:creationId xmlns:a16="http://schemas.microsoft.com/office/drawing/2014/main" xmlns="" id="{4DA7F7DF-79FC-4782-8BBB-8E272F0DFB83}"/>
+                <a16:creationId xmlns="" xmlns:a16="http://schemas.microsoft.com/office/drawing/2014/main" id="{4DA7F7DF-79FC-4782-8BBB-8E272F0DFB83}"/>
               </a:ext>
             </a:extLst>
           </p:cNvPr>
@@ -22532,7 +22677,7 @@
           <p:cNvPr id="14" name="Espaço reservado para rodapé 5">
             <a:extLst>
               <a:ext uri="{FF2B5EF4-FFF2-40B4-BE49-F238E27FC236}">
-                <a16:creationId xmlns:a16="http://schemas.microsoft.com/office/drawing/2014/main" xmlns="" id="{021DA041-32B5-43DD-B16D-F849B179196D}"/>
+                <a16:creationId xmlns="" xmlns:a16="http://schemas.microsoft.com/office/drawing/2014/main" id="{021DA041-32B5-43DD-B16D-F849B179196D}"/>
               </a:ext>
             </a:extLst>
           </p:cNvPr>
@@ -22566,7 +22711,7 @@
           <p:cNvPr id="3074" name="Picture 2" descr="Resultado de imagem para hexagonal architecture">
             <a:extLst>
               <a:ext uri="{FF2B5EF4-FFF2-40B4-BE49-F238E27FC236}">
-                <a16:creationId xmlns:a16="http://schemas.microsoft.com/office/drawing/2014/main" xmlns="" id="{BA899021-F854-455D-9C3A-A18345A0C3A7}"/>
+                <a16:creationId xmlns="" xmlns:a16="http://schemas.microsoft.com/office/drawing/2014/main" id="{BA899021-F854-455D-9C3A-A18345A0C3A7}"/>
               </a:ext>
             </a:extLst>
           </p:cNvPr>
@@ -22613,7 +22758,7 @@
           <p:cNvPr id="10" name="Título 1">
             <a:extLst>
               <a:ext uri="{FF2B5EF4-FFF2-40B4-BE49-F238E27FC236}">
-                <a16:creationId xmlns:a16="http://schemas.microsoft.com/office/drawing/2014/main" xmlns="" id="{BE0E2390-5D4E-4824-847C-A5BB28BEDD70}"/>
+                <a16:creationId xmlns="" xmlns:a16="http://schemas.microsoft.com/office/drawing/2014/main" id="{BE0E2390-5D4E-4824-847C-A5BB28BEDD70}"/>
               </a:ext>
             </a:extLst>
           </p:cNvPr>
@@ -22647,7 +22792,7 @@
           <p:cNvPr id="2" name="CaixaDeTexto 1">
             <a:extLst>
               <a:ext uri="{FF2B5EF4-FFF2-40B4-BE49-F238E27FC236}">
-                <a16:creationId xmlns:a16="http://schemas.microsoft.com/office/drawing/2014/main" xmlns="" id="{CF2C84B1-5A80-4BA4-9FE5-EFC67DD4454C}"/>
+                <a16:creationId xmlns="" xmlns:a16="http://schemas.microsoft.com/office/drawing/2014/main" id="{CF2C84B1-5A80-4BA4-9FE5-EFC67DD4454C}"/>
               </a:ext>
             </a:extLst>
           </p:cNvPr>
@@ -22802,7 +22947,7 @@
           <p:cNvPr id="7" name="Espaço Reservado para Data 4">
             <a:extLst>
               <a:ext uri="{FF2B5EF4-FFF2-40B4-BE49-F238E27FC236}">
-                <a16:creationId xmlns:a16="http://schemas.microsoft.com/office/drawing/2014/main" xmlns="" id="{5027949B-8BAD-4E75-AC2F-213BC962F9B3}"/>
+                <a16:creationId xmlns="" xmlns:a16="http://schemas.microsoft.com/office/drawing/2014/main" id="{5027949B-8BAD-4E75-AC2F-213BC962F9B3}"/>
               </a:ext>
             </a:extLst>
           </p:cNvPr>
@@ -22836,7 +22981,7 @@
           <p:cNvPr id="8" name="Espaço reservado para rodapé 5">
             <a:extLst>
               <a:ext uri="{FF2B5EF4-FFF2-40B4-BE49-F238E27FC236}">
-                <a16:creationId xmlns:a16="http://schemas.microsoft.com/office/drawing/2014/main" xmlns="" id="{812E6C33-6473-43E3-8DE1-9D33AB15D861}"/>
+                <a16:creationId xmlns="" xmlns:a16="http://schemas.microsoft.com/office/drawing/2014/main" id="{812E6C33-6473-43E3-8DE1-9D33AB15D861}"/>
               </a:ext>
             </a:extLst>
           </p:cNvPr>
@@ -22869,7 +23014,7 @@
           <p:cNvPr id="117" name="Imagem 116">
             <a:extLst>
               <a:ext uri="{FF2B5EF4-FFF2-40B4-BE49-F238E27FC236}">
-                <a16:creationId xmlns:a16="http://schemas.microsoft.com/office/drawing/2014/main" xmlns="" id="{A98EE66B-29C3-487D-AA5B-C3313E91C3CD}"/>
+                <a16:creationId xmlns="" xmlns:a16="http://schemas.microsoft.com/office/drawing/2014/main" id="{A98EE66B-29C3-487D-AA5B-C3313E91C3CD}"/>
               </a:ext>
             </a:extLst>
           </p:cNvPr>
@@ -22971,7 +23116,7 @@
           <p:cNvPr id="7" name="Espaço Reservado para Data 4">
             <a:extLst>
               <a:ext uri="{FF2B5EF4-FFF2-40B4-BE49-F238E27FC236}">
-                <a16:creationId xmlns:a16="http://schemas.microsoft.com/office/drawing/2014/main" xmlns="" id="{5027949B-8BAD-4E75-AC2F-213BC962F9B3}"/>
+                <a16:creationId xmlns="" xmlns:a16="http://schemas.microsoft.com/office/drawing/2014/main" id="{5027949B-8BAD-4E75-AC2F-213BC962F9B3}"/>
               </a:ext>
             </a:extLst>
           </p:cNvPr>
@@ -23005,7 +23150,7 @@
           <p:cNvPr id="8" name="Espaço reservado para rodapé 5">
             <a:extLst>
               <a:ext uri="{FF2B5EF4-FFF2-40B4-BE49-F238E27FC236}">
-                <a16:creationId xmlns:a16="http://schemas.microsoft.com/office/drawing/2014/main" xmlns="" id="{812E6C33-6473-43E3-8DE1-9D33AB15D861}"/>
+                <a16:creationId xmlns="" xmlns:a16="http://schemas.microsoft.com/office/drawing/2014/main" id="{812E6C33-6473-43E3-8DE1-9D33AB15D861}"/>
               </a:ext>
             </a:extLst>
           </p:cNvPr>
@@ -23038,7 +23183,7 @@
           <p:cNvPr id="3" name="Imagem 2">
             <a:extLst>
               <a:ext uri="{FF2B5EF4-FFF2-40B4-BE49-F238E27FC236}">
-                <a16:creationId xmlns:a16="http://schemas.microsoft.com/office/drawing/2014/main" xmlns="" id="{D16FB126-52F5-40E4-9609-BBFCFEB7BE42}"/>
+                <a16:creationId xmlns="" xmlns:a16="http://schemas.microsoft.com/office/drawing/2014/main" id="{D16FB126-52F5-40E4-9609-BBFCFEB7BE42}"/>
               </a:ext>
             </a:extLst>
           </p:cNvPr>
@@ -23140,7 +23285,7 @@
           <p:cNvPr id="7" name="Espaço Reservado para Data 4">
             <a:extLst>
               <a:ext uri="{FF2B5EF4-FFF2-40B4-BE49-F238E27FC236}">
-                <a16:creationId xmlns:a16="http://schemas.microsoft.com/office/drawing/2014/main" xmlns="" id="{5027949B-8BAD-4E75-AC2F-213BC962F9B3}"/>
+                <a16:creationId xmlns="" xmlns:a16="http://schemas.microsoft.com/office/drawing/2014/main" id="{5027949B-8BAD-4E75-AC2F-213BC962F9B3}"/>
               </a:ext>
             </a:extLst>
           </p:cNvPr>
@@ -23174,7 +23319,7 @@
           <p:cNvPr id="8" name="Espaço reservado para rodapé 5">
             <a:extLst>
               <a:ext uri="{FF2B5EF4-FFF2-40B4-BE49-F238E27FC236}">
-                <a16:creationId xmlns:a16="http://schemas.microsoft.com/office/drawing/2014/main" xmlns="" id="{812E6C33-6473-43E3-8DE1-9D33AB15D861}"/>
+                <a16:creationId xmlns="" xmlns:a16="http://schemas.microsoft.com/office/drawing/2014/main" id="{812E6C33-6473-43E3-8DE1-9D33AB15D861}"/>
               </a:ext>
             </a:extLst>
           </p:cNvPr>
@@ -23207,7 +23352,7 @@
           <p:cNvPr id="4" name="Imagem 3">
             <a:extLst>
               <a:ext uri="{FF2B5EF4-FFF2-40B4-BE49-F238E27FC236}">
-                <a16:creationId xmlns:a16="http://schemas.microsoft.com/office/drawing/2014/main" xmlns="" id="{13AC27FA-E005-446B-8700-F37F04AAA9D1}"/>
+                <a16:creationId xmlns="" xmlns:a16="http://schemas.microsoft.com/office/drawing/2014/main" id="{13AC27FA-E005-446B-8700-F37F04AAA9D1}"/>
               </a:ext>
             </a:extLst>
           </p:cNvPr>
@@ -23237,7 +23382,7 @@
           <p:cNvPr id="9" name="Imagem 8">
             <a:extLst>
               <a:ext uri="{FF2B5EF4-FFF2-40B4-BE49-F238E27FC236}">
-                <a16:creationId xmlns:a16="http://schemas.microsoft.com/office/drawing/2014/main" xmlns="" id="{AA0AD21D-6153-4A0C-9461-E9EE6CB3D8CE}"/>
+                <a16:creationId xmlns="" xmlns:a16="http://schemas.microsoft.com/office/drawing/2014/main" id="{AA0AD21D-6153-4A0C-9461-E9EE6CB3D8CE}"/>
               </a:ext>
             </a:extLst>
           </p:cNvPr>
@@ -23267,7 +23412,7 @@
           <p:cNvPr id="5" name="Retângulo 4">
             <a:extLst>
               <a:ext uri="{FF2B5EF4-FFF2-40B4-BE49-F238E27FC236}">
-                <a16:creationId xmlns:a16="http://schemas.microsoft.com/office/drawing/2014/main" xmlns="" id="{1AFF71A3-2452-43BC-972B-23772B32B5CD}"/>
+                <a16:creationId xmlns="" xmlns:a16="http://schemas.microsoft.com/office/drawing/2014/main" id="{1AFF71A3-2452-43BC-972B-23772B32B5CD}"/>
               </a:ext>
             </a:extLst>
           </p:cNvPr>
@@ -23317,7 +23462,7 @@
           <p:cNvPr id="10" name="Retângulo 9">
             <a:extLst>
               <a:ext uri="{FF2B5EF4-FFF2-40B4-BE49-F238E27FC236}">
-                <a16:creationId xmlns:a16="http://schemas.microsoft.com/office/drawing/2014/main" xmlns="" id="{57A600AF-996F-4EC4-BBE1-343E5DE53BFA}"/>
+                <a16:creationId xmlns="" xmlns:a16="http://schemas.microsoft.com/office/drawing/2014/main" id="{57A600AF-996F-4EC4-BBE1-343E5DE53BFA}"/>
               </a:ext>
             </a:extLst>
           </p:cNvPr>
@@ -23367,7 +23512,7 @@
           <p:cNvPr id="12" name="Conector: Angulado 11">
             <a:extLst>
               <a:ext uri="{FF2B5EF4-FFF2-40B4-BE49-F238E27FC236}">
-                <a16:creationId xmlns:a16="http://schemas.microsoft.com/office/drawing/2014/main" xmlns="" id="{9CF02D98-F864-4CC8-8653-2F861C75CCD8}"/>
+                <a16:creationId xmlns="" xmlns:a16="http://schemas.microsoft.com/office/drawing/2014/main" id="{9CF02D98-F864-4CC8-8653-2F861C75CCD8}"/>
               </a:ext>
             </a:extLst>
           </p:cNvPr>
@@ -23492,7 +23637,7 @@
           <p:cNvPr id="7" name="Espaço Reservado para Data 4">
             <a:extLst>
               <a:ext uri="{FF2B5EF4-FFF2-40B4-BE49-F238E27FC236}">
-                <a16:creationId xmlns:a16="http://schemas.microsoft.com/office/drawing/2014/main" xmlns="" id="{5027949B-8BAD-4E75-AC2F-213BC962F9B3}"/>
+                <a16:creationId xmlns="" xmlns:a16="http://schemas.microsoft.com/office/drawing/2014/main" id="{5027949B-8BAD-4E75-AC2F-213BC962F9B3}"/>
               </a:ext>
             </a:extLst>
           </p:cNvPr>
@@ -23526,7 +23671,7 @@
           <p:cNvPr id="8" name="Espaço reservado para rodapé 5">
             <a:extLst>
               <a:ext uri="{FF2B5EF4-FFF2-40B4-BE49-F238E27FC236}">
-                <a16:creationId xmlns:a16="http://schemas.microsoft.com/office/drawing/2014/main" xmlns="" id="{812E6C33-6473-43E3-8DE1-9D33AB15D861}"/>
+                <a16:creationId xmlns="" xmlns:a16="http://schemas.microsoft.com/office/drawing/2014/main" id="{812E6C33-6473-43E3-8DE1-9D33AB15D861}"/>
               </a:ext>
             </a:extLst>
           </p:cNvPr>
@@ -23559,7 +23704,7 @@
           <p:cNvPr id="3" name="Imagem 2">
             <a:extLst>
               <a:ext uri="{FF2B5EF4-FFF2-40B4-BE49-F238E27FC236}">
-                <a16:creationId xmlns:a16="http://schemas.microsoft.com/office/drawing/2014/main" xmlns="" id="{BE986EA4-0A57-473E-9D2D-F827D7F31D13}"/>
+                <a16:creationId xmlns="" xmlns:a16="http://schemas.microsoft.com/office/drawing/2014/main" id="{BE986EA4-0A57-473E-9D2D-F827D7F31D13}"/>
               </a:ext>
             </a:extLst>
           </p:cNvPr>
@@ -23638,7 +23783,7 @@
           <p:cNvPr id="4" name="Imagem 3">
             <a:extLst>
               <a:ext uri="{FF2B5EF4-FFF2-40B4-BE49-F238E27FC236}">
-                <a16:creationId xmlns:a16="http://schemas.microsoft.com/office/drawing/2014/main" xmlns="" id="{52630C84-B16C-46D0-8854-3932C18E80BF}"/>
+                <a16:creationId xmlns="" xmlns:a16="http://schemas.microsoft.com/office/drawing/2014/main" id="{52630C84-B16C-46D0-8854-3932C18E80BF}"/>
               </a:ext>
             </a:extLst>
           </p:cNvPr>
@@ -23691,7 +23836,7 @@
           <p:cNvPr id="7" name="Espaço Reservado para Data 4">
             <a:extLst>
               <a:ext uri="{FF2B5EF4-FFF2-40B4-BE49-F238E27FC236}">
-                <a16:creationId xmlns:a16="http://schemas.microsoft.com/office/drawing/2014/main" xmlns="" id="{5027949B-8BAD-4E75-AC2F-213BC962F9B3}"/>
+                <a16:creationId xmlns="" xmlns:a16="http://schemas.microsoft.com/office/drawing/2014/main" id="{5027949B-8BAD-4E75-AC2F-213BC962F9B3}"/>
               </a:ext>
             </a:extLst>
           </p:cNvPr>
@@ -23725,7 +23870,7 @@
           <p:cNvPr id="8" name="Espaço reservado para rodapé 5">
             <a:extLst>
               <a:ext uri="{FF2B5EF4-FFF2-40B4-BE49-F238E27FC236}">
-                <a16:creationId xmlns:a16="http://schemas.microsoft.com/office/drawing/2014/main" xmlns="" id="{812E6C33-6473-43E3-8DE1-9D33AB15D861}"/>
+                <a16:creationId xmlns="" xmlns:a16="http://schemas.microsoft.com/office/drawing/2014/main" id="{812E6C33-6473-43E3-8DE1-9D33AB15D861}"/>
               </a:ext>
             </a:extLst>
           </p:cNvPr>
@@ -23807,7 +23952,7 @@
           <p:cNvPr id="3" name="Imagem 2">
             <a:extLst>
               <a:ext uri="{FF2B5EF4-FFF2-40B4-BE49-F238E27FC236}">
-                <a16:creationId xmlns:a16="http://schemas.microsoft.com/office/drawing/2014/main" xmlns="" id="{46092EEA-D08D-4055-AF56-0D1D283F05AC}"/>
+                <a16:creationId xmlns="" xmlns:a16="http://schemas.microsoft.com/office/drawing/2014/main" id="{46092EEA-D08D-4055-AF56-0D1D283F05AC}"/>
               </a:ext>
             </a:extLst>
           </p:cNvPr>
@@ -23860,7 +24005,7 @@
           <p:cNvPr id="7" name="Espaço Reservado para Data 4">
             <a:extLst>
               <a:ext uri="{FF2B5EF4-FFF2-40B4-BE49-F238E27FC236}">
-                <a16:creationId xmlns:a16="http://schemas.microsoft.com/office/drawing/2014/main" xmlns="" id="{5027949B-8BAD-4E75-AC2F-213BC962F9B3}"/>
+                <a16:creationId xmlns="" xmlns:a16="http://schemas.microsoft.com/office/drawing/2014/main" id="{5027949B-8BAD-4E75-AC2F-213BC962F9B3}"/>
               </a:ext>
             </a:extLst>
           </p:cNvPr>
@@ -23894,7 +24039,7 @@
           <p:cNvPr id="8" name="Espaço reservado para rodapé 5">
             <a:extLst>
               <a:ext uri="{FF2B5EF4-FFF2-40B4-BE49-F238E27FC236}">
-                <a16:creationId xmlns:a16="http://schemas.microsoft.com/office/drawing/2014/main" xmlns="" id="{812E6C33-6473-43E3-8DE1-9D33AB15D861}"/>
+                <a16:creationId xmlns="" xmlns:a16="http://schemas.microsoft.com/office/drawing/2014/main" id="{812E6C33-6473-43E3-8DE1-9D33AB15D861}"/>
               </a:ext>
             </a:extLst>
           </p:cNvPr>
@@ -24243,7 +24388,7 @@
   <a:extraClrSchemeLst/>
   <a:extLst>
     <a:ext uri="{05A4C25C-085E-4340-85A3-A5531E510DB2}">
-      <thm15:themeFamily xmlns:thm15="http://schemas.microsoft.com/office/thememl/2012/main" xmlns="" name="Office Theme" id="{62F939B6-93AF-4DB8-9C6B-D6C7DFDC589F}" vid="{4A3C46E8-61CC-4603-A589-7422A47A8E4A}"/>
+      <thm15:themeFamily xmlns="" xmlns:thm15="http://schemas.microsoft.com/office/thememl/2012/main" name="Office Theme" id="{62F939B6-93AF-4DB8-9C6B-D6C7DFDC589F}" vid="{4A3C46E8-61CC-4603-A589-7422A47A8E4A}"/>
     </a:ext>
   </a:extLst>
 </a:theme>
@@ -24504,7 +24649,7 @@
   <a:extraClrSchemeLst/>
   <a:extLst>
     <a:ext uri="{05A4C25C-085E-4340-85A3-A5531E510DB2}">
-      <thm15:themeFamily xmlns:thm15="http://schemas.microsoft.com/office/thememl/2012/main" xmlns="" name="Office Theme" id="{62F939B6-93AF-4DB8-9C6B-D6C7DFDC589F}" vid="{4A3C46E8-61CC-4603-A589-7422A47A8E4A}"/>
+      <thm15:themeFamily xmlns="" xmlns:thm15="http://schemas.microsoft.com/office/thememl/2012/main" name="Office Theme" id="{62F939B6-93AF-4DB8-9C6B-D6C7DFDC589F}" vid="{4A3C46E8-61CC-4603-A589-7422A47A8E4A}"/>
     </a:ext>
   </a:extLst>
 </a:theme>
@@ -24765,7 +24910,7 @@
   <a:extraClrSchemeLst/>
   <a:extLst>
     <a:ext uri="{05A4C25C-085E-4340-85A3-A5531E510DB2}">
-      <thm15:themeFamily xmlns:thm15="http://schemas.microsoft.com/office/thememl/2012/main" xmlns="" name="Office Theme" id="{62F939B6-93AF-4DB8-9C6B-D6C7DFDC589F}" vid="{4A3C46E8-61CC-4603-A589-7422A47A8E4A}"/>
+      <thm15:themeFamily xmlns="" xmlns:thm15="http://schemas.microsoft.com/office/thememl/2012/main" name="Office Theme" id="{62F939B6-93AF-4DB8-9C6B-D6C7DFDC589F}" vid="{4A3C46E8-61CC-4603-A589-7422A47A8E4A}"/>
     </a:ext>
   </a:extLst>
 </a:theme>

--- a/palestras/ppt/nocoes-netcore-docker-ddd-e-boas-praticas-programacao.pptx
+++ b/palestras/ppt/nocoes-netcore-docker-ddd-e-boas-praticas-programacao.pptx
@@ -5,10 +5,10 @@
     <p:sldMasterId id="2147483660" r:id="rId1"/>
   </p:sldMasterIdLst>
   <p:notesMasterIdLst>
-    <p:notesMasterId r:id="rId39"/>
+    <p:notesMasterId r:id="rId51"/>
   </p:notesMasterIdLst>
   <p:handoutMasterIdLst>
-    <p:handoutMasterId r:id="rId40"/>
+    <p:handoutMasterId r:id="rId52"/>
   </p:handoutMasterIdLst>
   <p:sldIdLst>
     <p:sldId id="258" r:id="rId2"/>
@@ -47,7 +47,19 @@
     <p:sldId id="295" r:id="rId35"/>
     <p:sldId id="317" r:id="rId36"/>
     <p:sldId id="319" r:id="rId37"/>
-    <p:sldId id="318" r:id="rId38"/>
+    <p:sldId id="320" r:id="rId38"/>
+    <p:sldId id="321" r:id="rId39"/>
+    <p:sldId id="318" r:id="rId40"/>
+    <p:sldId id="326" r:id="rId41"/>
+    <p:sldId id="327" r:id="rId42"/>
+    <p:sldId id="323" r:id="rId43"/>
+    <p:sldId id="324" r:id="rId44"/>
+    <p:sldId id="328" r:id="rId45"/>
+    <p:sldId id="329" r:id="rId46"/>
+    <p:sldId id="330" r:id="rId47"/>
+    <p:sldId id="331" r:id="rId48"/>
+    <p:sldId id="332" r:id="rId49"/>
+    <p:sldId id="325" r:id="rId50"/>
   </p:sldIdLst>
   <p:sldSz cx="14630400" cy="9144000"/>
   <p:notesSz cx="6858000" cy="9144000"/>
@@ -148,7 +160,7 @@
   </p:defaultTextStyle>
   <p:extLst>
     <p:ext uri="{EFAFB233-063F-42B5-8137-9DF3F51BA10A}">
-      <p15:sldGuideLst xmlns="" xmlns:p15="http://schemas.microsoft.com/office/powerpoint/2012/main">
+      <p15:sldGuideLst xmlns:p15="http://schemas.microsoft.com/office/powerpoint/2012/main">
         <p15:guide id="1" orient="horz" pos="2880" userDrawn="1">
           <p15:clr>
             <a:srgbClr val="A4A3A4"/>
@@ -162,7 +174,7 @@
       </p15:sldGuideLst>
     </p:ext>
     <p:ext uri="{2D200454-40CA-4A62-9FC3-DE9A4176ACB9}">
-      <p15:notesGuideLst xmlns="" xmlns:p15="http://schemas.microsoft.com/office/powerpoint/2012/main"/>
+      <p15:notesGuideLst xmlns:p15="http://schemas.microsoft.com/office/powerpoint/2012/main"/>
     </p:ext>
   </p:extLst>
 </p:presentation>
@@ -252,7 +264,7 @@
             <a:pPr rtl="0"/>
             <a:fld id="{8C872D6B-470D-4F01-9A71-BFB8AE228CD4}" type="datetime1">
               <a:rPr lang="pt-BR" smtClean="0"/>
-              <a:t>30/07/2018</a:t>
+              <a:t>02/08/2018</a:t>
             </a:fld>
             <a:endParaRPr lang="pt-BR" dirty="0"/>
           </a:p>
@@ -422,7 +434,7 @@
             <a:pPr rtl="0"/>
             <a:fld id="{CE2AF919-DA84-473E-A39D-205B08A443F1}" type="datetime1">
               <a:rPr lang="pt-BR" noProof="0" smtClean="0"/>
-              <a:t>30/07/2018</a:t>
+              <a:t>02/08/2018</a:t>
             </a:fld>
             <a:endParaRPr lang="pt-BR" noProof="0" dirty="0"/>
           </a:p>
@@ -2854,6 +2866,96 @@
 </p:notes>
 </file>
 
+<file path=ppt/notesSlides/notesSlide31.xml><?xml version="1.0" encoding="utf-8"?>
+<p:notes xmlns:a="http://schemas.openxmlformats.org/drawingml/2006/main" xmlns:r="http://schemas.openxmlformats.org/officeDocument/2006/relationships" xmlns:p="http://schemas.openxmlformats.org/presentationml/2006/main">
+  <p:cSld>
+    <p:spTree>
+      <p:nvGrpSpPr>
+        <p:cNvPr id="1" name=""/>
+        <p:cNvGrpSpPr/>
+        <p:nvPr/>
+      </p:nvGrpSpPr>
+      <p:grpSpPr>
+        <a:xfrm>
+          <a:off x="0" y="0"/>
+          <a:ext cx="0" cy="0"/>
+          <a:chOff x="0" y="0"/>
+          <a:chExt cx="0" cy="0"/>
+        </a:xfrm>
+      </p:grpSpPr>
+      <p:sp>
+        <p:nvSpPr>
+          <p:cNvPr id="2" name="Espaço Reservado para Imagem de Slide 1"/>
+          <p:cNvSpPr>
+            <a:spLocks noGrp="1" noRot="1" noChangeAspect="1"/>
+          </p:cNvSpPr>
+          <p:nvPr>
+            <p:ph type="sldImg"/>
+          </p:nvPr>
+        </p:nvSpPr>
+        <p:spPr>
+          <a:xfrm>
+            <a:off x="960438" y="1143000"/>
+            <a:ext cx="4937125" cy="3086100"/>
+          </a:xfrm>
+        </p:spPr>
+      </p:sp>
+      <p:sp>
+        <p:nvSpPr>
+          <p:cNvPr id="3" name="Espaço Reservado para Anotações 2"/>
+          <p:cNvSpPr>
+            <a:spLocks noGrp="1"/>
+          </p:cNvSpPr>
+          <p:nvPr>
+            <p:ph type="body" idx="1"/>
+          </p:nvPr>
+        </p:nvSpPr>
+        <p:spPr/>
+        <p:txBody>
+          <a:bodyPr/>
+          <a:lstStyle/>
+          <a:p>
+            <a:endParaRPr lang="pt-BR" dirty="0"/>
+          </a:p>
+        </p:txBody>
+      </p:sp>
+      <p:sp>
+        <p:nvSpPr>
+          <p:cNvPr id="4" name="Espaço Reservado para Número de Slide 3"/>
+          <p:cNvSpPr>
+            <a:spLocks noGrp="1"/>
+          </p:cNvSpPr>
+          <p:nvPr>
+            <p:ph type="sldNum" sz="quarter" idx="10"/>
+          </p:nvPr>
+        </p:nvSpPr>
+        <p:spPr/>
+        <p:txBody>
+          <a:bodyPr/>
+          <a:lstStyle/>
+          <a:p>
+            <a:pPr rtl="0"/>
+            <a:fld id="{77542409-6A04-4DC6-AC3A-D3758287A8F2}" type="slidenum">
+              <a:rPr lang="pt-BR" smtClean="0"/>
+              <a:t>38</a:t>
+            </a:fld>
+            <a:endParaRPr lang="pt-BR" dirty="0"/>
+          </a:p>
+        </p:txBody>
+      </p:sp>
+    </p:spTree>
+    <p:extLst>
+      <p:ext uri="{BB962C8B-B14F-4D97-AF65-F5344CB8AC3E}">
+        <p14:creationId xmlns:p14="http://schemas.microsoft.com/office/powerpoint/2010/main" val="1922207697"/>
+      </p:ext>
+    </p:extLst>
+  </p:cSld>
+  <p:clrMapOvr>
+    <a:masterClrMapping/>
+  </p:clrMapOvr>
+</p:notes>
+</file>
+
 <file path=ppt/notesSlides/notesSlide4.xml><?xml version="1.0" encoding="utf-8"?>
 <p:notes xmlns:a="http://schemas.openxmlformats.org/drawingml/2006/main" xmlns:r="http://schemas.openxmlformats.org/officeDocument/2006/relationships" xmlns:p="http://schemas.openxmlformats.org/presentationml/2006/main">
   <p:cSld>
@@ -3416,7 +3518,7 @@
           <p:cNvPr id="2" name="Título 1">
             <a:extLst>
               <a:ext uri="{FF2B5EF4-FFF2-40B4-BE49-F238E27FC236}">
-                <a16:creationId xmlns="" xmlns:a16="http://schemas.microsoft.com/office/drawing/2014/main" id="{328FDD3B-C71B-4548-8784-EADB039BFEA4}"/>
+                <a16:creationId xmlns:a16="http://schemas.microsoft.com/office/drawing/2014/main" id="{328FDD3B-C71B-4548-8784-EADB039BFEA4}"/>
               </a:ext>
             </a:extLst>
           </p:cNvPr>
@@ -3453,7 +3555,7 @@
           <p:cNvPr id="3" name="Subtítulo 2">
             <a:extLst>
               <a:ext uri="{FF2B5EF4-FFF2-40B4-BE49-F238E27FC236}">
-                <a16:creationId xmlns="" xmlns:a16="http://schemas.microsoft.com/office/drawing/2014/main" id="{51CAE9D0-544A-4B1F-B574-D7120E537687}"/>
+                <a16:creationId xmlns:a16="http://schemas.microsoft.com/office/drawing/2014/main" id="{51CAE9D0-544A-4B1F-B574-D7120E537687}"/>
               </a:ext>
             </a:extLst>
           </p:cNvPr>
@@ -3523,7 +3625,7 @@
           <p:cNvPr id="4" name="Espaço Reservado para Data 3">
             <a:extLst>
               <a:ext uri="{FF2B5EF4-FFF2-40B4-BE49-F238E27FC236}">
-                <a16:creationId xmlns="" xmlns:a16="http://schemas.microsoft.com/office/drawing/2014/main" id="{05E7A6B1-ED5B-4827-8503-F862B2ECAE60}"/>
+                <a16:creationId xmlns:a16="http://schemas.microsoft.com/office/drawing/2014/main" id="{05E7A6B1-ED5B-4827-8503-F862B2ECAE60}"/>
               </a:ext>
             </a:extLst>
           </p:cNvPr>
@@ -3542,7 +3644,7 @@
             <a:pPr rtl="0"/>
             <a:fld id="{46DF6CC2-7531-4FC2-9D18-F5C7303E4621}" type="datetime1">
               <a:rPr lang="pt-BR" noProof="0" smtClean="0"/>
-              <a:t>30/07/2018</a:t>
+              <a:t>02/08/2018</a:t>
             </a:fld>
             <a:endParaRPr lang="pt-BR" noProof="0" dirty="0"/>
           </a:p>
@@ -3553,7 +3655,7 @@
           <p:cNvPr id="5" name="Espaço Reservado para Rodapé 4">
             <a:extLst>
               <a:ext uri="{FF2B5EF4-FFF2-40B4-BE49-F238E27FC236}">
-                <a16:creationId xmlns="" xmlns:a16="http://schemas.microsoft.com/office/drawing/2014/main" id="{05A0CD02-B28D-44BA-A6D6-D21116F21416}"/>
+                <a16:creationId xmlns:a16="http://schemas.microsoft.com/office/drawing/2014/main" id="{05A0CD02-B28D-44BA-A6D6-D21116F21416}"/>
               </a:ext>
             </a:extLst>
           </p:cNvPr>
@@ -3583,7 +3685,7 @@
           <p:cNvPr id="6" name="Espaço Reservado para Número de Slide 5">
             <a:extLst>
               <a:ext uri="{FF2B5EF4-FFF2-40B4-BE49-F238E27FC236}">
-                <a16:creationId xmlns="" xmlns:a16="http://schemas.microsoft.com/office/drawing/2014/main" id="{2A1E9E18-124F-420D-848F-E5D3EF5611AF}"/>
+                <a16:creationId xmlns:a16="http://schemas.microsoft.com/office/drawing/2014/main" id="{2A1E9E18-124F-420D-848F-E5D3EF5611AF}"/>
               </a:ext>
             </a:extLst>
           </p:cNvPr>
@@ -3645,7 +3747,7 @@
           <p:cNvPr id="2" name="Título 1">
             <a:extLst>
               <a:ext uri="{FF2B5EF4-FFF2-40B4-BE49-F238E27FC236}">
-                <a16:creationId xmlns="" xmlns:a16="http://schemas.microsoft.com/office/drawing/2014/main" id="{749CDB67-247E-4CFC-B935-C01FAC45912D}"/>
+                <a16:creationId xmlns:a16="http://schemas.microsoft.com/office/drawing/2014/main" id="{749CDB67-247E-4CFC-B935-C01FAC45912D}"/>
               </a:ext>
             </a:extLst>
           </p:cNvPr>
@@ -3673,7 +3775,7 @@
           <p:cNvPr id="3" name="Espaço Reservado para Texto Vertical 2">
             <a:extLst>
               <a:ext uri="{FF2B5EF4-FFF2-40B4-BE49-F238E27FC236}">
-                <a16:creationId xmlns="" xmlns:a16="http://schemas.microsoft.com/office/drawing/2014/main" id="{8513F99A-AF0F-49E2-95E8-DB1913A6FAF0}"/>
+                <a16:creationId xmlns:a16="http://schemas.microsoft.com/office/drawing/2014/main" id="{8513F99A-AF0F-49E2-95E8-DB1913A6FAF0}"/>
               </a:ext>
             </a:extLst>
           </p:cNvPr>
@@ -3730,7 +3832,7 @@
           <p:cNvPr id="4" name="Espaço Reservado para Data 3">
             <a:extLst>
               <a:ext uri="{FF2B5EF4-FFF2-40B4-BE49-F238E27FC236}">
-                <a16:creationId xmlns="" xmlns:a16="http://schemas.microsoft.com/office/drawing/2014/main" id="{70EB0773-5E65-48F6-B8B5-A5CFB0204C70}"/>
+                <a16:creationId xmlns:a16="http://schemas.microsoft.com/office/drawing/2014/main" id="{70EB0773-5E65-48F6-B8B5-A5CFB0204C70}"/>
               </a:ext>
             </a:extLst>
           </p:cNvPr>
@@ -3749,7 +3851,7 @@
             <a:pPr rtl="0"/>
             <a:fld id="{46DF6CC2-7531-4FC2-9D18-F5C7303E4621}" type="datetime1">
               <a:rPr lang="pt-BR" noProof="0" smtClean="0"/>
-              <a:t>30/07/2018</a:t>
+              <a:t>02/08/2018</a:t>
             </a:fld>
             <a:endParaRPr lang="pt-BR" noProof="0" dirty="0"/>
           </a:p>
@@ -3760,7 +3862,7 @@
           <p:cNvPr id="5" name="Espaço Reservado para Rodapé 4">
             <a:extLst>
               <a:ext uri="{FF2B5EF4-FFF2-40B4-BE49-F238E27FC236}">
-                <a16:creationId xmlns="" xmlns:a16="http://schemas.microsoft.com/office/drawing/2014/main" id="{42DB6347-F127-48A2-B5E5-B3C6574F774E}"/>
+                <a16:creationId xmlns:a16="http://schemas.microsoft.com/office/drawing/2014/main" id="{42DB6347-F127-48A2-B5E5-B3C6574F774E}"/>
               </a:ext>
             </a:extLst>
           </p:cNvPr>
@@ -3790,7 +3892,7 @@
           <p:cNvPr id="6" name="Espaço Reservado para Número de Slide 5">
             <a:extLst>
               <a:ext uri="{FF2B5EF4-FFF2-40B4-BE49-F238E27FC236}">
-                <a16:creationId xmlns="" xmlns:a16="http://schemas.microsoft.com/office/drawing/2014/main" id="{CCC05B6F-0320-4840-9DBE-F52340B922AB}"/>
+                <a16:creationId xmlns:a16="http://schemas.microsoft.com/office/drawing/2014/main" id="{CCC05B6F-0320-4840-9DBE-F52340B922AB}"/>
               </a:ext>
             </a:extLst>
           </p:cNvPr>
@@ -3852,7 +3954,7 @@
           <p:cNvPr id="2" name="Título Vertical 1">
             <a:extLst>
               <a:ext uri="{FF2B5EF4-FFF2-40B4-BE49-F238E27FC236}">
-                <a16:creationId xmlns="" xmlns:a16="http://schemas.microsoft.com/office/drawing/2014/main" id="{7A271065-E8FD-46C5-BCB7-F5BAF589DF38}"/>
+                <a16:creationId xmlns:a16="http://schemas.microsoft.com/office/drawing/2014/main" id="{7A271065-E8FD-46C5-BCB7-F5BAF589DF38}"/>
               </a:ext>
             </a:extLst>
           </p:cNvPr>
@@ -3885,7 +3987,7 @@
           <p:cNvPr id="3" name="Espaço Reservado para Texto Vertical 2">
             <a:extLst>
               <a:ext uri="{FF2B5EF4-FFF2-40B4-BE49-F238E27FC236}">
-                <a16:creationId xmlns="" xmlns:a16="http://schemas.microsoft.com/office/drawing/2014/main" id="{53006FF7-555C-4D24-86D8-8391732A3917}"/>
+                <a16:creationId xmlns:a16="http://schemas.microsoft.com/office/drawing/2014/main" id="{53006FF7-555C-4D24-86D8-8391732A3917}"/>
               </a:ext>
             </a:extLst>
           </p:cNvPr>
@@ -3947,7 +4049,7 @@
           <p:cNvPr id="4" name="Espaço Reservado para Data 3">
             <a:extLst>
               <a:ext uri="{FF2B5EF4-FFF2-40B4-BE49-F238E27FC236}">
-                <a16:creationId xmlns="" xmlns:a16="http://schemas.microsoft.com/office/drawing/2014/main" id="{C322060C-8854-44D1-B2F4-3A8F468F0C08}"/>
+                <a16:creationId xmlns:a16="http://schemas.microsoft.com/office/drawing/2014/main" id="{C322060C-8854-44D1-B2F4-3A8F468F0C08}"/>
               </a:ext>
             </a:extLst>
           </p:cNvPr>
@@ -3966,7 +4068,7 @@
             <a:pPr rtl="0"/>
             <a:fld id="{46DF6CC2-7531-4FC2-9D18-F5C7303E4621}" type="datetime1">
               <a:rPr lang="pt-BR" noProof="0" smtClean="0"/>
-              <a:t>30/07/2018</a:t>
+              <a:t>02/08/2018</a:t>
             </a:fld>
             <a:endParaRPr lang="pt-BR" noProof="0" dirty="0"/>
           </a:p>
@@ -3977,7 +4079,7 @@
           <p:cNvPr id="5" name="Espaço Reservado para Rodapé 4">
             <a:extLst>
               <a:ext uri="{FF2B5EF4-FFF2-40B4-BE49-F238E27FC236}">
-                <a16:creationId xmlns="" xmlns:a16="http://schemas.microsoft.com/office/drawing/2014/main" id="{C110E28E-BF0C-42C0-AB63-BD50EE9B6EF7}"/>
+                <a16:creationId xmlns:a16="http://schemas.microsoft.com/office/drawing/2014/main" id="{C110E28E-BF0C-42C0-AB63-BD50EE9B6EF7}"/>
               </a:ext>
             </a:extLst>
           </p:cNvPr>
@@ -4007,7 +4109,7 @@
           <p:cNvPr id="6" name="Espaço Reservado para Número de Slide 5">
             <a:extLst>
               <a:ext uri="{FF2B5EF4-FFF2-40B4-BE49-F238E27FC236}">
-                <a16:creationId xmlns="" xmlns:a16="http://schemas.microsoft.com/office/drawing/2014/main" id="{1424E9DD-C7CB-49CD-A3B2-D99FDBB84DD1}"/>
+                <a16:creationId xmlns:a16="http://schemas.microsoft.com/office/drawing/2014/main" id="{1424E9DD-C7CB-49CD-A3B2-D99FDBB84DD1}"/>
               </a:ext>
             </a:extLst>
           </p:cNvPr>
@@ -4106,7 +4208,7 @@
             <a:pPr rtl="0"/>
             <a:fld id="{69BF1FF0-E451-42B2-8BEE-C787ADF6F319}" type="datetime1">
               <a:rPr lang="pt-BR" noProof="0" smtClean="0"/>
-              <a:t>30/07/2018</a:t>
+              <a:t>02/08/2018</a:t>
             </a:fld>
             <a:endParaRPr lang="pt-BR" noProof="0" dirty="0"/>
           </a:p>
@@ -4186,7 +4288,7 @@
           <p:cNvPr id="2" name="Título 1">
             <a:extLst>
               <a:ext uri="{FF2B5EF4-FFF2-40B4-BE49-F238E27FC236}">
-                <a16:creationId xmlns="" xmlns:a16="http://schemas.microsoft.com/office/drawing/2014/main" id="{65A76646-477F-4DC3-93B6-6E97BA8576D9}"/>
+                <a16:creationId xmlns:a16="http://schemas.microsoft.com/office/drawing/2014/main" id="{65A76646-477F-4DC3-93B6-6E97BA8576D9}"/>
               </a:ext>
             </a:extLst>
           </p:cNvPr>
@@ -4214,7 +4316,7 @@
           <p:cNvPr id="3" name="Espaço Reservado para Conteúdo 2">
             <a:extLst>
               <a:ext uri="{FF2B5EF4-FFF2-40B4-BE49-F238E27FC236}">
-                <a16:creationId xmlns="" xmlns:a16="http://schemas.microsoft.com/office/drawing/2014/main" id="{F437C698-3FBC-455B-A64F-543780F4CDD4}"/>
+                <a16:creationId xmlns:a16="http://schemas.microsoft.com/office/drawing/2014/main" id="{F437C698-3FBC-455B-A64F-543780F4CDD4}"/>
               </a:ext>
             </a:extLst>
           </p:cNvPr>
@@ -4271,7 +4373,7 @@
           <p:cNvPr id="4" name="Espaço Reservado para Data 3">
             <a:extLst>
               <a:ext uri="{FF2B5EF4-FFF2-40B4-BE49-F238E27FC236}">
-                <a16:creationId xmlns="" xmlns:a16="http://schemas.microsoft.com/office/drawing/2014/main" id="{0A3C3C5D-E998-4F65-B2C1-65DCC34A9093}"/>
+                <a16:creationId xmlns:a16="http://schemas.microsoft.com/office/drawing/2014/main" id="{0A3C3C5D-E998-4F65-B2C1-65DCC34A9093}"/>
               </a:ext>
             </a:extLst>
           </p:cNvPr>
@@ -4290,7 +4392,7 @@
             <a:pPr rtl="0"/>
             <a:fld id="{46DF6CC2-7531-4FC2-9D18-F5C7303E4621}" type="datetime1">
               <a:rPr lang="pt-BR" noProof="0" smtClean="0"/>
-              <a:t>30/07/2018</a:t>
+              <a:t>02/08/2018</a:t>
             </a:fld>
             <a:endParaRPr lang="pt-BR" noProof="0" dirty="0"/>
           </a:p>
@@ -4301,7 +4403,7 @@
           <p:cNvPr id="5" name="Espaço Reservado para Rodapé 4">
             <a:extLst>
               <a:ext uri="{FF2B5EF4-FFF2-40B4-BE49-F238E27FC236}">
-                <a16:creationId xmlns="" xmlns:a16="http://schemas.microsoft.com/office/drawing/2014/main" id="{B482CA17-C994-4F44-9CA0-A9C2694AAD56}"/>
+                <a16:creationId xmlns:a16="http://schemas.microsoft.com/office/drawing/2014/main" id="{B482CA17-C994-4F44-9CA0-A9C2694AAD56}"/>
               </a:ext>
             </a:extLst>
           </p:cNvPr>
@@ -4331,7 +4433,7 @@
           <p:cNvPr id="6" name="Espaço Reservado para Número de Slide 5">
             <a:extLst>
               <a:ext uri="{FF2B5EF4-FFF2-40B4-BE49-F238E27FC236}">
-                <a16:creationId xmlns="" xmlns:a16="http://schemas.microsoft.com/office/drawing/2014/main" id="{B03762D5-BBC8-4E4C-A678-09AF3379E404}"/>
+                <a16:creationId xmlns:a16="http://schemas.microsoft.com/office/drawing/2014/main" id="{B03762D5-BBC8-4E4C-A678-09AF3379E404}"/>
               </a:ext>
             </a:extLst>
           </p:cNvPr>
@@ -4393,7 +4495,7 @@
           <p:cNvPr id="2" name="Título 1">
             <a:extLst>
               <a:ext uri="{FF2B5EF4-FFF2-40B4-BE49-F238E27FC236}">
-                <a16:creationId xmlns="" xmlns:a16="http://schemas.microsoft.com/office/drawing/2014/main" id="{D57F0FB3-AE4C-4FF3-BBAA-425ACAC2D8F5}"/>
+                <a16:creationId xmlns:a16="http://schemas.microsoft.com/office/drawing/2014/main" id="{D57F0FB3-AE4C-4FF3-BBAA-425ACAC2D8F5}"/>
               </a:ext>
             </a:extLst>
           </p:cNvPr>
@@ -4430,7 +4532,7 @@
           <p:cNvPr id="3" name="Espaço Reservado para Texto 2">
             <a:extLst>
               <a:ext uri="{FF2B5EF4-FFF2-40B4-BE49-F238E27FC236}">
-                <a16:creationId xmlns="" xmlns:a16="http://schemas.microsoft.com/office/drawing/2014/main" id="{CF6A422B-99F1-4FD5-8630-B1D60130CBDA}"/>
+                <a16:creationId xmlns:a16="http://schemas.microsoft.com/office/drawing/2014/main" id="{CF6A422B-99F1-4FD5-8630-B1D60130CBDA}"/>
               </a:ext>
             </a:extLst>
           </p:cNvPr>
@@ -4555,7 +4657,7 @@
           <p:cNvPr id="4" name="Espaço Reservado para Data 3">
             <a:extLst>
               <a:ext uri="{FF2B5EF4-FFF2-40B4-BE49-F238E27FC236}">
-                <a16:creationId xmlns="" xmlns:a16="http://schemas.microsoft.com/office/drawing/2014/main" id="{C08581E8-AB8A-477A-8D90-ED018B3D3A6D}"/>
+                <a16:creationId xmlns:a16="http://schemas.microsoft.com/office/drawing/2014/main" id="{C08581E8-AB8A-477A-8D90-ED018B3D3A6D}"/>
               </a:ext>
             </a:extLst>
           </p:cNvPr>
@@ -4574,7 +4676,7 @@
             <a:pPr rtl="0"/>
             <a:fld id="{46DF6CC2-7531-4FC2-9D18-F5C7303E4621}" type="datetime1">
               <a:rPr lang="pt-BR" noProof="0" smtClean="0"/>
-              <a:t>30/07/2018</a:t>
+              <a:t>02/08/2018</a:t>
             </a:fld>
             <a:endParaRPr lang="pt-BR" noProof="0" dirty="0"/>
           </a:p>
@@ -4585,7 +4687,7 @@
           <p:cNvPr id="5" name="Espaço Reservado para Rodapé 4">
             <a:extLst>
               <a:ext uri="{FF2B5EF4-FFF2-40B4-BE49-F238E27FC236}">
-                <a16:creationId xmlns="" xmlns:a16="http://schemas.microsoft.com/office/drawing/2014/main" id="{648E47BE-8DEA-4804-9454-FC8027304DEE}"/>
+                <a16:creationId xmlns:a16="http://schemas.microsoft.com/office/drawing/2014/main" id="{648E47BE-8DEA-4804-9454-FC8027304DEE}"/>
               </a:ext>
             </a:extLst>
           </p:cNvPr>
@@ -4615,7 +4717,7 @@
           <p:cNvPr id="6" name="Espaço Reservado para Número de Slide 5">
             <a:extLst>
               <a:ext uri="{FF2B5EF4-FFF2-40B4-BE49-F238E27FC236}">
-                <a16:creationId xmlns="" xmlns:a16="http://schemas.microsoft.com/office/drawing/2014/main" id="{4C4745E7-5C38-4367-9803-31D163C90418}"/>
+                <a16:creationId xmlns:a16="http://schemas.microsoft.com/office/drawing/2014/main" id="{4C4745E7-5C38-4367-9803-31D163C90418}"/>
               </a:ext>
             </a:extLst>
           </p:cNvPr>
@@ -4677,7 +4779,7 @@
           <p:cNvPr id="2" name="Título 1">
             <a:extLst>
               <a:ext uri="{FF2B5EF4-FFF2-40B4-BE49-F238E27FC236}">
-                <a16:creationId xmlns="" xmlns:a16="http://schemas.microsoft.com/office/drawing/2014/main" id="{DF6545DF-287C-420C-B704-9296AF8EF71F}"/>
+                <a16:creationId xmlns:a16="http://schemas.microsoft.com/office/drawing/2014/main" id="{DF6545DF-287C-420C-B704-9296AF8EF71F}"/>
               </a:ext>
             </a:extLst>
           </p:cNvPr>
@@ -4705,7 +4807,7 @@
           <p:cNvPr id="3" name="Espaço Reservado para Conteúdo 2">
             <a:extLst>
               <a:ext uri="{FF2B5EF4-FFF2-40B4-BE49-F238E27FC236}">
-                <a16:creationId xmlns="" xmlns:a16="http://schemas.microsoft.com/office/drawing/2014/main" id="{42D68AEE-6A6E-4DB3-9578-88FB08B7677A}"/>
+                <a16:creationId xmlns:a16="http://schemas.microsoft.com/office/drawing/2014/main" id="{42D68AEE-6A6E-4DB3-9578-88FB08B7677A}"/>
               </a:ext>
             </a:extLst>
           </p:cNvPr>
@@ -4767,7 +4869,7 @@
           <p:cNvPr id="4" name="Espaço Reservado para Conteúdo 3">
             <a:extLst>
               <a:ext uri="{FF2B5EF4-FFF2-40B4-BE49-F238E27FC236}">
-                <a16:creationId xmlns="" xmlns:a16="http://schemas.microsoft.com/office/drawing/2014/main" id="{AFC11F56-F88C-43CC-B471-CE26A359D6CE}"/>
+                <a16:creationId xmlns:a16="http://schemas.microsoft.com/office/drawing/2014/main" id="{AFC11F56-F88C-43CC-B471-CE26A359D6CE}"/>
               </a:ext>
             </a:extLst>
           </p:cNvPr>
@@ -4829,7 +4931,7 @@
           <p:cNvPr id="5" name="Espaço Reservado para Data 4">
             <a:extLst>
               <a:ext uri="{FF2B5EF4-FFF2-40B4-BE49-F238E27FC236}">
-                <a16:creationId xmlns="" xmlns:a16="http://schemas.microsoft.com/office/drawing/2014/main" id="{0D47E071-BB0C-44DA-9348-80389B8AF030}"/>
+                <a16:creationId xmlns:a16="http://schemas.microsoft.com/office/drawing/2014/main" id="{0D47E071-BB0C-44DA-9348-80389B8AF030}"/>
               </a:ext>
             </a:extLst>
           </p:cNvPr>
@@ -4848,7 +4950,7 @@
             <a:pPr rtl="0"/>
             <a:fld id="{46DF6CC2-7531-4FC2-9D18-F5C7303E4621}" type="datetime1">
               <a:rPr lang="pt-BR" noProof="0" smtClean="0"/>
-              <a:t>30/07/2018</a:t>
+              <a:t>02/08/2018</a:t>
             </a:fld>
             <a:endParaRPr lang="pt-BR" noProof="0" dirty="0"/>
           </a:p>
@@ -4859,7 +4961,7 @@
           <p:cNvPr id="6" name="Espaço Reservado para Rodapé 5">
             <a:extLst>
               <a:ext uri="{FF2B5EF4-FFF2-40B4-BE49-F238E27FC236}">
-                <a16:creationId xmlns="" xmlns:a16="http://schemas.microsoft.com/office/drawing/2014/main" id="{BD1D7A69-5491-46B3-9940-9FD43C398E93}"/>
+                <a16:creationId xmlns:a16="http://schemas.microsoft.com/office/drawing/2014/main" id="{BD1D7A69-5491-46B3-9940-9FD43C398E93}"/>
               </a:ext>
             </a:extLst>
           </p:cNvPr>
@@ -4889,7 +4991,7 @@
           <p:cNvPr id="7" name="Espaço Reservado para Número de Slide 6">
             <a:extLst>
               <a:ext uri="{FF2B5EF4-FFF2-40B4-BE49-F238E27FC236}">
-                <a16:creationId xmlns="" xmlns:a16="http://schemas.microsoft.com/office/drawing/2014/main" id="{EFE2BA0D-7FDA-4B96-96CD-ED8B7D0481E5}"/>
+                <a16:creationId xmlns:a16="http://schemas.microsoft.com/office/drawing/2014/main" id="{EFE2BA0D-7FDA-4B96-96CD-ED8B7D0481E5}"/>
               </a:ext>
             </a:extLst>
           </p:cNvPr>
@@ -4951,7 +5053,7 @@
           <p:cNvPr id="2" name="Título 1">
             <a:extLst>
               <a:ext uri="{FF2B5EF4-FFF2-40B4-BE49-F238E27FC236}">
-                <a16:creationId xmlns="" xmlns:a16="http://schemas.microsoft.com/office/drawing/2014/main" id="{4650CA4E-CAD3-471C-9192-FD8060E1F123}"/>
+                <a16:creationId xmlns:a16="http://schemas.microsoft.com/office/drawing/2014/main" id="{4650CA4E-CAD3-471C-9192-FD8060E1F123}"/>
               </a:ext>
             </a:extLst>
           </p:cNvPr>
@@ -4984,7 +5086,7 @@
           <p:cNvPr id="3" name="Espaço Reservado para Texto 2">
             <a:extLst>
               <a:ext uri="{FF2B5EF4-FFF2-40B4-BE49-F238E27FC236}">
-                <a16:creationId xmlns="" xmlns:a16="http://schemas.microsoft.com/office/drawing/2014/main" id="{33927C35-10FF-441C-BC0E-4F678989A5F3}"/>
+                <a16:creationId xmlns:a16="http://schemas.microsoft.com/office/drawing/2014/main" id="{33927C35-10FF-441C-BC0E-4F678989A5F3}"/>
               </a:ext>
             </a:extLst>
           </p:cNvPr>
@@ -5055,7 +5157,7 @@
           <p:cNvPr id="4" name="Espaço Reservado para Conteúdo 3">
             <a:extLst>
               <a:ext uri="{FF2B5EF4-FFF2-40B4-BE49-F238E27FC236}">
-                <a16:creationId xmlns="" xmlns:a16="http://schemas.microsoft.com/office/drawing/2014/main" id="{86DE992B-D12C-4EC0-B8B9-F73F4DC796DD}"/>
+                <a16:creationId xmlns:a16="http://schemas.microsoft.com/office/drawing/2014/main" id="{86DE992B-D12C-4EC0-B8B9-F73F4DC796DD}"/>
               </a:ext>
             </a:extLst>
           </p:cNvPr>
@@ -5117,7 +5219,7 @@
           <p:cNvPr id="5" name="Espaço Reservado para Texto 4">
             <a:extLst>
               <a:ext uri="{FF2B5EF4-FFF2-40B4-BE49-F238E27FC236}">
-                <a16:creationId xmlns="" xmlns:a16="http://schemas.microsoft.com/office/drawing/2014/main" id="{4D50EA5A-0C05-4541-A620-518F91AF9219}"/>
+                <a16:creationId xmlns:a16="http://schemas.microsoft.com/office/drawing/2014/main" id="{4D50EA5A-0C05-4541-A620-518F91AF9219}"/>
               </a:ext>
             </a:extLst>
           </p:cNvPr>
@@ -5188,7 +5290,7 @@
           <p:cNvPr id="6" name="Espaço Reservado para Conteúdo 5">
             <a:extLst>
               <a:ext uri="{FF2B5EF4-FFF2-40B4-BE49-F238E27FC236}">
-                <a16:creationId xmlns="" xmlns:a16="http://schemas.microsoft.com/office/drawing/2014/main" id="{38E03F06-5FD5-49F4-A60C-1C7BF6F314EC}"/>
+                <a16:creationId xmlns:a16="http://schemas.microsoft.com/office/drawing/2014/main" id="{38E03F06-5FD5-49F4-A60C-1C7BF6F314EC}"/>
               </a:ext>
             </a:extLst>
           </p:cNvPr>
@@ -5250,7 +5352,7 @@
           <p:cNvPr id="7" name="Espaço Reservado para Data 6">
             <a:extLst>
               <a:ext uri="{FF2B5EF4-FFF2-40B4-BE49-F238E27FC236}">
-                <a16:creationId xmlns="" xmlns:a16="http://schemas.microsoft.com/office/drawing/2014/main" id="{71B4D5E1-DD1A-4208-A22C-F18B282A9475}"/>
+                <a16:creationId xmlns:a16="http://schemas.microsoft.com/office/drawing/2014/main" id="{71B4D5E1-DD1A-4208-A22C-F18B282A9475}"/>
               </a:ext>
             </a:extLst>
           </p:cNvPr>
@@ -5269,7 +5371,7 @@
             <a:pPr rtl="0"/>
             <a:fld id="{C9C24D98-22FB-4630-BD43-420396AA7B67}" type="datetime1">
               <a:rPr lang="pt-BR" noProof="0" smtClean="0"/>
-              <a:t>30/07/2018</a:t>
+              <a:t>02/08/2018</a:t>
             </a:fld>
             <a:endParaRPr lang="pt-BR" noProof="0" dirty="0"/>
           </a:p>
@@ -5280,7 +5382,7 @@
           <p:cNvPr id="8" name="Espaço Reservado para Rodapé 7">
             <a:extLst>
               <a:ext uri="{FF2B5EF4-FFF2-40B4-BE49-F238E27FC236}">
-                <a16:creationId xmlns="" xmlns:a16="http://schemas.microsoft.com/office/drawing/2014/main" id="{641CEADA-441F-4AA1-97D9-F07FF4D2ABE0}"/>
+                <a16:creationId xmlns:a16="http://schemas.microsoft.com/office/drawing/2014/main" id="{641CEADA-441F-4AA1-97D9-F07FF4D2ABE0}"/>
               </a:ext>
             </a:extLst>
           </p:cNvPr>
@@ -5310,7 +5412,7 @@
           <p:cNvPr id="9" name="Espaço Reservado para Número de Slide 8">
             <a:extLst>
               <a:ext uri="{FF2B5EF4-FFF2-40B4-BE49-F238E27FC236}">
-                <a16:creationId xmlns="" xmlns:a16="http://schemas.microsoft.com/office/drawing/2014/main" id="{9C79D476-5F9C-403B-96CD-9E0BEDF83764}"/>
+                <a16:creationId xmlns:a16="http://schemas.microsoft.com/office/drawing/2014/main" id="{9C79D476-5F9C-403B-96CD-9E0BEDF83764}"/>
               </a:ext>
             </a:extLst>
           </p:cNvPr>
@@ -5359,7 +5461,7 @@
   </mc:AlternateContent>
   <p:extLst>
     <p:ext uri="{DCECCB84-F9BA-43D5-87BE-67443E8EF086}">
-      <p15:sldGuideLst xmlns="" xmlns:p15="http://schemas.microsoft.com/office/powerpoint/2012/main"/>
+      <p15:sldGuideLst xmlns:p15="http://schemas.microsoft.com/office/powerpoint/2012/main"/>
     </p:ext>
   </p:extLst>
 </p:sldLayout>
@@ -5387,7 +5489,7 @@
           <p:cNvPr id="2" name="Título 1">
             <a:extLst>
               <a:ext uri="{FF2B5EF4-FFF2-40B4-BE49-F238E27FC236}">
-                <a16:creationId xmlns="" xmlns:a16="http://schemas.microsoft.com/office/drawing/2014/main" id="{16068DDE-35F6-494A-8DD4-65DC01724C08}"/>
+                <a16:creationId xmlns:a16="http://schemas.microsoft.com/office/drawing/2014/main" id="{16068DDE-35F6-494A-8DD4-65DC01724C08}"/>
               </a:ext>
             </a:extLst>
           </p:cNvPr>
@@ -5415,7 +5517,7 @@
           <p:cNvPr id="3" name="Espaço Reservado para Data 2">
             <a:extLst>
               <a:ext uri="{FF2B5EF4-FFF2-40B4-BE49-F238E27FC236}">
-                <a16:creationId xmlns="" xmlns:a16="http://schemas.microsoft.com/office/drawing/2014/main" id="{FDD6150E-1E49-4B30-BAD3-648928CB16FE}"/>
+                <a16:creationId xmlns:a16="http://schemas.microsoft.com/office/drawing/2014/main" id="{FDD6150E-1E49-4B30-BAD3-648928CB16FE}"/>
               </a:ext>
             </a:extLst>
           </p:cNvPr>
@@ -5434,7 +5536,7 @@
             <a:pPr rtl="0"/>
             <a:fld id="{7A9C5BA1-4264-4F39-80BE-F4BF2BD8DCC6}" type="datetime1">
               <a:rPr lang="pt-BR" noProof="0" smtClean="0"/>
-              <a:t>30/07/2018</a:t>
+              <a:t>02/08/2018</a:t>
             </a:fld>
             <a:endParaRPr lang="pt-BR" noProof="0" dirty="0"/>
           </a:p>
@@ -5445,7 +5547,7 @@
           <p:cNvPr id="4" name="Espaço Reservado para Rodapé 3">
             <a:extLst>
               <a:ext uri="{FF2B5EF4-FFF2-40B4-BE49-F238E27FC236}">
-                <a16:creationId xmlns="" xmlns:a16="http://schemas.microsoft.com/office/drawing/2014/main" id="{EB181428-25ED-4544-BC01-E504AED586E2}"/>
+                <a16:creationId xmlns:a16="http://schemas.microsoft.com/office/drawing/2014/main" id="{EB181428-25ED-4544-BC01-E504AED586E2}"/>
               </a:ext>
             </a:extLst>
           </p:cNvPr>
@@ -5475,7 +5577,7 @@
           <p:cNvPr id="5" name="Espaço Reservado para Número de Slide 4">
             <a:extLst>
               <a:ext uri="{FF2B5EF4-FFF2-40B4-BE49-F238E27FC236}">
-                <a16:creationId xmlns="" xmlns:a16="http://schemas.microsoft.com/office/drawing/2014/main" id="{13A5EB19-F7F0-4B5C-8BD6-347F56FEBE37}"/>
+                <a16:creationId xmlns:a16="http://schemas.microsoft.com/office/drawing/2014/main" id="{13A5EB19-F7F0-4B5C-8BD6-347F56FEBE37}"/>
               </a:ext>
             </a:extLst>
           </p:cNvPr>
@@ -5547,7 +5649,7 @@
           <p:cNvPr id="2" name="Espaço Reservado para Data 1">
             <a:extLst>
               <a:ext uri="{FF2B5EF4-FFF2-40B4-BE49-F238E27FC236}">
-                <a16:creationId xmlns="" xmlns:a16="http://schemas.microsoft.com/office/drawing/2014/main" id="{BFA09DCC-9233-4CAE-ACFD-D1944DDFFA18}"/>
+                <a16:creationId xmlns:a16="http://schemas.microsoft.com/office/drawing/2014/main" id="{BFA09DCC-9233-4CAE-ACFD-D1944DDFFA18}"/>
               </a:ext>
             </a:extLst>
           </p:cNvPr>
@@ -5566,7 +5668,7 @@
             <a:pPr rtl="0"/>
             <a:fld id="{69BF1FF0-E451-42B2-8BEE-C787ADF6F319}" type="datetime1">
               <a:rPr lang="pt-BR" noProof="0" smtClean="0"/>
-              <a:t>30/07/2018</a:t>
+              <a:t>02/08/2018</a:t>
             </a:fld>
             <a:endParaRPr lang="pt-BR" noProof="0" dirty="0"/>
           </a:p>
@@ -5577,7 +5679,7 @@
           <p:cNvPr id="3" name="Espaço Reservado para Rodapé 2">
             <a:extLst>
               <a:ext uri="{FF2B5EF4-FFF2-40B4-BE49-F238E27FC236}">
-                <a16:creationId xmlns="" xmlns:a16="http://schemas.microsoft.com/office/drawing/2014/main" id="{444622EF-844D-41D2-9C39-B3E6E2EE4E01}"/>
+                <a16:creationId xmlns:a16="http://schemas.microsoft.com/office/drawing/2014/main" id="{444622EF-844D-41D2-9C39-B3E6E2EE4E01}"/>
               </a:ext>
             </a:extLst>
           </p:cNvPr>
@@ -5607,7 +5709,7 @@
           <p:cNvPr id="4" name="Espaço Reservado para Número de Slide 3">
             <a:extLst>
               <a:ext uri="{FF2B5EF4-FFF2-40B4-BE49-F238E27FC236}">
-                <a16:creationId xmlns="" xmlns:a16="http://schemas.microsoft.com/office/drawing/2014/main" id="{59AF3F4E-6CA8-4692-A6BE-9C22A3AC0CBB}"/>
+                <a16:creationId xmlns:a16="http://schemas.microsoft.com/office/drawing/2014/main" id="{59AF3F4E-6CA8-4692-A6BE-9C22A3AC0CBB}"/>
               </a:ext>
             </a:extLst>
           </p:cNvPr>
@@ -5679,7 +5781,7 @@
           <p:cNvPr id="2" name="Título 1">
             <a:extLst>
               <a:ext uri="{FF2B5EF4-FFF2-40B4-BE49-F238E27FC236}">
-                <a16:creationId xmlns="" xmlns:a16="http://schemas.microsoft.com/office/drawing/2014/main" id="{62433BF4-EB7C-45B5-9204-D6989F6E1EF6}"/>
+                <a16:creationId xmlns:a16="http://schemas.microsoft.com/office/drawing/2014/main" id="{62433BF4-EB7C-45B5-9204-D6989F6E1EF6}"/>
               </a:ext>
             </a:extLst>
           </p:cNvPr>
@@ -5716,7 +5818,7 @@
           <p:cNvPr id="3" name="Espaço Reservado para Conteúdo 2">
             <a:extLst>
               <a:ext uri="{FF2B5EF4-FFF2-40B4-BE49-F238E27FC236}">
-                <a16:creationId xmlns="" xmlns:a16="http://schemas.microsoft.com/office/drawing/2014/main" id="{333FA09C-8318-4961-A093-1A0D4D00B7EB}"/>
+                <a16:creationId xmlns:a16="http://schemas.microsoft.com/office/drawing/2014/main" id="{333FA09C-8318-4961-A093-1A0D4D00B7EB}"/>
               </a:ext>
             </a:extLst>
           </p:cNvPr>
@@ -5806,7 +5908,7 @@
           <p:cNvPr id="4" name="Espaço Reservado para Texto 3">
             <a:extLst>
               <a:ext uri="{FF2B5EF4-FFF2-40B4-BE49-F238E27FC236}">
-                <a16:creationId xmlns="" xmlns:a16="http://schemas.microsoft.com/office/drawing/2014/main" id="{0A8C28F5-072C-439F-A715-443B700B4AF8}"/>
+                <a16:creationId xmlns:a16="http://schemas.microsoft.com/office/drawing/2014/main" id="{0A8C28F5-072C-439F-A715-443B700B4AF8}"/>
               </a:ext>
             </a:extLst>
           </p:cNvPr>
@@ -5877,7 +5979,7 @@
           <p:cNvPr id="5" name="Espaço Reservado para Data 4">
             <a:extLst>
               <a:ext uri="{FF2B5EF4-FFF2-40B4-BE49-F238E27FC236}">
-                <a16:creationId xmlns="" xmlns:a16="http://schemas.microsoft.com/office/drawing/2014/main" id="{24F88EDA-4E8E-4F12-8923-CA9FAA822BF0}"/>
+                <a16:creationId xmlns:a16="http://schemas.microsoft.com/office/drawing/2014/main" id="{24F88EDA-4E8E-4F12-8923-CA9FAA822BF0}"/>
               </a:ext>
             </a:extLst>
           </p:cNvPr>
@@ -5896,7 +5998,7 @@
             <a:pPr rtl="0"/>
             <a:fld id="{E7A2475E-36FA-4BE4-8A1F-334FB6217BA4}" type="datetime1">
               <a:rPr lang="pt-BR" noProof="0" smtClean="0"/>
-              <a:t>30/07/2018</a:t>
+              <a:t>02/08/2018</a:t>
             </a:fld>
             <a:endParaRPr lang="pt-BR" noProof="0" dirty="0"/>
           </a:p>
@@ -5907,7 +6009,7 @@
           <p:cNvPr id="6" name="Espaço Reservado para Rodapé 5">
             <a:extLst>
               <a:ext uri="{FF2B5EF4-FFF2-40B4-BE49-F238E27FC236}">
-                <a16:creationId xmlns="" xmlns:a16="http://schemas.microsoft.com/office/drawing/2014/main" id="{6E826B8B-EC61-483B-878C-72E9C8959E34}"/>
+                <a16:creationId xmlns:a16="http://schemas.microsoft.com/office/drawing/2014/main" id="{6E826B8B-EC61-483B-878C-72E9C8959E34}"/>
               </a:ext>
             </a:extLst>
           </p:cNvPr>
@@ -5937,7 +6039,7 @@
           <p:cNvPr id="7" name="Espaço Reservado para Número de Slide 6">
             <a:extLst>
               <a:ext uri="{FF2B5EF4-FFF2-40B4-BE49-F238E27FC236}">
-                <a16:creationId xmlns="" xmlns:a16="http://schemas.microsoft.com/office/drawing/2014/main" id="{B9EDA95B-F2FD-43DF-82D2-9DB2A9571727}"/>
+                <a16:creationId xmlns:a16="http://schemas.microsoft.com/office/drawing/2014/main" id="{B9EDA95B-F2FD-43DF-82D2-9DB2A9571727}"/>
               </a:ext>
             </a:extLst>
           </p:cNvPr>
@@ -5986,7 +6088,7 @@
   </mc:AlternateContent>
   <p:extLst>
     <p:ext uri="{DCECCB84-F9BA-43D5-87BE-67443E8EF086}">
-      <p15:sldGuideLst xmlns="" xmlns:p15="http://schemas.microsoft.com/office/powerpoint/2012/main"/>
+      <p15:sldGuideLst xmlns:p15="http://schemas.microsoft.com/office/powerpoint/2012/main"/>
     </p:ext>
   </p:extLst>
 </p:sldLayout>
@@ -6014,7 +6116,7 @@
           <p:cNvPr id="2" name="Título 1">
             <a:extLst>
               <a:ext uri="{FF2B5EF4-FFF2-40B4-BE49-F238E27FC236}">
-                <a16:creationId xmlns="" xmlns:a16="http://schemas.microsoft.com/office/drawing/2014/main" id="{08A99CE4-6079-437F-8713-FD50F200B60B}"/>
+                <a16:creationId xmlns:a16="http://schemas.microsoft.com/office/drawing/2014/main" id="{08A99CE4-6079-437F-8713-FD50F200B60B}"/>
               </a:ext>
             </a:extLst>
           </p:cNvPr>
@@ -6051,7 +6153,7 @@
           <p:cNvPr id="3" name="Espaço Reservado para Imagem 2">
             <a:extLst>
               <a:ext uri="{FF2B5EF4-FFF2-40B4-BE49-F238E27FC236}">
-                <a16:creationId xmlns="" xmlns:a16="http://schemas.microsoft.com/office/drawing/2014/main" id="{FF353BD5-6832-4AA1-BE01-AFFAB34A2F7A}"/>
+                <a16:creationId xmlns:a16="http://schemas.microsoft.com/office/drawing/2014/main" id="{FF353BD5-6832-4AA1-BE01-AFFAB34A2F7A}"/>
               </a:ext>
             </a:extLst>
           </p:cNvPr>
@@ -6118,7 +6220,7 @@
           <p:cNvPr id="4" name="Espaço Reservado para Texto 3">
             <a:extLst>
               <a:ext uri="{FF2B5EF4-FFF2-40B4-BE49-F238E27FC236}">
-                <a16:creationId xmlns="" xmlns:a16="http://schemas.microsoft.com/office/drawing/2014/main" id="{62B82EC0-B14D-4A63-B2AD-83CD2C58C89D}"/>
+                <a16:creationId xmlns:a16="http://schemas.microsoft.com/office/drawing/2014/main" id="{62B82EC0-B14D-4A63-B2AD-83CD2C58C89D}"/>
               </a:ext>
             </a:extLst>
           </p:cNvPr>
@@ -6189,7 +6291,7 @@
           <p:cNvPr id="5" name="Espaço Reservado para Data 4">
             <a:extLst>
               <a:ext uri="{FF2B5EF4-FFF2-40B4-BE49-F238E27FC236}">
-                <a16:creationId xmlns="" xmlns:a16="http://schemas.microsoft.com/office/drawing/2014/main" id="{DE711C9D-1B7D-4F6A-A7E9-3E5685E516E5}"/>
+                <a16:creationId xmlns:a16="http://schemas.microsoft.com/office/drawing/2014/main" id="{DE711C9D-1B7D-4F6A-A7E9-3E5685E516E5}"/>
               </a:ext>
             </a:extLst>
           </p:cNvPr>
@@ -6208,7 +6310,7 @@
             <a:pPr rtl="0"/>
             <a:fld id="{46DF6CC2-7531-4FC2-9D18-F5C7303E4621}" type="datetime1">
               <a:rPr lang="pt-BR" noProof="0" smtClean="0"/>
-              <a:t>30/07/2018</a:t>
+              <a:t>02/08/2018</a:t>
             </a:fld>
             <a:endParaRPr lang="pt-BR" noProof="0" dirty="0"/>
           </a:p>
@@ -6219,7 +6321,7 @@
           <p:cNvPr id="6" name="Espaço Reservado para Rodapé 5">
             <a:extLst>
               <a:ext uri="{FF2B5EF4-FFF2-40B4-BE49-F238E27FC236}">
-                <a16:creationId xmlns="" xmlns:a16="http://schemas.microsoft.com/office/drawing/2014/main" id="{7C0115E1-5C8B-48D8-8864-2D123A87BFF3}"/>
+                <a16:creationId xmlns:a16="http://schemas.microsoft.com/office/drawing/2014/main" id="{7C0115E1-5C8B-48D8-8864-2D123A87BFF3}"/>
               </a:ext>
             </a:extLst>
           </p:cNvPr>
@@ -6249,7 +6351,7 @@
           <p:cNvPr id="7" name="Espaço Reservado para Número de Slide 6">
             <a:extLst>
               <a:ext uri="{FF2B5EF4-FFF2-40B4-BE49-F238E27FC236}">
-                <a16:creationId xmlns="" xmlns:a16="http://schemas.microsoft.com/office/drawing/2014/main" id="{1CF25855-6709-42E9-AD73-D3756F67F757}"/>
+                <a16:creationId xmlns:a16="http://schemas.microsoft.com/office/drawing/2014/main" id="{1CF25855-6709-42E9-AD73-D3756F67F757}"/>
               </a:ext>
             </a:extLst>
           </p:cNvPr>
@@ -6316,7 +6418,7 @@
           <p:cNvPr id="2" name="Espaço Reservado para Título 1">
             <a:extLst>
               <a:ext uri="{FF2B5EF4-FFF2-40B4-BE49-F238E27FC236}">
-                <a16:creationId xmlns="" xmlns:a16="http://schemas.microsoft.com/office/drawing/2014/main" id="{C138DEF2-0077-4F48-9703-11D18FCADE10}"/>
+                <a16:creationId xmlns:a16="http://schemas.microsoft.com/office/drawing/2014/main" id="{C138DEF2-0077-4F48-9703-11D18FCADE10}"/>
               </a:ext>
             </a:extLst>
           </p:cNvPr>
@@ -6354,7 +6456,7 @@
           <p:cNvPr id="3" name="Espaço Reservado para Texto 2">
             <a:extLst>
               <a:ext uri="{FF2B5EF4-FFF2-40B4-BE49-F238E27FC236}">
-                <a16:creationId xmlns="" xmlns:a16="http://schemas.microsoft.com/office/drawing/2014/main" id="{F035B580-AD85-4EE1-A30D-23BF7F0E6150}"/>
+                <a16:creationId xmlns:a16="http://schemas.microsoft.com/office/drawing/2014/main" id="{F035B580-AD85-4EE1-A30D-23BF7F0E6150}"/>
               </a:ext>
             </a:extLst>
           </p:cNvPr>
@@ -6421,7 +6523,7 @@
           <p:cNvPr id="4" name="Espaço Reservado para Data 3">
             <a:extLst>
               <a:ext uri="{FF2B5EF4-FFF2-40B4-BE49-F238E27FC236}">
-                <a16:creationId xmlns="" xmlns:a16="http://schemas.microsoft.com/office/drawing/2014/main" id="{7830DF28-DDB8-40CC-92AE-9D4C75AC1441}"/>
+                <a16:creationId xmlns:a16="http://schemas.microsoft.com/office/drawing/2014/main" id="{7830DF28-DDB8-40CC-92AE-9D4C75AC1441}"/>
               </a:ext>
             </a:extLst>
           </p:cNvPr>
@@ -6458,7 +6560,7 @@
             <a:pPr rtl="0"/>
             <a:fld id="{46DF6CC2-7531-4FC2-9D18-F5C7303E4621}" type="datetime1">
               <a:rPr lang="pt-BR" noProof="0" smtClean="0"/>
-              <a:t>30/07/2018</a:t>
+              <a:t>02/08/2018</a:t>
             </a:fld>
             <a:endParaRPr lang="pt-BR" noProof="0" dirty="0"/>
           </a:p>
@@ -6469,7 +6571,7 @@
           <p:cNvPr id="5" name="Espaço Reservado para Rodapé 4">
             <a:extLst>
               <a:ext uri="{FF2B5EF4-FFF2-40B4-BE49-F238E27FC236}">
-                <a16:creationId xmlns="" xmlns:a16="http://schemas.microsoft.com/office/drawing/2014/main" id="{36A3BFE7-DD1F-46D9-9610-2A86130E72FC}"/>
+                <a16:creationId xmlns:a16="http://schemas.microsoft.com/office/drawing/2014/main" id="{36A3BFE7-DD1F-46D9-9610-2A86130E72FC}"/>
               </a:ext>
             </a:extLst>
           </p:cNvPr>
@@ -6517,7 +6619,7 @@
           <p:cNvPr id="6" name="Espaço Reservado para Número de Slide 5">
             <a:extLst>
               <a:ext uri="{FF2B5EF4-FFF2-40B4-BE49-F238E27FC236}">
-                <a16:creationId xmlns="" xmlns:a16="http://schemas.microsoft.com/office/drawing/2014/main" id="{59F4F714-D84C-4848-AEAB-595364DC3302}"/>
+                <a16:creationId xmlns:a16="http://schemas.microsoft.com/office/drawing/2014/main" id="{59F4F714-D84C-4848-AEAB-595364DC3302}"/>
               </a:ext>
             </a:extLst>
           </p:cNvPr>
@@ -6566,7 +6668,7 @@
           <p:cNvPr id="7" name="Retângulo 6">
             <a:extLst>
               <a:ext uri="{FF2B5EF4-FFF2-40B4-BE49-F238E27FC236}">
-                <a16:creationId xmlns="" xmlns:a16="http://schemas.microsoft.com/office/drawing/2014/main" id="{25144D4D-9551-44E4-BE4D-D1B77CB41695}"/>
+                <a16:creationId xmlns:a16="http://schemas.microsoft.com/office/drawing/2014/main" id="{25144D4D-9551-44E4-BE4D-D1B77CB41695}"/>
               </a:ext>
             </a:extLst>
           </p:cNvPr>
@@ -6944,7 +7046,7 @@
   </p:txStyles>
   <p:extLst>
     <p:ext uri="{27BBF7A9-308A-43DC-89C8-2F10F3537804}">
-      <p15:sldGuideLst xmlns="" xmlns:p15="http://schemas.microsoft.com/office/powerpoint/2012/main">
+      <p15:sldGuideLst xmlns:p15="http://schemas.microsoft.com/office/powerpoint/2012/main">
         <p15:guide id="1" orient="horz" pos="2880" userDrawn="1">
           <p15:clr>
             <a:srgbClr val="F26B43"/>
@@ -7011,7 +7113,7 @@
           <p:cNvPr id="18" name="Agrupar 17">
             <a:extLst>
               <a:ext uri="{FF2B5EF4-FFF2-40B4-BE49-F238E27FC236}">
-                <a16:creationId xmlns="" xmlns:a16="http://schemas.microsoft.com/office/drawing/2014/main" id="{091CF8E9-9826-4DC9-8B8A-385E1F361D84}"/>
+                <a16:creationId xmlns:a16="http://schemas.microsoft.com/office/drawing/2014/main" id="{091CF8E9-9826-4DC9-8B8A-385E1F361D84}"/>
               </a:ext>
             </a:extLst>
           </p:cNvPr>
@@ -7031,7 +7133,7 @@
             <p:cNvPr id="7" name="Imagem 6">
               <a:extLst>
                 <a:ext uri="{FF2B5EF4-FFF2-40B4-BE49-F238E27FC236}">
-                  <a16:creationId xmlns="" xmlns:a16="http://schemas.microsoft.com/office/drawing/2014/main" id="{82213B39-016E-431F-BB49-787213EAD620}"/>
+                  <a16:creationId xmlns:a16="http://schemas.microsoft.com/office/drawing/2014/main" id="{82213B39-016E-431F-BB49-787213EAD620}"/>
                 </a:ext>
               </a:extLst>
             </p:cNvPr>
@@ -7067,7 +7169,7 @@
             <p:cNvPr id="5" name="Imagem 4">
               <a:extLst>
                 <a:ext uri="{FF2B5EF4-FFF2-40B4-BE49-F238E27FC236}">
-                  <a16:creationId xmlns="" xmlns:a16="http://schemas.microsoft.com/office/drawing/2014/main" id="{234D1DF1-9BF6-4886-8472-4EB5F991FC5C}"/>
+                  <a16:creationId xmlns:a16="http://schemas.microsoft.com/office/drawing/2014/main" id="{234D1DF1-9BF6-4886-8472-4EB5F991FC5C}"/>
                 </a:ext>
               </a:extLst>
             </p:cNvPr>
@@ -7097,7 +7199,7 @@
             <p:cNvPr id="2052" name="Picture 4" descr="Resultado de imagem para docker">
               <a:extLst>
                 <a:ext uri="{FF2B5EF4-FFF2-40B4-BE49-F238E27FC236}">
-                  <a16:creationId xmlns="" xmlns:a16="http://schemas.microsoft.com/office/drawing/2014/main" id="{0A469F05-D243-4689-B23B-6ABDA983E349}"/>
+                  <a16:creationId xmlns:a16="http://schemas.microsoft.com/office/drawing/2014/main" id="{0A469F05-D243-4689-B23B-6ABDA983E349}"/>
                 </a:ext>
               </a:extLst>
             </p:cNvPr>
@@ -7144,7 +7246,7 @@
             <p:cNvPr id="11" name="Imagem 10">
               <a:extLst>
                 <a:ext uri="{FF2B5EF4-FFF2-40B4-BE49-F238E27FC236}">
-                  <a16:creationId xmlns="" xmlns:a16="http://schemas.microsoft.com/office/drawing/2014/main" id="{DD1C7421-60FB-43C9-ABC1-981C91743169}"/>
+                  <a16:creationId xmlns:a16="http://schemas.microsoft.com/office/drawing/2014/main" id="{DD1C7421-60FB-43C9-ABC1-981C91743169}"/>
                 </a:ext>
               </a:extLst>
             </p:cNvPr>
@@ -7179,7 +7281,7 @@
             <p:cNvPr id="12" name="Imagem 11">
               <a:extLst>
                 <a:ext uri="{FF2B5EF4-FFF2-40B4-BE49-F238E27FC236}">
-                  <a16:creationId xmlns="" xmlns:a16="http://schemas.microsoft.com/office/drawing/2014/main" id="{951A1ADB-F02C-402A-8D42-1ECA9DD8F705}"/>
+                  <a16:creationId xmlns:a16="http://schemas.microsoft.com/office/drawing/2014/main" id="{951A1ADB-F02C-402A-8D42-1ECA9DD8F705}"/>
                 </a:ext>
               </a:extLst>
             </p:cNvPr>
@@ -7210,7 +7312,7 @@
           <p:cNvPr id="14" name="CaixaDeTexto 13">
             <a:extLst>
               <a:ext uri="{FF2B5EF4-FFF2-40B4-BE49-F238E27FC236}">
-                <a16:creationId xmlns="" xmlns:a16="http://schemas.microsoft.com/office/drawing/2014/main" id="{63ABAE87-6092-46C1-967B-C04FD14D379D}"/>
+                <a16:creationId xmlns:a16="http://schemas.microsoft.com/office/drawing/2014/main" id="{63ABAE87-6092-46C1-967B-C04FD14D379D}"/>
               </a:ext>
             </a:extLst>
           </p:cNvPr>
@@ -7257,7 +7359,7 @@
           <p:cNvPr id="15" name="Retângulo 14">
             <a:extLst>
               <a:ext uri="{FF2B5EF4-FFF2-40B4-BE49-F238E27FC236}">
-                <a16:creationId xmlns="" xmlns:a16="http://schemas.microsoft.com/office/drawing/2014/main" id="{C3CCABEF-033E-4DF1-BFAD-BCA137951BEB}"/>
+                <a16:creationId xmlns:a16="http://schemas.microsoft.com/office/drawing/2014/main" id="{C3CCABEF-033E-4DF1-BFAD-BCA137951BEB}"/>
               </a:ext>
             </a:extLst>
           </p:cNvPr>
@@ -7309,7 +7411,7 @@
           <p:cNvPr id="16" name="Picture 3">
             <a:extLst>
               <a:ext uri="{FF2B5EF4-FFF2-40B4-BE49-F238E27FC236}">
-                <a16:creationId xmlns="" xmlns:a16="http://schemas.microsoft.com/office/drawing/2014/main" id="{D5C5D036-BBBD-4C9D-BBA9-B7CB2AA2A165}"/>
+                <a16:creationId xmlns:a16="http://schemas.microsoft.com/office/drawing/2014/main" id="{D5C5D036-BBBD-4C9D-BBA9-B7CB2AA2A165}"/>
               </a:ext>
             </a:extLst>
           </p:cNvPr>
@@ -7367,7 +7469,7 @@
           <p:cNvPr id="17" name="Picture 3">
             <a:extLst>
               <a:ext uri="{FF2B5EF4-FFF2-40B4-BE49-F238E27FC236}">
-                <a16:creationId xmlns="" xmlns:a16="http://schemas.microsoft.com/office/drawing/2014/main" id="{C02F1669-F9D1-492B-8275-A6FA3DF4A06A}"/>
+                <a16:creationId xmlns:a16="http://schemas.microsoft.com/office/drawing/2014/main" id="{C02F1669-F9D1-492B-8275-A6FA3DF4A06A}"/>
               </a:ext>
             </a:extLst>
           </p:cNvPr>
@@ -7444,13 +7546,6 @@
       </p:transition>
     </mc:Fallback>
   </mc:AlternateContent>
-  <p:timing>
-    <p:tnLst>
-      <p:par>
-        <p:cTn id="1" dur="indefinite" restart="never" nodeType="tmRoot"/>
-      </p:par>
-    </p:tnLst>
-  </p:timing>
 </p:sld>
 </file>
 
@@ -7499,7 +7594,7 @@
           <p:cNvPr id="7" name="Espaço Reservado para Data 4">
             <a:extLst>
               <a:ext uri="{FF2B5EF4-FFF2-40B4-BE49-F238E27FC236}">
-                <a16:creationId xmlns="" xmlns:a16="http://schemas.microsoft.com/office/drawing/2014/main" id="{5027949B-8BAD-4E75-AC2F-213BC962F9B3}"/>
+                <a16:creationId xmlns:a16="http://schemas.microsoft.com/office/drawing/2014/main" id="{5027949B-8BAD-4E75-AC2F-213BC962F9B3}"/>
               </a:ext>
             </a:extLst>
           </p:cNvPr>
@@ -7533,7 +7628,7 @@
           <p:cNvPr id="8" name="Espaço reservado para rodapé 5">
             <a:extLst>
               <a:ext uri="{FF2B5EF4-FFF2-40B4-BE49-F238E27FC236}">
-                <a16:creationId xmlns="" xmlns:a16="http://schemas.microsoft.com/office/drawing/2014/main" id="{812E6C33-6473-43E3-8DE1-9D33AB15D861}"/>
+                <a16:creationId xmlns:a16="http://schemas.microsoft.com/office/drawing/2014/main" id="{812E6C33-6473-43E3-8DE1-9D33AB15D861}"/>
               </a:ext>
             </a:extLst>
           </p:cNvPr>
@@ -7566,7 +7661,7 @@
           <p:cNvPr id="4" name="Imagem 3">
             <a:extLst>
               <a:ext uri="{FF2B5EF4-FFF2-40B4-BE49-F238E27FC236}">
-                <a16:creationId xmlns="" xmlns:a16="http://schemas.microsoft.com/office/drawing/2014/main" id="{059AA447-6512-4C45-A211-0C1D3DE7A1FC}"/>
+                <a16:creationId xmlns:a16="http://schemas.microsoft.com/office/drawing/2014/main" id="{059AA447-6512-4C45-A211-0C1D3DE7A1FC}"/>
               </a:ext>
             </a:extLst>
           </p:cNvPr>
@@ -7613,13 +7708,6 @@
       </p:transition>
     </mc:Fallback>
   </mc:AlternateContent>
-  <p:timing>
-    <p:tnLst>
-      <p:par>
-        <p:cTn id="1" dur="indefinite" restart="never" nodeType="tmRoot"/>
-      </p:par>
-    </p:tnLst>
-  </p:timing>
 </p:sld>
 </file>
 
@@ -7668,7 +7756,7 @@
           <p:cNvPr id="7" name="Espaço Reservado para Data 4">
             <a:extLst>
               <a:ext uri="{FF2B5EF4-FFF2-40B4-BE49-F238E27FC236}">
-                <a16:creationId xmlns="" xmlns:a16="http://schemas.microsoft.com/office/drawing/2014/main" id="{5027949B-8BAD-4E75-AC2F-213BC962F9B3}"/>
+                <a16:creationId xmlns:a16="http://schemas.microsoft.com/office/drawing/2014/main" id="{5027949B-8BAD-4E75-AC2F-213BC962F9B3}"/>
               </a:ext>
             </a:extLst>
           </p:cNvPr>
@@ -7702,7 +7790,7 @@
           <p:cNvPr id="8" name="Espaço reservado para rodapé 5">
             <a:extLst>
               <a:ext uri="{FF2B5EF4-FFF2-40B4-BE49-F238E27FC236}">
-                <a16:creationId xmlns="" xmlns:a16="http://schemas.microsoft.com/office/drawing/2014/main" id="{812E6C33-6473-43E3-8DE1-9D33AB15D861}"/>
+                <a16:creationId xmlns:a16="http://schemas.microsoft.com/office/drawing/2014/main" id="{812E6C33-6473-43E3-8DE1-9D33AB15D861}"/>
               </a:ext>
             </a:extLst>
           </p:cNvPr>
@@ -7735,7 +7823,7 @@
           <p:cNvPr id="3" name="Imagem 2">
             <a:extLst>
               <a:ext uri="{FF2B5EF4-FFF2-40B4-BE49-F238E27FC236}">
-                <a16:creationId xmlns="" xmlns:a16="http://schemas.microsoft.com/office/drawing/2014/main" id="{CC9AEA72-15F7-4D3E-868F-ED084C015124}"/>
+                <a16:creationId xmlns:a16="http://schemas.microsoft.com/office/drawing/2014/main" id="{CC9AEA72-15F7-4D3E-868F-ED084C015124}"/>
               </a:ext>
             </a:extLst>
           </p:cNvPr>
@@ -7782,13 +7870,6 @@
       </p:transition>
     </mc:Fallback>
   </mc:AlternateContent>
-  <p:timing>
-    <p:tnLst>
-      <p:par>
-        <p:cTn id="1" dur="indefinite" restart="never" nodeType="tmRoot"/>
-      </p:par>
-    </p:tnLst>
-  </p:timing>
 </p:sld>
 </file>
 
@@ -7814,7 +7895,7 @@
           <p:cNvPr id="7" name="Espaço Reservado para Data 4">
             <a:extLst>
               <a:ext uri="{FF2B5EF4-FFF2-40B4-BE49-F238E27FC236}">
-                <a16:creationId xmlns="" xmlns:a16="http://schemas.microsoft.com/office/drawing/2014/main" id="{5027949B-8BAD-4E75-AC2F-213BC962F9B3}"/>
+                <a16:creationId xmlns:a16="http://schemas.microsoft.com/office/drawing/2014/main" id="{5027949B-8BAD-4E75-AC2F-213BC962F9B3}"/>
               </a:ext>
             </a:extLst>
           </p:cNvPr>
@@ -7848,7 +7929,7 @@
           <p:cNvPr id="8" name="Espaço reservado para rodapé 5">
             <a:extLst>
               <a:ext uri="{FF2B5EF4-FFF2-40B4-BE49-F238E27FC236}">
-                <a16:creationId xmlns="" xmlns:a16="http://schemas.microsoft.com/office/drawing/2014/main" id="{812E6C33-6473-43E3-8DE1-9D33AB15D861}"/>
+                <a16:creationId xmlns:a16="http://schemas.microsoft.com/office/drawing/2014/main" id="{812E6C33-6473-43E3-8DE1-9D33AB15D861}"/>
               </a:ext>
             </a:extLst>
           </p:cNvPr>
@@ -7881,7 +7962,7 @@
           <p:cNvPr id="6" name="Picture 3">
             <a:extLst>
               <a:ext uri="{FF2B5EF4-FFF2-40B4-BE49-F238E27FC236}">
-                <a16:creationId xmlns="" xmlns:a16="http://schemas.microsoft.com/office/drawing/2014/main" id="{E846F328-97B0-483A-AE23-7DC13DA97D54}"/>
+                <a16:creationId xmlns:a16="http://schemas.microsoft.com/office/drawing/2014/main" id="{E846F328-97B0-483A-AE23-7DC13DA97D54}"/>
               </a:ext>
             </a:extLst>
           </p:cNvPr>
@@ -7941,7 +8022,7 @@
           <p:cNvPr id="9" name="CaixaDeTexto 8">
             <a:extLst>
               <a:ext uri="{FF2B5EF4-FFF2-40B4-BE49-F238E27FC236}">
-                <a16:creationId xmlns="" xmlns:a16="http://schemas.microsoft.com/office/drawing/2014/main" id="{8C2E87D7-072B-493C-9B73-42B9AB587217}"/>
+                <a16:creationId xmlns:a16="http://schemas.microsoft.com/office/drawing/2014/main" id="{8C2E87D7-072B-493C-9B73-42B9AB587217}"/>
               </a:ext>
             </a:extLst>
           </p:cNvPr>
@@ -8016,13 +8097,6 @@
       </p:transition>
     </mc:Fallback>
   </mc:AlternateContent>
-  <p:timing>
-    <p:tnLst>
-      <p:par>
-        <p:cTn id="1" dur="indefinite" restart="never" nodeType="tmRoot"/>
-      </p:par>
-    </p:tnLst>
-  </p:timing>
 </p:sld>
 </file>
 
@@ -8048,7 +8122,7 @@
           <p:cNvPr id="7" name="Espaço Reservado para Data 4">
             <a:extLst>
               <a:ext uri="{FF2B5EF4-FFF2-40B4-BE49-F238E27FC236}">
-                <a16:creationId xmlns="" xmlns:a16="http://schemas.microsoft.com/office/drawing/2014/main" id="{5027949B-8BAD-4E75-AC2F-213BC962F9B3}"/>
+                <a16:creationId xmlns:a16="http://schemas.microsoft.com/office/drawing/2014/main" id="{5027949B-8BAD-4E75-AC2F-213BC962F9B3}"/>
               </a:ext>
             </a:extLst>
           </p:cNvPr>
@@ -8082,7 +8156,7 @@
           <p:cNvPr id="8" name="Espaço reservado para rodapé 5">
             <a:extLst>
               <a:ext uri="{FF2B5EF4-FFF2-40B4-BE49-F238E27FC236}">
-                <a16:creationId xmlns="" xmlns:a16="http://schemas.microsoft.com/office/drawing/2014/main" id="{812E6C33-6473-43E3-8DE1-9D33AB15D861}"/>
+                <a16:creationId xmlns:a16="http://schemas.microsoft.com/office/drawing/2014/main" id="{812E6C33-6473-43E3-8DE1-9D33AB15D861}"/>
               </a:ext>
             </a:extLst>
           </p:cNvPr>
@@ -8138,7 +8212,7 @@
           <p:cNvPr id="3" name="CaixaDeTexto 2">
             <a:extLst>
               <a:ext uri="{FF2B5EF4-FFF2-40B4-BE49-F238E27FC236}">
-                <a16:creationId xmlns="" xmlns:a16="http://schemas.microsoft.com/office/drawing/2014/main" id="{ED83B7A3-7C7D-4B10-B385-70688D39A23B}"/>
+                <a16:creationId xmlns:a16="http://schemas.microsoft.com/office/drawing/2014/main" id="{ED83B7A3-7C7D-4B10-B385-70688D39A23B}"/>
               </a:ext>
             </a:extLst>
           </p:cNvPr>
@@ -8173,7 +8247,7 @@
           <p:cNvPr id="4" name="Retângulo 3">
             <a:extLst>
               <a:ext uri="{FF2B5EF4-FFF2-40B4-BE49-F238E27FC236}">
-                <a16:creationId xmlns="" xmlns:a16="http://schemas.microsoft.com/office/drawing/2014/main" id="{7EF4B5F7-A455-486A-954B-88A63DDF46C6}"/>
+                <a16:creationId xmlns:a16="http://schemas.microsoft.com/office/drawing/2014/main" id="{7EF4B5F7-A455-486A-954B-88A63DDF46C6}"/>
               </a:ext>
             </a:extLst>
           </p:cNvPr>
@@ -8250,7 +8324,7 @@
           <p:cNvPr id="5" name="Imagem 4">
             <a:extLst>
               <a:ext uri="{FF2B5EF4-FFF2-40B4-BE49-F238E27FC236}">
-                <a16:creationId xmlns="" xmlns:a16="http://schemas.microsoft.com/office/drawing/2014/main" id="{D1510C6E-A70A-4618-94BB-4C23C2583521}"/>
+                <a16:creationId xmlns:a16="http://schemas.microsoft.com/office/drawing/2014/main" id="{D1510C6E-A70A-4618-94BB-4C23C2583521}"/>
               </a:ext>
             </a:extLst>
           </p:cNvPr>
@@ -8297,13 +8371,6 @@
       </p:transition>
     </mc:Fallback>
   </mc:AlternateContent>
-  <p:timing>
-    <p:tnLst>
-      <p:par>
-        <p:cTn id="1" dur="indefinite" restart="never" nodeType="tmRoot"/>
-      </p:par>
-    </p:tnLst>
-  </p:timing>
 </p:sld>
 </file>
 
@@ -8329,7 +8396,7 @@
           <p:cNvPr id="7" name="Espaço Reservado para Data 4">
             <a:extLst>
               <a:ext uri="{FF2B5EF4-FFF2-40B4-BE49-F238E27FC236}">
-                <a16:creationId xmlns="" xmlns:a16="http://schemas.microsoft.com/office/drawing/2014/main" id="{5027949B-8BAD-4E75-AC2F-213BC962F9B3}"/>
+                <a16:creationId xmlns:a16="http://schemas.microsoft.com/office/drawing/2014/main" id="{5027949B-8BAD-4E75-AC2F-213BC962F9B3}"/>
               </a:ext>
             </a:extLst>
           </p:cNvPr>
@@ -8363,7 +8430,7 @@
           <p:cNvPr id="8" name="Espaço reservado para rodapé 5">
             <a:extLst>
               <a:ext uri="{FF2B5EF4-FFF2-40B4-BE49-F238E27FC236}">
-                <a16:creationId xmlns="" xmlns:a16="http://schemas.microsoft.com/office/drawing/2014/main" id="{812E6C33-6473-43E3-8DE1-9D33AB15D861}"/>
+                <a16:creationId xmlns:a16="http://schemas.microsoft.com/office/drawing/2014/main" id="{812E6C33-6473-43E3-8DE1-9D33AB15D861}"/>
               </a:ext>
             </a:extLst>
           </p:cNvPr>
@@ -8419,7 +8486,7 @@
           <p:cNvPr id="3" name="CaixaDeTexto 2">
             <a:extLst>
               <a:ext uri="{FF2B5EF4-FFF2-40B4-BE49-F238E27FC236}">
-                <a16:creationId xmlns="" xmlns:a16="http://schemas.microsoft.com/office/drawing/2014/main" id="{ED83B7A3-7C7D-4B10-B385-70688D39A23B}"/>
+                <a16:creationId xmlns:a16="http://schemas.microsoft.com/office/drawing/2014/main" id="{ED83B7A3-7C7D-4B10-B385-70688D39A23B}"/>
               </a:ext>
             </a:extLst>
           </p:cNvPr>
@@ -8454,7 +8521,7 @@
           <p:cNvPr id="6" name="Imagem 5">
             <a:extLst>
               <a:ext uri="{FF2B5EF4-FFF2-40B4-BE49-F238E27FC236}">
-                <a16:creationId xmlns="" xmlns:a16="http://schemas.microsoft.com/office/drawing/2014/main" id="{5BB01F81-F9FD-418A-9CC1-87EFB716236A}"/>
+                <a16:creationId xmlns:a16="http://schemas.microsoft.com/office/drawing/2014/main" id="{5BB01F81-F9FD-418A-9CC1-87EFB716236A}"/>
               </a:ext>
             </a:extLst>
           </p:cNvPr>
@@ -8484,7 +8551,7 @@
           <p:cNvPr id="9" name="Imagem 8">
             <a:extLst>
               <a:ext uri="{FF2B5EF4-FFF2-40B4-BE49-F238E27FC236}">
-                <a16:creationId xmlns="" xmlns:a16="http://schemas.microsoft.com/office/drawing/2014/main" id="{7AA5FC0C-5EEA-4723-B4B9-E4FAE9C4DDFC}"/>
+                <a16:creationId xmlns:a16="http://schemas.microsoft.com/office/drawing/2014/main" id="{7AA5FC0C-5EEA-4723-B4B9-E4FAE9C4DDFC}"/>
               </a:ext>
             </a:extLst>
           </p:cNvPr>
@@ -8514,7 +8581,7 @@
           <p:cNvPr id="11" name="CaixaDeTexto 10">
             <a:extLst>
               <a:ext uri="{FF2B5EF4-FFF2-40B4-BE49-F238E27FC236}">
-                <a16:creationId xmlns="" xmlns:a16="http://schemas.microsoft.com/office/drawing/2014/main" id="{DA5165CA-DB4F-4FD8-AE96-C9A4CF5149DC}"/>
+                <a16:creationId xmlns:a16="http://schemas.microsoft.com/office/drawing/2014/main" id="{DA5165CA-DB4F-4FD8-AE96-C9A4CF5149DC}"/>
               </a:ext>
             </a:extLst>
           </p:cNvPr>
@@ -8566,13 +8633,6 @@
       </p:transition>
     </mc:Fallback>
   </mc:AlternateContent>
-  <p:timing>
-    <p:tnLst>
-      <p:par>
-        <p:cTn id="1" dur="indefinite" restart="never" nodeType="tmRoot"/>
-      </p:par>
-    </p:tnLst>
-  </p:timing>
 </p:sld>
 </file>
 
@@ -8598,7 +8658,7 @@
           <p:cNvPr id="7" name="Espaço Reservado para Data 4">
             <a:extLst>
               <a:ext uri="{FF2B5EF4-FFF2-40B4-BE49-F238E27FC236}">
-                <a16:creationId xmlns="" xmlns:a16="http://schemas.microsoft.com/office/drawing/2014/main" id="{5027949B-8BAD-4E75-AC2F-213BC962F9B3}"/>
+                <a16:creationId xmlns:a16="http://schemas.microsoft.com/office/drawing/2014/main" id="{5027949B-8BAD-4E75-AC2F-213BC962F9B3}"/>
               </a:ext>
             </a:extLst>
           </p:cNvPr>
@@ -8632,7 +8692,7 @@
           <p:cNvPr id="8" name="Espaço reservado para rodapé 5">
             <a:extLst>
               <a:ext uri="{FF2B5EF4-FFF2-40B4-BE49-F238E27FC236}">
-                <a16:creationId xmlns="" xmlns:a16="http://schemas.microsoft.com/office/drawing/2014/main" id="{812E6C33-6473-43E3-8DE1-9D33AB15D861}"/>
+                <a16:creationId xmlns:a16="http://schemas.microsoft.com/office/drawing/2014/main" id="{812E6C33-6473-43E3-8DE1-9D33AB15D861}"/>
               </a:ext>
             </a:extLst>
           </p:cNvPr>
@@ -8688,7 +8748,7 @@
           <p:cNvPr id="3" name="CaixaDeTexto 2">
             <a:extLst>
               <a:ext uri="{FF2B5EF4-FFF2-40B4-BE49-F238E27FC236}">
-                <a16:creationId xmlns="" xmlns:a16="http://schemas.microsoft.com/office/drawing/2014/main" id="{ED83B7A3-7C7D-4B10-B385-70688D39A23B}"/>
+                <a16:creationId xmlns:a16="http://schemas.microsoft.com/office/drawing/2014/main" id="{ED83B7A3-7C7D-4B10-B385-70688D39A23B}"/>
               </a:ext>
             </a:extLst>
           </p:cNvPr>
@@ -8723,7 +8783,7 @@
           <p:cNvPr id="4" name="Imagem 3">
             <a:extLst>
               <a:ext uri="{FF2B5EF4-FFF2-40B4-BE49-F238E27FC236}">
-                <a16:creationId xmlns="" xmlns:a16="http://schemas.microsoft.com/office/drawing/2014/main" id="{1BE8853E-4A60-47AC-85C3-39559E18A61F}"/>
+                <a16:creationId xmlns:a16="http://schemas.microsoft.com/office/drawing/2014/main" id="{1BE8853E-4A60-47AC-85C3-39559E18A61F}"/>
               </a:ext>
             </a:extLst>
           </p:cNvPr>
@@ -8770,13 +8830,6 @@
       </p:transition>
     </mc:Fallback>
   </mc:AlternateContent>
-  <p:timing>
-    <p:tnLst>
-      <p:par>
-        <p:cTn id="1" dur="indefinite" restart="never" nodeType="tmRoot"/>
-      </p:par>
-    </p:tnLst>
-  </p:timing>
 </p:sld>
 </file>
 
@@ -8802,7 +8855,7 @@
           <p:cNvPr id="18" name="Imagem 17">
             <a:extLst>
               <a:ext uri="{FF2B5EF4-FFF2-40B4-BE49-F238E27FC236}">
-                <a16:creationId xmlns="" xmlns:a16="http://schemas.microsoft.com/office/drawing/2014/main" id="{BFBC559E-DB2C-4BFA-B382-CD59A4DB82E7}"/>
+                <a16:creationId xmlns:a16="http://schemas.microsoft.com/office/drawing/2014/main" id="{BFBC559E-DB2C-4BFA-B382-CD59A4DB82E7}"/>
               </a:ext>
             </a:extLst>
           </p:cNvPr>
@@ -8832,7 +8885,7 @@
           <p:cNvPr id="7" name="Espaço Reservado para Data 4">
             <a:extLst>
               <a:ext uri="{FF2B5EF4-FFF2-40B4-BE49-F238E27FC236}">
-                <a16:creationId xmlns="" xmlns:a16="http://schemas.microsoft.com/office/drawing/2014/main" id="{5027949B-8BAD-4E75-AC2F-213BC962F9B3}"/>
+                <a16:creationId xmlns:a16="http://schemas.microsoft.com/office/drawing/2014/main" id="{5027949B-8BAD-4E75-AC2F-213BC962F9B3}"/>
               </a:ext>
             </a:extLst>
           </p:cNvPr>
@@ -8866,7 +8919,7 @@
           <p:cNvPr id="8" name="Espaço reservado para rodapé 5">
             <a:extLst>
               <a:ext uri="{FF2B5EF4-FFF2-40B4-BE49-F238E27FC236}">
-                <a16:creationId xmlns="" xmlns:a16="http://schemas.microsoft.com/office/drawing/2014/main" id="{812E6C33-6473-43E3-8DE1-9D33AB15D861}"/>
+                <a16:creationId xmlns:a16="http://schemas.microsoft.com/office/drawing/2014/main" id="{812E6C33-6473-43E3-8DE1-9D33AB15D861}"/>
               </a:ext>
             </a:extLst>
           </p:cNvPr>
@@ -8922,7 +8975,7 @@
           <p:cNvPr id="6" name="Elipse 5">
             <a:extLst>
               <a:ext uri="{FF2B5EF4-FFF2-40B4-BE49-F238E27FC236}">
-                <a16:creationId xmlns="" xmlns:a16="http://schemas.microsoft.com/office/drawing/2014/main" id="{12902DC4-A7AD-4B65-A0ED-864437E7F40B}"/>
+                <a16:creationId xmlns:a16="http://schemas.microsoft.com/office/drawing/2014/main" id="{12902DC4-A7AD-4B65-A0ED-864437E7F40B}"/>
               </a:ext>
             </a:extLst>
           </p:cNvPr>
@@ -8971,7 +9024,7 @@
           <p:cNvPr id="19" name="Retângulo 18">
             <a:extLst>
               <a:ext uri="{FF2B5EF4-FFF2-40B4-BE49-F238E27FC236}">
-                <a16:creationId xmlns="" xmlns:a16="http://schemas.microsoft.com/office/drawing/2014/main" id="{FC71F58B-22A6-449A-B58B-616DF0449ECF}"/>
+                <a16:creationId xmlns:a16="http://schemas.microsoft.com/office/drawing/2014/main" id="{FC71F58B-22A6-449A-B58B-616DF0449ECF}"/>
               </a:ext>
             </a:extLst>
           </p:cNvPr>
@@ -9024,7 +9077,7 @@
           <p:cNvPr id="20" name="Retângulo 19">
             <a:extLst>
               <a:ext uri="{FF2B5EF4-FFF2-40B4-BE49-F238E27FC236}">
-                <a16:creationId xmlns="" xmlns:a16="http://schemas.microsoft.com/office/drawing/2014/main" id="{A731E8BE-FF16-42B3-BC91-27B6045A6CA2}"/>
+                <a16:creationId xmlns:a16="http://schemas.microsoft.com/office/drawing/2014/main" id="{A731E8BE-FF16-42B3-BC91-27B6045A6CA2}"/>
               </a:ext>
             </a:extLst>
           </p:cNvPr>
@@ -9077,7 +9130,7 @@
           <p:cNvPr id="21" name="Retângulo 20">
             <a:extLst>
               <a:ext uri="{FF2B5EF4-FFF2-40B4-BE49-F238E27FC236}">
-                <a16:creationId xmlns="" xmlns:a16="http://schemas.microsoft.com/office/drawing/2014/main" id="{526D8193-4311-4302-A8A4-F459EF6117E9}"/>
+                <a16:creationId xmlns:a16="http://schemas.microsoft.com/office/drawing/2014/main" id="{526D8193-4311-4302-A8A4-F459EF6117E9}"/>
               </a:ext>
             </a:extLst>
           </p:cNvPr>
@@ -9147,13 +9200,6 @@
       </p:transition>
     </mc:Fallback>
   </mc:AlternateContent>
-  <p:timing>
-    <p:tnLst>
-      <p:par>
-        <p:cTn id="1" dur="indefinite" restart="never" nodeType="tmRoot"/>
-      </p:par>
-    </p:tnLst>
-  </p:timing>
 </p:sld>
 </file>
 
@@ -9179,7 +9225,7 @@
           <p:cNvPr id="7" name="Espaço Reservado para Data 4">
             <a:extLst>
               <a:ext uri="{FF2B5EF4-FFF2-40B4-BE49-F238E27FC236}">
-                <a16:creationId xmlns="" xmlns:a16="http://schemas.microsoft.com/office/drawing/2014/main" id="{5027949B-8BAD-4E75-AC2F-213BC962F9B3}"/>
+                <a16:creationId xmlns:a16="http://schemas.microsoft.com/office/drawing/2014/main" id="{5027949B-8BAD-4E75-AC2F-213BC962F9B3}"/>
               </a:ext>
             </a:extLst>
           </p:cNvPr>
@@ -9213,7 +9259,7 @@
           <p:cNvPr id="8" name="Espaço reservado para rodapé 5">
             <a:extLst>
               <a:ext uri="{FF2B5EF4-FFF2-40B4-BE49-F238E27FC236}">
-                <a16:creationId xmlns="" xmlns:a16="http://schemas.microsoft.com/office/drawing/2014/main" id="{812E6C33-6473-43E3-8DE1-9D33AB15D861}"/>
+                <a16:creationId xmlns:a16="http://schemas.microsoft.com/office/drawing/2014/main" id="{812E6C33-6473-43E3-8DE1-9D33AB15D861}"/>
               </a:ext>
             </a:extLst>
           </p:cNvPr>
@@ -9269,7 +9315,7 @@
           <p:cNvPr id="3" name="CaixaDeTexto 2">
             <a:extLst>
               <a:ext uri="{FF2B5EF4-FFF2-40B4-BE49-F238E27FC236}">
-                <a16:creationId xmlns="" xmlns:a16="http://schemas.microsoft.com/office/drawing/2014/main" id="{ED83B7A3-7C7D-4B10-B385-70688D39A23B}"/>
+                <a16:creationId xmlns:a16="http://schemas.microsoft.com/office/drawing/2014/main" id="{ED83B7A3-7C7D-4B10-B385-70688D39A23B}"/>
               </a:ext>
             </a:extLst>
           </p:cNvPr>
@@ -9304,7 +9350,7 @@
           <p:cNvPr id="6" name="Imagem 5">
             <a:extLst>
               <a:ext uri="{FF2B5EF4-FFF2-40B4-BE49-F238E27FC236}">
-                <a16:creationId xmlns="" xmlns:a16="http://schemas.microsoft.com/office/drawing/2014/main" id="{5BB01F81-F9FD-418A-9CC1-87EFB716236A}"/>
+                <a16:creationId xmlns:a16="http://schemas.microsoft.com/office/drawing/2014/main" id="{5BB01F81-F9FD-418A-9CC1-87EFB716236A}"/>
               </a:ext>
             </a:extLst>
           </p:cNvPr>
@@ -9334,7 +9380,7 @@
           <p:cNvPr id="10" name="Imagem 9">
             <a:extLst>
               <a:ext uri="{FF2B5EF4-FFF2-40B4-BE49-F238E27FC236}">
-                <a16:creationId xmlns="" xmlns:a16="http://schemas.microsoft.com/office/drawing/2014/main" id="{7B8AEBAD-D616-4CFC-9676-2E48D67D0D13}"/>
+                <a16:creationId xmlns:a16="http://schemas.microsoft.com/office/drawing/2014/main" id="{7B8AEBAD-D616-4CFC-9676-2E48D67D0D13}"/>
               </a:ext>
             </a:extLst>
           </p:cNvPr>
@@ -9381,13 +9427,6 @@
       </p:transition>
     </mc:Fallback>
   </mc:AlternateContent>
-  <p:timing>
-    <p:tnLst>
-      <p:par>
-        <p:cTn id="1" dur="indefinite" restart="never" nodeType="tmRoot"/>
-      </p:par>
-    </p:tnLst>
-  </p:timing>
 </p:sld>
 </file>
 
@@ -9413,7 +9452,7 @@
           <p:cNvPr id="7" name="Espaço Reservado para Data 4">
             <a:extLst>
               <a:ext uri="{FF2B5EF4-FFF2-40B4-BE49-F238E27FC236}">
-                <a16:creationId xmlns="" xmlns:a16="http://schemas.microsoft.com/office/drawing/2014/main" id="{5027949B-8BAD-4E75-AC2F-213BC962F9B3}"/>
+                <a16:creationId xmlns:a16="http://schemas.microsoft.com/office/drawing/2014/main" id="{5027949B-8BAD-4E75-AC2F-213BC962F9B3}"/>
               </a:ext>
             </a:extLst>
           </p:cNvPr>
@@ -9447,7 +9486,7 @@
           <p:cNvPr id="8" name="Espaço reservado para rodapé 5">
             <a:extLst>
               <a:ext uri="{FF2B5EF4-FFF2-40B4-BE49-F238E27FC236}">
-                <a16:creationId xmlns="" xmlns:a16="http://schemas.microsoft.com/office/drawing/2014/main" id="{812E6C33-6473-43E3-8DE1-9D33AB15D861}"/>
+                <a16:creationId xmlns:a16="http://schemas.microsoft.com/office/drawing/2014/main" id="{812E6C33-6473-43E3-8DE1-9D33AB15D861}"/>
               </a:ext>
             </a:extLst>
           </p:cNvPr>
@@ -9503,7 +9542,7 @@
           <p:cNvPr id="3" name="CaixaDeTexto 2">
             <a:extLst>
               <a:ext uri="{FF2B5EF4-FFF2-40B4-BE49-F238E27FC236}">
-                <a16:creationId xmlns="" xmlns:a16="http://schemas.microsoft.com/office/drawing/2014/main" id="{ED83B7A3-7C7D-4B10-B385-70688D39A23B}"/>
+                <a16:creationId xmlns:a16="http://schemas.microsoft.com/office/drawing/2014/main" id="{ED83B7A3-7C7D-4B10-B385-70688D39A23B}"/>
               </a:ext>
             </a:extLst>
           </p:cNvPr>
@@ -9538,7 +9577,7 @@
           <p:cNvPr id="5" name="Imagem 4">
             <a:extLst>
               <a:ext uri="{FF2B5EF4-FFF2-40B4-BE49-F238E27FC236}">
-                <a16:creationId xmlns="" xmlns:a16="http://schemas.microsoft.com/office/drawing/2014/main" id="{742B3735-F13E-43FE-B154-9640B504587A}"/>
+                <a16:creationId xmlns:a16="http://schemas.microsoft.com/office/drawing/2014/main" id="{742B3735-F13E-43FE-B154-9640B504587A}"/>
               </a:ext>
             </a:extLst>
           </p:cNvPr>
@@ -9585,13 +9624,6 @@
       </p:transition>
     </mc:Fallback>
   </mc:AlternateContent>
-  <p:timing>
-    <p:tnLst>
-      <p:par>
-        <p:cTn id="1" dur="indefinite" restart="never" nodeType="tmRoot"/>
-      </p:par>
-    </p:tnLst>
-  </p:timing>
 </p:sld>
 </file>
 
@@ -9617,7 +9649,7 @@
           <p:cNvPr id="7" name="Espaço Reservado para Data 4">
             <a:extLst>
               <a:ext uri="{FF2B5EF4-FFF2-40B4-BE49-F238E27FC236}">
-                <a16:creationId xmlns="" xmlns:a16="http://schemas.microsoft.com/office/drawing/2014/main" id="{5027949B-8BAD-4E75-AC2F-213BC962F9B3}"/>
+                <a16:creationId xmlns:a16="http://schemas.microsoft.com/office/drawing/2014/main" id="{5027949B-8BAD-4E75-AC2F-213BC962F9B3}"/>
               </a:ext>
             </a:extLst>
           </p:cNvPr>
@@ -9651,7 +9683,7 @@
           <p:cNvPr id="8" name="Espaço reservado para rodapé 5">
             <a:extLst>
               <a:ext uri="{FF2B5EF4-FFF2-40B4-BE49-F238E27FC236}">
-                <a16:creationId xmlns="" xmlns:a16="http://schemas.microsoft.com/office/drawing/2014/main" id="{812E6C33-6473-43E3-8DE1-9D33AB15D861}"/>
+                <a16:creationId xmlns:a16="http://schemas.microsoft.com/office/drawing/2014/main" id="{812E6C33-6473-43E3-8DE1-9D33AB15D861}"/>
               </a:ext>
             </a:extLst>
           </p:cNvPr>
@@ -9707,7 +9739,7 @@
           <p:cNvPr id="3" name="CaixaDeTexto 2">
             <a:extLst>
               <a:ext uri="{FF2B5EF4-FFF2-40B4-BE49-F238E27FC236}">
-                <a16:creationId xmlns="" xmlns:a16="http://schemas.microsoft.com/office/drawing/2014/main" id="{ED83B7A3-7C7D-4B10-B385-70688D39A23B}"/>
+                <a16:creationId xmlns:a16="http://schemas.microsoft.com/office/drawing/2014/main" id="{ED83B7A3-7C7D-4B10-B385-70688D39A23B}"/>
               </a:ext>
             </a:extLst>
           </p:cNvPr>
@@ -9742,7 +9774,7 @@
           <p:cNvPr id="4" name="Imagem 3">
             <a:extLst>
               <a:ext uri="{FF2B5EF4-FFF2-40B4-BE49-F238E27FC236}">
-                <a16:creationId xmlns="" xmlns:a16="http://schemas.microsoft.com/office/drawing/2014/main" id="{E59668EF-0D70-47ED-95D9-FE11F5EB0C00}"/>
+                <a16:creationId xmlns:a16="http://schemas.microsoft.com/office/drawing/2014/main" id="{E59668EF-0D70-47ED-95D9-FE11F5EB0C00}"/>
               </a:ext>
             </a:extLst>
           </p:cNvPr>
@@ -9772,7 +9804,7 @@
           <p:cNvPr id="6" name="Imagem 5">
             <a:extLst>
               <a:ext uri="{FF2B5EF4-FFF2-40B4-BE49-F238E27FC236}">
-                <a16:creationId xmlns="" xmlns:a16="http://schemas.microsoft.com/office/drawing/2014/main" id="{2211F5AE-2249-404D-912C-8A1307B6C3C9}"/>
+                <a16:creationId xmlns:a16="http://schemas.microsoft.com/office/drawing/2014/main" id="{2211F5AE-2249-404D-912C-8A1307B6C3C9}"/>
               </a:ext>
             </a:extLst>
           </p:cNvPr>
@@ -9819,13 +9851,6 @@
       </p:transition>
     </mc:Fallback>
   </mc:AlternateContent>
-  <p:timing>
-    <p:tnLst>
-      <p:par>
-        <p:cTn id="1" dur="indefinite" restart="never" nodeType="tmRoot"/>
-      </p:par>
-    </p:tnLst>
-  </p:timing>
 </p:sld>
 </file>
 
@@ -9851,7 +9876,7 @@
           <p:cNvPr id="2" name="Título 1">
             <a:extLst>
               <a:ext uri="{FF2B5EF4-FFF2-40B4-BE49-F238E27FC236}">
-                <a16:creationId xmlns="" xmlns:a16="http://schemas.microsoft.com/office/drawing/2014/main" id="{B757E818-F6B8-4ACE-B105-451DE8012196}"/>
+                <a16:creationId xmlns:a16="http://schemas.microsoft.com/office/drawing/2014/main" id="{B757E818-F6B8-4ACE-B105-451DE8012196}"/>
               </a:ext>
             </a:extLst>
           </p:cNvPr>
@@ -9880,7 +9905,7 @@
           <p:cNvPr id="3" name="Espaço Reservado para Conteúdo 2">
             <a:extLst>
               <a:ext uri="{FF2B5EF4-FFF2-40B4-BE49-F238E27FC236}">
-                <a16:creationId xmlns="" xmlns:a16="http://schemas.microsoft.com/office/drawing/2014/main" id="{A5CD6BFF-7BBD-46CC-B8E8-BB191ADE5120}"/>
+                <a16:creationId xmlns:a16="http://schemas.microsoft.com/office/drawing/2014/main" id="{A5CD6BFF-7BBD-46CC-B8E8-BB191ADE5120}"/>
               </a:ext>
             </a:extLst>
           </p:cNvPr>
@@ -10002,7 +10027,7 @@
           <p:cNvPr id="9" name="Espaço Reservado para Data 4">
             <a:extLst>
               <a:ext uri="{FF2B5EF4-FFF2-40B4-BE49-F238E27FC236}">
-                <a16:creationId xmlns="" xmlns:a16="http://schemas.microsoft.com/office/drawing/2014/main" id="{4E2ED8B8-CBF2-482A-846A-0AEBF3EE3C8D}"/>
+                <a16:creationId xmlns:a16="http://schemas.microsoft.com/office/drawing/2014/main" id="{4E2ED8B8-CBF2-482A-846A-0AEBF3EE3C8D}"/>
               </a:ext>
             </a:extLst>
           </p:cNvPr>
@@ -10036,7 +10061,7 @@
           <p:cNvPr id="10" name="Espaço reservado para rodapé 5">
             <a:extLst>
               <a:ext uri="{FF2B5EF4-FFF2-40B4-BE49-F238E27FC236}">
-                <a16:creationId xmlns="" xmlns:a16="http://schemas.microsoft.com/office/drawing/2014/main" id="{E4719D23-DEAC-49CA-89AF-895E574CE0DB}"/>
+                <a16:creationId xmlns:a16="http://schemas.microsoft.com/office/drawing/2014/main" id="{E4719D23-DEAC-49CA-89AF-895E574CE0DB}"/>
               </a:ext>
             </a:extLst>
           </p:cNvPr>
@@ -10114,13 +10139,6 @@
   <p:clrMapOvr>
     <a:masterClrMapping/>
   </p:clrMapOvr>
-  <p:timing>
-    <p:tnLst>
-      <p:par>
-        <p:cTn id="1" dur="indefinite" restart="never" nodeType="tmRoot"/>
-      </p:par>
-    </p:tnLst>
-  </p:timing>
 </p:sld>
 </file>
 
@@ -10146,7 +10164,7 @@
           <p:cNvPr id="7" name="Espaço Reservado para Data 4">
             <a:extLst>
               <a:ext uri="{FF2B5EF4-FFF2-40B4-BE49-F238E27FC236}">
-                <a16:creationId xmlns="" xmlns:a16="http://schemas.microsoft.com/office/drawing/2014/main" id="{5027949B-8BAD-4E75-AC2F-213BC962F9B3}"/>
+                <a16:creationId xmlns:a16="http://schemas.microsoft.com/office/drawing/2014/main" id="{5027949B-8BAD-4E75-AC2F-213BC962F9B3}"/>
               </a:ext>
             </a:extLst>
           </p:cNvPr>
@@ -10180,7 +10198,7 @@
           <p:cNvPr id="8" name="Espaço reservado para rodapé 5">
             <a:extLst>
               <a:ext uri="{FF2B5EF4-FFF2-40B4-BE49-F238E27FC236}">
-                <a16:creationId xmlns="" xmlns:a16="http://schemas.microsoft.com/office/drawing/2014/main" id="{812E6C33-6473-43E3-8DE1-9D33AB15D861}"/>
+                <a16:creationId xmlns:a16="http://schemas.microsoft.com/office/drawing/2014/main" id="{812E6C33-6473-43E3-8DE1-9D33AB15D861}"/>
               </a:ext>
             </a:extLst>
           </p:cNvPr>
@@ -10236,7 +10254,7 @@
           <p:cNvPr id="3" name="CaixaDeTexto 2">
             <a:extLst>
               <a:ext uri="{FF2B5EF4-FFF2-40B4-BE49-F238E27FC236}">
-                <a16:creationId xmlns="" xmlns:a16="http://schemas.microsoft.com/office/drawing/2014/main" id="{ED83B7A3-7C7D-4B10-B385-70688D39A23B}"/>
+                <a16:creationId xmlns:a16="http://schemas.microsoft.com/office/drawing/2014/main" id="{ED83B7A3-7C7D-4B10-B385-70688D39A23B}"/>
               </a:ext>
             </a:extLst>
           </p:cNvPr>
@@ -10271,7 +10289,7 @@
           <p:cNvPr id="5" name="Imagem 4">
             <a:extLst>
               <a:ext uri="{FF2B5EF4-FFF2-40B4-BE49-F238E27FC236}">
-                <a16:creationId xmlns="" xmlns:a16="http://schemas.microsoft.com/office/drawing/2014/main" id="{090D1415-164A-4846-B767-CC720C061417}"/>
+                <a16:creationId xmlns:a16="http://schemas.microsoft.com/office/drawing/2014/main" id="{090D1415-164A-4846-B767-CC720C061417}"/>
               </a:ext>
             </a:extLst>
           </p:cNvPr>
@@ -10301,7 +10319,7 @@
           <p:cNvPr id="10" name="Imagem 9">
             <a:extLst>
               <a:ext uri="{FF2B5EF4-FFF2-40B4-BE49-F238E27FC236}">
-                <a16:creationId xmlns="" xmlns:a16="http://schemas.microsoft.com/office/drawing/2014/main" id="{361622EB-55A6-4923-828C-1B9CEC38AA71}"/>
+                <a16:creationId xmlns:a16="http://schemas.microsoft.com/office/drawing/2014/main" id="{361622EB-55A6-4923-828C-1B9CEC38AA71}"/>
               </a:ext>
             </a:extLst>
           </p:cNvPr>
@@ -10331,7 +10349,7 @@
           <p:cNvPr id="12" name="Imagem 11">
             <a:extLst>
               <a:ext uri="{FF2B5EF4-FFF2-40B4-BE49-F238E27FC236}">
-                <a16:creationId xmlns="" xmlns:a16="http://schemas.microsoft.com/office/drawing/2014/main" id="{D8BC51B2-9CEB-401D-B48A-53BCB7396C8A}"/>
+                <a16:creationId xmlns:a16="http://schemas.microsoft.com/office/drawing/2014/main" id="{D8BC51B2-9CEB-401D-B48A-53BCB7396C8A}"/>
               </a:ext>
             </a:extLst>
           </p:cNvPr>
@@ -10377,13 +10395,6 @@
       </p:transition>
     </mc:Fallback>
   </mc:AlternateContent>
-  <p:timing>
-    <p:tnLst>
-      <p:par>
-        <p:cTn id="1" dur="indefinite" restart="never" nodeType="tmRoot"/>
-      </p:par>
-    </p:tnLst>
-  </p:timing>
 </p:sld>
 </file>
 
@@ -10409,7 +10420,7 @@
           <p:cNvPr id="5" name="Imagem 4">
             <a:extLst>
               <a:ext uri="{FF2B5EF4-FFF2-40B4-BE49-F238E27FC236}">
-                <a16:creationId xmlns="" xmlns:a16="http://schemas.microsoft.com/office/drawing/2014/main" id="{1F12941F-E676-48FF-913B-D3E17EDB5193}"/>
+                <a16:creationId xmlns:a16="http://schemas.microsoft.com/office/drawing/2014/main" id="{1F12941F-E676-48FF-913B-D3E17EDB5193}"/>
               </a:ext>
             </a:extLst>
           </p:cNvPr>
@@ -10439,7 +10450,7 @@
           <p:cNvPr id="7" name="Espaço Reservado para Data 4">
             <a:extLst>
               <a:ext uri="{FF2B5EF4-FFF2-40B4-BE49-F238E27FC236}">
-                <a16:creationId xmlns="" xmlns:a16="http://schemas.microsoft.com/office/drawing/2014/main" id="{5027949B-8BAD-4E75-AC2F-213BC962F9B3}"/>
+                <a16:creationId xmlns:a16="http://schemas.microsoft.com/office/drawing/2014/main" id="{5027949B-8BAD-4E75-AC2F-213BC962F9B3}"/>
               </a:ext>
             </a:extLst>
           </p:cNvPr>
@@ -10473,7 +10484,7 @@
           <p:cNvPr id="8" name="Espaço reservado para rodapé 5">
             <a:extLst>
               <a:ext uri="{FF2B5EF4-FFF2-40B4-BE49-F238E27FC236}">
-                <a16:creationId xmlns="" xmlns:a16="http://schemas.microsoft.com/office/drawing/2014/main" id="{812E6C33-6473-43E3-8DE1-9D33AB15D861}"/>
+                <a16:creationId xmlns:a16="http://schemas.microsoft.com/office/drawing/2014/main" id="{812E6C33-6473-43E3-8DE1-9D33AB15D861}"/>
               </a:ext>
             </a:extLst>
           </p:cNvPr>
@@ -10529,7 +10540,7 @@
           <p:cNvPr id="3" name="CaixaDeTexto 2">
             <a:extLst>
               <a:ext uri="{FF2B5EF4-FFF2-40B4-BE49-F238E27FC236}">
-                <a16:creationId xmlns="" xmlns:a16="http://schemas.microsoft.com/office/drawing/2014/main" id="{ED83B7A3-7C7D-4B10-B385-70688D39A23B}"/>
+                <a16:creationId xmlns:a16="http://schemas.microsoft.com/office/drawing/2014/main" id="{ED83B7A3-7C7D-4B10-B385-70688D39A23B}"/>
               </a:ext>
             </a:extLst>
           </p:cNvPr>
@@ -10564,7 +10575,7 @@
           <p:cNvPr id="9" name="Imagem 8">
             <a:extLst>
               <a:ext uri="{FF2B5EF4-FFF2-40B4-BE49-F238E27FC236}">
-                <a16:creationId xmlns="" xmlns:a16="http://schemas.microsoft.com/office/drawing/2014/main" id="{757D02A9-CD7E-4EEE-8391-0AE839FEFFC8}"/>
+                <a16:creationId xmlns:a16="http://schemas.microsoft.com/office/drawing/2014/main" id="{757D02A9-CD7E-4EEE-8391-0AE839FEFFC8}"/>
               </a:ext>
             </a:extLst>
           </p:cNvPr>
@@ -10610,13 +10621,6 @@
       </p:transition>
     </mc:Fallback>
   </mc:AlternateContent>
-  <p:timing>
-    <p:tnLst>
-      <p:par>
-        <p:cTn id="1" dur="indefinite" restart="never" nodeType="tmRoot"/>
-      </p:par>
-    </p:tnLst>
-  </p:timing>
 </p:sld>
 </file>
 
@@ -10642,7 +10646,7 @@
           <p:cNvPr id="8" name="Espaço Reservado para Conteúdo 7">
             <a:extLst>
               <a:ext uri="{FF2B5EF4-FFF2-40B4-BE49-F238E27FC236}">
-                <a16:creationId xmlns="" xmlns:a16="http://schemas.microsoft.com/office/drawing/2014/main" id="{00E10BFB-86E8-4B5E-BA0C-DE180390189F}"/>
+                <a16:creationId xmlns:a16="http://schemas.microsoft.com/office/drawing/2014/main" id="{00E10BFB-86E8-4B5E-BA0C-DE180390189F}"/>
               </a:ext>
             </a:extLst>
           </p:cNvPr>
@@ -10677,7 +10681,7 @@
           <p:cNvPr id="9" name="Espaço Reservado para Data 4">
             <a:extLst>
               <a:ext uri="{FF2B5EF4-FFF2-40B4-BE49-F238E27FC236}">
-                <a16:creationId xmlns="" xmlns:a16="http://schemas.microsoft.com/office/drawing/2014/main" id="{8E89A0D7-82C7-4A2A-A478-DA1E22196DBC}"/>
+                <a16:creationId xmlns:a16="http://schemas.microsoft.com/office/drawing/2014/main" id="{8E89A0D7-82C7-4A2A-A478-DA1E22196DBC}"/>
               </a:ext>
             </a:extLst>
           </p:cNvPr>
@@ -10711,7 +10715,7 @@
           <p:cNvPr id="10" name="Espaço reservado para rodapé 5">
             <a:extLst>
               <a:ext uri="{FF2B5EF4-FFF2-40B4-BE49-F238E27FC236}">
-                <a16:creationId xmlns="" xmlns:a16="http://schemas.microsoft.com/office/drawing/2014/main" id="{196F2E32-33FC-4386-B96C-242E77AF62CC}"/>
+                <a16:creationId xmlns:a16="http://schemas.microsoft.com/office/drawing/2014/main" id="{196F2E32-33FC-4386-B96C-242E77AF62CC}"/>
               </a:ext>
             </a:extLst>
           </p:cNvPr>
@@ -10744,7 +10748,7 @@
           <p:cNvPr id="11" name="CaixaDeTexto 10">
             <a:extLst>
               <a:ext uri="{FF2B5EF4-FFF2-40B4-BE49-F238E27FC236}">
-                <a16:creationId xmlns="" xmlns:a16="http://schemas.microsoft.com/office/drawing/2014/main" id="{246B3A5E-AA59-47CA-9192-018719DC96DC}"/>
+                <a16:creationId xmlns:a16="http://schemas.microsoft.com/office/drawing/2014/main" id="{246B3A5E-AA59-47CA-9192-018719DC96DC}"/>
               </a:ext>
             </a:extLst>
           </p:cNvPr>
@@ -10784,13 +10788,6 @@
   <p:clrMapOvr>
     <a:masterClrMapping/>
   </p:clrMapOvr>
-  <p:timing>
-    <p:tnLst>
-      <p:par>
-        <p:cTn id="1" dur="indefinite" restart="never" nodeType="tmRoot"/>
-      </p:par>
-    </p:tnLst>
-  </p:timing>
 </p:sld>
 </file>
 
@@ -10872,7 +10869,7 @@
           <p:cNvPr id="12" name="Imagem 11">
             <a:extLst>
               <a:ext uri="{FF2B5EF4-FFF2-40B4-BE49-F238E27FC236}">
-                <a16:creationId xmlns="" xmlns:a16="http://schemas.microsoft.com/office/drawing/2014/main" id="{E98E2891-128D-4085-BA78-D83CABC1197E}"/>
+                <a16:creationId xmlns:a16="http://schemas.microsoft.com/office/drawing/2014/main" id="{E98E2891-128D-4085-BA78-D83CABC1197E}"/>
               </a:ext>
             </a:extLst>
           </p:cNvPr>
@@ -10901,7 +10898,7 @@
           <p:cNvPr id="13" name="Título 1">
             <a:extLst>
               <a:ext uri="{FF2B5EF4-FFF2-40B4-BE49-F238E27FC236}">
-                <a16:creationId xmlns="" xmlns:a16="http://schemas.microsoft.com/office/drawing/2014/main" id="{F3823A05-2CB8-453D-B7C2-B4BF564EC4F0}"/>
+                <a16:creationId xmlns:a16="http://schemas.microsoft.com/office/drawing/2014/main" id="{F3823A05-2CB8-453D-B7C2-B4BF564EC4F0}"/>
               </a:ext>
             </a:extLst>
           </p:cNvPr>
@@ -10981,7 +10978,7 @@
           <p:cNvPr id="14" name="CaixaDeTexto 13">
             <a:extLst>
               <a:ext uri="{FF2B5EF4-FFF2-40B4-BE49-F238E27FC236}">
-                <a16:creationId xmlns="" xmlns:a16="http://schemas.microsoft.com/office/drawing/2014/main" id="{B2385810-E73F-4C63-A448-7C7A4CC2A2E9}"/>
+                <a16:creationId xmlns:a16="http://schemas.microsoft.com/office/drawing/2014/main" id="{B2385810-E73F-4C63-A448-7C7A4CC2A2E9}"/>
               </a:ext>
             </a:extLst>
           </p:cNvPr>
@@ -11021,7 +11018,7 @@
           <p:cNvPr id="10" name="Retângulo 9">
             <a:extLst>
               <a:ext uri="{FF2B5EF4-FFF2-40B4-BE49-F238E27FC236}">
-                <a16:creationId xmlns="" xmlns:a16="http://schemas.microsoft.com/office/drawing/2014/main" id="{953BFCC7-565D-4266-854F-C11EC80182C6}"/>
+                <a16:creationId xmlns:a16="http://schemas.microsoft.com/office/drawing/2014/main" id="{953BFCC7-565D-4266-854F-C11EC80182C6}"/>
               </a:ext>
             </a:extLst>
           </p:cNvPr>
@@ -11073,7 +11070,7 @@
           <p:cNvPr id="11" name="Imagem 10">
             <a:extLst>
               <a:ext uri="{FF2B5EF4-FFF2-40B4-BE49-F238E27FC236}">
-                <a16:creationId xmlns="" xmlns:a16="http://schemas.microsoft.com/office/drawing/2014/main" id="{A8DE9A58-CFA6-4D60-A704-AD56A80C11D7}"/>
+                <a16:creationId xmlns:a16="http://schemas.microsoft.com/office/drawing/2014/main" id="{A8DE9A58-CFA6-4D60-A704-AD56A80C11D7}"/>
               </a:ext>
             </a:extLst>
           </p:cNvPr>
@@ -11119,13 +11116,6 @@
       </p:transition>
     </mc:Fallback>
   </mc:AlternateContent>
-  <p:timing>
-    <p:tnLst>
-      <p:par>
-        <p:cTn id="1" dur="indefinite" restart="never" nodeType="tmRoot"/>
-      </p:par>
-    </p:tnLst>
-  </p:timing>
 </p:sld>
 </file>
 
@@ -11151,7 +11141,7 @@
           <p:cNvPr id="15" name="Retângulo 14">
             <a:extLst>
               <a:ext uri="{FF2B5EF4-FFF2-40B4-BE49-F238E27FC236}">
-                <a16:creationId xmlns="" xmlns:a16="http://schemas.microsoft.com/office/drawing/2014/main" id="{6DC9F291-4E26-400A-A559-6E5FD48E6659}"/>
+                <a16:creationId xmlns:a16="http://schemas.microsoft.com/office/drawing/2014/main" id="{6DC9F291-4E26-400A-A559-6E5FD48E6659}"/>
               </a:ext>
             </a:extLst>
           </p:cNvPr>
@@ -11259,7 +11249,7 @@
           <p:cNvPr id="12" name="Imagem 11">
             <a:extLst>
               <a:ext uri="{FF2B5EF4-FFF2-40B4-BE49-F238E27FC236}">
-                <a16:creationId xmlns="" xmlns:a16="http://schemas.microsoft.com/office/drawing/2014/main" id="{E98E2891-128D-4085-BA78-D83CABC1197E}"/>
+                <a16:creationId xmlns:a16="http://schemas.microsoft.com/office/drawing/2014/main" id="{E98E2891-128D-4085-BA78-D83CABC1197E}"/>
               </a:ext>
             </a:extLst>
           </p:cNvPr>
@@ -11288,7 +11278,7 @@
           <p:cNvPr id="13" name="Título 1">
             <a:extLst>
               <a:ext uri="{FF2B5EF4-FFF2-40B4-BE49-F238E27FC236}">
-                <a16:creationId xmlns="" xmlns:a16="http://schemas.microsoft.com/office/drawing/2014/main" id="{F3823A05-2CB8-453D-B7C2-B4BF564EC4F0}"/>
+                <a16:creationId xmlns:a16="http://schemas.microsoft.com/office/drawing/2014/main" id="{F3823A05-2CB8-453D-B7C2-B4BF564EC4F0}"/>
               </a:ext>
             </a:extLst>
           </p:cNvPr>
@@ -11368,7 +11358,7 @@
           <p:cNvPr id="14" name="CaixaDeTexto 13">
             <a:extLst>
               <a:ext uri="{FF2B5EF4-FFF2-40B4-BE49-F238E27FC236}">
-                <a16:creationId xmlns="" xmlns:a16="http://schemas.microsoft.com/office/drawing/2014/main" id="{B2385810-E73F-4C63-A448-7C7A4CC2A2E9}"/>
+                <a16:creationId xmlns:a16="http://schemas.microsoft.com/office/drawing/2014/main" id="{B2385810-E73F-4C63-A448-7C7A4CC2A2E9}"/>
               </a:ext>
             </a:extLst>
           </p:cNvPr>
@@ -11408,7 +11398,7 @@
           <p:cNvPr id="7" name="Seta: para a Direita 6">
             <a:extLst>
               <a:ext uri="{FF2B5EF4-FFF2-40B4-BE49-F238E27FC236}">
-                <a16:creationId xmlns="" xmlns:a16="http://schemas.microsoft.com/office/drawing/2014/main" id="{E5D22274-CFD0-4164-AFEC-40AFC77D30F8}"/>
+                <a16:creationId xmlns:a16="http://schemas.microsoft.com/office/drawing/2014/main" id="{E5D22274-CFD0-4164-AFEC-40AFC77D30F8}"/>
               </a:ext>
             </a:extLst>
           </p:cNvPr>
@@ -11460,7 +11450,7 @@
           <p:cNvPr id="11" name="Imagem 10">
             <a:extLst>
               <a:ext uri="{FF2B5EF4-FFF2-40B4-BE49-F238E27FC236}">
-                <a16:creationId xmlns="" xmlns:a16="http://schemas.microsoft.com/office/drawing/2014/main" id="{09FDC5A6-F58E-48A0-9635-94BA7F0AE6C3}"/>
+                <a16:creationId xmlns:a16="http://schemas.microsoft.com/office/drawing/2014/main" id="{09FDC5A6-F58E-48A0-9635-94BA7F0AE6C3}"/>
               </a:ext>
             </a:extLst>
           </p:cNvPr>
@@ -11489,7 +11479,7 @@
           <p:cNvPr id="16" name="Retângulo 15">
             <a:extLst>
               <a:ext uri="{FF2B5EF4-FFF2-40B4-BE49-F238E27FC236}">
-                <a16:creationId xmlns="" xmlns:a16="http://schemas.microsoft.com/office/drawing/2014/main" id="{F647EDFB-9389-4E93-A1D1-20B073D3A068}"/>
+                <a16:creationId xmlns:a16="http://schemas.microsoft.com/office/drawing/2014/main" id="{F647EDFB-9389-4E93-A1D1-20B073D3A068}"/>
               </a:ext>
             </a:extLst>
           </p:cNvPr>
@@ -11541,7 +11531,7 @@
           <p:cNvPr id="8" name="Gráfico 7">
             <a:extLst>
               <a:ext uri="{FF2B5EF4-FFF2-40B4-BE49-F238E27FC236}">
-                <a16:creationId xmlns="" xmlns:a16="http://schemas.microsoft.com/office/drawing/2014/main" id="{164EC046-7EC9-45F5-AB00-75D3B7031E29}"/>
+                <a16:creationId xmlns:a16="http://schemas.microsoft.com/office/drawing/2014/main" id="{164EC046-7EC9-45F5-AB00-75D3B7031E29}"/>
               </a:ext>
             </a:extLst>
           </p:cNvPr>
@@ -11557,7 +11547,7 @@
                 <a14:useLocalDpi xmlns:a14="http://schemas.microsoft.com/office/drawing/2010/main" val="0"/>
               </a:ext>
               <a:ext uri="{96DAC541-7B7A-43D3-8B79-37D633B846F1}">
-                <asvg:svgBlip xmlns="" xmlns:asvg="http://schemas.microsoft.com/office/drawing/2016/SVG/main" r:embed="rId6"/>
+                <asvg:svgBlip xmlns:asvg="http://schemas.microsoft.com/office/drawing/2016/SVG/main" r:embed="rId6"/>
               </a:ext>
             </a:extLst>
           </a:blip>
@@ -11597,13 +11587,6 @@
       </p:transition>
     </mc:Fallback>
   </mc:AlternateContent>
-  <p:timing>
-    <p:tnLst>
-      <p:par>
-        <p:cTn id="1" dur="indefinite" restart="never" nodeType="tmRoot"/>
-      </p:par>
-    </p:tnLst>
-  </p:timing>
 </p:sld>
 </file>
 
@@ -11660,7 +11643,7 @@
           <p:cNvPr id="7" name="Espaço Reservado para Data 4">
             <a:extLst>
               <a:ext uri="{FF2B5EF4-FFF2-40B4-BE49-F238E27FC236}">
-                <a16:creationId xmlns="" xmlns:a16="http://schemas.microsoft.com/office/drawing/2014/main" id="{5027949B-8BAD-4E75-AC2F-213BC962F9B3}"/>
+                <a16:creationId xmlns:a16="http://schemas.microsoft.com/office/drawing/2014/main" id="{5027949B-8BAD-4E75-AC2F-213BC962F9B3}"/>
               </a:ext>
             </a:extLst>
           </p:cNvPr>
@@ -11694,7 +11677,7 @@
           <p:cNvPr id="8" name="Espaço reservado para rodapé 5">
             <a:extLst>
               <a:ext uri="{FF2B5EF4-FFF2-40B4-BE49-F238E27FC236}">
-                <a16:creationId xmlns="" xmlns:a16="http://schemas.microsoft.com/office/drawing/2014/main" id="{812E6C33-6473-43E3-8DE1-9D33AB15D861}"/>
+                <a16:creationId xmlns:a16="http://schemas.microsoft.com/office/drawing/2014/main" id="{812E6C33-6473-43E3-8DE1-9D33AB15D861}"/>
               </a:ext>
             </a:extLst>
           </p:cNvPr>
@@ -11728,7 +11711,7 @@
           <p:cNvPr id="4" name="Retângulo 3">
             <a:extLst>
               <a:ext uri="{FF2B5EF4-FFF2-40B4-BE49-F238E27FC236}">
-                <a16:creationId xmlns="" xmlns:a16="http://schemas.microsoft.com/office/drawing/2014/main" id="{92B3A1DC-FFBF-4264-ABED-47FE243305BA}"/>
+                <a16:creationId xmlns:a16="http://schemas.microsoft.com/office/drawing/2014/main" id="{92B3A1DC-FFBF-4264-ABED-47FE243305BA}"/>
               </a:ext>
             </a:extLst>
           </p:cNvPr>
@@ -11787,7 +11770,7 @@
           <p:cNvPr id="5" name="Retângulo 4">
             <a:extLst>
               <a:ext uri="{FF2B5EF4-FFF2-40B4-BE49-F238E27FC236}">
-                <a16:creationId xmlns="" xmlns:a16="http://schemas.microsoft.com/office/drawing/2014/main" id="{06797C99-AC55-44CF-B98B-2604AB32C55D}"/>
+                <a16:creationId xmlns:a16="http://schemas.microsoft.com/office/drawing/2014/main" id="{06797C99-AC55-44CF-B98B-2604AB32C55D}"/>
               </a:ext>
             </a:extLst>
           </p:cNvPr>
@@ -11841,7 +11824,7 @@
           <p:cNvPr id="15" name="CaixaDeTexto 14">
             <a:extLst>
               <a:ext uri="{FF2B5EF4-FFF2-40B4-BE49-F238E27FC236}">
-                <a16:creationId xmlns="" xmlns:a16="http://schemas.microsoft.com/office/drawing/2014/main" id="{0446D310-6E73-4F6A-A2D6-E01643B757A7}"/>
+                <a16:creationId xmlns:a16="http://schemas.microsoft.com/office/drawing/2014/main" id="{0446D310-6E73-4F6A-A2D6-E01643B757A7}"/>
               </a:ext>
             </a:extLst>
           </p:cNvPr>
@@ -11877,7 +11860,7 @@
           <p:cNvPr id="25" name="Retângulo 24">
             <a:extLst>
               <a:ext uri="{FF2B5EF4-FFF2-40B4-BE49-F238E27FC236}">
-                <a16:creationId xmlns="" xmlns:a16="http://schemas.microsoft.com/office/drawing/2014/main" id="{296D32AB-3E3B-41EC-B5AF-82E0D82AB3EF}"/>
+                <a16:creationId xmlns:a16="http://schemas.microsoft.com/office/drawing/2014/main" id="{296D32AB-3E3B-41EC-B5AF-82E0D82AB3EF}"/>
               </a:ext>
             </a:extLst>
           </p:cNvPr>
@@ -11932,7 +11915,7 @@
           <p:cNvPr id="26" name="Retângulo 25">
             <a:extLst>
               <a:ext uri="{FF2B5EF4-FFF2-40B4-BE49-F238E27FC236}">
-                <a16:creationId xmlns="" xmlns:a16="http://schemas.microsoft.com/office/drawing/2014/main" id="{E272E3BB-C1F8-43E6-928D-8F6B61453BCE}"/>
+                <a16:creationId xmlns:a16="http://schemas.microsoft.com/office/drawing/2014/main" id="{E272E3BB-C1F8-43E6-928D-8F6B61453BCE}"/>
               </a:ext>
             </a:extLst>
           </p:cNvPr>
@@ -11987,7 +11970,7 @@
           <p:cNvPr id="27" name="Retângulo 26">
             <a:extLst>
               <a:ext uri="{FF2B5EF4-FFF2-40B4-BE49-F238E27FC236}">
-                <a16:creationId xmlns="" xmlns:a16="http://schemas.microsoft.com/office/drawing/2014/main" id="{74B5839C-647F-469D-A9F6-7E7E681ED037}"/>
+                <a16:creationId xmlns:a16="http://schemas.microsoft.com/office/drawing/2014/main" id="{74B5839C-647F-469D-A9F6-7E7E681ED037}"/>
               </a:ext>
             </a:extLst>
           </p:cNvPr>
@@ -12042,7 +12025,7 @@
           <p:cNvPr id="30" name="Retângulo 29">
             <a:extLst>
               <a:ext uri="{FF2B5EF4-FFF2-40B4-BE49-F238E27FC236}">
-                <a16:creationId xmlns="" xmlns:a16="http://schemas.microsoft.com/office/drawing/2014/main" id="{DD77C262-5814-4677-B274-649CC2550EFF}"/>
+                <a16:creationId xmlns:a16="http://schemas.microsoft.com/office/drawing/2014/main" id="{DD77C262-5814-4677-B274-649CC2550EFF}"/>
               </a:ext>
             </a:extLst>
           </p:cNvPr>
@@ -12097,7 +12080,7 @@
           <p:cNvPr id="31" name="Retângulo 30">
             <a:extLst>
               <a:ext uri="{FF2B5EF4-FFF2-40B4-BE49-F238E27FC236}">
-                <a16:creationId xmlns="" xmlns:a16="http://schemas.microsoft.com/office/drawing/2014/main" id="{14577EDC-0CC0-4769-A749-DCE7444B9D88}"/>
+                <a16:creationId xmlns:a16="http://schemas.microsoft.com/office/drawing/2014/main" id="{14577EDC-0CC0-4769-A749-DCE7444B9D88}"/>
               </a:ext>
             </a:extLst>
           </p:cNvPr>
@@ -12149,7 +12132,7 @@
           <p:cNvPr id="33" name="Retângulo 32">
             <a:extLst>
               <a:ext uri="{FF2B5EF4-FFF2-40B4-BE49-F238E27FC236}">
-                <a16:creationId xmlns="" xmlns:a16="http://schemas.microsoft.com/office/drawing/2014/main" id="{51B6A882-08E7-417F-93B2-1C446F666B9F}"/>
+                <a16:creationId xmlns:a16="http://schemas.microsoft.com/office/drawing/2014/main" id="{51B6A882-08E7-417F-93B2-1C446F666B9F}"/>
               </a:ext>
             </a:extLst>
           </p:cNvPr>
@@ -12204,7 +12187,7 @@
           <p:cNvPr id="37" name="Retângulo 36">
             <a:extLst>
               <a:ext uri="{FF2B5EF4-FFF2-40B4-BE49-F238E27FC236}">
-                <a16:creationId xmlns="" xmlns:a16="http://schemas.microsoft.com/office/drawing/2014/main" id="{02A7DE99-847B-4BC4-B213-00EAFEC388A8}"/>
+                <a16:creationId xmlns:a16="http://schemas.microsoft.com/office/drawing/2014/main" id="{02A7DE99-847B-4BC4-B213-00EAFEC388A8}"/>
               </a:ext>
             </a:extLst>
           </p:cNvPr>
@@ -12259,7 +12242,7 @@
           <p:cNvPr id="38" name="Retângulo 37">
             <a:extLst>
               <a:ext uri="{FF2B5EF4-FFF2-40B4-BE49-F238E27FC236}">
-                <a16:creationId xmlns="" xmlns:a16="http://schemas.microsoft.com/office/drawing/2014/main" id="{0C849E23-C958-4BE7-9742-8AF2C95114E1}"/>
+                <a16:creationId xmlns:a16="http://schemas.microsoft.com/office/drawing/2014/main" id="{0C849E23-C958-4BE7-9742-8AF2C95114E1}"/>
               </a:ext>
             </a:extLst>
           </p:cNvPr>
@@ -12314,7 +12297,7 @@
           <p:cNvPr id="39" name="Retângulo 38">
             <a:extLst>
               <a:ext uri="{FF2B5EF4-FFF2-40B4-BE49-F238E27FC236}">
-                <a16:creationId xmlns="" xmlns:a16="http://schemas.microsoft.com/office/drawing/2014/main" id="{663BFB2D-AB2B-4107-B5F9-9EB5690476E8}"/>
+                <a16:creationId xmlns:a16="http://schemas.microsoft.com/office/drawing/2014/main" id="{663BFB2D-AB2B-4107-B5F9-9EB5690476E8}"/>
               </a:ext>
             </a:extLst>
           </p:cNvPr>
@@ -12369,7 +12352,7 @@
           <p:cNvPr id="40" name="Retângulo 39">
             <a:extLst>
               <a:ext uri="{FF2B5EF4-FFF2-40B4-BE49-F238E27FC236}">
-                <a16:creationId xmlns="" xmlns:a16="http://schemas.microsoft.com/office/drawing/2014/main" id="{BDB7E775-2025-4FD3-B8DE-AE3B1E81A2C4}"/>
+                <a16:creationId xmlns:a16="http://schemas.microsoft.com/office/drawing/2014/main" id="{BDB7E775-2025-4FD3-B8DE-AE3B1E81A2C4}"/>
               </a:ext>
             </a:extLst>
           </p:cNvPr>
@@ -12424,7 +12407,7 @@
           <p:cNvPr id="43" name="Retângulo 42">
             <a:extLst>
               <a:ext uri="{FF2B5EF4-FFF2-40B4-BE49-F238E27FC236}">
-                <a16:creationId xmlns="" xmlns:a16="http://schemas.microsoft.com/office/drawing/2014/main" id="{46771B18-C8DD-440F-88BF-6495C4194396}"/>
+                <a16:creationId xmlns:a16="http://schemas.microsoft.com/office/drawing/2014/main" id="{46771B18-C8DD-440F-88BF-6495C4194396}"/>
               </a:ext>
             </a:extLst>
           </p:cNvPr>
@@ -12479,7 +12462,7 @@
           <p:cNvPr id="44" name="Retângulo 43">
             <a:extLst>
               <a:ext uri="{FF2B5EF4-FFF2-40B4-BE49-F238E27FC236}">
-                <a16:creationId xmlns="" xmlns:a16="http://schemas.microsoft.com/office/drawing/2014/main" id="{51F916F5-A4D9-4127-BB4D-8AADF965C2B7}"/>
+                <a16:creationId xmlns:a16="http://schemas.microsoft.com/office/drawing/2014/main" id="{51F916F5-A4D9-4127-BB4D-8AADF965C2B7}"/>
               </a:ext>
             </a:extLst>
           </p:cNvPr>
@@ -12533,7 +12516,7 @@
           <p:cNvPr id="45" name="Retângulo 44">
             <a:extLst>
               <a:ext uri="{FF2B5EF4-FFF2-40B4-BE49-F238E27FC236}">
-                <a16:creationId xmlns="" xmlns:a16="http://schemas.microsoft.com/office/drawing/2014/main" id="{B280ACBE-6895-4AAE-B42C-24F4556C7596}"/>
+                <a16:creationId xmlns:a16="http://schemas.microsoft.com/office/drawing/2014/main" id="{B280ACBE-6895-4AAE-B42C-24F4556C7596}"/>
               </a:ext>
             </a:extLst>
           </p:cNvPr>
@@ -12588,7 +12571,7 @@
           <p:cNvPr id="47" name="Retângulo 46">
             <a:extLst>
               <a:ext uri="{FF2B5EF4-FFF2-40B4-BE49-F238E27FC236}">
-                <a16:creationId xmlns="" xmlns:a16="http://schemas.microsoft.com/office/drawing/2014/main" id="{D3749FC8-1DF0-4FCC-9F30-B2101433C20E}"/>
+                <a16:creationId xmlns:a16="http://schemas.microsoft.com/office/drawing/2014/main" id="{D3749FC8-1DF0-4FCC-9F30-B2101433C20E}"/>
               </a:ext>
             </a:extLst>
           </p:cNvPr>
@@ -12647,7 +12630,7 @@
           <p:cNvPr id="48" name="Retângulo 47">
             <a:extLst>
               <a:ext uri="{FF2B5EF4-FFF2-40B4-BE49-F238E27FC236}">
-                <a16:creationId xmlns="" xmlns:a16="http://schemas.microsoft.com/office/drawing/2014/main" id="{22C8B44B-D718-4336-9C3A-48B174E40AB4}"/>
+                <a16:creationId xmlns:a16="http://schemas.microsoft.com/office/drawing/2014/main" id="{22C8B44B-D718-4336-9C3A-48B174E40AB4}"/>
               </a:ext>
             </a:extLst>
           </p:cNvPr>
@@ -12696,7 +12679,7 @@
           <p:cNvPr id="49" name="CaixaDeTexto 48">
             <a:extLst>
               <a:ext uri="{FF2B5EF4-FFF2-40B4-BE49-F238E27FC236}">
-                <a16:creationId xmlns="" xmlns:a16="http://schemas.microsoft.com/office/drawing/2014/main" id="{3AE75C82-7E2B-4080-A5D8-9B19E4BF9609}"/>
+                <a16:creationId xmlns:a16="http://schemas.microsoft.com/office/drawing/2014/main" id="{3AE75C82-7E2B-4080-A5D8-9B19E4BF9609}"/>
               </a:ext>
             </a:extLst>
           </p:cNvPr>
@@ -12740,7 +12723,7 @@
           <p:cNvPr id="50" name="Retângulo 49">
             <a:extLst>
               <a:ext uri="{FF2B5EF4-FFF2-40B4-BE49-F238E27FC236}">
-                <a16:creationId xmlns="" xmlns:a16="http://schemas.microsoft.com/office/drawing/2014/main" id="{3A2F0F08-D7DF-4EBA-A137-5A296597AD1A}"/>
+                <a16:creationId xmlns:a16="http://schemas.microsoft.com/office/drawing/2014/main" id="{3A2F0F08-D7DF-4EBA-A137-5A296597AD1A}"/>
               </a:ext>
             </a:extLst>
           </p:cNvPr>
@@ -12792,7 +12775,7 @@
           <p:cNvPr id="51" name="CaixaDeTexto 50">
             <a:extLst>
               <a:ext uri="{FF2B5EF4-FFF2-40B4-BE49-F238E27FC236}">
-                <a16:creationId xmlns="" xmlns:a16="http://schemas.microsoft.com/office/drawing/2014/main" id="{FFB410CA-A850-443A-8FD3-ABADED535B9A}"/>
+                <a16:creationId xmlns:a16="http://schemas.microsoft.com/office/drawing/2014/main" id="{FFB410CA-A850-443A-8FD3-ABADED535B9A}"/>
               </a:ext>
             </a:extLst>
           </p:cNvPr>
@@ -12836,7 +12819,7 @@
           <p:cNvPr id="53" name="Conector reto 52">
             <a:extLst>
               <a:ext uri="{FF2B5EF4-FFF2-40B4-BE49-F238E27FC236}">
-                <a16:creationId xmlns="" xmlns:a16="http://schemas.microsoft.com/office/drawing/2014/main" id="{082C2AE9-E6FF-4BB5-89A3-E11684481463}"/>
+                <a16:creationId xmlns:a16="http://schemas.microsoft.com/office/drawing/2014/main" id="{082C2AE9-E6FF-4BB5-89A3-E11684481463}"/>
               </a:ext>
             </a:extLst>
           </p:cNvPr>
@@ -12895,13 +12878,6 @@
       </p:transition>
     </mc:Fallback>
   </mc:AlternateContent>
-  <p:timing>
-    <p:tnLst>
-      <p:par>
-        <p:cTn id="1" dur="indefinite" restart="never" nodeType="tmRoot"/>
-      </p:par>
-    </p:tnLst>
-  </p:timing>
 </p:sld>
 </file>
 
@@ -12963,7 +12939,7 @@
           <p:cNvPr id="7" name="Espaço Reservado para Data 4">
             <a:extLst>
               <a:ext uri="{FF2B5EF4-FFF2-40B4-BE49-F238E27FC236}">
-                <a16:creationId xmlns="" xmlns:a16="http://schemas.microsoft.com/office/drawing/2014/main" id="{5027949B-8BAD-4E75-AC2F-213BC962F9B3}"/>
+                <a16:creationId xmlns:a16="http://schemas.microsoft.com/office/drawing/2014/main" id="{5027949B-8BAD-4E75-AC2F-213BC962F9B3}"/>
               </a:ext>
             </a:extLst>
           </p:cNvPr>
@@ -12997,7 +12973,7 @@
           <p:cNvPr id="8" name="Espaço reservado para rodapé 5">
             <a:extLst>
               <a:ext uri="{FF2B5EF4-FFF2-40B4-BE49-F238E27FC236}">
-                <a16:creationId xmlns="" xmlns:a16="http://schemas.microsoft.com/office/drawing/2014/main" id="{812E6C33-6473-43E3-8DE1-9D33AB15D861}"/>
+                <a16:creationId xmlns:a16="http://schemas.microsoft.com/office/drawing/2014/main" id="{812E6C33-6473-43E3-8DE1-9D33AB15D861}"/>
               </a:ext>
             </a:extLst>
           </p:cNvPr>
@@ -13031,7 +13007,7 @@
           <p:cNvPr id="5" name="Retângulo 4">
             <a:extLst>
               <a:ext uri="{FF2B5EF4-FFF2-40B4-BE49-F238E27FC236}">
-                <a16:creationId xmlns="" xmlns:a16="http://schemas.microsoft.com/office/drawing/2014/main" id="{06797C99-AC55-44CF-B98B-2604AB32C55D}"/>
+                <a16:creationId xmlns:a16="http://schemas.microsoft.com/office/drawing/2014/main" id="{06797C99-AC55-44CF-B98B-2604AB32C55D}"/>
               </a:ext>
             </a:extLst>
           </p:cNvPr>
@@ -13085,7 +13061,7 @@
           <p:cNvPr id="15" name="CaixaDeTexto 14">
             <a:extLst>
               <a:ext uri="{FF2B5EF4-FFF2-40B4-BE49-F238E27FC236}">
-                <a16:creationId xmlns="" xmlns:a16="http://schemas.microsoft.com/office/drawing/2014/main" id="{0446D310-6E73-4F6A-A2D6-E01643B757A7}"/>
+                <a16:creationId xmlns:a16="http://schemas.microsoft.com/office/drawing/2014/main" id="{0446D310-6E73-4F6A-A2D6-E01643B757A7}"/>
               </a:ext>
             </a:extLst>
           </p:cNvPr>
@@ -13121,7 +13097,7 @@
           <p:cNvPr id="26" name="Retângulo 25">
             <a:extLst>
               <a:ext uri="{FF2B5EF4-FFF2-40B4-BE49-F238E27FC236}">
-                <a16:creationId xmlns="" xmlns:a16="http://schemas.microsoft.com/office/drawing/2014/main" id="{E272E3BB-C1F8-43E6-928D-8F6B61453BCE}"/>
+                <a16:creationId xmlns:a16="http://schemas.microsoft.com/office/drawing/2014/main" id="{E272E3BB-C1F8-43E6-928D-8F6B61453BCE}"/>
               </a:ext>
             </a:extLst>
           </p:cNvPr>
@@ -13176,7 +13152,7 @@
           <p:cNvPr id="31" name="Retângulo 30">
             <a:extLst>
               <a:ext uri="{FF2B5EF4-FFF2-40B4-BE49-F238E27FC236}">
-                <a16:creationId xmlns="" xmlns:a16="http://schemas.microsoft.com/office/drawing/2014/main" id="{14577EDC-0CC0-4769-A749-DCE7444B9D88}"/>
+                <a16:creationId xmlns:a16="http://schemas.microsoft.com/office/drawing/2014/main" id="{14577EDC-0CC0-4769-A749-DCE7444B9D88}"/>
               </a:ext>
             </a:extLst>
           </p:cNvPr>
@@ -13228,7 +13204,7 @@
           <p:cNvPr id="37" name="Retângulo 36">
             <a:extLst>
               <a:ext uri="{FF2B5EF4-FFF2-40B4-BE49-F238E27FC236}">
-                <a16:creationId xmlns="" xmlns:a16="http://schemas.microsoft.com/office/drawing/2014/main" id="{02A7DE99-847B-4BC4-B213-00EAFEC388A8}"/>
+                <a16:creationId xmlns:a16="http://schemas.microsoft.com/office/drawing/2014/main" id="{02A7DE99-847B-4BC4-B213-00EAFEC388A8}"/>
               </a:ext>
             </a:extLst>
           </p:cNvPr>
@@ -13283,7 +13259,7 @@
           <p:cNvPr id="47" name="Retângulo 46">
             <a:extLst>
               <a:ext uri="{FF2B5EF4-FFF2-40B4-BE49-F238E27FC236}">
-                <a16:creationId xmlns="" xmlns:a16="http://schemas.microsoft.com/office/drawing/2014/main" id="{D3749FC8-1DF0-4FCC-9F30-B2101433C20E}"/>
+                <a16:creationId xmlns:a16="http://schemas.microsoft.com/office/drawing/2014/main" id="{D3749FC8-1DF0-4FCC-9F30-B2101433C20E}"/>
               </a:ext>
             </a:extLst>
           </p:cNvPr>
@@ -13342,7 +13318,7 @@
           <p:cNvPr id="3" name="Retângulo 2">
             <a:extLst>
               <a:ext uri="{FF2B5EF4-FFF2-40B4-BE49-F238E27FC236}">
-                <a16:creationId xmlns="" xmlns:a16="http://schemas.microsoft.com/office/drawing/2014/main" id="{37E533CA-A1F3-491B-BC81-655B04724607}"/>
+                <a16:creationId xmlns:a16="http://schemas.microsoft.com/office/drawing/2014/main" id="{37E533CA-A1F3-491B-BC81-655B04724607}"/>
               </a:ext>
             </a:extLst>
           </p:cNvPr>
@@ -13396,7 +13372,7 @@
           <p:cNvPr id="6" name="CaixaDeTexto 5">
             <a:extLst>
               <a:ext uri="{FF2B5EF4-FFF2-40B4-BE49-F238E27FC236}">
-                <a16:creationId xmlns="" xmlns:a16="http://schemas.microsoft.com/office/drawing/2014/main" id="{22C2E258-D101-43B8-AE83-752E0D9FB25B}"/>
+                <a16:creationId xmlns:a16="http://schemas.microsoft.com/office/drawing/2014/main" id="{22C2E258-D101-43B8-AE83-752E0D9FB25B}"/>
               </a:ext>
             </a:extLst>
           </p:cNvPr>
@@ -13431,7 +13407,7 @@
           <p:cNvPr id="32" name="Retângulo 31">
             <a:extLst>
               <a:ext uri="{FF2B5EF4-FFF2-40B4-BE49-F238E27FC236}">
-                <a16:creationId xmlns="" xmlns:a16="http://schemas.microsoft.com/office/drawing/2014/main" id="{77C69484-D926-41CC-83E0-9987A0F98E3B}"/>
+                <a16:creationId xmlns:a16="http://schemas.microsoft.com/office/drawing/2014/main" id="{77C69484-D926-41CC-83E0-9987A0F98E3B}"/>
               </a:ext>
             </a:extLst>
           </p:cNvPr>
@@ -13486,7 +13462,7 @@
           <p:cNvPr id="35" name="Retângulo 34">
             <a:extLst>
               <a:ext uri="{FF2B5EF4-FFF2-40B4-BE49-F238E27FC236}">
-                <a16:creationId xmlns="" xmlns:a16="http://schemas.microsoft.com/office/drawing/2014/main" id="{9D0B72B3-6F6F-43BF-B625-CB031063931D}"/>
+                <a16:creationId xmlns:a16="http://schemas.microsoft.com/office/drawing/2014/main" id="{9D0B72B3-6F6F-43BF-B625-CB031063931D}"/>
               </a:ext>
             </a:extLst>
           </p:cNvPr>
@@ -13544,7 +13520,7 @@
           <p:cNvPr id="36" name="CaixaDeTexto 35">
             <a:extLst>
               <a:ext uri="{FF2B5EF4-FFF2-40B4-BE49-F238E27FC236}">
-                <a16:creationId xmlns="" xmlns:a16="http://schemas.microsoft.com/office/drawing/2014/main" id="{4EEF85AF-B8CA-4D19-847A-231001CBDE54}"/>
+                <a16:creationId xmlns:a16="http://schemas.microsoft.com/office/drawing/2014/main" id="{4EEF85AF-B8CA-4D19-847A-231001CBDE54}"/>
               </a:ext>
             </a:extLst>
           </p:cNvPr>
@@ -13579,7 +13555,7 @@
           <p:cNvPr id="48" name="CaixaDeTexto 47">
             <a:extLst>
               <a:ext uri="{FF2B5EF4-FFF2-40B4-BE49-F238E27FC236}">
-                <a16:creationId xmlns="" xmlns:a16="http://schemas.microsoft.com/office/drawing/2014/main" id="{F7FB5E81-9889-471A-9BF7-8FE130A18F3D}"/>
+                <a16:creationId xmlns:a16="http://schemas.microsoft.com/office/drawing/2014/main" id="{F7FB5E81-9889-471A-9BF7-8FE130A18F3D}"/>
               </a:ext>
             </a:extLst>
           </p:cNvPr>
@@ -13623,7 +13599,7 @@
           <p:cNvPr id="49" name="Retângulo 48">
             <a:extLst>
               <a:ext uri="{FF2B5EF4-FFF2-40B4-BE49-F238E27FC236}">
-                <a16:creationId xmlns="" xmlns:a16="http://schemas.microsoft.com/office/drawing/2014/main" id="{7F5CDB55-452B-47B9-AF12-938006AC302D}"/>
+                <a16:creationId xmlns:a16="http://schemas.microsoft.com/office/drawing/2014/main" id="{7F5CDB55-452B-47B9-AF12-938006AC302D}"/>
               </a:ext>
             </a:extLst>
           </p:cNvPr>
@@ -13682,7 +13658,7 @@
           <p:cNvPr id="52" name="Retângulo 51">
             <a:extLst>
               <a:ext uri="{FF2B5EF4-FFF2-40B4-BE49-F238E27FC236}">
-                <a16:creationId xmlns="" xmlns:a16="http://schemas.microsoft.com/office/drawing/2014/main" id="{2EBD069D-635D-4E40-AF29-899274423A02}"/>
+                <a16:creationId xmlns:a16="http://schemas.microsoft.com/office/drawing/2014/main" id="{2EBD069D-635D-4E40-AF29-899274423A02}"/>
               </a:ext>
             </a:extLst>
           </p:cNvPr>
@@ -13731,7 +13707,7 @@
           <p:cNvPr id="53" name="CaixaDeTexto 52">
             <a:extLst>
               <a:ext uri="{FF2B5EF4-FFF2-40B4-BE49-F238E27FC236}">
-                <a16:creationId xmlns="" xmlns:a16="http://schemas.microsoft.com/office/drawing/2014/main" id="{55BF7F07-AADA-4B81-A2A8-1910559E7995}"/>
+                <a16:creationId xmlns:a16="http://schemas.microsoft.com/office/drawing/2014/main" id="{55BF7F07-AADA-4B81-A2A8-1910559E7995}"/>
               </a:ext>
             </a:extLst>
           </p:cNvPr>
@@ -13775,7 +13751,7 @@
           <p:cNvPr id="57" name="Retângulo 56">
             <a:extLst>
               <a:ext uri="{FF2B5EF4-FFF2-40B4-BE49-F238E27FC236}">
-                <a16:creationId xmlns="" xmlns:a16="http://schemas.microsoft.com/office/drawing/2014/main" id="{C9491021-5D23-4742-8F8F-30D153528679}"/>
+                <a16:creationId xmlns:a16="http://schemas.microsoft.com/office/drawing/2014/main" id="{C9491021-5D23-4742-8F8F-30D153528679}"/>
               </a:ext>
             </a:extLst>
           </p:cNvPr>
@@ -13827,7 +13803,7 @@
           <p:cNvPr id="58" name="CaixaDeTexto 57">
             <a:extLst>
               <a:ext uri="{FF2B5EF4-FFF2-40B4-BE49-F238E27FC236}">
-                <a16:creationId xmlns="" xmlns:a16="http://schemas.microsoft.com/office/drawing/2014/main" id="{AB8B7510-6EF9-4C8E-8F53-7ED53A6B7BDC}"/>
+                <a16:creationId xmlns:a16="http://schemas.microsoft.com/office/drawing/2014/main" id="{AB8B7510-6EF9-4C8E-8F53-7ED53A6B7BDC}"/>
               </a:ext>
             </a:extLst>
           </p:cNvPr>
@@ -13871,7 +13847,7 @@
           <p:cNvPr id="59" name="Conector reto 58">
             <a:extLst>
               <a:ext uri="{FF2B5EF4-FFF2-40B4-BE49-F238E27FC236}">
-                <a16:creationId xmlns="" xmlns:a16="http://schemas.microsoft.com/office/drawing/2014/main" id="{C749E662-FF51-471C-A39D-99B232400887}"/>
+                <a16:creationId xmlns:a16="http://schemas.microsoft.com/office/drawing/2014/main" id="{C749E662-FF51-471C-A39D-99B232400887}"/>
               </a:ext>
             </a:extLst>
           </p:cNvPr>
@@ -13930,13 +13906,6 @@
       </p:transition>
     </mc:Fallback>
   </mc:AlternateContent>
-  <p:timing>
-    <p:tnLst>
-      <p:par>
-        <p:cTn id="1" dur="indefinite" restart="never" nodeType="tmRoot"/>
-      </p:par>
-    </p:tnLst>
-  </p:timing>
 </p:sld>
 </file>
 
@@ -14018,7 +13987,7 @@
           <p:cNvPr id="11" name="Gráfico 10">
             <a:extLst>
               <a:ext uri="{FF2B5EF4-FFF2-40B4-BE49-F238E27FC236}">
-                <a16:creationId xmlns="" xmlns:a16="http://schemas.microsoft.com/office/drawing/2014/main" id="{2CEEA5B4-5936-4CD7-ADA5-FC79BBCA8D31}"/>
+                <a16:creationId xmlns:a16="http://schemas.microsoft.com/office/drawing/2014/main" id="{2CEEA5B4-5936-4CD7-ADA5-FC79BBCA8D31}"/>
               </a:ext>
             </a:extLst>
           </p:cNvPr>
@@ -14034,7 +14003,7 @@
                 <a14:useLocalDpi xmlns:a14="http://schemas.microsoft.com/office/drawing/2010/main" val="0"/>
               </a:ext>
               <a:ext uri="{96DAC541-7B7A-43D3-8B79-37D633B846F1}">
-                <asvg:svgBlip xmlns="" xmlns:asvg="http://schemas.microsoft.com/office/drawing/2016/SVG/main" r:embed="rId4"/>
+                <asvg:svgBlip xmlns:asvg="http://schemas.microsoft.com/office/drawing/2016/SVG/main" r:embed="rId4"/>
               </a:ext>
             </a:extLst>
           </a:blip>
@@ -14057,7 +14026,7 @@
           <p:cNvPr id="18" name="Imagem 17">
             <a:extLst>
               <a:ext uri="{FF2B5EF4-FFF2-40B4-BE49-F238E27FC236}">
-                <a16:creationId xmlns="" xmlns:a16="http://schemas.microsoft.com/office/drawing/2014/main" id="{45D537CB-DA77-40CA-9D00-00C6F845FD3D}"/>
+                <a16:creationId xmlns:a16="http://schemas.microsoft.com/office/drawing/2014/main" id="{45D537CB-DA77-40CA-9D00-00C6F845FD3D}"/>
               </a:ext>
             </a:extLst>
           </p:cNvPr>
@@ -14093,7 +14062,7 @@
           <p:cNvPr id="20" name="Imagem 19">
             <a:extLst>
               <a:ext uri="{FF2B5EF4-FFF2-40B4-BE49-F238E27FC236}">
-                <a16:creationId xmlns="" xmlns:a16="http://schemas.microsoft.com/office/drawing/2014/main" id="{1906072A-1B2E-45B4-95B3-BCE987083A1E}"/>
+                <a16:creationId xmlns:a16="http://schemas.microsoft.com/office/drawing/2014/main" id="{1906072A-1B2E-45B4-95B3-BCE987083A1E}"/>
               </a:ext>
             </a:extLst>
           </p:cNvPr>
@@ -14129,7 +14098,7 @@
           <p:cNvPr id="21" name="Título 1">
             <a:extLst>
               <a:ext uri="{FF2B5EF4-FFF2-40B4-BE49-F238E27FC236}">
-                <a16:creationId xmlns="" xmlns:a16="http://schemas.microsoft.com/office/drawing/2014/main" id="{0C574178-5DAF-41CD-9A4A-9B53CAB1B582}"/>
+                <a16:creationId xmlns:a16="http://schemas.microsoft.com/office/drawing/2014/main" id="{0C574178-5DAF-41CD-9A4A-9B53CAB1B582}"/>
               </a:ext>
             </a:extLst>
           </p:cNvPr>
@@ -14180,13 +14149,6 @@
       </p:transition>
     </mc:Fallback>
   </mc:AlternateContent>
-  <p:timing>
-    <p:tnLst>
-      <p:par>
-        <p:cTn id="1" dur="indefinite" restart="never" nodeType="tmRoot"/>
-      </p:par>
-    </p:tnLst>
-  </p:timing>
 </p:sld>
 </file>
 
@@ -14212,7 +14174,7 @@
           <p:cNvPr id="7" name="Espaço Reservado para Data 4">
             <a:extLst>
               <a:ext uri="{FF2B5EF4-FFF2-40B4-BE49-F238E27FC236}">
-                <a16:creationId xmlns="" xmlns:a16="http://schemas.microsoft.com/office/drawing/2014/main" id="{5027949B-8BAD-4E75-AC2F-213BC962F9B3}"/>
+                <a16:creationId xmlns:a16="http://schemas.microsoft.com/office/drawing/2014/main" id="{5027949B-8BAD-4E75-AC2F-213BC962F9B3}"/>
               </a:ext>
             </a:extLst>
           </p:cNvPr>
@@ -14246,7 +14208,7 @@
           <p:cNvPr id="8" name="Espaço reservado para rodapé 5">
             <a:extLst>
               <a:ext uri="{FF2B5EF4-FFF2-40B4-BE49-F238E27FC236}">
-                <a16:creationId xmlns="" xmlns:a16="http://schemas.microsoft.com/office/drawing/2014/main" id="{812E6C33-6473-43E3-8DE1-9D33AB15D861}"/>
+                <a16:creationId xmlns:a16="http://schemas.microsoft.com/office/drawing/2014/main" id="{812E6C33-6473-43E3-8DE1-9D33AB15D861}"/>
               </a:ext>
             </a:extLst>
           </p:cNvPr>
@@ -14280,7 +14242,7 @@
           <p:cNvPr id="9" name="Imagem 8">
             <a:extLst>
               <a:ext uri="{FF2B5EF4-FFF2-40B4-BE49-F238E27FC236}">
-                <a16:creationId xmlns="" xmlns:a16="http://schemas.microsoft.com/office/drawing/2014/main" id="{B1FC80DE-D63D-4D67-A422-F46237BBAC4B}"/>
+                <a16:creationId xmlns:a16="http://schemas.microsoft.com/office/drawing/2014/main" id="{B1FC80DE-D63D-4D67-A422-F46237BBAC4B}"/>
               </a:ext>
             </a:extLst>
           </p:cNvPr>
@@ -14315,7 +14277,7 @@
           <p:cNvPr id="12" name="Título 1">
             <a:extLst>
               <a:ext uri="{FF2B5EF4-FFF2-40B4-BE49-F238E27FC236}">
-                <a16:creationId xmlns="" xmlns:a16="http://schemas.microsoft.com/office/drawing/2014/main" id="{1386CF17-2663-42B2-8CF9-18B81769FB0F}"/>
+                <a16:creationId xmlns:a16="http://schemas.microsoft.com/office/drawing/2014/main" id="{1386CF17-2663-42B2-8CF9-18B81769FB0F}"/>
               </a:ext>
             </a:extLst>
           </p:cNvPr>
@@ -14395,13 +14357,6 @@
       </p:transition>
     </mc:Fallback>
   </mc:AlternateContent>
-  <p:timing>
-    <p:tnLst>
-      <p:par>
-        <p:cTn id="1" dur="indefinite" restart="never" nodeType="tmRoot"/>
-      </p:par>
-    </p:tnLst>
-  </p:timing>
 </p:sld>
 </file>
 
@@ -14427,7 +14382,7 @@
           <p:cNvPr id="2" name="Título 1">
             <a:extLst>
               <a:ext uri="{FF2B5EF4-FFF2-40B4-BE49-F238E27FC236}">
-                <a16:creationId xmlns="" xmlns:a16="http://schemas.microsoft.com/office/drawing/2014/main" id="{103D01CA-8E71-4B89-92CF-CAD3965A63EA}"/>
+                <a16:creationId xmlns:a16="http://schemas.microsoft.com/office/drawing/2014/main" id="{103D01CA-8E71-4B89-92CF-CAD3965A63EA}"/>
               </a:ext>
             </a:extLst>
           </p:cNvPr>
@@ -14456,7 +14411,7 @@
           <p:cNvPr id="7" name="Espaço Reservado para Conteúdo 6">
             <a:extLst>
               <a:ext uri="{FF2B5EF4-FFF2-40B4-BE49-F238E27FC236}">
-                <a16:creationId xmlns="" xmlns:a16="http://schemas.microsoft.com/office/drawing/2014/main" id="{8E976631-8CDC-462F-89DD-E90A2328B00C}"/>
+                <a16:creationId xmlns:a16="http://schemas.microsoft.com/office/drawing/2014/main" id="{8E976631-8CDC-462F-89DD-E90A2328B00C}"/>
               </a:ext>
             </a:extLst>
           </p:cNvPr>
@@ -14484,63 +14439,63 @@
                 <a:gridCol w="2597274">
                   <a:extLst>
                     <a:ext uri="{9D8B030D-6E8A-4147-A177-3AD203B41FA5}">
-                      <a16:colId xmlns="" xmlns:a16="http://schemas.microsoft.com/office/drawing/2014/main" val="191229460"/>
+                      <a16:colId xmlns:a16="http://schemas.microsoft.com/office/drawing/2014/main" val="191229460"/>
                     </a:ext>
                   </a:extLst>
                 </a:gridCol>
                 <a:gridCol w="1097280">
                   <a:extLst>
                     <a:ext uri="{9D8B030D-6E8A-4147-A177-3AD203B41FA5}">
-                      <a16:colId xmlns="" xmlns:a16="http://schemas.microsoft.com/office/drawing/2014/main" val="4235767327"/>
+                      <a16:colId xmlns:a16="http://schemas.microsoft.com/office/drawing/2014/main" val="4235767327"/>
                     </a:ext>
                   </a:extLst>
                 </a:gridCol>
                 <a:gridCol w="1097280">
                   <a:extLst>
                     <a:ext uri="{9D8B030D-6E8A-4147-A177-3AD203B41FA5}">
-                      <a16:colId xmlns="" xmlns:a16="http://schemas.microsoft.com/office/drawing/2014/main" val="2775312768"/>
+                      <a16:colId xmlns:a16="http://schemas.microsoft.com/office/drawing/2014/main" val="2775312768"/>
                     </a:ext>
                   </a:extLst>
                 </a:gridCol>
                 <a:gridCol w="1097280">
                   <a:extLst>
                     <a:ext uri="{9D8B030D-6E8A-4147-A177-3AD203B41FA5}">
-                      <a16:colId xmlns="" xmlns:a16="http://schemas.microsoft.com/office/drawing/2014/main" val="1601795952"/>
+                      <a16:colId xmlns:a16="http://schemas.microsoft.com/office/drawing/2014/main" val="1601795952"/>
                     </a:ext>
                   </a:extLst>
                 </a:gridCol>
                 <a:gridCol w="1097280">
                   <a:extLst>
                     <a:ext uri="{9D8B030D-6E8A-4147-A177-3AD203B41FA5}">
-                      <a16:colId xmlns="" xmlns:a16="http://schemas.microsoft.com/office/drawing/2014/main" val="395602532"/>
+                      <a16:colId xmlns:a16="http://schemas.microsoft.com/office/drawing/2014/main" val="395602532"/>
                     </a:ext>
                   </a:extLst>
                 </a:gridCol>
                 <a:gridCol w="1097280">
                   <a:extLst>
                     <a:ext uri="{9D8B030D-6E8A-4147-A177-3AD203B41FA5}">
-                      <a16:colId xmlns="" xmlns:a16="http://schemas.microsoft.com/office/drawing/2014/main" val="3139327269"/>
+                      <a16:colId xmlns:a16="http://schemas.microsoft.com/office/drawing/2014/main" val="3139327269"/>
                     </a:ext>
                   </a:extLst>
                 </a:gridCol>
                 <a:gridCol w="1097280">
                   <a:extLst>
                     <a:ext uri="{9D8B030D-6E8A-4147-A177-3AD203B41FA5}">
-                      <a16:colId xmlns="" xmlns:a16="http://schemas.microsoft.com/office/drawing/2014/main" val="4142479305"/>
+                      <a16:colId xmlns:a16="http://schemas.microsoft.com/office/drawing/2014/main" val="4142479305"/>
                     </a:ext>
                   </a:extLst>
                 </a:gridCol>
                 <a:gridCol w="1097280">
                   <a:extLst>
                     <a:ext uri="{9D8B030D-6E8A-4147-A177-3AD203B41FA5}">
-                      <a16:colId xmlns="" xmlns:a16="http://schemas.microsoft.com/office/drawing/2014/main" val="95559826"/>
+                      <a16:colId xmlns:a16="http://schemas.microsoft.com/office/drawing/2014/main" val="95559826"/>
                     </a:ext>
                   </a:extLst>
                 </a:gridCol>
                 <a:gridCol w="1097280">
                   <a:extLst>
                     <a:ext uri="{9D8B030D-6E8A-4147-A177-3AD203B41FA5}">
-                      <a16:colId xmlns="" xmlns:a16="http://schemas.microsoft.com/office/drawing/2014/main" val="373507774"/>
+                      <a16:colId xmlns:a16="http://schemas.microsoft.com/office/drawing/2014/main" val="373507774"/>
                     </a:ext>
                   </a:extLst>
                 </a:gridCol>
@@ -15084,7 +15039,7 @@
                 </a:tc>
                 <a:extLst>
                   <a:ext uri="{0D108BD9-81ED-4DB2-BD59-A6C34878D82A}">
-                    <a16:rowId xmlns="" xmlns:a16="http://schemas.microsoft.com/office/drawing/2014/main" val="1070861653"/>
+                    <a16:rowId xmlns:a16="http://schemas.microsoft.com/office/drawing/2014/main" val="1070861653"/>
                   </a:ext>
                 </a:extLst>
               </a:tr>
@@ -15595,7 +15550,7 @@
                 </a:tc>
                 <a:extLst>
                   <a:ext uri="{0D108BD9-81ED-4DB2-BD59-A6C34878D82A}">
-                    <a16:rowId xmlns="" xmlns:a16="http://schemas.microsoft.com/office/drawing/2014/main" val="3958851293"/>
+                    <a16:rowId xmlns:a16="http://schemas.microsoft.com/office/drawing/2014/main" val="3958851293"/>
                   </a:ext>
                 </a:extLst>
               </a:tr>
@@ -16106,7 +16061,7 @@
                 </a:tc>
                 <a:extLst>
                   <a:ext uri="{0D108BD9-81ED-4DB2-BD59-A6C34878D82A}">
-                    <a16:rowId xmlns="" xmlns:a16="http://schemas.microsoft.com/office/drawing/2014/main" val="4075081376"/>
+                    <a16:rowId xmlns:a16="http://schemas.microsoft.com/office/drawing/2014/main" val="4075081376"/>
                   </a:ext>
                 </a:extLst>
               </a:tr>
@@ -16617,7 +16572,7 @@
                 </a:tc>
                 <a:extLst>
                   <a:ext uri="{0D108BD9-81ED-4DB2-BD59-A6C34878D82A}">
-                    <a16:rowId xmlns="" xmlns:a16="http://schemas.microsoft.com/office/drawing/2014/main" val="2095508437"/>
+                    <a16:rowId xmlns:a16="http://schemas.microsoft.com/office/drawing/2014/main" val="2095508437"/>
                   </a:ext>
                 </a:extLst>
               </a:tr>
@@ -17131,7 +17086,7 @@
                 </a:tc>
                 <a:extLst>
                   <a:ext uri="{0D108BD9-81ED-4DB2-BD59-A6C34878D82A}">
-                    <a16:rowId xmlns="" xmlns:a16="http://schemas.microsoft.com/office/drawing/2014/main" val="2258305970"/>
+                    <a16:rowId xmlns:a16="http://schemas.microsoft.com/office/drawing/2014/main" val="2258305970"/>
                   </a:ext>
                 </a:extLst>
               </a:tr>
@@ -17642,7 +17597,7 @@
                 </a:tc>
                 <a:extLst>
                   <a:ext uri="{0D108BD9-81ED-4DB2-BD59-A6C34878D82A}">
-                    <a16:rowId xmlns="" xmlns:a16="http://schemas.microsoft.com/office/drawing/2014/main" val="744571697"/>
+                    <a16:rowId xmlns:a16="http://schemas.microsoft.com/office/drawing/2014/main" val="744571697"/>
                   </a:ext>
                 </a:extLst>
               </a:tr>
@@ -18156,7 +18111,7 @@
                 </a:tc>
                 <a:extLst>
                   <a:ext uri="{0D108BD9-81ED-4DB2-BD59-A6C34878D82A}">
-                    <a16:rowId xmlns="" xmlns:a16="http://schemas.microsoft.com/office/drawing/2014/main" val="3083516599"/>
+                    <a16:rowId xmlns:a16="http://schemas.microsoft.com/office/drawing/2014/main" val="3083516599"/>
                   </a:ext>
                 </a:extLst>
               </a:tr>
@@ -18667,7 +18622,7 @@
                 </a:tc>
                 <a:extLst>
                   <a:ext uri="{0D108BD9-81ED-4DB2-BD59-A6C34878D82A}">
-                    <a16:rowId xmlns="" xmlns:a16="http://schemas.microsoft.com/office/drawing/2014/main" val="2480875318"/>
+                    <a16:rowId xmlns:a16="http://schemas.microsoft.com/office/drawing/2014/main" val="2480875318"/>
                   </a:ext>
                 </a:extLst>
               </a:tr>
@@ -19163,7 +19118,7 @@
                 </a:tc>
                 <a:extLst>
                   <a:ext uri="{0D108BD9-81ED-4DB2-BD59-A6C34878D82A}">
-                    <a16:rowId xmlns="" xmlns:a16="http://schemas.microsoft.com/office/drawing/2014/main" val="318003309"/>
+                    <a16:rowId xmlns:a16="http://schemas.microsoft.com/office/drawing/2014/main" val="318003309"/>
                   </a:ext>
                 </a:extLst>
               </a:tr>
@@ -19176,7 +19131,7 @@
           <p:cNvPr id="10" name="Espaço Reservado para Data 4">
             <a:extLst>
               <a:ext uri="{FF2B5EF4-FFF2-40B4-BE49-F238E27FC236}">
-                <a16:creationId xmlns="" xmlns:a16="http://schemas.microsoft.com/office/drawing/2014/main" id="{9115A0F9-2127-4119-BB62-7C6900FFA044}"/>
+                <a16:creationId xmlns:a16="http://schemas.microsoft.com/office/drawing/2014/main" id="{9115A0F9-2127-4119-BB62-7C6900FFA044}"/>
               </a:ext>
             </a:extLst>
           </p:cNvPr>
@@ -19210,7 +19165,7 @@
           <p:cNvPr id="11" name="Espaço reservado para rodapé 5">
             <a:extLst>
               <a:ext uri="{FF2B5EF4-FFF2-40B4-BE49-F238E27FC236}">
-                <a16:creationId xmlns="" xmlns:a16="http://schemas.microsoft.com/office/drawing/2014/main" id="{E3E93A11-598C-4BAA-ACBA-36240270BEB7}"/>
+                <a16:creationId xmlns:a16="http://schemas.microsoft.com/office/drawing/2014/main" id="{E3E93A11-598C-4BAA-ACBA-36240270BEB7}"/>
               </a:ext>
             </a:extLst>
           </p:cNvPr>
@@ -19290,13 +19245,6 @@
       </p:transition>
     </mc:Fallback>
   </mc:AlternateContent>
-  <p:timing>
-    <p:tnLst>
-      <p:par>
-        <p:cTn id="1" dur="indefinite" restart="never" nodeType="tmRoot"/>
-      </p:par>
-    </p:tnLst>
-  </p:timing>
 </p:sld>
 </file>
 
@@ -19470,7 +19418,7 @@
           <p:cNvPr id="7" name="Espaço Reservado para Data 4">
             <a:extLst>
               <a:ext uri="{FF2B5EF4-FFF2-40B4-BE49-F238E27FC236}">
-                <a16:creationId xmlns="" xmlns:a16="http://schemas.microsoft.com/office/drawing/2014/main" id="{5027949B-8BAD-4E75-AC2F-213BC962F9B3}"/>
+                <a16:creationId xmlns:a16="http://schemas.microsoft.com/office/drawing/2014/main" id="{5027949B-8BAD-4E75-AC2F-213BC962F9B3}"/>
               </a:ext>
             </a:extLst>
           </p:cNvPr>
@@ -19504,7 +19452,7 @@
           <p:cNvPr id="8" name="Espaço reservado para rodapé 5">
             <a:extLst>
               <a:ext uri="{FF2B5EF4-FFF2-40B4-BE49-F238E27FC236}">
-                <a16:creationId xmlns="" xmlns:a16="http://schemas.microsoft.com/office/drawing/2014/main" id="{812E6C33-6473-43E3-8DE1-9D33AB15D861}"/>
+                <a16:creationId xmlns:a16="http://schemas.microsoft.com/office/drawing/2014/main" id="{812E6C33-6473-43E3-8DE1-9D33AB15D861}"/>
               </a:ext>
             </a:extLst>
           </p:cNvPr>
@@ -19555,13 +19503,6 @@
       </p:transition>
     </mc:Fallback>
   </mc:AlternateContent>
-  <p:timing>
-    <p:tnLst>
-      <p:par>
-        <p:cTn id="1" dur="indefinite" restart="never" nodeType="tmRoot"/>
-      </p:par>
-    </p:tnLst>
-  </p:timing>
 </p:sld>
 </file>
 
@@ -19697,7 +19638,7 @@
           <p:cNvPr id="7" name="Espaço Reservado para Data 4">
             <a:extLst>
               <a:ext uri="{FF2B5EF4-FFF2-40B4-BE49-F238E27FC236}">
-                <a16:creationId xmlns="" xmlns:a16="http://schemas.microsoft.com/office/drawing/2014/main" id="{5027949B-8BAD-4E75-AC2F-213BC962F9B3}"/>
+                <a16:creationId xmlns:a16="http://schemas.microsoft.com/office/drawing/2014/main" id="{5027949B-8BAD-4E75-AC2F-213BC962F9B3}"/>
               </a:ext>
             </a:extLst>
           </p:cNvPr>
@@ -19731,7 +19672,7 @@
           <p:cNvPr id="8" name="Espaço reservado para rodapé 5">
             <a:extLst>
               <a:ext uri="{FF2B5EF4-FFF2-40B4-BE49-F238E27FC236}">
-                <a16:creationId xmlns="" xmlns:a16="http://schemas.microsoft.com/office/drawing/2014/main" id="{812E6C33-6473-43E3-8DE1-9D33AB15D861}"/>
+                <a16:creationId xmlns:a16="http://schemas.microsoft.com/office/drawing/2014/main" id="{812E6C33-6473-43E3-8DE1-9D33AB15D861}"/>
               </a:ext>
             </a:extLst>
           </p:cNvPr>
@@ -19782,13 +19723,6 @@
       </p:transition>
     </mc:Fallback>
   </mc:AlternateContent>
-  <p:timing>
-    <p:tnLst>
-      <p:par>
-        <p:cTn id="1" dur="indefinite" restart="never" nodeType="tmRoot"/>
-      </p:par>
-    </p:tnLst>
-  </p:timing>
 </p:sld>
 </file>
 
@@ -19837,7 +19771,7 @@
           <p:cNvPr id="7" name="Espaço Reservado para Data 4">
             <a:extLst>
               <a:ext uri="{FF2B5EF4-FFF2-40B4-BE49-F238E27FC236}">
-                <a16:creationId xmlns="" xmlns:a16="http://schemas.microsoft.com/office/drawing/2014/main" id="{5027949B-8BAD-4E75-AC2F-213BC962F9B3}"/>
+                <a16:creationId xmlns:a16="http://schemas.microsoft.com/office/drawing/2014/main" id="{5027949B-8BAD-4E75-AC2F-213BC962F9B3}"/>
               </a:ext>
             </a:extLst>
           </p:cNvPr>
@@ -19871,7 +19805,7 @@
           <p:cNvPr id="8" name="Espaço reservado para rodapé 5">
             <a:extLst>
               <a:ext uri="{FF2B5EF4-FFF2-40B4-BE49-F238E27FC236}">
-                <a16:creationId xmlns="" xmlns:a16="http://schemas.microsoft.com/office/drawing/2014/main" id="{812E6C33-6473-43E3-8DE1-9D33AB15D861}"/>
+                <a16:creationId xmlns:a16="http://schemas.microsoft.com/office/drawing/2014/main" id="{812E6C33-6473-43E3-8DE1-9D33AB15D861}"/>
               </a:ext>
             </a:extLst>
           </p:cNvPr>
@@ -19905,7 +19839,7 @@
           <p:cNvPr id="5" name="Imagem 4">
             <a:extLst>
               <a:ext uri="{FF2B5EF4-FFF2-40B4-BE49-F238E27FC236}">
-                <a16:creationId xmlns="" xmlns:a16="http://schemas.microsoft.com/office/drawing/2014/main" id="{6D7A36B0-D3C7-47AB-B913-8F09DDACDD89}"/>
+                <a16:creationId xmlns:a16="http://schemas.microsoft.com/office/drawing/2014/main" id="{6D7A36B0-D3C7-47AB-B913-8F09DDACDD89}"/>
               </a:ext>
             </a:extLst>
           </p:cNvPr>
@@ -19941,7 +19875,7 @@
           <p:cNvPr id="9" name="Imagem 8">
             <a:extLst>
               <a:ext uri="{FF2B5EF4-FFF2-40B4-BE49-F238E27FC236}">
-                <a16:creationId xmlns="" xmlns:a16="http://schemas.microsoft.com/office/drawing/2014/main" id="{BA721030-9050-407D-BE57-E1342DB51CE0}"/>
+                <a16:creationId xmlns:a16="http://schemas.microsoft.com/office/drawing/2014/main" id="{BA721030-9050-407D-BE57-E1342DB51CE0}"/>
               </a:ext>
             </a:extLst>
           </p:cNvPr>
@@ -19977,7 +19911,7 @@
           <p:cNvPr id="10" name="CaixaDeTexto 9">
             <a:extLst>
               <a:ext uri="{FF2B5EF4-FFF2-40B4-BE49-F238E27FC236}">
-                <a16:creationId xmlns="" xmlns:a16="http://schemas.microsoft.com/office/drawing/2014/main" id="{231CBFE9-1E26-4813-836B-A182012C11FE}"/>
+                <a16:creationId xmlns:a16="http://schemas.microsoft.com/office/drawing/2014/main" id="{231CBFE9-1E26-4813-836B-A182012C11FE}"/>
               </a:ext>
             </a:extLst>
           </p:cNvPr>
@@ -20029,13 +19963,6 @@
       </p:transition>
     </mc:Fallback>
   </mc:AlternateContent>
-  <p:timing>
-    <p:tnLst>
-      <p:par>
-        <p:cTn id="1" dur="indefinite" restart="never" nodeType="tmRoot"/>
-      </p:par>
-    </p:tnLst>
-  </p:timing>
 </p:sld>
 </file>
 
@@ -20089,7 +20016,7 @@
           <p:cNvPr id="7" name="Espaço Reservado para Data 4">
             <a:extLst>
               <a:ext uri="{FF2B5EF4-FFF2-40B4-BE49-F238E27FC236}">
-                <a16:creationId xmlns="" xmlns:a16="http://schemas.microsoft.com/office/drawing/2014/main" id="{5027949B-8BAD-4E75-AC2F-213BC962F9B3}"/>
+                <a16:creationId xmlns:a16="http://schemas.microsoft.com/office/drawing/2014/main" id="{5027949B-8BAD-4E75-AC2F-213BC962F9B3}"/>
               </a:ext>
             </a:extLst>
           </p:cNvPr>
@@ -20123,7 +20050,7 @@
           <p:cNvPr id="8" name="Espaço reservado para rodapé 5">
             <a:extLst>
               <a:ext uri="{FF2B5EF4-FFF2-40B4-BE49-F238E27FC236}">
-                <a16:creationId xmlns="" xmlns:a16="http://schemas.microsoft.com/office/drawing/2014/main" id="{812E6C33-6473-43E3-8DE1-9D33AB15D861}"/>
+                <a16:creationId xmlns:a16="http://schemas.microsoft.com/office/drawing/2014/main" id="{812E6C33-6473-43E3-8DE1-9D33AB15D861}"/>
               </a:ext>
             </a:extLst>
           </p:cNvPr>
@@ -20157,7 +20084,7 @@
           <p:cNvPr id="5" name="Imagem 4">
             <a:extLst>
               <a:ext uri="{FF2B5EF4-FFF2-40B4-BE49-F238E27FC236}">
-                <a16:creationId xmlns="" xmlns:a16="http://schemas.microsoft.com/office/drawing/2014/main" id="{6D7A36B0-D3C7-47AB-B913-8F09DDACDD89}"/>
+                <a16:creationId xmlns:a16="http://schemas.microsoft.com/office/drawing/2014/main" id="{6D7A36B0-D3C7-47AB-B913-8F09DDACDD89}"/>
               </a:ext>
             </a:extLst>
           </p:cNvPr>
@@ -20193,7 +20120,7 @@
           <p:cNvPr id="9" name="Imagem 8">
             <a:extLst>
               <a:ext uri="{FF2B5EF4-FFF2-40B4-BE49-F238E27FC236}">
-                <a16:creationId xmlns="" xmlns:a16="http://schemas.microsoft.com/office/drawing/2014/main" id="{BA721030-9050-407D-BE57-E1342DB51CE0}"/>
+                <a16:creationId xmlns:a16="http://schemas.microsoft.com/office/drawing/2014/main" id="{BA721030-9050-407D-BE57-E1342DB51CE0}"/>
               </a:ext>
             </a:extLst>
           </p:cNvPr>
@@ -20229,7 +20156,7 @@
           <p:cNvPr id="4" name="Imagem 3">
             <a:extLst>
               <a:ext uri="{FF2B5EF4-FFF2-40B4-BE49-F238E27FC236}">
-                <a16:creationId xmlns="" xmlns:a16="http://schemas.microsoft.com/office/drawing/2014/main" id="{E99AA9E7-B5D0-429A-B671-3EA84C9E3C76}"/>
+                <a16:creationId xmlns:a16="http://schemas.microsoft.com/office/drawing/2014/main" id="{E99AA9E7-B5D0-429A-B671-3EA84C9E3C76}"/>
               </a:ext>
             </a:extLst>
           </p:cNvPr>
@@ -20265,7 +20192,7 @@
           <p:cNvPr id="6" name="Seta: da Esquerda para a Direita 5">
             <a:extLst>
               <a:ext uri="{FF2B5EF4-FFF2-40B4-BE49-F238E27FC236}">
-                <a16:creationId xmlns="" xmlns:a16="http://schemas.microsoft.com/office/drawing/2014/main" id="{EC10CD27-9B67-43E3-ADC4-6D1FC3314889}"/>
+                <a16:creationId xmlns:a16="http://schemas.microsoft.com/office/drawing/2014/main" id="{EC10CD27-9B67-43E3-ADC4-6D1FC3314889}"/>
               </a:ext>
             </a:extLst>
           </p:cNvPr>
@@ -20314,7 +20241,7 @@
           <p:cNvPr id="11" name="CaixaDeTexto 10">
             <a:extLst>
               <a:ext uri="{FF2B5EF4-FFF2-40B4-BE49-F238E27FC236}">
-                <a16:creationId xmlns="" xmlns:a16="http://schemas.microsoft.com/office/drawing/2014/main" id="{DCDBC631-5406-4CC3-9D5F-1AB592C94074}"/>
+                <a16:creationId xmlns:a16="http://schemas.microsoft.com/office/drawing/2014/main" id="{DCDBC631-5406-4CC3-9D5F-1AB592C94074}"/>
               </a:ext>
             </a:extLst>
           </p:cNvPr>
@@ -20415,7 +20342,7 @@
           <p:cNvPr id="12" name="CaixaDeTexto 11">
             <a:extLst>
               <a:ext uri="{FF2B5EF4-FFF2-40B4-BE49-F238E27FC236}">
-                <a16:creationId xmlns="" xmlns:a16="http://schemas.microsoft.com/office/drawing/2014/main" id="{7B0F3F2F-AA97-4EA7-926C-140727412082}"/>
+                <a16:creationId xmlns:a16="http://schemas.microsoft.com/office/drawing/2014/main" id="{7B0F3F2F-AA97-4EA7-926C-140727412082}"/>
               </a:ext>
             </a:extLst>
           </p:cNvPr>
@@ -20472,7 +20399,7 @@
           <p:cNvPr id="13" name="CaixaDeTexto 12">
             <a:extLst>
               <a:ext uri="{FF2B5EF4-FFF2-40B4-BE49-F238E27FC236}">
-                <a16:creationId xmlns="" xmlns:a16="http://schemas.microsoft.com/office/drawing/2014/main" id="{330939B9-CDE1-4913-B196-D70167E38018}"/>
+                <a16:creationId xmlns:a16="http://schemas.microsoft.com/office/drawing/2014/main" id="{330939B9-CDE1-4913-B196-D70167E38018}"/>
               </a:ext>
             </a:extLst>
           </p:cNvPr>
@@ -20529,7 +20456,7 @@
           <p:cNvPr id="14" name="Retângulo 13">
             <a:extLst>
               <a:ext uri="{FF2B5EF4-FFF2-40B4-BE49-F238E27FC236}">
-                <a16:creationId xmlns="" xmlns:a16="http://schemas.microsoft.com/office/drawing/2014/main" id="{1A57EC71-475C-42C2-A35B-CCCE55C3396C}"/>
+                <a16:creationId xmlns:a16="http://schemas.microsoft.com/office/drawing/2014/main" id="{1A57EC71-475C-42C2-A35B-CCCE55C3396C}"/>
               </a:ext>
             </a:extLst>
           </p:cNvPr>
@@ -20585,7 +20512,7 @@
           <p:cNvPr id="15" name="Retângulo 14">
             <a:extLst>
               <a:ext uri="{FF2B5EF4-FFF2-40B4-BE49-F238E27FC236}">
-                <a16:creationId xmlns="" xmlns:a16="http://schemas.microsoft.com/office/drawing/2014/main" id="{F7B64608-EAED-47D2-AC01-15021BD10DA8}"/>
+                <a16:creationId xmlns:a16="http://schemas.microsoft.com/office/drawing/2014/main" id="{F7B64608-EAED-47D2-AC01-15021BD10DA8}"/>
               </a:ext>
             </a:extLst>
           </p:cNvPr>
@@ -20637,7 +20564,7 @@
           <p:cNvPr id="16" name="Retângulo 15">
             <a:extLst>
               <a:ext uri="{FF2B5EF4-FFF2-40B4-BE49-F238E27FC236}">
-                <a16:creationId xmlns="" xmlns:a16="http://schemas.microsoft.com/office/drawing/2014/main" id="{A7D2CE41-AD51-4E1C-B566-8DF05B6F76BB}"/>
+                <a16:creationId xmlns:a16="http://schemas.microsoft.com/office/drawing/2014/main" id="{A7D2CE41-AD51-4E1C-B566-8DF05B6F76BB}"/>
               </a:ext>
             </a:extLst>
           </p:cNvPr>
@@ -20695,7 +20622,7 @@
           <p:cNvPr id="17" name="Retângulo 16">
             <a:extLst>
               <a:ext uri="{FF2B5EF4-FFF2-40B4-BE49-F238E27FC236}">
-                <a16:creationId xmlns="" xmlns:a16="http://schemas.microsoft.com/office/drawing/2014/main" id="{FDC74E52-46D5-4D01-BF0E-C1090B62B076}"/>
+                <a16:creationId xmlns:a16="http://schemas.microsoft.com/office/drawing/2014/main" id="{FDC74E52-46D5-4D01-BF0E-C1090B62B076}"/>
               </a:ext>
             </a:extLst>
           </p:cNvPr>
@@ -20753,7 +20680,7 @@
           <p:cNvPr id="18" name="Retângulo 17">
             <a:extLst>
               <a:ext uri="{FF2B5EF4-FFF2-40B4-BE49-F238E27FC236}">
-                <a16:creationId xmlns="" xmlns:a16="http://schemas.microsoft.com/office/drawing/2014/main" id="{C5E83839-80A6-4849-B84E-AD8CE7D9BB5B}"/>
+                <a16:creationId xmlns:a16="http://schemas.microsoft.com/office/drawing/2014/main" id="{C5E83839-80A6-4849-B84E-AD8CE7D9BB5B}"/>
               </a:ext>
             </a:extLst>
           </p:cNvPr>
@@ -20811,7 +20738,7 @@
           <p:cNvPr id="22" name="CaixaDeTexto 21">
             <a:extLst>
               <a:ext uri="{FF2B5EF4-FFF2-40B4-BE49-F238E27FC236}">
-                <a16:creationId xmlns="" xmlns:a16="http://schemas.microsoft.com/office/drawing/2014/main" id="{F6C700BD-5448-4F5B-84AB-73C5FBC3231D}"/>
+                <a16:creationId xmlns:a16="http://schemas.microsoft.com/office/drawing/2014/main" id="{F6C700BD-5448-4F5B-84AB-73C5FBC3231D}"/>
               </a:ext>
             </a:extLst>
           </p:cNvPr>
@@ -20888,7 +20815,7 @@
           <p:cNvPr id="23" name="Retângulo 22">
             <a:extLst>
               <a:ext uri="{FF2B5EF4-FFF2-40B4-BE49-F238E27FC236}">
-                <a16:creationId xmlns="" xmlns:a16="http://schemas.microsoft.com/office/drawing/2014/main" id="{BFD07A00-61DE-4F50-81F5-D636BCEFBCD6}"/>
+                <a16:creationId xmlns:a16="http://schemas.microsoft.com/office/drawing/2014/main" id="{BFD07A00-61DE-4F50-81F5-D636BCEFBCD6}"/>
               </a:ext>
             </a:extLst>
           </p:cNvPr>
@@ -20946,7 +20873,7 @@
           <p:cNvPr id="24" name="Retângulo 23">
             <a:extLst>
               <a:ext uri="{FF2B5EF4-FFF2-40B4-BE49-F238E27FC236}">
-                <a16:creationId xmlns="" xmlns:a16="http://schemas.microsoft.com/office/drawing/2014/main" id="{4CEDA3B7-1AA1-4DC0-A00E-ADB917EEB80A}"/>
+                <a16:creationId xmlns:a16="http://schemas.microsoft.com/office/drawing/2014/main" id="{4CEDA3B7-1AA1-4DC0-A00E-ADB917EEB80A}"/>
               </a:ext>
             </a:extLst>
           </p:cNvPr>
@@ -20998,7 +20925,7 @@
           <p:cNvPr id="25" name="CaixaDeTexto 24">
             <a:extLst>
               <a:ext uri="{FF2B5EF4-FFF2-40B4-BE49-F238E27FC236}">
-                <a16:creationId xmlns="" xmlns:a16="http://schemas.microsoft.com/office/drawing/2014/main" id="{599E0BBF-3073-43DD-A59D-8F82EA46AD72}"/>
+                <a16:creationId xmlns:a16="http://schemas.microsoft.com/office/drawing/2014/main" id="{599E0BBF-3073-43DD-A59D-8F82EA46AD72}"/>
               </a:ext>
             </a:extLst>
           </p:cNvPr>
@@ -21055,7 +20982,7 @@
           <p:cNvPr id="26" name="CaixaDeTexto 25">
             <a:extLst>
               <a:ext uri="{FF2B5EF4-FFF2-40B4-BE49-F238E27FC236}">
-                <a16:creationId xmlns="" xmlns:a16="http://schemas.microsoft.com/office/drawing/2014/main" id="{AAD120F8-D8FE-4DF3-9373-63081E5EF414}"/>
+                <a16:creationId xmlns:a16="http://schemas.microsoft.com/office/drawing/2014/main" id="{AAD120F8-D8FE-4DF3-9373-63081E5EF414}"/>
               </a:ext>
             </a:extLst>
           </p:cNvPr>
@@ -21111,7 +21038,7 @@
           <p:cNvPr id="27" name="CaixaDeTexto 26">
             <a:extLst>
               <a:ext uri="{FF2B5EF4-FFF2-40B4-BE49-F238E27FC236}">
-                <a16:creationId xmlns="" xmlns:a16="http://schemas.microsoft.com/office/drawing/2014/main" id="{CAF7D14F-EA83-45EA-B43E-D3CF96D19901}"/>
+                <a16:creationId xmlns:a16="http://schemas.microsoft.com/office/drawing/2014/main" id="{CAF7D14F-EA83-45EA-B43E-D3CF96D19901}"/>
               </a:ext>
             </a:extLst>
           </p:cNvPr>
@@ -21168,7 +21095,7 @@
           <p:cNvPr id="28" name="CaixaDeTexto 27">
             <a:extLst>
               <a:ext uri="{FF2B5EF4-FFF2-40B4-BE49-F238E27FC236}">
-                <a16:creationId xmlns="" xmlns:a16="http://schemas.microsoft.com/office/drawing/2014/main" id="{11ADA97D-7419-4893-825C-B72991FB0704}"/>
+                <a16:creationId xmlns:a16="http://schemas.microsoft.com/office/drawing/2014/main" id="{11ADA97D-7419-4893-825C-B72991FB0704}"/>
               </a:ext>
             </a:extLst>
           </p:cNvPr>
@@ -21259,13 +21186,6 @@
       </p:transition>
     </mc:Fallback>
   </mc:AlternateContent>
-  <p:timing>
-    <p:tnLst>
-      <p:par>
-        <p:cTn id="1" dur="indefinite" restart="never" nodeType="tmRoot"/>
-      </p:par>
-    </p:tnLst>
-  </p:timing>
 </p:sld>
 </file>
 
@@ -21291,7 +21211,7 @@
           <p:cNvPr id="19" name="Nuvem 18">
             <a:extLst>
               <a:ext uri="{FF2B5EF4-FFF2-40B4-BE49-F238E27FC236}">
-                <a16:creationId xmlns="" xmlns:a16="http://schemas.microsoft.com/office/drawing/2014/main" id="{0619F3B1-ADD2-470C-A94A-CBF2D44EC011}"/>
+                <a16:creationId xmlns:a16="http://schemas.microsoft.com/office/drawing/2014/main" id="{0619F3B1-ADD2-470C-A94A-CBF2D44EC011}"/>
               </a:ext>
             </a:extLst>
           </p:cNvPr>
@@ -21373,7 +21293,7 @@
           <p:cNvPr id="7" name="Espaço Reservado para Data 4">
             <a:extLst>
               <a:ext uri="{FF2B5EF4-FFF2-40B4-BE49-F238E27FC236}">
-                <a16:creationId xmlns="" xmlns:a16="http://schemas.microsoft.com/office/drawing/2014/main" id="{5027949B-8BAD-4E75-AC2F-213BC962F9B3}"/>
+                <a16:creationId xmlns:a16="http://schemas.microsoft.com/office/drawing/2014/main" id="{5027949B-8BAD-4E75-AC2F-213BC962F9B3}"/>
               </a:ext>
             </a:extLst>
           </p:cNvPr>
@@ -21407,7 +21327,7 @@
           <p:cNvPr id="8" name="Espaço reservado para rodapé 5">
             <a:extLst>
               <a:ext uri="{FF2B5EF4-FFF2-40B4-BE49-F238E27FC236}">
-                <a16:creationId xmlns="" xmlns:a16="http://schemas.microsoft.com/office/drawing/2014/main" id="{812E6C33-6473-43E3-8DE1-9D33AB15D861}"/>
+                <a16:creationId xmlns:a16="http://schemas.microsoft.com/office/drawing/2014/main" id="{812E6C33-6473-43E3-8DE1-9D33AB15D861}"/>
               </a:ext>
             </a:extLst>
           </p:cNvPr>
@@ -21441,7 +21361,7 @@
           <p:cNvPr id="5" name="Imagem 4">
             <a:extLst>
               <a:ext uri="{FF2B5EF4-FFF2-40B4-BE49-F238E27FC236}">
-                <a16:creationId xmlns="" xmlns:a16="http://schemas.microsoft.com/office/drawing/2014/main" id="{6D7A36B0-D3C7-47AB-B913-8F09DDACDD89}"/>
+                <a16:creationId xmlns:a16="http://schemas.microsoft.com/office/drawing/2014/main" id="{6D7A36B0-D3C7-47AB-B913-8F09DDACDD89}"/>
               </a:ext>
             </a:extLst>
           </p:cNvPr>
@@ -21477,7 +21397,7 @@
           <p:cNvPr id="9" name="Imagem 8">
             <a:extLst>
               <a:ext uri="{FF2B5EF4-FFF2-40B4-BE49-F238E27FC236}">
-                <a16:creationId xmlns="" xmlns:a16="http://schemas.microsoft.com/office/drawing/2014/main" id="{BA721030-9050-407D-BE57-E1342DB51CE0}"/>
+                <a16:creationId xmlns:a16="http://schemas.microsoft.com/office/drawing/2014/main" id="{BA721030-9050-407D-BE57-E1342DB51CE0}"/>
               </a:ext>
             </a:extLst>
           </p:cNvPr>
@@ -21513,7 +21433,7 @@
           <p:cNvPr id="17" name="Retângulo 16">
             <a:extLst>
               <a:ext uri="{FF2B5EF4-FFF2-40B4-BE49-F238E27FC236}">
-                <a16:creationId xmlns="" xmlns:a16="http://schemas.microsoft.com/office/drawing/2014/main" id="{FDC74E52-46D5-4D01-BF0E-C1090B62B076}"/>
+                <a16:creationId xmlns:a16="http://schemas.microsoft.com/office/drawing/2014/main" id="{FDC74E52-46D5-4D01-BF0E-C1090B62B076}"/>
               </a:ext>
             </a:extLst>
           </p:cNvPr>
@@ -21571,7 +21491,7 @@
           <p:cNvPr id="18" name="Retângulo 17">
             <a:extLst>
               <a:ext uri="{FF2B5EF4-FFF2-40B4-BE49-F238E27FC236}">
-                <a16:creationId xmlns="" xmlns:a16="http://schemas.microsoft.com/office/drawing/2014/main" id="{C5E83839-80A6-4849-B84E-AD8CE7D9BB5B}"/>
+                <a16:creationId xmlns:a16="http://schemas.microsoft.com/office/drawing/2014/main" id="{C5E83839-80A6-4849-B84E-AD8CE7D9BB5B}"/>
               </a:ext>
             </a:extLst>
           </p:cNvPr>
@@ -21629,7 +21549,7 @@
           <p:cNvPr id="23" name="Retângulo 22">
             <a:extLst>
               <a:ext uri="{FF2B5EF4-FFF2-40B4-BE49-F238E27FC236}">
-                <a16:creationId xmlns="" xmlns:a16="http://schemas.microsoft.com/office/drawing/2014/main" id="{BFD07A00-61DE-4F50-81F5-D636BCEFBCD6}"/>
+                <a16:creationId xmlns:a16="http://schemas.microsoft.com/office/drawing/2014/main" id="{BFD07A00-61DE-4F50-81F5-D636BCEFBCD6}"/>
               </a:ext>
             </a:extLst>
           </p:cNvPr>
@@ -21687,7 +21607,7 @@
           <p:cNvPr id="3" name="Seta: para a Direita 2">
             <a:extLst>
               <a:ext uri="{FF2B5EF4-FFF2-40B4-BE49-F238E27FC236}">
-                <a16:creationId xmlns="" xmlns:a16="http://schemas.microsoft.com/office/drawing/2014/main" id="{785AF93A-BED1-4FA9-AFA0-BBF43806201A}"/>
+                <a16:creationId xmlns:a16="http://schemas.microsoft.com/office/drawing/2014/main" id="{785AF93A-BED1-4FA9-AFA0-BBF43806201A}"/>
               </a:ext>
             </a:extLst>
           </p:cNvPr>
@@ -21734,7 +21654,7 @@
           <p:cNvPr id="10" name="CaixaDeTexto 9">
             <a:extLst>
               <a:ext uri="{FF2B5EF4-FFF2-40B4-BE49-F238E27FC236}">
-                <a16:creationId xmlns="" xmlns:a16="http://schemas.microsoft.com/office/drawing/2014/main" id="{235CF823-66A8-45A4-B5A4-D5D56D83B37F}"/>
+                <a16:creationId xmlns:a16="http://schemas.microsoft.com/office/drawing/2014/main" id="{235CF823-66A8-45A4-B5A4-D5D56D83B37F}"/>
               </a:ext>
             </a:extLst>
           </p:cNvPr>
@@ -21787,13 +21707,6 @@
       </p:transition>
     </mc:Fallback>
   </mc:AlternateContent>
-  <p:timing>
-    <p:tnLst>
-      <p:par>
-        <p:cTn id="1" dur="indefinite" restart="never" nodeType="tmRoot"/>
-      </p:par>
-    </p:tnLst>
-  </p:timing>
 </p:sld>
 </file>
 
@@ -21819,7 +21732,7 @@
           <p:cNvPr id="3074" name="Picture 2" descr="Imagem relacionada">
             <a:extLst>
               <a:ext uri="{FF2B5EF4-FFF2-40B4-BE49-F238E27FC236}">
-                <a16:creationId xmlns="" xmlns:a16="http://schemas.microsoft.com/office/drawing/2014/main" id="{47DA235D-671A-4E33-94F8-9BEE73A80CCA}"/>
+                <a16:creationId xmlns:a16="http://schemas.microsoft.com/office/drawing/2014/main" id="{47DA235D-671A-4E33-94F8-9BEE73A80CCA}"/>
               </a:ext>
             </a:extLst>
           </p:cNvPr>
@@ -21864,7 +21777,7 @@
           <p:cNvPr id="8" name="Título 1">
             <a:extLst>
               <a:ext uri="{FF2B5EF4-FFF2-40B4-BE49-F238E27FC236}">
-                <a16:creationId xmlns="" xmlns:a16="http://schemas.microsoft.com/office/drawing/2014/main" id="{00959F68-754E-4CEF-9184-723DD7981F88}"/>
+                <a16:creationId xmlns:a16="http://schemas.microsoft.com/office/drawing/2014/main" id="{00959F68-754E-4CEF-9184-723DD7981F88}"/>
               </a:ext>
             </a:extLst>
           </p:cNvPr>
@@ -21898,7 +21811,7 @@
           <p:cNvPr id="3076" name="Picture 4" descr="Resultado de imagem para kestrel nginx">
             <a:extLst>
               <a:ext uri="{FF2B5EF4-FFF2-40B4-BE49-F238E27FC236}">
-                <a16:creationId xmlns="" xmlns:a16="http://schemas.microsoft.com/office/drawing/2014/main" id="{DCD36044-EFA3-431D-96E9-685677FD62C7}"/>
+                <a16:creationId xmlns:a16="http://schemas.microsoft.com/office/drawing/2014/main" id="{DCD36044-EFA3-431D-96E9-685677FD62C7}"/>
               </a:ext>
             </a:extLst>
           </p:cNvPr>
@@ -21945,7 +21858,7 @@
           <p:cNvPr id="5" name="Espaço Reservado para Data 4">
             <a:extLst>
               <a:ext uri="{FF2B5EF4-FFF2-40B4-BE49-F238E27FC236}">
-                <a16:creationId xmlns="" xmlns:a16="http://schemas.microsoft.com/office/drawing/2014/main" id="{4735D08F-89B6-46D8-AD4A-2FD9AB5907BF}"/>
+                <a16:creationId xmlns:a16="http://schemas.microsoft.com/office/drawing/2014/main" id="{4735D08F-89B6-46D8-AD4A-2FD9AB5907BF}"/>
               </a:ext>
             </a:extLst>
           </p:cNvPr>
@@ -21979,7 +21892,7 @@
           <p:cNvPr id="6" name="Espaço reservado para rodapé 5">
             <a:extLst>
               <a:ext uri="{FF2B5EF4-FFF2-40B4-BE49-F238E27FC236}">
-                <a16:creationId xmlns="" xmlns:a16="http://schemas.microsoft.com/office/drawing/2014/main" id="{50236FB9-480B-4663-8B50-90ED625E40F4}"/>
+                <a16:creationId xmlns:a16="http://schemas.microsoft.com/office/drawing/2014/main" id="{50236FB9-480B-4663-8B50-90ED625E40F4}"/>
               </a:ext>
             </a:extLst>
           </p:cNvPr>
@@ -22076,13 +21989,6 @@
   <p:clrMapOvr>
     <a:masterClrMapping/>
   </p:clrMapOvr>
-  <p:timing>
-    <p:tnLst>
-      <p:par>
-        <p:cTn id="1" dur="indefinite" restart="never" nodeType="tmRoot"/>
-      </p:par>
-    </p:tnLst>
-  </p:timing>
 </p:sld>
 </file>
 
@@ -22108,7 +22014,7 @@
           <p:cNvPr id="1026" name="Picture 2" descr="http://espacojacyra.com.br/wp-content/uploads/2017/05/Untitled-1.png">
             <a:extLst>
               <a:ext uri="{FF2B5EF4-FFF2-40B4-BE49-F238E27FC236}">
-                <a16:creationId xmlns="" xmlns:a16="http://schemas.microsoft.com/office/drawing/2014/main" id="{1661535E-7222-49EB-B25D-5AE64E2AA955}"/>
+                <a16:creationId xmlns:a16="http://schemas.microsoft.com/office/drawing/2014/main" id="{1661535E-7222-49EB-B25D-5AE64E2AA955}"/>
               </a:ext>
             </a:extLst>
           </p:cNvPr>
@@ -22155,7 +22061,7 @@
           <p:cNvPr id="4" name="Retângulo 3">
             <a:extLst>
               <a:ext uri="{FF2B5EF4-FFF2-40B4-BE49-F238E27FC236}">
-                <a16:creationId xmlns="" xmlns:a16="http://schemas.microsoft.com/office/drawing/2014/main" id="{573691C4-264D-45FB-A726-9C37056D8188}"/>
+                <a16:creationId xmlns:a16="http://schemas.microsoft.com/office/drawing/2014/main" id="{573691C4-264D-45FB-A726-9C37056D8188}"/>
               </a:ext>
             </a:extLst>
           </p:cNvPr>
@@ -22207,7 +22113,7 @@
           <p:cNvPr id="9" name="Retângulo 8">
             <a:extLst>
               <a:ext uri="{FF2B5EF4-FFF2-40B4-BE49-F238E27FC236}">
-                <a16:creationId xmlns="" xmlns:a16="http://schemas.microsoft.com/office/drawing/2014/main" id="{589AEE5D-31EF-42A2-BD9F-A53F7E0CFF72}"/>
+                <a16:creationId xmlns:a16="http://schemas.microsoft.com/office/drawing/2014/main" id="{589AEE5D-31EF-42A2-BD9F-A53F7E0CFF72}"/>
               </a:ext>
             </a:extLst>
           </p:cNvPr>
@@ -22259,7 +22165,7 @@
           <p:cNvPr id="5" name="CaixaDeTexto 4">
             <a:extLst>
               <a:ext uri="{FF2B5EF4-FFF2-40B4-BE49-F238E27FC236}">
-                <a16:creationId xmlns="" xmlns:a16="http://schemas.microsoft.com/office/drawing/2014/main" id="{1BE11E3C-E998-41F9-BA56-C4BD8003732F}"/>
+                <a16:creationId xmlns:a16="http://schemas.microsoft.com/office/drawing/2014/main" id="{1BE11E3C-E998-41F9-BA56-C4BD8003732F}"/>
               </a:ext>
             </a:extLst>
           </p:cNvPr>
@@ -22298,7 +22204,7 @@
           <p:cNvPr id="13" name="Espaço Reservado para Data 4">
             <a:extLst>
               <a:ext uri="{FF2B5EF4-FFF2-40B4-BE49-F238E27FC236}">
-                <a16:creationId xmlns="" xmlns:a16="http://schemas.microsoft.com/office/drawing/2014/main" id="{4DA7F7DF-79FC-4782-8BBB-8E272F0DFB83}"/>
+                <a16:creationId xmlns:a16="http://schemas.microsoft.com/office/drawing/2014/main" id="{4DA7F7DF-79FC-4782-8BBB-8E272F0DFB83}"/>
               </a:ext>
             </a:extLst>
           </p:cNvPr>
@@ -22332,7 +22238,7 @@
           <p:cNvPr id="14" name="Espaço reservado para rodapé 5">
             <a:extLst>
               <a:ext uri="{FF2B5EF4-FFF2-40B4-BE49-F238E27FC236}">
-                <a16:creationId xmlns="" xmlns:a16="http://schemas.microsoft.com/office/drawing/2014/main" id="{021DA041-32B5-43DD-B16D-F849B179196D}"/>
+                <a16:creationId xmlns:a16="http://schemas.microsoft.com/office/drawing/2014/main" id="{021DA041-32B5-43DD-B16D-F849B179196D}"/>
               </a:ext>
             </a:extLst>
           </p:cNvPr>
@@ -22400,13 +22306,6 @@
   <p:clrMapOvr>
     <a:masterClrMapping/>
   </p:clrMapOvr>
-  <p:timing>
-    <p:tnLst>
-      <p:par>
-        <p:cTn id="1" dur="indefinite" restart="never" nodeType="tmRoot"/>
-      </p:par>
-    </p:tnLst>
-  </p:timing>
 </p:sld>
 </file>
 
@@ -22432,7 +22331,7 @@
           <p:cNvPr id="8" name="Título 1">
             <a:extLst>
               <a:ext uri="{FF2B5EF4-FFF2-40B4-BE49-F238E27FC236}">
-                <a16:creationId xmlns="" xmlns:a16="http://schemas.microsoft.com/office/drawing/2014/main" id="{00959F68-754E-4CEF-9184-723DD7981F88}"/>
+                <a16:creationId xmlns:a16="http://schemas.microsoft.com/office/drawing/2014/main" id="{00959F68-754E-4CEF-9184-723DD7981F88}"/>
               </a:ext>
             </a:extLst>
           </p:cNvPr>
@@ -22455,7 +22354,7 @@
           <a:p>
             <a:pPr rtl="0"/>
             <a:r>
-              <a:rPr lang="pt-BR" dirty="0" err="1" smtClean="0"/>
+              <a:rPr lang="pt-BR" dirty="0" err="1"/>
               <a:t>Docker</a:t>
             </a:r>
             <a:endParaRPr lang="pt-BR" dirty="0"/>
@@ -22467,7 +22366,7 @@
           <p:cNvPr id="5" name="Espaço Reservado para Data 4">
             <a:extLst>
               <a:ext uri="{FF2B5EF4-FFF2-40B4-BE49-F238E27FC236}">
-                <a16:creationId xmlns="" xmlns:a16="http://schemas.microsoft.com/office/drawing/2014/main" id="{4735D08F-89B6-46D8-AD4A-2FD9AB5907BF}"/>
+                <a16:creationId xmlns:a16="http://schemas.microsoft.com/office/drawing/2014/main" id="{4735D08F-89B6-46D8-AD4A-2FD9AB5907BF}"/>
               </a:ext>
             </a:extLst>
           </p:cNvPr>
@@ -22501,7 +22400,7 @@
           <p:cNvPr id="6" name="Espaço reservado para rodapé 5">
             <a:extLst>
               <a:ext uri="{FF2B5EF4-FFF2-40B4-BE49-F238E27FC236}">
-                <a16:creationId xmlns="" xmlns:a16="http://schemas.microsoft.com/office/drawing/2014/main" id="{50236FB9-480B-4663-8B50-90ED625E40F4}"/>
+                <a16:creationId xmlns:a16="http://schemas.microsoft.com/office/drawing/2014/main" id="{50236FB9-480B-4663-8B50-90ED625E40F4}"/>
               </a:ext>
             </a:extLst>
           </p:cNvPr>
@@ -22611,13 +22510,6 @@
   <p:clrMapOvr>
     <a:masterClrMapping/>
   </p:clrMapOvr>
-  <p:timing>
-    <p:tnLst>
-      <p:par>
-        <p:cTn id="1" dur="indefinite" restart="never" nodeType="tmRoot"/>
-      </p:par>
-    </p:tnLst>
-  </p:timing>
 </p:sld>
 </file>
 
@@ -22640,206 +22532,26 @@
       </p:grpSpPr>
       <p:sp>
         <p:nvSpPr>
-          <p:cNvPr id="13" name="Espaço Reservado para Data 4">
-            <a:extLst>
-              <a:ext uri="{FF2B5EF4-FFF2-40B4-BE49-F238E27FC236}">
-                <a16:creationId xmlns="" xmlns:a16="http://schemas.microsoft.com/office/drawing/2014/main" id="{4DA7F7DF-79FC-4782-8BBB-8E272F0DFB83}"/>
-              </a:ext>
-            </a:extLst>
-          </p:cNvPr>
-          <p:cNvSpPr>
-            <a:spLocks noGrp="1"/>
-          </p:cNvSpPr>
-          <p:nvPr>
-            <p:ph type="dt" sz="half" idx="10"/>
-          </p:nvPr>
-        </p:nvSpPr>
-        <p:spPr>
-          <a:xfrm>
-            <a:off x="350235" y="8751182"/>
-            <a:ext cx="3291840" cy="486833"/>
-          </a:xfrm>
-        </p:spPr>
-        <p:txBody>
-          <a:bodyPr/>
-          <a:lstStyle/>
-          <a:p>
-            <a:pPr rtl="0"/>
-            <a:r>
-              <a:rPr lang="pt-BR" noProof="0" dirty="0"/>
-              <a:t>28/07/2018</a:t>
-            </a:r>
-          </a:p>
-        </p:txBody>
-      </p:sp>
-      <p:sp>
-        <p:nvSpPr>
-          <p:cNvPr id="14" name="Espaço reservado para rodapé 5">
-            <a:extLst>
-              <a:ext uri="{FF2B5EF4-FFF2-40B4-BE49-F238E27FC236}">
-                <a16:creationId xmlns="" xmlns:a16="http://schemas.microsoft.com/office/drawing/2014/main" id="{021DA041-32B5-43DD-B16D-F849B179196D}"/>
-              </a:ext>
-            </a:extLst>
-          </p:cNvPr>
-          <p:cNvSpPr>
-            <a:spLocks noGrp="1"/>
-          </p:cNvSpPr>
-          <p:nvPr>
-            <p:ph type="ftr" sz="quarter" idx="11"/>
-          </p:nvPr>
-        </p:nvSpPr>
-        <p:spPr>
-          <a:xfrm>
-            <a:off x="4846320" y="8751182"/>
-            <a:ext cx="4937760" cy="486833"/>
-          </a:xfrm>
-        </p:spPr>
-        <p:txBody>
-          <a:bodyPr rtlCol="0"/>
-          <a:lstStyle/>
-          <a:p>
-            <a:pPr rtl="0"/>
-            <a:r>
-              <a:rPr lang="pt-BR" dirty="0"/>
-              <a:t>Olé Tecnologia</a:t>
-            </a:r>
-          </a:p>
-        </p:txBody>
-      </p:sp>
-      <p:pic>
-        <p:nvPicPr>
-          <p:cNvPr id="3074" name="Picture 2" descr="Resultado de imagem para hexagonal architecture">
-            <a:extLst>
-              <a:ext uri="{FF2B5EF4-FFF2-40B4-BE49-F238E27FC236}">
-                <a16:creationId xmlns="" xmlns:a16="http://schemas.microsoft.com/office/drawing/2014/main" id="{BA899021-F854-455D-9C3A-A18345A0C3A7}"/>
-              </a:ext>
-            </a:extLst>
-          </p:cNvPr>
-          <p:cNvPicPr>
-            <a:picLocks noChangeAspect="1" noChangeArrowheads="1"/>
-          </p:cNvPicPr>
-          <p:nvPr/>
-        </p:nvPicPr>
-        <p:blipFill>
-          <a:blip r:embed="rId2">
-            <a:extLst>
-              <a:ext uri="{28A0092B-C50C-407E-A947-70E740481C1C}">
-                <a14:useLocalDpi xmlns:a14="http://schemas.microsoft.com/office/drawing/2010/main" val="0"/>
-              </a:ext>
-            </a:extLst>
-          </a:blip>
-          <a:srcRect/>
-          <a:stretch>
-            <a:fillRect/>
-          </a:stretch>
-        </p:blipFill>
-        <p:spPr bwMode="auto">
-          <a:xfrm>
-            <a:off x="1667435" y="2030628"/>
-            <a:ext cx="11295529" cy="5082743"/>
-          </a:xfrm>
-          <a:prstGeom prst="rect">
-            <a:avLst/>
-          </a:prstGeom>
-          <a:noFill/>
-          <a:extLst>
-            <a:ext uri="{909E8E84-426E-40DD-AFC4-6F175D3DCCD1}">
-              <a14:hiddenFill xmlns:a14="http://schemas.microsoft.com/office/drawing/2010/main">
-                <a:solidFill>
-                  <a:srgbClr val="FFFFFF"/>
-                </a:solidFill>
-              </a14:hiddenFill>
-            </a:ext>
-          </a:extLst>
-        </p:spPr>
-      </p:pic>
-      <p:sp>
-        <p:nvSpPr>
-          <p:cNvPr id="10" name="Título 1">
-            <a:extLst>
-              <a:ext uri="{FF2B5EF4-FFF2-40B4-BE49-F238E27FC236}">
-                <a16:creationId xmlns="" xmlns:a16="http://schemas.microsoft.com/office/drawing/2014/main" id="{BE0E2390-5D4E-4824-847C-A5BB28BEDD70}"/>
-              </a:ext>
-            </a:extLst>
-          </p:cNvPr>
-          <p:cNvSpPr>
-            <a:spLocks noGrp="1"/>
-          </p:cNvSpPr>
-          <p:nvPr>
-            <p:ph type="title"/>
-          </p:nvPr>
-        </p:nvSpPr>
-        <p:spPr>
-          <a:xfrm>
-            <a:off x="1005840" y="486834"/>
-            <a:ext cx="12618720" cy="1767417"/>
-          </a:xfrm>
-        </p:spPr>
-        <p:txBody>
-          <a:bodyPr rtlCol="0"/>
-          <a:lstStyle/>
-          <a:p>
-            <a:pPr rtl="0"/>
-            <a:r>
-              <a:rPr lang="pt-BR" dirty="0"/>
-              <a:t>Arquitetura Hexagonal</a:t>
-            </a:r>
-          </a:p>
-        </p:txBody>
-      </p:sp>
-      <p:sp>
-        <p:nvSpPr>
-          <p:cNvPr id="2" name="CaixaDeTexto 1">
-            <a:extLst>
-              <a:ext uri="{FF2B5EF4-FFF2-40B4-BE49-F238E27FC236}">
-                <a16:creationId xmlns="" xmlns:a16="http://schemas.microsoft.com/office/drawing/2014/main" id="{CF2C84B1-5A80-4BA4-9FE5-EFC67DD4454C}"/>
-              </a:ext>
-            </a:extLst>
-          </p:cNvPr>
-          <p:cNvSpPr txBox="1"/>
-          <p:nvPr/>
-        </p:nvSpPr>
-        <p:spPr>
-          <a:xfrm>
-            <a:off x="2678032" y="7562944"/>
-            <a:ext cx="9274334" cy="369332"/>
-          </a:xfrm>
-          <a:prstGeom prst="rect">
-            <a:avLst/>
-          </a:prstGeom>
-          <a:noFill/>
-        </p:spPr>
-        <p:txBody>
-          <a:bodyPr wrap="none" rtlCol="0">
-            <a:spAutoFit/>
-          </a:bodyPr>
-          <a:lstStyle/>
-          <a:p>
-            <a:r>
-              <a:rPr lang="pt-BR" dirty="0"/>
-              <a:t>https://gumtreeuk.github.io/presentations/gumtree-tech-talks/microengines-241116/index.html</a:t>
-            </a:r>
-          </a:p>
-        </p:txBody>
-      </p:sp>
-      <p:sp>
-        <p:nvSpPr>
-          <p:cNvPr id="3" name="Retângulo 2"/>
+          <p:cNvPr id="4" name="Retângulo 3">
+            <a:extLst>
+              <a:ext uri="{FF2B5EF4-FFF2-40B4-BE49-F238E27FC236}">
+                <a16:creationId xmlns:a16="http://schemas.microsoft.com/office/drawing/2014/main" id="{573691C4-264D-45FB-A726-9C37056D8188}"/>
+              </a:ext>
+            </a:extLst>
+          </p:cNvPr>
           <p:cNvSpPr/>
           <p:nvPr/>
         </p:nvSpPr>
         <p:spPr>
           <a:xfrm>
-            <a:off x="0" y="0"/>
-            <a:ext cx="14630400" cy="9144000"/>
+            <a:off x="0" y="2308040"/>
+            <a:ext cx="5531784" cy="4762500"/>
           </a:xfrm>
           <a:prstGeom prst="rect">
             <a:avLst/>
           </a:prstGeom>
           <a:solidFill>
-            <a:srgbClr val="FFFFFF">
-              <a:alpha val="81961"/>
-            </a:srgbClr>
+            <a:srgbClr val="D3C6BE"/>
           </a:solidFill>
           <a:ln>
             <a:noFill/>
@@ -22866,19 +22578,659 @@
           <a:lstStyle/>
           <a:p>
             <a:pPr algn="ctr"/>
-            <a:r>
-              <a:rPr lang="pt-BR" sz="6000" b="1" dirty="0" smtClean="0">
+            <a:endParaRPr lang="pt-BR"/>
+          </a:p>
+        </p:txBody>
+      </p:sp>
+      <p:sp>
+        <p:nvSpPr>
+          <p:cNvPr id="9" name="Retângulo 8">
+            <a:extLst>
+              <a:ext uri="{FF2B5EF4-FFF2-40B4-BE49-F238E27FC236}">
+                <a16:creationId xmlns:a16="http://schemas.microsoft.com/office/drawing/2014/main" id="{589AEE5D-31EF-42A2-BD9F-A53F7E0CFF72}"/>
+              </a:ext>
+            </a:extLst>
+          </p:cNvPr>
+          <p:cNvSpPr/>
+          <p:nvPr/>
+        </p:nvSpPr>
+        <p:spPr>
+          <a:xfrm>
+            <a:off x="12675534" y="2308040"/>
+            <a:ext cx="1954866" cy="4762500"/>
+          </a:xfrm>
+          <a:prstGeom prst="rect">
+            <a:avLst/>
+          </a:prstGeom>
+          <a:solidFill>
+            <a:srgbClr val="D3C6BE"/>
+          </a:solidFill>
+          <a:ln>
+            <a:noFill/>
+          </a:ln>
+        </p:spPr>
+        <p:style>
+          <a:lnRef idx="2">
+            <a:schemeClr val="accent1">
+              <a:shade val="50000"/>
+            </a:schemeClr>
+          </a:lnRef>
+          <a:fillRef idx="1">
+            <a:schemeClr val="accent1"/>
+          </a:fillRef>
+          <a:effectRef idx="0">
+            <a:schemeClr val="accent1"/>
+          </a:effectRef>
+          <a:fontRef idx="minor">
+            <a:schemeClr val="lt1"/>
+          </a:fontRef>
+        </p:style>
+        <p:txBody>
+          <a:bodyPr rtlCol="0" anchor="ctr"/>
+          <a:lstStyle/>
+          <a:p>
+            <a:pPr algn="ctr"/>
+            <a:endParaRPr lang="pt-BR"/>
+          </a:p>
+        </p:txBody>
+      </p:sp>
+      <p:sp>
+        <p:nvSpPr>
+          <p:cNvPr id="5" name="CaixaDeTexto 4">
+            <a:extLst>
+              <a:ext uri="{FF2B5EF4-FFF2-40B4-BE49-F238E27FC236}">
+                <a16:creationId xmlns:a16="http://schemas.microsoft.com/office/drawing/2014/main" id="{1BE11E3C-E998-41F9-BA56-C4BD8003732F}"/>
+              </a:ext>
+            </a:extLst>
+          </p:cNvPr>
+          <p:cNvSpPr txBox="1"/>
+          <p:nvPr/>
+        </p:nvSpPr>
+        <p:spPr>
+          <a:xfrm>
+            <a:off x="591671" y="478661"/>
+            <a:ext cx="11234742" cy="1446550"/>
+          </a:xfrm>
+          <a:prstGeom prst="rect">
+            <a:avLst/>
+          </a:prstGeom>
+          <a:noFill/>
+        </p:spPr>
+        <p:txBody>
+          <a:bodyPr wrap="none" rtlCol="0">
+            <a:spAutoFit/>
+          </a:bodyPr>
+          <a:lstStyle/>
+          <a:p>
+            <a:r>
+              <a:rPr lang="pt-BR" sz="8800" dirty="0">
                 <a:solidFill>
-                  <a:schemeClr val="tx1"/>
+                  <a:srgbClr val="303943"/>
                 </a:solidFill>
               </a:rPr>
-              <a:t>Cenas do próximo capítulo</a:t>
-            </a:r>
-            <a:endParaRPr lang="pt-BR" sz="6000" b="1" dirty="0">
-              <a:solidFill>
-                <a:schemeClr val="tx1"/>
-              </a:solidFill>
-            </a:endParaRPr>
+              <a:t>Arquitetura de Software</a:t>
+            </a:r>
+          </a:p>
+        </p:txBody>
+      </p:sp>
+      <p:sp>
+        <p:nvSpPr>
+          <p:cNvPr id="13" name="Espaço Reservado para Data 4">
+            <a:extLst>
+              <a:ext uri="{FF2B5EF4-FFF2-40B4-BE49-F238E27FC236}">
+                <a16:creationId xmlns:a16="http://schemas.microsoft.com/office/drawing/2014/main" id="{4DA7F7DF-79FC-4782-8BBB-8E272F0DFB83}"/>
+              </a:ext>
+            </a:extLst>
+          </p:cNvPr>
+          <p:cNvSpPr>
+            <a:spLocks noGrp="1"/>
+          </p:cNvSpPr>
+          <p:nvPr>
+            <p:ph type="dt" sz="half" idx="10"/>
+          </p:nvPr>
+        </p:nvSpPr>
+        <p:spPr>
+          <a:xfrm>
+            <a:off x="350235" y="8751182"/>
+            <a:ext cx="3291840" cy="486833"/>
+          </a:xfrm>
+        </p:spPr>
+        <p:txBody>
+          <a:bodyPr/>
+          <a:lstStyle/>
+          <a:p>
+            <a:pPr rtl="0"/>
+            <a:r>
+              <a:rPr lang="pt-BR" dirty="0"/>
+              <a:t>04</a:t>
+            </a:r>
+            <a:r>
+              <a:rPr lang="pt-BR" noProof="0" dirty="0"/>
+              <a:t>/08/2018</a:t>
+            </a:r>
+          </a:p>
+        </p:txBody>
+      </p:sp>
+      <p:sp>
+        <p:nvSpPr>
+          <p:cNvPr id="14" name="Espaço reservado para rodapé 5">
+            <a:extLst>
+              <a:ext uri="{FF2B5EF4-FFF2-40B4-BE49-F238E27FC236}">
+                <a16:creationId xmlns:a16="http://schemas.microsoft.com/office/drawing/2014/main" id="{021DA041-32B5-43DD-B16D-F849B179196D}"/>
+              </a:ext>
+            </a:extLst>
+          </p:cNvPr>
+          <p:cNvSpPr>
+            <a:spLocks noGrp="1"/>
+          </p:cNvSpPr>
+          <p:nvPr>
+            <p:ph type="ftr" sz="quarter" idx="11"/>
+          </p:nvPr>
+        </p:nvSpPr>
+        <p:spPr>
+          <a:xfrm>
+            <a:off x="4846320" y="8751182"/>
+            <a:ext cx="4937760" cy="486833"/>
+          </a:xfrm>
+        </p:spPr>
+        <p:txBody>
+          <a:bodyPr rtlCol="0"/>
+          <a:lstStyle/>
+          <a:p>
+            <a:pPr rtl="0"/>
+            <a:r>
+              <a:rPr lang="pt-BR" dirty="0"/>
+              <a:t>Olé Tecnologia</a:t>
+            </a:r>
+          </a:p>
+        </p:txBody>
+      </p:sp>
+      <p:sp>
+        <p:nvSpPr>
+          <p:cNvPr id="2" name="CaixaDeTexto 1"/>
+          <p:cNvSpPr txBox="1"/>
+          <p:nvPr/>
+        </p:nvSpPr>
+        <p:spPr>
+          <a:xfrm>
+            <a:off x="5494462" y="7056865"/>
+            <a:ext cx="7690247" cy="307777"/>
+          </a:xfrm>
+          <a:prstGeom prst="rect">
+            <a:avLst/>
+          </a:prstGeom>
+          <a:noFill/>
+        </p:spPr>
+        <p:txBody>
+          <a:bodyPr wrap="none" rtlCol="0">
+            <a:spAutoFit/>
+          </a:bodyPr>
+          <a:lstStyle/>
+          <a:p>
+            <a:r>
+              <a:rPr lang="pt-BR" sz="1400" dirty="0"/>
+              <a:t>http://espacojacyra.com.br/mao-na-massa-colaboradoras-participam-de-treinamento-na-chocolandia/</a:t>
+            </a:r>
+          </a:p>
+        </p:txBody>
+      </p:sp>
+      <p:pic>
+        <p:nvPicPr>
+          <p:cNvPr id="6" name="Imagem 5">
+            <a:extLst>
+              <a:ext uri="{FF2B5EF4-FFF2-40B4-BE49-F238E27FC236}">
+                <a16:creationId xmlns:a16="http://schemas.microsoft.com/office/drawing/2014/main" id="{60A39940-FA11-4692-8E57-6CA6A30B4D49}"/>
+              </a:ext>
+            </a:extLst>
+          </p:cNvPr>
+          <p:cNvPicPr>
+            <a:picLocks noChangeAspect="1"/>
+          </p:cNvPicPr>
+          <p:nvPr/>
+        </p:nvPicPr>
+        <p:blipFill>
+          <a:blip r:embed="rId2">
+            <a:extLst>
+              <a:ext uri="{28A0092B-C50C-407E-A947-70E740481C1C}">
+                <a14:useLocalDpi xmlns:a14="http://schemas.microsoft.com/office/drawing/2010/main" val="0"/>
+              </a:ext>
+            </a:extLst>
+          </a:blip>
+          <a:stretch>
+            <a:fillRect/>
+          </a:stretch>
+        </p:blipFill>
+        <p:spPr>
+          <a:xfrm>
+            <a:off x="4447545" y="1949824"/>
+            <a:ext cx="9784080" cy="5503545"/>
+          </a:xfrm>
+          <a:prstGeom prst="rect">
+            <a:avLst/>
+          </a:prstGeom>
+        </p:spPr>
+      </p:pic>
+    </p:spTree>
+    <p:extLst>
+      <p:ext uri="{BB962C8B-B14F-4D97-AF65-F5344CB8AC3E}">
+        <p14:creationId xmlns:p14="http://schemas.microsoft.com/office/powerpoint/2010/main" val="2870911760"/>
+      </p:ext>
+    </p:extLst>
+  </p:cSld>
+  <p:clrMapOvr>
+    <a:masterClrMapping/>
+  </p:clrMapOvr>
+</p:sld>
+</file>
+
+<file path=ppt/slides/slide38.xml><?xml version="1.0" encoding="utf-8"?>
+<p:sld xmlns:a="http://schemas.openxmlformats.org/drawingml/2006/main" xmlns:r="http://schemas.openxmlformats.org/officeDocument/2006/relationships" xmlns:p="http://schemas.openxmlformats.org/presentationml/2006/main">
+  <p:cSld>
+    <p:spTree>
+      <p:nvGrpSpPr>
+        <p:cNvPr id="1" name=""/>
+        <p:cNvGrpSpPr/>
+        <p:nvPr/>
+      </p:nvGrpSpPr>
+      <p:grpSpPr>
+        <a:xfrm>
+          <a:off x="0" y="0"/>
+          <a:ext cx="0" cy="0"/>
+          <a:chOff x="0" y="0"/>
+          <a:chExt cx="0" cy="0"/>
+        </a:xfrm>
+      </p:grpSpPr>
+      <p:sp>
+        <p:nvSpPr>
+          <p:cNvPr id="2" name="Título 1"/>
+          <p:cNvSpPr>
+            <a:spLocks noGrp="1"/>
+          </p:cNvSpPr>
+          <p:nvPr>
+            <p:ph type="title"/>
+          </p:nvPr>
+        </p:nvSpPr>
+        <p:spPr/>
+        <p:txBody>
+          <a:bodyPr rtlCol="0"/>
+          <a:lstStyle/>
+          <a:p>
+            <a:pPr rtl="0"/>
+            <a:r>
+              <a:rPr lang="pt-BR" dirty="0"/>
+              <a:t>Arquitetura de Software</a:t>
+            </a:r>
+          </a:p>
+        </p:txBody>
+      </p:sp>
+      <p:sp>
+        <p:nvSpPr>
+          <p:cNvPr id="3" name="Espaço reservado para conteúdo 2"/>
+          <p:cNvSpPr>
+            <a:spLocks noGrp="1"/>
+          </p:cNvSpPr>
+          <p:nvPr>
+            <p:ph idx="1"/>
+          </p:nvPr>
+        </p:nvSpPr>
+        <p:spPr>
+          <a:xfrm>
+            <a:off x="1489934" y="2582085"/>
+            <a:ext cx="11352007" cy="5365127"/>
+          </a:xfrm>
+        </p:spPr>
+        <p:txBody>
+          <a:bodyPr rtlCol="0"/>
+          <a:lstStyle/>
+          <a:p>
+            <a:pPr marL="0" indent="0" algn="ctr">
+              <a:lnSpc>
+                <a:spcPct val="200000"/>
+              </a:lnSpc>
+              <a:buNone/>
+            </a:pPr>
+            <a:r>
+              <a:rPr lang="pt-BR" i="1" dirty="0"/>
+              <a:t>O termo arquitetura transmite uma ideia de elementos que formam o núcleo do sistema, as peças que são difíceis de alterar. Uma fundação na qual o resto deve ser construído.</a:t>
+            </a:r>
+          </a:p>
+          <a:p>
+            <a:pPr marL="0" indent="0" algn="ctr">
+              <a:lnSpc>
+                <a:spcPct val="200000"/>
+              </a:lnSpc>
+              <a:buNone/>
+            </a:pPr>
+            <a:r>
+              <a:rPr lang="en-US" sz="2400" dirty="0"/>
+              <a:t>M</a:t>
+            </a:r>
+            <a:r>
+              <a:rPr lang="pt-BR" sz="2400" dirty="0" err="1"/>
+              <a:t>artin</a:t>
+            </a:r>
+            <a:r>
+              <a:rPr lang="pt-BR" sz="2400" dirty="0"/>
+              <a:t> Fowler, 2009 (https://www.infoq.com/</a:t>
+            </a:r>
+            <a:r>
+              <a:rPr lang="pt-BR" sz="2400" dirty="0" err="1"/>
+              <a:t>br</a:t>
+            </a:r>
+            <a:r>
+              <a:rPr lang="pt-BR" sz="2400" dirty="0"/>
+              <a:t>/</a:t>
+            </a:r>
+            <a:r>
+              <a:rPr lang="pt-BR" sz="2400" dirty="0" err="1"/>
+              <a:t>articles</a:t>
+            </a:r>
+            <a:r>
+              <a:rPr lang="pt-BR" sz="2400" dirty="0"/>
+              <a:t>/is-design-dead#7)</a:t>
+            </a:r>
+          </a:p>
+        </p:txBody>
+      </p:sp>
+      <p:sp>
+        <p:nvSpPr>
+          <p:cNvPr id="7" name="Espaço Reservado para Data 4">
+            <a:extLst>
+              <a:ext uri="{FF2B5EF4-FFF2-40B4-BE49-F238E27FC236}">
+                <a16:creationId xmlns:a16="http://schemas.microsoft.com/office/drawing/2014/main" id="{5027949B-8BAD-4E75-AC2F-213BC962F9B3}"/>
+              </a:ext>
+            </a:extLst>
+          </p:cNvPr>
+          <p:cNvSpPr>
+            <a:spLocks noGrp="1"/>
+          </p:cNvSpPr>
+          <p:nvPr>
+            <p:ph type="dt" sz="half" idx="10"/>
+          </p:nvPr>
+        </p:nvSpPr>
+        <p:spPr>
+          <a:xfrm>
+            <a:off x="350235" y="8751182"/>
+            <a:ext cx="3291840" cy="486833"/>
+          </a:xfrm>
+        </p:spPr>
+        <p:txBody>
+          <a:bodyPr/>
+          <a:lstStyle/>
+          <a:p>
+            <a:pPr rtl="0"/>
+            <a:r>
+              <a:rPr lang="pt-BR" dirty="0"/>
+              <a:t>04</a:t>
+            </a:r>
+            <a:r>
+              <a:rPr lang="pt-BR" noProof="0" dirty="0"/>
+              <a:t>/08/2018</a:t>
+            </a:r>
+          </a:p>
+        </p:txBody>
+      </p:sp>
+      <p:sp>
+        <p:nvSpPr>
+          <p:cNvPr id="8" name="Espaço reservado para rodapé 5">
+            <a:extLst>
+              <a:ext uri="{FF2B5EF4-FFF2-40B4-BE49-F238E27FC236}">
+                <a16:creationId xmlns:a16="http://schemas.microsoft.com/office/drawing/2014/main" id="{812E6C33-6473-43E3-8DE1-9D33AB15D861}"/>
+              </a:ext>
+            </a:extLst>
+          </p:cNvPr>
+          <p:cNvSpPr>
+            <a:spLocks noGrp="1"/>
+          </p:cNvSpPr>
+          <p:nvPr>
+            <p:ph type="ftr" sz="quarter" idx="11"/>
+          </p:nvPr>
+        </p:nvSpPr>
+        <p:spPr>
+          <a:xfrm>
+            <a:off x="4846320" y="8751182"/>
+            <a:ext cx="4937760" cy="486833"/>
+          </a:xfrm>
+        </p:spPr>
+        <p:txBody>
+          <a:bodyPr rtlCol="0"/>
+          <a:lstStyle/>
+          <a:p>
+            <a:pPr rtl="0"/>
+            <a:r>
+              <a:rPr lang="pt-BR" dirty="0"/>
+              <a:t>Olé Tecnologia</a:t>
+            </a:r>
+          </a:p>
+        </p:txBody>
+      </p:sp>
+    </p:spTree>
+    <p:extLst>
+      <p:ext uri="{BB962C8B-B14F-4D97-AF65-F5344CB8AC3E}">
+        <p14:creationId xmlns:p14="http://schemas.microsoft.com/office/powerpoint/2010/main" val="2613738560"/>
+      </p:ext>
+    </p:extLst>
+  </p:cSld>
+  <p:clrMapOvr>
+    <a:masterClrMapping/>
+  </p:clrMapOvr>
+  <mc:AlternateContent xmlns:mc="http://schemas.openxmlformats.org/markup-compatibility/2006" xmlns:p14="http://schemas.microsoft.com/office/powerpoint/2010/main">
+    <mc:Choice Requires="p14">
+      <p:transition spd="med" p14:dur="700">
+        <p:fade/>
+      </p:transition>
+    </mc:Choice>
+    <mc:Fallback xmlns="">
+      <p:transition spd="med">
+        <p:fade/>
+      </p:transition>
+    </mc:Fallback>
+  </mc:AlternateContent>
+</p:sld>
+</file>
+
+<file path=ppt/slides/slide39.xml><?xml version="1.0" encoding="utf-8"?>
+<p:sld xmlns:a="http://schemas.openxmlformats.org/drawingml/2006/main" xmlns:r="http://schemas.openxmlformats.org/officeDocument/2006/relationships" xmlns:p="http://schemas.openxmlformats.org/presentationml/2006/main">
+  <p:cSld>
+    <p:spTree>
+      <p:nvGrpSpPr>
+        <p:cNvPr id="1" name=""/>
+        <p:cNvGrpSpPr/>
+        <p:nvPr/>
+      </p:nvGrpSpPr>
+      <p:grpSpPr>
+        <a:xfrm>
+          <a:off x="0" y="0"/>
+          <a:ext cx="0" cy="0"/>
+          <a:chOff x="0" y="0"/>
+          <a:chExt cx="0" cy="0"/>
+        </a:xfrm>
+      </p:grpSpPr>
+      <p:sp>
+        <p:nvSpPr>
+          <p:cNvPr id="13" name="Espaço Reservado para Data 4">
+            <a:extLst>
+              <a:ext uri="{FF2B5EF4-FFF2-40B4-BE49-F238E27FC236}">
+                <a16:creationId xmlns:a16="http://schemas.microsoft.com/office/drawing/2014/main" id="{4DA7F7DF-79FC-4782-8BBB-8E272F0DFB83}"/>
+              </a:ext>
+            </a:extLst>
+          </p:cNvPr>
+          <p:cNvSpPr>
+            <a:spLocks noGrp="1"/>
+          </p:cNvSpPr>
+          <p:nvPr>
+            <p:ph type="dt" sz="half" idx="10"/>
+          </p:nvPr>
+        </p:nvSpPr>
+        <p:spPr>
+          <a:xfrm>
+            <a:off x="350235" y="8751182"/>
+            <a:ext cx="3291840" cy="486833"/>
+          </a:xfrm>
+        </p:spPr>
+        <p:txBody>
+          <a:bodyPr/>
+          <a:lstStyle/>
+          <a:p>
+            <a:pPr rtl="0"/>
+            <a:r>
+              <a:rPr lang="pt-BR" dirty="0"/>
+              <a:t>04</a:t>
+            </a:r>
+            <a:r>
+              <a:rPr lang="pt-BR" noProof="0" dirty="0"/>
+              <a:t>/08/2018</a:t>
+            </a:r>
+          </a:p>
+        </p:txBody>
+      </p:sp>
+      <p:sp>
+        <p:nvSpPr>
+          <p:cNvPr id="14" name="Espaço reservado para rodapé 5">
+            <a:extLst>
+              <a:ext uri="{FF2B5EF4-FFF2-40B4-BE49-F238E27FC236}">
+                <a16:creationId xmlns:a16="http://schemas.microsoft.com/office/drawing/2014/main" id="{021DA041-32B5-43DD-B16D-F849B179196D}"/>
+              </a:ext>
+            </a:extLst>
+          </p:cNvPr>
+          <p:cNvSpPr>
+            <a:spLocks noGrp="1"/>
+          </p:cNvSpPr>
+          <p:nvPr>
+            <p:ph type="ftr" sz="quarter" idx="11"/>
+          </p:nvPr>
+        </p:nvSpPr>
+        <p:spPr>
+          <a:xfrm>
+            <a:off x="4846320" y="8751182"/>
+            <a:ext cx="4937760" cy="486833"/>
+          </a:xfrm>
+        </p:spPr>
+        <p:txBody>
+          <a:bodyPr rtlCol="0"/>
+          <a:lstStyle/>
+          <a:p>
+            <a:pPr rtl="0"/>
+            <a:r>
+              <a:rPr lang="pt-BR" dirty="0"/>
+              <a:t>Olé Tecnologia</a:t>
+            </a:r>
+          </a:p>
+        </p:txBody>
+      </p:sp>
+      <p:pic>
+        <p:nvPicPr>
+          <p:cNvPr id="3074" name="Picture 2" descr="Resultado de imagem para hexagonal architecture">
+            <a:extLst>
+              <a:ext uri="{FF2B5EF4-FFF2-40B4-BE49-F238E27FC236}">
+                <a16:creationId xmlns:a16="http://schemas.microsoft.com/office/drawing/2014/main" id="{BA899021-F854-455D-9C3A-A18345A0C3A7}"/>
+              </a:ext>
+            </a:extLst>
+          </p:cNvPr>
+          <p:cNvPicPr>
+            <a:picLocks noChangeAspect="1" noChangeArrowheads="1"/>
+          </p:cNvPicPr>
+          <p:nvPr/>
+        </p:nvPicPr>
+        <p:blipFill>
+          <a:blip r:embed="rId2">
+            <a:extLst>
+              <a:ext uri="{28A0092B-C50C-407E-A947-70E740481C1C}">
+                <a14:useLocalDpi xmlns:a14="http://schemas.microsoft.com/office/drawing/2010/main" val="0"/>
+              </a:ext>
+            </a:extLst>
+          </a:blip>
+          <a:srcRect/>
+          <a:stretch>
+            <a:fillRect/>
+          </a:stretch>
+        </p:blipFill>
+        <p:spPr bwMode="auto">
+          <a:xfrm>
+            <a:off x="1667435" y="2030628"/>
+            <a:ext cx="11295529" cy="5082743"/>
+          </a:xfrm>
+          <a:prstGeom prst="rect">
+            <a:avLst/>
+          </a:prstGeom>
+          <a:noFill/>
+          <a:extLst>
+            <a:ext uri="{909E8E84-426E-40DD-AFC4-6F175D3DCCD1}">
+              <a14:hiddenFill xmlns:a14="http://schemas.microsoft.com/office/drawing/2010/main">
+                <a:solidFill>
+                  <a:srgbClr val="FFFFFF"/>
+                </a:solidFill>
+              </a14:hiddenFill>
+            </a:ext>
+          </a:extLst>
+        </p:spPr>
+      </p:pic>
+      <p:sp>
+        <p:nvSpPr>
+          <p:cNvPr id="10" name="Título 1">
+            <a:extLst>
+              <a:ext uri="{FF2B5EF4-FFF2-40B4-BE49-F238E27FC236}">
+                <a16:creationId xmlns:a16="http://schemas.microsoft.com/office/drawing/2014/main" id="{BE0E2390-5D4E-4824-847C-A5BB28BEDD70}"/>
+              </a:ext>
+            </a:extLst>
+          </p:cNvPr>
+          <p:cNvSpPr>
+            <a:spLocks noGrp="1"/>
+          </p:cNvSpPr>
+          <p:nvPr>
+            <p:ph type="title"/>
+          </p:nvPr>
+        </p:nvSpPr>
+        <p:spPr>
+          <a:xfrm>
+            <a:off x="1005840" y="486834"/>
+            <a:ext cx="12618720" cy="1767417"/>
+          </a:xfrm>
+        </p:spPr>
+        <p:txBody>
+          <a:bodyPr rtlCol="0"/>
+          <a:lstStyle/>
+          <a:p>
+            <a:pPr rtl="0"/>
+            <a:r>
+              <a:rPr lang="pt-BR" dirty="0"/>
+              <a:t>Arquitetura Hexagonal</a:t>
+            </a:r>
+          </a:p>
+        </p:txBody>
+      </p:sp>
+      <p:sp>
+        <p:nvSpPr>
+          <p:cNvPr id="2" name="CaixaDeTexto 1">
+            <a:extLst>
+              <a:ext uri="{FF2B5EF4-FFF2-40B4-BE49-F238E27FC236}">
+                <a16:creationId xmlns:a16="http://schemas.microsoft.com/office/drawing/2014/main" id="{CF2C84B1-5A80-4BA4-9FE5-EFC67DD4454C}"/>
+              </a:ext>
+            </a:extLst>
+          </p:cNvPr>
+          <p:cNvSpPr txBox="1"/>
+          <p:nvPr/>
+        </p:nvSpPr>
+        <p:spPr>
+          <a:xfrm>
+            <a:off x="2678032" y="7562944"/>
+            <a:ext cx="9274334" cy="369332"/>
+          </a:xfrm>
+          <a:prstGeom prst="rect">
+            <a:avLst/>
+          </a:prstGeom>
+          <a:noFill/>
+        </p:spPr>
+        <p:txBody>
+          <a:bodyPr wrap="none" rtlCol="0">
+            <a:spAutoFit/>
+          </a:bodyPr>
+          <a:lstStyle/>
+          <a:p>
+            <a:r>
+              <a:rPr lang="pt-BR" dirty="0"/>
+              <a:t>https://gumtreeuk.github.io/presentations/gumtree-tech-talks/microengines-241116/index.html</a:t>
+            </a:r>
           </a:p>
         </p:txBody>
       </p:sp>
@@ -22892,13 +23244,6 @@
   <p:clrMapOvr>
     <a:masterClrMapping/>
   </p:clrMapOvr>
-  <p:timing>
-    <p:tnLst>
-      <p:par>
-        <p:cTn id="1" dur="indefinite" restart="never" nodeType="tmRoot"/>
-      </p:par>
-    </p:tnLst>
-  </p:timing>
 </p:sld>
 </file>
 
@@ -22947,7 +23292,7 @@
           <p:cNvPr id="7" name="Espaço Reservado para Data 4">
             <a:extLst>
               <a:ext uri="{FF2B5EF4-FFF2-40B4-BE49-F238E27FC236}">
-                <a16:creationId xmlns="" xmlns:a16="http://schemas.microsoft.com/office/drawing/2014/main" id="{5027949B-8BAD-4E75-AC2F-213BC962F9B3}"/>
+                <a16:creationId xmlns:a16="http://schemas.microsoft.com/office/drawing/2014/main" id="{5027949B-8BAD-4E75-AC2F-213BC962F9B3}"/>
               </a:ext>
             </a:extLst>
           </p:cNvPr>
@@ -22981,7 +23326,7 @@
           <p:cNvPr id="8" name="Espaço reservado para rodapé 5">
             <a:extLst>
               <a:ext uri="{FF2B5EF4-FFF2-40B4-BE49-F238E27FC236}">
-                <a16:creationId xmlns="" xmlns:a16="http://schemas.microsoft.com/office/drawing/2014/main" id="{812E6C33-6473-43E3-8DE1-9D33AB15D861}"/>
+                <a16:creationId xmlns:a16="http://schemas.microsoft.com/office/drawing/2014/main" id="{812E6C33-6473-43E3-8DE1-9D33AB15D861}"/>
               </a:ext>
             </a:extLst>
           </p:cNvPr>
@@ -23014,7 +23359,7 @@
           <p:cNvPr id="117" name="Imagem 116">
             <a:extLst>
               <a:ext uri="{FF2B5EF4-FFF2-40B4-BE49-F238E27FC236}">
-                <a16:creationId xmlns="" xmlns:a16="http://schemas.microsoft.com/office/drawing/2014/main" id="{A98EE66B-29C3-487D-AA5B-C3313E91C3CD}"/>
+                <a16:creationId xmlns:a16="http://schemas.microsoft.com/office/drawing/2014/main" id="{A98EE66B-29C3-487D-AA5B-C3313E91C3CD}"/>
               </a:ext>
             </a:extLst>
           </p:cNvPr>
@@ -23061,13 +23406,2688 @@
       </p:transition>
     </mc:Fallback>
   </mc:AlternateContent>
-  <p:timing>
-    <p:tnLst>
-      <p:par>
-        <p:cTn id="1" dur="indefinite" restart="never" nodeType="tmRoot"/>
-      </p:par>
-    </p:tnLst>
-  </p:timing>
+</p:sld>
+</file>
+
+<file path=ppt/slides/slide40.xml><?xml version="1.0" encoding="utf-8"?>
+<p:sld xmlns:a="http://schemas.openxmlformats.org/drawingml/2006/main" xmlns:r="http://schemas.openxmlformats.org/officeDocument/2006/relationships" xmlns:p="http://schemas.openxmlformats.org/presentationml/2006/main">
+  <p:cSld>
+    <p:spTree>
+      <p:nvGrpSpPr>
+        <p:cNvPr id="1" name=""/>
+        <p:cNvGrpSpPr/>
+        <p:nvPr/>
+      </p:nvGrpSpPr>
+      <p:grpSpPr>
+        <a:xfrm>
+          <a:off x="0" y="0"/>
+          <a:ext cx="0" cy="0"/>
+          <a:chOff x="0" y="0"/>
+          <a:chExt cx="0" cy="0"/>
+        </a:xfrm>
+      </p:grpSpPr>
+      <p:sp>
+        <p:nvSpPr>
+          <p:cNvPr id="13" name="Espaço Reservado para Data 4">
+            <a:extLst>
+              <a:ext uri="{FF2B5EF4-FFF2-40B4-BE49-F238E27FC236}">
+                <a16:creationId xmlns:a16="http://schemas.microsoft.com/office/drawing/2014/main" id="{4DA7F7DF-79FC-4782-8BBB-8E272F0DFB83}"/>
+              </a:ext>
+            </a:extLst>
+          </p:cNvPr>
+          <p:cNvSpPr>
+            <a:spLocks noGrp="1"/>
+          </p:cNvSpPr>
+          <p:nvPr>
+            <p:ph type="dt" sz="half" idx="10"/>
+          </p:nvPr>
+        </p:nvSpPr>
+        <p:spPr>
+          <a:xfrm>
+            <a:off x="350235" y="8751182"/>
+            <a:ext cx="3291840" cy="486833"/>
+          </a:xfrm>
+        </p:spPr>
+        <p:txBody>
+          <a:bodyPr/>
+          <a:lstStyle/>
+          <a:p>
+            <a:pPr rtl="0"/>
+            <a:r>
+              <a:rPr lang="pt-BR" dirty="0"/>
+              <a:t>04</a:t>
+            </a:r>
+            <a:r>
+              <a:rPr lang="pt-BR" noProof="0" dirty="0"/>
+              <a:t>/08/2018</a:t>
+            </a:r>
+          </a:p>
+        </p:txBody>
+      </p:sp>
+      <p:sp>
+        <p:nvSpPr>
+          <p:cNvPr id="14" name="Espaço reservado para rodapé 5">
+            <a:extLst>
+              <a:ext uri="{FF2B5EF4-FFF2-40B4-BE49-F238E27FC236}">
+                <a16:creationId xmlns:a16="http://schemas.microsoft.com/office/drawing/2014/main" id="{021DA041-32B5-43DD-B16D-F849B179196D}"/>
+              </a:ext>
+            </a:extLst>
+          </p:cNvPr>
+          <p:cNvSpPr>
+            <a:spLocks noGrp="1"/>
+          </p:cNvSpPr>
+          <p:nvPr>
+            <p:ph type="ftr" sz="quarter" idx="11"/>
+          </p:nvPr>
+        </p:nvSpPr>
+        <p:spPr>
+          <a:xfrm>
+            <a:off x="4846320" y="8751182"/>
+            <a:ext cx="4937760" cy="486833"/>
+          </a:xfrm>
+        </p:spPr>
+        <p:txBody>
+          <a:bodyPr rtlCol="0"/>
+          <a:lstStyle/>
+          <a:p>
+            <a:pPr rtl="0"/>
+            <a:r>
+              <a:rPr lang="pt-BR" dirty="0"/>
+              <a:t>Olé Tecnologia</a:t>
+            </a:r>
+          </a:p>
+        </p:txBody>
+      </p:sp>
+      <p:sp>
+        <p:nvSpPr>
+          <p:cNvPr id="10" name="Título 1">
+            <a:extLst>
+              <a:ext uri="{FF2B5EF4-FFF2-40B4-BE49-F238E27FC236}">
+                <a16:creationId xmlns:a16="http://schemas.microsoft.com/office/drawing/2014/main" id="{BE0E2390-5D4E-4824-847C-A5BB28BEDD70}"/>
+              </a:ext>
+            </a:extLst>
+          </p:cNvPr>
+          <p:cNvSpPr>
+            <a:spLocks noGrp="1"/>
+          </p:cNvSpPr>
+          <p:nvPr>
+            <p:ph type="title"/>
+          </p:nvPr>
+        </p:nvSpPr>
+        <p:spPr>
+          <a:xfrm>
+            <a:off x="1005840" y="486834"/>
+            <a:ext cx="12618720" cy="1767417"/>
+          </a:xfrm>
+        </p:spPr>
+        <p:txBody>
+          <a:bodyPr rtlCol="0"/>
+          <a:lstStyle/>
+          <a:p>
+            <a:pPr rtl="0"/>
+            <a:r>
+              <a:rPr lang="pt-BR" dirty="0"/>
+              <a:t>Domínio</a:t>
+            </a:r>
+          </a:p>
+        </p:txBody>
+      </p:sp>
+      <p:sp>
+        <p:nvSpPr>
+          <p:cNvPr id="2" name="CaixaDeTexto 1">
+            <a:extLst>
+              <a:ext uri="{FF2B5EF4-FFF2-40B4-BE49-F238E27FC236}">
+                <a16:creationId xmlns:a16="http://schemas.microsoft.com/office/drawing/2014/main" id="{B53D77A1-E8B4-4A3A-AC72-5CD705223B38}"/>
+              </a:ext>
+            </a:extLst>
+          </p:cNvPr>
+          <p:cNvSpPr txBox="1"/>
+          <p:nvPr/>
+        </p:nvSpPr>
+        <p:spPr>
+          <a:xfrm>
+            <a:off x="1005840" y="1985310"/>
+            <a:ext cx="8006294" cy="1318181"/>
+          </a:xfrm>
+          <a:prstGeom prst="rect">
+            <a:avLst/>
+          </a:prstGeom>
+          <a:noFill/>
+        </p:spPr>
+        <p:txBody>
+          <a:bodyPr wrap="none" rtlCol="0">
+            <a:spAutoFit/>
+          </a:bodyPr>
+          <a:lstStyle/>
+          <a:p>
+            <a:pPr marL="285750" indent="-285750">
+              <a:lnSpc>
+                <a:spcPct val="150000"/>
+              </a:lnSpc>
+              <a:buFont typeface="Arial" panose="020B0604020202020204" pitchFamily="34" charset="0"/>
+              <a:buChar char="•"/>
+            </a:pPr>
+            <a:r>
+              <a:rPr lang="pt-BR" sz="2800" dirty="0"/>
+              <a:t>Definir linguagem ubíqua (onipresente)</a:t>
+            </a:r>
+          </a:p>
+          <a:p>
+            <a:pPr marL="914400" lvl="1" indent="-457200">
+              <a:lnSpc>
+                <a:spcPct val="150000"/>
+              </a:lnSpc>
+              <a:buFont typeface="Wingdings" panose="05000000000000000000" pitchFamily="2" charset="2"/>
+              <a:buChar char="Ø"/>
+            </a:pPr>
+            <a:r>
+              <a:rPr lang="pt-BR" sz="2800" dirty="0"/>
+              <a:t>terminologias utilizados no domínio do negócio</a:t>
+            </a:r>
+          </a:p>
+        </p:txBody>
+      </p:sp>
+      <p:sp>
+        <p:nvSpPr>
+          <p:cNvPr id="3" name="Retângulo 2">
+            <a:extLst>
+              <a:ext uri="{FF2B5EF4-FFF2-40B4-BE49-F238E27FC236}">
+                <a16:creationId xmlns:a16="http://schemas.microsoft.com/office/drawing/2014/main" id="{959939C3-4520-43C4-B698-B2010556C2B6}"/>
+              </a:ext>
+            </a:extLst>
+          </p:cNvPr>
+          <p:cNvSpPr/>
+          <p:nvPr/>
+        </p:nvSpPr>
+        <p:spPr>
+          <a:xfrm>
+            <a:off x="2099899" y="4024353"/>
+            <a:ext cx="2850777" cy="1318181"/>
+          </a:xfrm>
+          <a:prstGeom prst="rect">
+            <a:avLst/>
+          </a:prstGeom>
+          <a:solidFill>
+            <a:schemeClr val="bg1"/>
+          </a:solidFill>
+        </p:spPr>
+        <p:style>
+          <a:lnRef idx="2">
+            <a:schemeClr val="accent1">
+              <a:shade val="50000"/>
+            </a:schemeClr>
+          </a:lnRef>
+          <a:fillRef idx="1">
+            <a:schemeClr val="accent1"/>
+          </a:fillRef>
+          <a:effectRef idx="0">
+            <a:schemeClr val="accent1"/>
+          </a:effectRef>
+          <a:fontRef idx="minor">
+            <a:schemeClr val="lt1"/>
+          </a:fontRef>
+        </p:style>
+        <p:txBody>
+          <a:bodyPr rtlCol="0" anchor="ctr"/>
+          <a:lstStyle/>
+          <a:p>
+            <a:pPr algn="ctr"/>
+            <a:r>
+              <a:rPr lang="en-US" dirty="0">
+                <a:solidFill>
+                  <a:schemeClr val="tx1"/>
+                </a:solidFill>
+              </a:rPr>
+              <a:t>Classes (</a:t>
+            </a:r>
+            <a:r>
+              <a:rPr lang="en-US" dirty="0" err="1">
+                <a:solidFill>
+                  <a:schemeClr val="tx1"/>
+                </a:solidFill>
+              </a:rPr>
+              <a:t>modelo</a:t>
+            </a:r>
+            <a:r>
+              <a:rPr lang="en-US" dirty="0">
+                <a:solidFill>
+                  <a:schemeClr val="tx1"/>
+                </a:solidFill>
+              </a:rPr>
+              <a:t> de dados)</a:t>
+            </a:r>
+            <a:endParaRPr lang="pt-BR" dirty="0">
+              <a:solidFill>
+                <a:schemeClr val="tx1"/>
+              </a:solidFill>
+            </a:endParaRPr>
+          </a:p>
+        </p:txBody>
+      </p:sp>
+      <p:sp>
+        <p:nvSpPr>
+          <p:cNvPr id="6" name="Retângulo 5">
+            <a:extLst>
+              <a:ext uri="{FF2B5EF4-FFF2-40B4-BE49-F238E27FC236}">
+                <a16:creationId xmlns:a16="http://schemas.microsoft.com/office/drawing/2014/main" id="{BC49DF88-A09E-43AB-B8F6-2C3CB83210A3}"/>
+              </a:ext>
+            </a:extLst>
+          </p:cNvPr>
+          <p:cNvSpPr/>
+          <p:nvPr/>
+        </p:nvSpPr>
+        <p:spPr>
+          <a:xfrm>
+            <a:off x="5334648" y="4024352"/>
+            <a:ext cx="2850777" cy="1318181"/>
+          </a:xfrm>
+          <a:prstGeom prst="rect">
+            <a:avLst/>
+          </a:prstGeom>
+          <a:solidFill>
+            <a:schemeClr val="bg1"/>
+          </a:solidFill>
+        </p:spPr>
+        <p:style>
+          <a:lnRef idx="2">
+            <a:schemeClr val="accent1">
+              <a:shade val="50000"/>
+            </a:schemeClr>
+          </a:lnRef>
+          <a:fillRef idx="1">
+            <a:schemeClr val="accent1"/>
+          </a:fillRef>
+          <a:effectRef idx="0">
+            <a:schemeClr val="accent1"/>
+          </a:effectRef>
+          <a:fontRef idx="minor">
+            <a:schemeClr val="lt1"/>
+          </a:fontRef>
+        </p:style>
+        <p:txBody>
+          <a:bodyPr rtlCol="0" anchor="ctr"/>
+          <a:lstStyle/>
+          <a:p>
+            <a:pPr algn="ctr"/>
+            <a:r>
+              <a:rPr lang="en-US" dirty="0" err="1">
+                <a:solidFill>
+                  <a:schemeClr val="tx1"/>
+                </a:solidFill>
+              </a:rPr>
+              <a:t>Serviços</a:t>
+            </a:r>
+            <a:endParaRPr lang="pt-BR" dirty="0">
+              <a:solidFill>
+                <a:schemeClr val="tx1"/>
+              </a:solidFill>
+            </a:endParaRPr>
+          </a:p>
+        </p:txBody>
+      </p:sp>
+      <p:sp>
+        <p:nvSpPr>
+          <p:cNvPr id="8" name="Retângulo 7">
+            <a:extLst>
+              <a:ext uri="{FF2B5EF4-FFF2-40B4-BE49-F238E27FC236}">
+                <a16:creationId xmlns:a16="http://schemas.microsoft.com/office/drawing/2014/main" id="{F8ACDF29-D394-4238-AF23-B061E9E7D6E6}"/>
+              </a:ext>
+            </a:extLst>
+          </p:cNvPr>
+          <p:cNvSpPr/>
+          <p:nvPr/>
+        </p:nvSpPr>
+        <p:spPr>
+          <a:xfrm>
+            <a:off x="8515609" y="4024351"/>
+            <a:ext cx="3119717" cy="1276523"/>
+          </a:xfrm>
+          <a:prstGeom prst="rect">
+            <a:avLst/>
+          </a:prstGeom>
+          <a:solidFill>
+            <a:schemeClr val="bg1"/>
+          </a:solidFill>
+        </p:spPr>
+        <p:style>
+          <a:lnRef idx="2">
+            <a:schemeClr val="accent1">
+              <a:shade val="50000"/>
+            </a:schemeClr>
+          </a:lnRef>
+          <a:fillRef idx="1">
+            <a:schemeClr val="accent1"/>
+          </a:fillRef>
+          <a:effectRef idx="0">
+            <a:schemeClr val="accent1"/>
+          </a:effectRef>
+          <a:fontRef idx="minor">
+            <a:schemeClr val="lt1"/>
+          </a:fontRef>
+        </p:style>
+        <p:txBody>
+          <a:bodyPr rtlCol="0" anchor="ctr"/>
+          <a:lstStyle/>
+          <a:p>
+            <a:pPr algn="ctr"/>
+            <a:r>
+              <a:rPr lang="en-US" dirty="0" err="1">
+                <a:solidFill>
+                  <a:schemeClr val="tx1"/>
+                </a:solidFill>
+              </a:rPr>
+              <a:t>Exceções</a:t>
+            </a:r>
+            <a:endParaRPr lang="pt-BR" dirty="0">
+              <a:solidFill>
+                <a:schemeClr val="tx1"/>
+              </a:solidFill>
+            </a:endParaRPr>
+          </a:p>
+        </p:txBody>
+      </p:sp>
+      <p:cxnSp>
+        <p:nvCxnSpPr>
+          <p:cNvPr id="11" name="Conector de Seta Reta 10">
+            <a:extLst>
+              <a:ext uri="{FF2B5EF4-FFF2-40B4-BE49-F238E27FC236}">
+                <a16:creationId xmlns:a16="http://schemas.microsoft.com/office/drawing/2014/main" id="{EB0C4CC6-3C2A-429E-A407-C71CD134C3F3}"/>
+              </a:ext>
+            </a:extLst>
+          </p:cNvPr>
+          <p:cNvCxnSpPr/>
+          <p:nvPr/>
+        </p:nvCxnSpPr>
+        <p:spPr>
+          <a:xfrm>
+            <a:off x="3496236" y="3384173"/>
+            <a:ext cx="0" cy="502027"/>
+          </a:xfrm>
+          <a:prstGeom prst="straightConnector1">
+            <a:avLst/>
+          </a:prstGeom>
+          <a:ln w="28575">
+            <a:solidFill>
+              <a:schemeClr val="tx1"/>
+            </a:solidFill>
+            <a:tailEnd type="triangle"/>
+          </a:ln>
+        </p:spPr>
+        <p:style>
+          <a:lnRef idx="1">
+            <a:schemeClr val="accent1"/>
+          </a:lnRef>
+          <a:fillRef idx="0">
+            <a:schemeClr val="accent1"/>
+          </a:fillRef>
+          <a:effectRef idx="0">
+            <a:schemeClr val="accent1"/>
+          </a:effectRef>
+          <a:fontRef idx="minor">
+            <a:schemeClr val="tx1"/>
+          </a:fontRef>
+        </p:style>
+      </p:cxnSp>
+      <p:cxnSp>
+        <p:nvCxnSpPr>
+          <p:cNvPr id="15" name="Conector de Seta Reta 14">
+            <a:extLst>
+              <a:ext uri="{FF2B5EF4-FFF2-40B4-BE49-F238E27FC236}">
+                <a16:creationId xmlns:a16="http://schemas.microsoft.com/office/drawing/2014/main" id="{78441FD0-2DF5-4484-8C72-B595854BF0E6}"/>
+              </a:ext>
+            </a:extLst>
+          </p:cNvPr>
+          <p:cNvCxnSpPr/>
+          <p:nvPr/>
+        </p:nvCxnSpPr>
+        <p:spPr>
+          <a:xfrm>
+            <a:off x="6714565" y="3402103"/>
+            <a:ext cx="0" cy="502027"/>
+          </a:xfrm>
+          <a:prstGeom prst="straightConnector1">
+            <a:avLst/>
+          </a:prstGeom>
+          <a:ln w="28575">
+            <a:solidFill>
+              <a:schemeClr val="tx1"/>
+            </a:solidFill>
+            <a:tailEnd type="triangle"/>
+          </a:ln>
+        </p:spPr>
+        <p:style>
+          <a:lnRef idx="1">
+            <a:schemeClr val="accent1"/>
+          </a:lnRef>
+          <a:fillRef idx="0">
+            <a:schemeClr val="accent1"/>
+          </a:fillRef>
+          <a:effectRef idx="0">
+            <a:schemeClr val="accent1"/>
+          </a:effectRef>
+          <a:fontRef idx="minor">
+            <a:schemeClr val="tx1"/>
+          </a:fontRef>
+        </p:style>
+      </p:cxnSp>
+      <p:cxnSp>
+        <p:nvCxnSpPr>
+          <p:cNvPr id="16" name="Conector de Seta Reta 15">
+            <a:extLst>
+              <a:ext uri="{FF2B5EF4-FFF2-40B4-BE49-F238E27FC236}">
+                <a16:creationId xmlns:a16="http://schemas.microsoft.com/office/drawing/2014/main" id="{3790D0DC-CF22-42AE-967A-2B3451DD86B7}"/>
+              </a:ext>
+            </a:extLst>
+          </p:cNvPr>
+          <p:cNvCxnSpPr/>
+          <p:nvPr/>
+        </p:nvCxnSpPr>
+        <p:spPr>
+          <a:xfrm>
+            <a:off x="10134600" y="3433479"/>
+            <a:ext cx="0" cy="502027"/>
+          </a:xfrm>
+          <a:prstGeom prst="straightConnector1">
+            <a:avLst/>
+          </a:prstGeom>
+          <a:ln w="28575">
+            <a:solidFill>
+              <a:schemeClr val="tx1"/>
+            </a:solidFill>
+            <a:tailEnd type="triangle"/>
+          </a:ln>
+        </p:spPr>
+        <p:style>
+          <a:lnRef idx="1">
+            <a:schemeClr val="accent1"/>
+          </a:lnRef>
+          <a:fillRef idx="0">
+            <a:schemeClr val="accent1"/>
+          </a:fillRef>
+          <a:effectRef idx="0">
+            <a:schemeClr val="accent1"/>
+          </a:effectRef>
+          <a:fontRef idx="minor">
+            <a:schemeClr val="tx1"/>
+          </a:fontRef>
+        </p:style>
+      </p:cxnSp>
+      <p:sp>
+        <p:nvSpPr>
+          <p:cNvPr id="12" name="Elipse 11">
+            <a:extLst>
+              <a:ext uri="{FF2B5EF4-FFF2-40B4-BE49-F238E27FC236}">
+                <a16:creationId xmlns:a16="http://schemas.microsoft.com/office/drawing/2014/main" id="{C1C90841-6A14-4F5F-80C3-1BC14E93A6A6}"/>
+              </a:ext>
+            </a:extLst>
+          </p:cNvPr>
+          <p:cNvSpPr/>
+          <p:nvPr/>
+        </p:nvSpPr>
+        <p:spPr>
+          <a:xfrm>
+            <a:off x="5478491" y="5825052"/>
+            <a:ext cx="2563089" cy="2443610"/>
+          </a:xfrm>
+          <a:prstGeom prst="ellipse">
+            <a:avLst/>
+          </a:prstGeom>
+        </p:spPr>
+        <p:style>
+          <a:lnRef idx="2">
+            <a:schemeClr val="accent1">
+              <a:shade val="50000"/>
+            </a:schemeClr>
+          </a:lnRef>
+          <a:fillRef idx="1">
+            <a:schemeClr val="accent1"/>
+          </a:fillRef>
+          <a:effectRef idx="0">
+            <a:schemeClr val="accent1"/>
+          </a:effectRef>
+          <a:fontRef idx="minor">
+            <a:schemeClr val="lt1"/>
+          </a:fontRef>
+        </p:style>
+        <p:txBody>
+          <a:bodyPr rtlCol="0" anchor="ctr"/>
+          <a:lstStyle/>
+          <a:p>
+            <a:pPr algn="ctr"/>
+            <a:r>
+              <a:rPr lang="pt-BR" dirty="0"/>
+              <a:t>Descreve o comportamento do negócio</a:t>
+            </a:r>
+          </a:p>
+        </p:txBody>
+      </p:sp>
+      <p:cxnSp>
+        <p:nvCxnSpPr>
+          <p:cNvPr id="21" name="Conector reto 20">
+            <a:extLst>
+              <a:ext uri="{FF2B5EF4-FFF2-40B4-BE49-F238E27FC236}">
+                <a16:creationId xmlns:a16="http://schemas.microsoft.com/office/drawing/2014/main" id="{53BF067F-2F75-4EB6-AEF5-7AD5272FA701}"/>
+              </a:ext>
+            </a:extLst>
+          </p:cNvPr>
+          <p:cNvCxnSpPr>
+            <a:stCxn id="12" idx="0"/>
+            <a:endCxn id="6" idx="2"/>
+          </p:cNvCxnSpPr>
+          <p:nvPr/>
+        </p:nvCxnSpPr>
+        <p:spPr>
+          <a:xfrm flipV="1">
+            <a:off x="6760036" y="5342533"/>
+            <a:ext cx="1" cy="482519"/>
+          </a:xfrm>
+          <a:prstGeom prst="line">
+            <a:avLst/>
+          </a:prstGeom>
+        </p:spPr>
+        <p:style>
+          <a:lnRef idx="1">
+            <a:schemeClr val="accent1"/>
+          </a:lnRef>
+          <a:fillRef idx="0">
+            <a:schemeClr val="accent1"/>
+          </a:fillRef>
+          <a:effectRef idx="0">
+            <a:schemeClr val="accent1"/>
+          </a:effectRef>
+          <a:fontRef idx="minor">
+            <a:schemeClr val="tx1"/>
+          </a:fontRef>
+        </p:style>
+      </p:cxnSp>
+    </p:spTree>
+    <p:extLst>
+      <p:ext uri="{BB962C8B-B14F-4D97-AF65-F5344CB8AC3E}">
+        <p14:creationId xmlns:p14="http://schemas.microsoft.com/office/powerpoint/2010/main" val="597132625"/>
+      </p:ext>
+    </p:extLst>
+  </p:cSld>
+  <p:clrMapOvr>
+    <a:masterClrMapping/>
+  </p:clrMapOvr>
+</p:sld>
+</file>
+
+<file path=ppt/slides/slide41.xml><?xml version="1.0" encoding="utf-8"?>
+<p:sld xmlns:a="http://schemas.openxmlformats.org/drawingml/2006/main" xmlns:r="http://schemas.openxmlformats.org/officeDocument/2006/relationships" xmlns:p="http://schemas.openxmlformats.org/presentationml/2006/main">
+  <p:cSld>
+    <p:spTree>
+      <p:nvGrpSpPr>
+        <p:cNvPr id="1" name=""/>
+        <p:cNvGrpSpPr/>
+        <p:nvPr/>
+      </p:nvGrpSpPr>
+      <p:grpSpPr>
+        <a:xfrm>
+          <a:off x="0" y="0"/>
+          <a:ext cx="0" cy="0"/>
+          <a:chOff x="0" y="0"/>
+          <a:chExt cx="0" cy="0"/>
+        </a:xfrm>
+      </p:grpSpPr>
+      <p:sp>
+        <p:nvSpPr>
+          <p:cNvPr id="13" name="Espaço Reservado para Data 4">
+            <a:extLst>
+              <a:ext uri="{FF2B5EF4-FFF2-40B4-BE49-F238E27FC236}">
+                <a16:creationId xmlns:a16="http://schemas.microsoft.com/office/drawing/2014/main" id="{4DA7F7DF-79FC-4782-8BBB-8E272F0DFB83}"/>
+              </a:ext>
+            </a:extLst>
+          </p:cNvPr>
+          <p:cNvSpPr>
+            <a:spLocks noGrp="1"/>
+          </p:cNvSpPr>
+          <p:nvPr>
+            <p:ph type="dt" sz="half" idx="10"/>
+          </p:nvPr>
+        </p:nvSpPr>
+        <p:spPr>
+          <a:xfrm>
+            <a:off x="350235" y="8751182"/>
+            <a:ext cx="3291840" cy="486833"/>
+          </a:xfrm>
+        </p:spPr>
+        <p:txBody>
+          <a:bodyPr/>
+          <a:lstStyle/>
+          <a:p>
+            <a:pPr rtl="0"/>
+            <a:r>
+              <a:rPr lang="pt-BR" dirty="0"/>
+              <a:t>04</a:t>
+            </a:r>
+            <a:r>
+              <a:rPr lang="pt-BR" noProof="0" dirty="0"/>
+              <a:t>/08/2018</a:t>
+            </a:r>
+          </a:p>
+        </p:txBody>
+      </p:sp>
+      <p:sp>
+        <p:nvSpPr>
+          <p:cNvPr id="14" name="Espaço reservado para rodapé 5">
+            <a:extLst>
+              <a:ext uri="{FF2B5EF4-FFF2-40B4-BE49-F238E27FC236}">
+                <a16:creationId xmlns:a16="http://schemas.microsoft.com/office/drawing/2014/main" id="{021DA041-32B5-43DD-B16D-F849B179196D}"/>
+              </a:ext>
+            </a:extLst>
+          </p:cNvPr>
+          <p:cNvSpPr>
+            <a:spLocks noGrp="1"/>
+          </p:cNvSpPr>
+          <p:nvPr>
+            <p:ph type="ftr" sz="quarter" idx="11"/>
+          </p:nvPr>
+        </p:nvSpPr>
+        <p:spPr>
+          <a:xfrm>
+            <a:off x="4846320" y="8751182"/>
+            <a:ext cx="4937760" cy="486833"/>
+          </a:xfrm>
+        </p:spPr>
+        <p:txBody>
+          <a:bodyPr rtlCol="0"/>
+          <a:lstStyle/>
+          <a:p>
+            <a:pPr rtl="0"/>
+            <a:r>
+              <a:rPr lang="pt-BR" dirty="0"/>
+              <a:t>Olé Tecnologia</a:t>
+            </a:r>
+          </a:p>
+        </p:txBody>
+      </p:sp>
+      <p:sp>
+        <p:nvSpPr>
+          <p:cNvPr id="10" name="Título 1">
+            <a:extLst>
+              <a:ext uri="{FF2B5EF4-FFF2-40B4-BE49-F238E27FC236}">
+                <a16:creationId xmlns:a16="http://schemas.microsoft.com/office/drawing/2014/main" id="{BE0E2390-5D4E-4824-847C-A5BB28BEDD70}"/>
+              </a:ext>
+            </a:extLst>
+          </p:cNvPr>
+          <p:cNvSpPr>
+            <a:spLocks noGrp="1"/>
+          </p:cNvSpPr>
+          <p:nvPr>
+            <p:ph type="title"/>
+          </p:nvPr>
+        </p:nvSpPr>
+        <p:spPr>
+          <a:xfrm>
+            <a:off x="1005840" y="486834"/>
+            <a:ext cx="12618720" cy="1767417"/>
+          </a:xfrm>
+        </p:spPr>
+        <p:txBody>
+          <a:bodyPr rtlCol="0"/>
+          <a:lstStyle/>
+          <a:p>
+            <a:pPr rtl="0"/>
+            <a:r>
+              <a:rPr lang="pt-BR" dirty="0"/>
+              <a:t>Domínio</a:t>
+            </a:r>
+          </a:p>
+        </p:txBody>
+      </p:sp>
+      <p:sp>
+        <p:nvSpPr>
+          <p:cNvPr id="4" name="CaixaDeTexto 3">
+            <a:extLst>
+              <a:ext uri="{FF2B5EF4-FFF2-40B4-BE49-F238E27FC236}">
+                <a16:creationId xmlns:a16="http://schemas.microsoft.com/office/drawing/2014/main" id="{9D890A2E-1406-491A-B8B5-E1CF40E65728}"/>
+              </a:ext>
+            </a:extLst>
+          </p:cNvPr>
+          <p:cNvSpPr txBox="1"/>
+          <p:nvPr/>
+        </p:nvSpPr>
+        <p:spPr>
+          <a:xfrm>
+            <a:off x="1413438" y="2617856"/>
+            <a:ext cx="11480794" cy="2308324"/>
+          </a:xfrm>
+          <a:prstGeom prst="rect">
+            <a:avLst/>
+          </a:prstGeom>
+          <a:noFill/>
+        </p:spPr>
+        <p:txBody>
+          <a:bodyPr wrap="square" rtlCol="0">
+            <a:spAutoFit/>
+          </a:bodyPr>
+          <a:lstStyle/>
+          <a:p>
+            <a:pPr marL="571500" indent="-571500">
+              <a:buFont typeface="Wingdings" panose="05000000000000000000" pitchFamily="2" charset="2"/>
+              <a:buChar char="Ø"/>
+            </a:pPr>
+            <a:r>
+              <a:rPr lang="pt-BR" sz="3600" dirty="0"/>
+              <a:t>O domínio deve ser agnóstico à tecnologia</a:t>
+            </a:r>
+          </a:p>
+          <a:p>
+            <a:endParaRPr lang="pt-BR" sz="3600" dirty="0"/>
+          </a:p>
+          <a:p>
+            <a:pPr marL="571500" indent="-571500">
+              <a:buFont typeface="Wingdings" panose="05000000000000000000" pitchFamily="2" charset="2"/>
+              <a:buChar char="Ø"/>
+            </a:pPr>
+            <a:r>
+              <a:rPr lang="pt-BR" sz="3600" dirty="0"/>
+              <a:t>O domínio deve ser independente, portanto, não deve depender das demais camadas.</a:t>
+            </a:r>
+          </a:p>
+        </p:txBody>
+      </p:sp>
+    </p:spTree>
+    <p:extLst>
+      <p:ext uri="{BB962C8B-B14F-4D97-AF65-F5344CB8AC3E}">
+        <p14:creationId xmlns:p14="http://schemas.microsoft.com/office/powerpoint/2010/main" val="2818195284"/>
+      </p:ext>
+    </p:extLst>
+  </p:cSld>
+  <p:clrMapOvr>
+    <a:masterClrMapping/>
+  </p:clrMapOvr>
+</p:sld>
+</file>
+
+<file path=ppt/slides/slide42.xml><?xml version="1.0" encoding="utf-8"?>
+<p:sld xmlns:a="http://schemas.openxmlformats.org/drawingml/2006/main" xmlns:r="http://schemas.openxmlformats.org/officeDocument/2006/relationships" xmlns:p="http://schemas.openxmlformats.org/presentationml/2006/main">
+  <p:cSld>
+    <p:spTree>
+      <p:nvGrpSpPr>
+        <p:cNvPr id="1" name=""/>
+        <p:cNvGrpSpPr/>
+        <p:nvPr/>
+      </p:nvGrpSpPr>
+      <p:grpSpPr>
+        <a:xfrm>
+          <a:off x="0" y="0"/>
+          <a:ext cx="0" cy="0"/>
+          <a:chOff x="0" y="0"/>
+          <a:chExt cx="0" cy="0"/>
+        </a:xfrm>
+      </p:grpSpPr>
+      <p:sp>
+        <p:nvSpPr>
+          <p:cNvPr id="13" name="Espaço Reservado para Data 4">
+            <a:extLst>
+              <a:ext uri="{FF2B5EF4-FFF2-40B4-BE49-F238E27FC236}">
+                <a16:creationId xmlns:a16="http://schemas.microsoft.com/office/drawing/2014/main" id="{4DA7F7DF-79FC-4782-8BBB-8E272F0DFB83}"/>
+              </a:ext>
+            </a:extLst>
+          </p:cNvPr>
+          <p:cNvSpPr>
+            <a:spLocks noGrp="1"/>
+          </p:cNvSpPr>
+          <p:nvPr>
+            <p:ph type="dt" sz="half" idx="10"/>
+          </p:nvPr>
+        </p:nvSpPr>
+        <p:spPr>
+          <a:xfrm>
+            <a:off x="350235" y="8751182"/>
+            <a:ext cx="3291840" cy="486833"/>
+          </a:xfrm>
+        </p:spPr>
+        <p:txBody>
+          <a:bodyPr/>
+          <a:lstStyle/>
+          <a:p>
+            <a:pPr rtl="0"/>
+            <a:r>
+              <a:rPr lang="pt-BR" dirty="0"/>
+              <a:t>04</a:t>
+            </a:r>
+            <a:r>
+              <a:rPr lang="pt-BR" noProof="0" dirty="0"/>
+              <a:t>/08/2018</a:t>
+            </a:r>
+          </a:p>
+        </p:txBody>
+      </p:sp>
+      <p:sp>
+        <p:nvSpPr>
+          <p:cNvPr id="14" name="Espaço reservado para rodapé 5">
+            <a:extLst>
+              <a:ext uri="{FF2B5EF4-FFF2-40B4-BE49-F238E27FC236}">
+                <a16:creationId xmlns:a16="http://schemas.microsoft.com/office/drawing/2014/main" id="{021DA041-32B5-43DD-B16D-F849B179196D}"/>
+              </a:ext>
+            </a:extLst>
+          </p:cNvPr>
+          <p:cNvSpPr>
+            <a:spLocks noGrp="1"/>
+          </p:cNvSpPr>
+          <p:nvPr>
+            <p:ph type="ftr" sz="quarter" idx="11"/>
+          </p:nvPr>
+        </p:nvSpPr>
+        <p:spPr>
+          <a:xfrm>
+            <a:off x="4846320" y="8751182"/>
+            <a:ext cx="4937760" cy="486833"/>
+          </a:xfrm>
+        </p:spPr>
+        <p:txBody>
+          <a:bodyPr rtlCol="0"/>
+          <a:lstStyle/>
+          <a:p>
+            <a:pPr rtl="0"/>
+            <a:r>
+              <a:rPr lang="pt-BR" dirty="0"/>
+              <a:t>Olé Tecnologia</a:t>
+            </a:r>
+          </a:p>
+        </p:txBody>
+      </p:sp>
+      <p:sp>
+        <p:nvSpPr>
+          <p:cNvPr id="10" name="Título 1">
+            <a:extLst>
+              <a:ext uri="{FF2B5EF4-FFF2-40B4-BE49-F238E27FC236}">
+                <a16:creationId xmlns:a16="http://schemas.microsoft.com/office/drawing/2014/main" id="{BE0E2390-5D4E-4824-847C-A5BB28BEDD70}"/>
+              </a:ext>
+            </a:extLst>
+          </p:cNvPr>
+          <p:cNvSpPr>
+            <a:spLocks noGrp="1"/>
+          </p:cNvSpPr>
+          <p:nvPr>
+            <p:ph type="title"/>
+          </p:nvPr>
+        </p:nvSpPr>
+        <p:spPr>
+          <a:xfrm>
+            <a:off x="1005840" y="486834"/>
+            <a:ext cx="12618720" cy="1767417"/>
+          </a:xfrm>
+        </p:spPr>
+        <p:txBody>
+          <a:bodyPr rtlCol="0"/>
+          <a:lstStyle/>
+          <a:p>
+            <a:pPr rtl="0"/>
+            <a:r>
+              <a:rPr lang="pt-BR" dirty="0"/>
+              <a:t>Domínio</a:t>
+            </a:r>
+          </a:p>
+        </p:txBody>
+      </p:sp>
+      <p:pic>
+        <p:nvPicPr>
+          <p:cNvPr id="3" name="Imagem 2">
+            <a:extLst>
+              <a:ext uri="{FF2B5EF4-FFF2-40B4-BE49-F238E27FC236}">
+                <a16:creationId xmlns:a16="http://schemas.microsoft.com/office/drawing/2014/main" id="{93340B18-D28A-4DAA-9D84-EE51FB3CA7A8}"/>
+              </a:ext>
+            </a:extLst>
+          </p:cNvPr>
+          <p:cNvPicPr>
+            <a:picLocks noChangeAspect="1"/>
+          </p:cNvPicPr>
+          <p:nvPr/>
+        </p:nvPicPr>
+        <p:blipFill>
+          <a:blip r:embed="rId2"/>
+          <a:stretch>
+            <a:fillRect/>
+          </a:stretch>
+        </p:blipFill>
+        <p:spPr>
+          <a:xfrm>
+            <a:off x="3901328" y="916360"/>
+            <a:ext cx="9544050" cy="7553325"/>
+          </a:xfrm>
+          <a:prstGeom prst="rect">
+            <a:avLst/>
+          </a:prstGeom>
+        </p:spPr>
+      </p:pic>
+    </p:spTree>
+    <p:extLst>
+      <p:ext uri="{BB962C8B-B14F-4D97-AF65-F5344CB8AC3E}">
+        <p14:creationId xmlns:p14="http://schemas.microsoft.com/office/powerpoint/2010/main" val="3354635198"/>
+      </p:ext>
+    </p:extLst>
+  </p:cSld>
+  <p:clrMapOvr>
+    <a:masterClrMapping/>
+  </p:clrMapOvr>
+</p:sld>
+</file>
+
+<file path=ppt/slides/slide43.xml><?xml version="1.0" encoding="utf-8"?>
+<p:sld xmlns:a="http://schemas.openxmlformats.org/drawingml/2006/main" xmlns:r="http://schemas.openxmlformats.org/officeDocument/2006/relationships" xmlns:p="http://schemas.openxmlformats.org/presentationml/2006/main">
+  <p:cSld>
+    <p:spTree>
+      <p:nvGrpSpPr>
+        <p:cNvPr id="1" name=""/>
+        <p:cNvGrpSpPr/>
+        <p:nvPr/>
+      </p:nvGrpSpPr>
+      <p:grpSpPr>
+        <a:xfrm>
+          <a:off x="0" y="0"/>
+          <a:ext cx="0" cy="0"/>
+          <a:chOff x="0" y="0"/>
+          <a:chExt cx="0" cy="0"/>
+        </a:xfrm>
+      </p:grpSpPr>
+      <p:sp>
+        <p:nvSpPr>
+          <p:cNvPr id="13" name="Espaço Reservado para Data 4">
+            <a:extLst>
+              <a:ext uri="{FF2B5EF4-FFF2-40B4-BE49-F238E27FC236}">
+                <a16:creationId xmlns:a16="http://schemas.microsoft.com/office/drawing/2014/main" id="{4DA7F7DF-79FC-4782-8BBB-8E272F0DFB83}"/>
+              </a:ext>
+            </a:extLst>
+          </p:cNvPr>
+          <p:cNvSpPr>
+            <a:spLocks noGrp="1"/>
+          </p:cNvSpPr>
+          <p:nvPr>
+            <p:ph type="dt" sz="half" idx="10"/>
+          </p:nvPr>
+        </p:nvSpPr>
+        <p:spPr>
+          <a:xfrm>
+            <a:off x="350235" y="8751182"/>
+            <a:ext cx="3291840" cy="486833"/>
+          </a:xfrm>
+        </p:spPr>
+        <p:txBody>
+          <a:bodyPr/>
+          <a:lstStyle/>
+          <a:p>
+            <a:pPr rtl="0"/>
+            <a:r>
+              <a:rPr lang="pt-BR" dirty="0"/>
+              <a:t>04</a:t>
+            </a:r>
+            <a:r>
+              <a:rPr lang="pt-BR" noProof="0" dirty="0"/>
+              <a:t>/08/2018</a:t>
+            </a:r>
+          </a:p>
+        </p:txBody>
+      </p:sp>
+      <p:sp>
+        <p:nvSpPr>
+          <p:cNvPr id="14" name="Espaço reservado para rodapé 5">
+            <a:extLst>
+              <a:ext uri="{FF2B5EF4-FFF2-40B4-BE49-F238E27FC236}">
+                <a16:creationId xmlns:a16="http://schemas.microsoft.com/office/drawing/2014/main" id="{021DA041-32B5-43DD-B16D-F849B179196D}"/>
+              </a:ext>
+            </a:extLst>
+          </p:cNvPr>
+          <p:cNvSpPr>
+            <a:spLocks noGrp="1"/>
+          </p:cNvSpPr>
+          <p:nvPr>
+            <p:ph type="ftr" sz="quarter" idx="11"/>
+          </p:nvPr>
+        </p:nvSpPr>
+        <p:spPr>
+          <a:xfrm>
+            <a:off x="4846320" y="8751182"/>
+            <a:ext cx="4937760" cy="486833"/>
+          </a:xfrm>
+        </p:spPr>
+        <p:txBody>
+          <a:bodyPr rtlCol="0"/>
+          <a:lstStyle/>
+          <a:p>
+            <a:pPr rtl="0"/>
+            <a:r>
+              <a:rPr lang="pt-BR" dirty="0"/>
+              <a:t>Olé Tecnologia</a:t>
+            </a:r>
+          </a:p>
+        </p:txBody>
+      </p:sp>
+      <p:sp>
+        <p:nvSpPr>
+          <p:cNvPr id="10" name="Título 1">
+            <a:extLst>
+              <a:ext uri="{FF2B5EF4-FFF2-40B4-BE49-F238E27FC236}">
+                <a16:creationId xmlns:a16="http://schemas.microsoft.com/office/drawing/2014/main" id="{BE0E2390-5D4E-4824-847C-A5BB28BEDD70}"/>
+              </a:ext>
+            </a:extLst>
+          </p:cNvPr>
+          <p:cNvSpPr>
+            <a:spLocks noGrp="1"/>
+          </p:cNvSpPr>
+          <p:nvPr>
+            <p:ph type="title"/>
+          </p:nvPr>
+        </p:nvSpPr>
+        <p:spPr>
+          <a:xfrm>
+            <a:off x="1005840" y="486834"/>
+            <a:ext cx="12618720" cy="1767417"/>
+          </a:xfrm>
+        </p:spPr>
+        <p:txBody>
+          <a:bodyPr rtlCol="0"/>
+          <a:lstStyle/>
+          <a:p>
+            <a:pPr rtl="0"/>
+            <a:r>
+              <a:rPr lang="pt-BR" dirty="0"/>
+              <a:t>Domínio</a:t>
+            </a:r>
+          </a:p>
+        </p:txBody>
+      </p:sp>
+      <p:sp>
+        <p:nvSpPr>
+          <p:cNvPr id="3" name="Retângulo 2">
+            <a:extLst>
+              <a:ext uri="{FF2B5EF4-FFF2-40B4-BE49-F238E27FC236}">
+                <a16:creationId xmlns:a16="http://schemas.microsoft.com/office/drawing/2014/main" id="{852AB4ED-16DB-4B6A-81E9-762260AD8914}"/>
+              </a:ext>
+            </a:extLst>
+          </p:cNvPr>
+          <p:cNvSpPr/>
+          <p:nvPr/>
+        </p:nvSpPr>
+        <p:spPr>
+          <a:xfrm>
+            <a:off x="3619947" y="2891873"/>
+            <a:ext cx="7390504" cy="2610843"/>
+          </a:xfrm>
+          <a:prstGeom prst="rect">
+            <a:avLst/>
+          </a:prstGeom>
+        </p:spPr>
+        <p:txBody>
+          <a:bodyPr wrap="square">
+            <a:spAutoFit/>
+          </a:bodyPr>
+          <a:lstStyle/>
+          <a:p>
+            <a:pPr algn="ctr">
+              <a:lnSpc>
+                <a:spcPct val="150000"/>
+              </a:lnSpc>
+            </a:pPr>
+            <a:r>
+              <a:rPr lang="pt-BR" sz="2800" i="1" dirty="0"/>
+              <a:t>"Qualquer tolo consegue escrever código que um computador entenda. Bons programadores escrevem código que humanos possam entender." </a:t>
+            </a:r>
+            <a:r>
+              <a:rPr lang="pt-BR" sz="2800" dirty="0"/>
+              <a:t>(Martin Fowler)</a:t>
+            </a:r>
+          </a:p>
+        </p:txBody>
+      </p:sp>
+    </p:spTree>
+    <p:extLst>
+      <p:ext uri="{BB962C8B-B14F-4D97-AF65-F5344CB8AC3E}">
+        <p14:creationId xmlns:p14="http://schemas.microsoft.com/office/powerpoint/2010/main" val="4263811991"/>
+      </p:ext>
+    </p:extLst>
+  </p:cSld>
+  <p:clrMapOvr>
+    <a:masterClrMapping/>
+  </p:clrMapOvr>
+</p:sld>
+</file>
+
+<file path=ppt/slides/slide44.xml><?xml version="1.0" encoding="utf-8"?>
+<p:sld xmlns:a="http://schemas.openxmlformats.org/drawingml/2006/main" xmlns:r="http://schemas.openxmlformats.org/officeDocument/2006/relationships" xmlns:p="http://schemas.openxmlformats.org/presentationml/2006/main">
+  <p:cSld>
+    <p:spTree>
+      <p:nvGrpSpPr>
+        <p:cNvPr id="1" name=""/>
+        <p:cNvGrpSpPr/>
+        <p:nvPr/>
+      </p:nvGrpSpPr>
+      <p:grpSpPr>
+        <a:xfrm>
+          <a:off x="0" y="0"/>
+          <a:ext cx="0" cy="0"/>
+          <a:chOff x="0" y="0"/>
+          <a:chExt cx="0" cy="0"/>
+        </a:xfrm>
+      </p:grpSpPr>
+      <p:sp>
+        <p:nvSpPr>
+          <p:cNvPr id="13" name="Espaço Reservado para Data 4">
+            <a:extLst>
+              <a:ext uri="{FF2B5EF4-FFF2-40B4-BE49-F238E27FC236}">
+                <a16:creationId xmlns:a16="http://schemas.microsoft.com/office/drawing/2014/main" id="{4DA7F7DF-79FC-4782-8BBB-8E272F0DFB83}"/>
+              </a:ext>
+            </a:extLst>
+          </p:cNvPr>
+          <p:cNvSpPr>
+            <a:spLocks noGrp="1"/>
+          </p:cNvSpPr>
+          <p:nvPr>
+            <p:ph type="dt" sz="half" idx="10"/>
+          </p:nvPr>
+        </p:nvSpPr>
+        <p:spPr>
+          <a:xfrm>
+            <a:off x="350235" y="8751182"/>
+            <a:ext cx="3291840" cy="486833"/>
+          </a:xfrm>
+        </p:spPr>
+        <p:txBody>
+          <a:bodyPr/>
+          <a:lstStyle/>
+          <a:p>
+            <a:pPr rtl="0"/>
+            <a:r>
+              <a:rPr lang="pt-BR" dirty="0"/>
+              <a:t>04</a:t>
+            </a:r>
+            <a:r>
+              <a:rPr lang="pt-BR" noProof="0" dirty="0"/>
+              <a:t>/08/2018</a:t>
+            </a:r>
+          </a:p>
+        </p:txBody>
+      </p:sp>
+      <p:sp>
+        <p:nvSpPr>
+          <p:cNvPr id="14" name="Espaço reservado para rodapé 5">
+            <a:extLst>
+              <a:ext uri="{FF2B5EF4-FFF2-40B4-BE49-F238E27FC236}">
+                <a16:creationId xmlns:a16="http://schemas.microsoft.com/office/drawing/2014/main" id="{021DA041-32B5-43DD-B16D-F849B179196D}"/>
+              </a:ext>
+            </a:extLst>
+          </p:cNvPr>
+          <p:cNvSpPr>
+            <a:spLocks noGrp="1"/>
+          </p:cNvSpPr>
+          <p:nvPr>
+            <p:ph type="ftr" sz="quarter" idx="11"/>
+          </p:nvPr>
+        </p:nvSpPr>
+        <p:spPr>
+          <a:xfrm>
+            <a:off x="4846320" y="8751182"/>
+            <a:ext cx="4937760" cy="486833"/>
+          </a:xfrm>
+        </p:spPr>
+        <p:txBody>
+          <a:bodyPr rtlCol="0"/>
+          <a:lstStyle/>
+          <a:p>
+            <a:pPr rtl="0"/>
+            <a:r>
+              <a:rPr lang="pt-BR" dirty="0"/>
+              <a:t>Olé Tecnologia</a:t>
+            </a:r>
+          </a:p>
+        </p:txBody>
+      </p:sp>
+      <p:sp>
+        <p:nvSpPr>
+          <p:cNvPr id="10" name="Título 1">
+            <a:extLst>
+              <a:ext uri="{FF2B5EF4-FFF2-40B4-BE49-F238E27FC236}">
+                <a16:creationId xmlns:a16="http://schemas.microsoft.com/office/drawing/2014/main" id="{BE0E2390-5D4E-4824-847C-A5BB28BEDD70}"/>
+              </a:ext>
+            </a:extLst>
+          </p:cNvPr>
+          <p:cNvSpPr>
+            <a:spLocks noGrp="1"/>
+          </p:cNvSpPr>
+          <p:nvPr>
+            <p:ph type="title"/>
+          </p:nvPr>
+        </p:nvSpPr>
+        <p:spPr>
+          <a:xfrm>
+            <a:off x="1005840" y="486834"/>
+            <a:ext cx="12618720" cy="1767417"/>
+          </a:xfrm>
+        </p:spPr>
+        <p:txBody>
+          <a:bodyPr rtlCol="0"/>
+          <a:lstStyle/>
+          <a:p>
+            <a:pPr rtl="0"/>
+            <a:r>
+              <a:rPr lang="pt-BR" dirty="0"/>
+              <a:t>Aplicação</a:t>
+            </a:r>
+          </a:p>
+        </p:txBody>
+      </p:sp>
+      <p:pic>
+        <p:nvPicPr>
+          <p:cNvPr id="4" name="Imagem 3">
+            <a:extLst>
+              <a:ext uri="{FF2B5EF4-FFF2-40B4-BE49-F238E27FC236}">
+                <a16:creationId xmlns:a16="http://schemas.microsoft.com/office/drawing/2014/main" id="{660CB5FE-FE25-4B51-8F4C-377165B7F82D}"/>
+              </a:ext>
+            </a:extLst>
+          </p:cNvPr>
+          <p:cNvPicPr>
+            <a:picLocks noChangeAspect="1"/>
+          </p:cNvPicPr>
+          <p:nvPr/>
+        </p:nvPicPr>
+        <p:blipFill>
+          <a:blip r:embed="rId2"/>
+          <a:stretch>
+            <a:fillRect/>
+          </a:stretch>
+        </p:blipFill>
+        <p:spPr>
+          <a:xfrm>
+            <a:off x="2002435" y="1857376"/>
+            <a:ext cx="10625530" cy="6442112"/>
+          </a:xfrm>
+          <a:prstGeom prst="rect">
+            <a:avLst/>
+          </a:prstGeom>
+        </p:spPr>
+      </p:pic>
+    </p:spTree>
+    <p:extLst>
+      <p:ext uri="{BB962C8B-B14F-4D97-AF65-F5344CB8AC3E}">
+        <p14:creationId xmlns:p14="http://schemas.microsoft.com/office/powerpoint/2010/main" val="3367089568"/>
+      </p:ext>
+    </p:extLst>
+  </p:cSld>
+  <p:clrMapOvr>
+    <a:masterClrMapping/>
+  </p:clrMapOvr>
+</p:sld>
+</file>
+
+<file path=ppt/slides/slide45.xml><?xml version="1.0" encoding="utf-8"?>
+<p:sld xmlns:a="http://schemas.openxmlformats.org/drawingml/2006/main" xmlns:r="http://schemas.openxmlformats.org/officeDocument/2006/relationships" xmlns:p="http://schemas.openxmlformats.org/presentationml/2006/main">
+  <p:cSld>
+    <p:spTree>
+      <p:nvGrpSpPr>
+        <p:cNvPr id="1" name=""/>
+        <p:cNvGrpSpPr/>
+        <p:nvPr/>
+      </p:nvGrpSpPr>
+      <p:grpSpPr>
+        <a:xfrm>
+          <a:off x="0" y="0"/>
+          <a:ext cx="0" cy="0"/>
+          <a:chOff x="0" y="0"/>
+          <a:chExt cx="0" cy="0"/>
+        </a:xfrm>
+      </p:grpSpPr>
+      <p:sp>
+        <p:nvSpPr>
+          <p:cNvPr id="13" name="Espaço Reservado para Data 4">
+            <a:extLst>
+              <a:ext uri="{FF2B5EF4-FFF2-40B4-BE49-F238E27FC236}">
+                <a16:creationId xmlns:a16="http://schemas.microsoft.com/office/drawing/2014/main" id="{4DA7F7DF-79FC-4782-8BBB-8E272F0DFB83}"/>
+              </a:ext>
+            </a:extLst>
+          </p:cNvPr>
+          <p:cNvSpPr>
+            <a:spLocks noGrp="1"/>
+          </p:cNvSpPr>
+          <p:nvPr>
+            <p:ph type="dt" sz="half" idx="10"/>
+          </p:nvPr>
+        </p:nvSpPr>
+        <p:spPr>
+          <a:xfrm>
+            <a:off x="350235" y="8751182"/>
+            <a:ext cx="3291840" cy="486833"/>
+          </a:xfrm>
+        </p:spPr>
+        <p:txBody>
+          <a:bodyPr/>
+          <a:lstStyle/>
+          <a:p>
+            <a:pPr rtl="0"/>
+            <a:r>
+              <a:rPr lang="pt-BR" dirty="0"/>
+              <a:t>04</a:t>
+            </a:r>
+            <a:r>
+              <a:rPr lang="pt-BR" noProof="0" dirty="0"/>
+              <a:t>/08/2018</a:t>
+            </a:r>
+          </a:p>
+        </p:txBody>
+      </p:sp>
+      <p:sp>
+        <p:nvSpPr>
+          <p:cNvPr id="14" name="Espaço reservado para rodapé 5">
+            <a:extLst>
+              <a:ext uri="{FF2B5EF4-FFF2-40B4-BE49-F238E27FC236}">
+                <a16:creationId xmlns:a16="http://schemas.microsoft.com/office/drawing/2014/main" id="{021DA041-32B5-43DD-B16D-F849B179196D}"/>
+              </a:ext>
+            </a:extLst>
+          </p:cNvPr>
+          <p:cNvSpPr>
+            <a:spLocks noGrp="1"/>
+          </p:cNvSpPr>
+          <p:nvPr>
+            <p:ph type="ftr" sz="quarter" idx="11"/>
+          </p:nvPr>
+        </p:nvSpPr>
+        <p:spPr>
+          <a:xfrm>
+            <a:off x="4846320" y="8751182"/>
+            <a:ext cx="4937760" cy="486833"/>
+          </a:xfrm>
+        </p:spPr>
+        <p:txBody>
+          <a:bodyPr rtlCol="0"/>
+          <a:lstStyle/>
+          <a:p>
+            <a:pPr rtl="0"/>
+            <a:r>
+              <a:rPr lang="pt-BR" dirty="0"/>
+              <a:t>Olé Tecnologia</a:t>
+            </a:r>
+          </a:p>
+        </p:txBody>
+      </p:sp>
+      <p:sp>
+        <p:nvSpPr>
+          <p:cNvPr id="10" name="Título 1">
+            <a:extLst>
+              <a:ext uri="{FF2B5EF4-FFF2-40B4-BE49-F238E27FC236}">
+                <a16:creationId xmlns:a16="http://schemas.microsoft.com/office/drawing/2014/main" id="{BE0E2390-5D4E-4824-847C-A5BB28BEDD70}"/>
+              </a:ext>
+            </a:extLst>
+          </p:cNvPr>
+          <p:cNvSpPr>
+            <a:spLocks noGrp="1"/>
+          </p:cNvSpPr>
+          <p:nvPr>
+            <p:ph type="title"/>
+          </p:nvPr>
+        </p:nvSpPr>
+        <p:spPr>
+          <a:xfrm>
+            <a:off x="1005840" y="486834"/>
+            <a:ext cx="12618720" cy="1767417"/>
+          </a:xfrm>
+        </p:spPr>
+        <p:txBody>
+          <a:bodyPr rtlCol="0"/>
+          <a:lstStyle/>
+          <a:p>
+            <a:pPr rtl="0"/>
+            <a:r>
+              <a:rPr lang="pt-BR" dirty="0"/>
+              <a:t>Aplicação</a:t>
+            </a:r>
+          </a:p>
+        </p:txBody>
+      </p:sp>
+      <p:sp>
+        <p:nvSpPr>
+          <p:cNvPr id="6" name="CaixaDeTexto 5">
+            <a:extLst>
+              <a:ext uri="{FF2B5EF4-FFF2-40B4-BE49-F238E27FC236}">
+                <a16:creationId xmlns:a16="http://schemas.microsoft.com/office/drawing/2014/main" id="{2C82652E-0C3B-4CE4-8F7F-177CFF655F55}"/>
+              </a:ext>
+            </a:extLst>
+          </p:cNvPr>
+          <p:cNvSpPr txBox="1"/>
+          <p:nvPr/>
+        </p:nvSpPr>
+        <p:spPr>
+          <a:xfrm>
+            <a:off x="1413438" y="2617856"/>
+            <a:ext cx="11480794" cy="2862322"/>
+          </a:xfrm>
+          <a:prstGeom prst="rect">
+            <a:avLst/>
+          </a:prstGeom>
+          <a:noFill/>
+        </p:spPr>
+        <p:txBody>
+          <a:bodyPr wrap="square" rtlCol="0">
+            <a:spAutoFit/>
+          </a:bodyPr>
+          <a:lstStyle/>
+          <a:p>
+            <a:pPr marL="571500" indent="-571500">
+              <a:buFont typeface="Wingdings" panose="05000000000000000000" pitchFamily="2" charset="2"/>
+              <a:buChar char="Ø"/>
+            </a:pPr>
+            <a:r>
+              <a:rPr lang="pt-BR" sz="3600" dirty="0"/>
+              <a:t>Assim como o domínio, a camada de aplicação também deve ser agnóstica à tecnologia.</a:t>
+            </a:r>
+          </a:p>
+          <a:p>
+            <a:endParaRPr lang="pt-BR" sz="3600" dirty="0"/>
+          </a:p>
+          <a:p>
+            <a:pPr marL="571500" indent="-571500">
+              <a:buFont typeface="Wingdings" panose="05000000000000000000" pitchFamily="2" charset="2"/>
+              <a:buChar char="Ø"/>
+            </a:pPr>
+            <a:r>
+              <a:rPr lang="pt-BR" sz="3600" dirty="0"/>
+              <a:t>A única dependência da camada de Aplicação deve ser a camada de Domínio</a:t>
+            </a:r>
+          </a:p>
+        </p:txBody>
+      </p:sp>
+    </p:spTree>
+    <p:extLst>
+      <p:ext uri="{BB962C8B-B14F-4D97-AF65-F5344CB8AC3E}">
+        <p14:creationId xmlns:p14="http://schemas.microsoft.com/office/powerpoint/2010/main" val="4113882387"/>
+      </p:ext>
+    </p:extLst>
+  </p:cSld>
+  <p:clrMapOvr>
+    <a:masterClrMapping/>
+  </p:clrMapOvr>
+</p:sld>
+</file>
+
+<file path=ppt/slides/slide46.xml><?xml version="1.0" encoding="utf-8"?>
+<p:sld xmlns:a="http://schemas.openxmlformats.org/drawingml/2006/main" xmlns:r="http://schemas.openxmlformats.org/officeDocument/2006/relationships" xmlns:p="http://schemas.openxmlformats.org/presentationml/2006/main">
+  <p:cSld>
+    <p:spTree>
+      <p:nvGrpSpPr>
+        <p:cNvPr id="1" name=""/>
+        <p:cNvGrpSpPr/>
+        <p:nvPr/>
+      </p:nvGrpSpPr>
+      <p:grpSpPr>
+        <a:xfrm>
+          <a:off x="0" y="0"/>
+          <a:ext cx="0" cy="0"/>
+          <a:chOff x="0" y="0"/>
+          <a:chExt cx="0" cy="0"/>
+        </a:xfrm>
+      </p:grpSpPr>
+      <p:sp>
+        <p:nvSpPr>
+          <p:cNvPr id="13" name="Espaço Reservado para Data 4">
+            <a:extLst>
+              <a:ext uri="{FF2B5EF4-FFF2-40B4-BE49-F238E27FC236}">
+                <a16:creationId xmlns:a16="http://schemas.microsoft.com/office/drawing/2014/main" id="{4DA7F7DF-79FC-4782-8BBB-8E272F0DFB83}"/>
+              </a:ext>
+            </a:extLst>
+          </p:cNvPr>
+          <p:cNvSpPr>
+            <a:spLocks noGrp="1"/>
+          </p:cNvSpPr>
+          <p:nvPr>
+            <p:ph type="dt" sz="half" idx="10"/>
+          </p:nvPr>
+        </p:nvSpPr>
+        <p:spPr>
+          <a:xfrm>
+            <a:off x="350235" y="8751182"/>
+            <a:ext cx="3291840" cy="486833"/>
+          </a:xfrm>
+        </p:spPr>
+        <p:txBody>
+          <a:bodyPr/>
+          <a:lstStyle/>
+          <a:p>
+            <a:pPr rtl="0"/>
+            <a:r>
+              <a:rPr lang="pt-BR" dirty="0"/>
+              <a:t>04</a:t>
+            </a:r>
+            <a:r>
+              <a:rPr lang="pt-BR" noProof="0" dirty="0"/>
+              <a:t>/08/2018</a:t>
+            </a:r>
+          </a:p>
+        </p:txBody>
+      </p:sp>
+      <p:sp>
+        <p:nvSpPr>
+          <p:cNvPr id="14" name="Espaço reservado para rodapé 5">
+            <a:extLst>
+              <a:ext uri="{FF2B5EF4-FFF2-40B4-BE49-F238E27FC236}">
+                <a16:creationId xmlns:a16="http://schemas.microsoft.com/office/drawing/2014/main" id="{021DA041-32B5-43DD-B16D-F849B179196D}"/>
+              </a:ext>
+            </a:extLst>
+          </p:cNvPr>
+          <p:cNvSpPr>
+            <a:spLocks noGrp="1"/>
+          </p:cNvSpPr>
+          <p:nvPr>
+            <p:ph type="ftr" sz="quarter" idx="11"/>
+          </p:nvPr>
+        </p:nvSpPr>
+        <p:spPr>
+          <a:xfrm>
+            <a:off x="4846320" y="8751182"/>
+            <a:ext cx="4937760" cy="486833"/>
+          </a:xfrm>
+        </p:spPr>
+        <p:txBody>
+          <a:bodyPr rtlCol="0"/>
+          <a:lstStyle/>
+          <a:p>
+            <a:pPr rtl="0"/>
+            <a:r>
+              <a:rPr lang="pt-BR" dirty="0"/>
+              <a:t>Olé Tecnologia</a:t>
+            </a:r>
+          </a:p>
+        </p:txBody>
+      </p:sp>
+      <p:sp>
+        <p:nvSpPr>
+          <p:cNvPr id="10" name="Título 1">
+            <a:extLst>
+              <a:ext uri="{FF2B5EF4-FFF2-40B4-BE49-F238E27FC236}">
+                <a16:creationId xmlns:a16="http://schemas.microsoft.com/office/drawing/2014/main" id="{BE0E2390-5D4E-4824-847C-A5BB28BEDD70}"/>
+              </a:ext>
+            </a:extLst>
+          </p:cNvPr>
+          <p:cNvSpPr>
+            <a:spLocks noGrp="1"/>
+          </p:cNvSpPr>
+          <p:nvPr>
+            <p:ph type="title"/>
+          </p:nvPr>
+        </p:nvSpPr>
+        <p:spPr>
+          <a:xfrm>
+            <a:off x="1005840" y="486834"/>
+            <a:ext cx="12618720" cy="1767417"/>
+          </a:xfrm>
+        </p:spPr>
+        <p:txBody>
+          <a:bodyPr rtlCol="0"/>
+          <a:lstStyle/>
+          <a:p>
+            <a:pPr rtl="0"/>
+            <a:r>
+              <a:rPr lang="pt-BR" dirty="0"/>
+              <a:t>Infraestrutura</a:t>
+            </a:r>
+          </a:p>
+        </p:txBody>
+      </p:sp>
+      <p:pic>
+        <p:nvPicPr>
+          <p:cNvPr id="2" name="Imagem 1">
+            <a:extLst>
+              <a:ext uri="{FF2B5EF4-FFF2-40B4-BE49-F238E27FC236}">
+                <a16:creationId xmlns:a16="http://schemas.microsoft.com/office/drawing/2014/main" id="{343E0805-6E92-496F-9C66-2B66C310F1DB}"/>
+              </a:ext>
+            </a:extLst>
+          </p:cNvPr>
+          <p:cNvPicPr>
+            <a:picLocks noChangeAspect="1"/>
+          </p:cNvPicPr>
+          <p:nvPr/>
+        </p:nvPicPr>
+        <p:blipFill>
+          <a:blip r:embed="rId2"/>
+          <a:stretch>
+            <a:fillRect/>
+          </a:stretch>
+        </p:blipFill>
+        <p:spPr>
+          <a:xfrm>
+            <a:off x="3465979" y="2041431"/>
+            <a:ext cx="6922259" cy="5381345"/>
+          </a:xfrm>
+          <a:prstGeom prst="rect">
+            <a:avLst/>
+          </a:prstGeom>
+        </p:spPr>
+      </p:pic>
+    </p:spTree>
+    <p:extLst>
+      <p:ext uri="{BB962C8B-B14F-4D97-AF65-F5344CB8AC3E}">
+        <p14:creationId xmlns:p14="http://schemas.microsoft.com/office/powerpoint/2010/main" val="4063240757"/>
+      </p:ext>
+    </p:extLst>
+  </p:cSld>
+  <p:clrMapOvr>
+    <a:masterClrMapping/>
+  </p:clrMapOvr>
+</p:sld>
+</file>
+
+<file path=ppt/slides/slide47.xml><?xml version="1.0" encoding="utf-8"?>
+<p:sld xmlns:a="http://schemas.openxmlformats.org/drawingml/2006/main" xmlns:r="http://schemas.openxmlformats.org/officeDocument/2006/relationships" xmlns:p="http://schemas.openxmlformats.org/presentationml/2006/main">
+  <p:cSld>
+    <p:spTree>
+      <p:nvGrpSpPr>
+        <p:cNvPr id="1" name=""/>
+        <p:cNvGrpSpPr/>
+        <p:nvPr/>
+      </p:nvGrpSpPr>
+      <p:grpSpPr>
+        <a:xfrm>
+          <a:off x="0" y="0"/>
+          <a:ext cx="0" cy="0"/>
+          <a:chOff x="0" y="0"/>
+          <a:chExt cx="0" cy="0"/>
+        </a:xfrm>
+      </p:grpSpPr>
+      <p:sp>
+        <p:nvSpPr>
+          <p:cNvPr id="13" name="Espaço Reservado para Data 4">
+            <a:extLst>
+              <a:ext uri="{FF2B5EF4-FFF2-40B4-BE49-F238E27FC236}">
+                <a16:creationId xmlns:a16="http://schemas.microsoft.com/office/drawing/2014/main" id="{4DA7F7DF-79FC-4782-8BBB-8E272F0DFB83}"/>
+              </a:ext>
+            </a:extLst>
+          </p:cNvPr>
+          <p:cNvSpPr>
+            <a:spLocks noGrp="1"/>
+          </p:cNvSpPr>
+          <p:nvPr>
+            <p:ph type="dt" sz="half" idx="10"/>
+          </p:nvPr>
+        </p:nvSpPr>
+        <p:spPr>
+          <a:xfrm>
+            <a:off x="350235" y="8751182"/>
+            <a:ext cx="3291840" cy="486833"/>
+          </a:xfrm>
+        </p:spPr>
+        <p:txBody>
+          <a:bodyPr/>
+          <a:lstStyle/>
+          <a:p>
+            <a:pPr rtl="0"/>
+            <a:r>
+              <a:rPr lang="pt-BR" dirty="0"/>
+              <a:t>04</a:t>
+            </a:r>
+            <a:r>
+              <a:rPr lang="pt-BR" noProof="0" dirty="0"/>
+              <a:t>/08/2018</a:t>
+            </a:r>
+          </a:p>
+        </p:txBody>
+      </p:sp>
+      <p:sp>
+        <p:nvSpPr>
+          <p:cNvPr id="14" name="Espaço reservado para rodapé 5">
+            <a:extLst>
+              <a:ext uri="{FF2B5EF4-FFF2-40B4-BE49-F238E27FC236}">
+                <a16:creationId xmlns:a16="http://schemas.microsoft.com/office/drawing/2014/main" id="{021DA041-32B5-43DD-B16D-F849B179196D}"/>
+              </a:ext>
+            </a:extLst>
+          </p:cNvPr>
+          <p:cNvSpPr>
+            <a:spLocks noGrp="1"/>
+          </p:cNvSpPr>
+          <p:nvPr>
+            <p:ph type="ftr" sz="quarter" idx="11"/>
+          </p:nvPr>
+        </p:nvSpPr>
+        <p:spPr>
+          <a:xfrm>
+            <a:off x="4846320" y="8751182"/>
+            <a:ext cx="4937760" cy="486833"/>
+          </a:xfrm>
+        </p:spPr>
+        <p:txBody>
+          <a:bodyPr rtlCol="0"/>
+          <a:lstStyle/>
+          <a:p>
+            <a:pPr rtl="0"/>
+            <a:r>
+              <a:rPr lang="pt-BR" dirty="0"/>
+              <a:t>Olé Tecnologia</a:t>
+            </a:r>
+          </a:p>
+        </p:txBody>
+      </p:sp>
+      <p:sp>
+        <p:nvSpPr>
+          <p:cNvPr id="10" name="Título 1">
+            <a:extLst>
+              <a:ext uri="{FF2B5EF4-FFF2-40B4-BE49-F238E27FC236}">
+                <a16:creationId xmlns:a16="http://schemas.microsoft.com/office/drawing/2014/main" id="{BE0E2390-5D4E-4824-847C-A5BB28BEDD70}"/>
+              </a:ext>
+            </a:extLst>
+          </p:cNvPr>
+          <p:cNvSpPr>
+            <a:spLocks noGrp="1"/>
+          </p:cNvSpPr>
+          <p:nvPr>
+            <p:ph type="title"/>
+          </p:nvPr>
+        </p:nvSpPr>
+        <p:spPr>
+          <a:xfrm>
+            <a:off x="1005840" y="486834"/>
+            <a:ext cx="12618720" cy="1767417"/>
+          </a:xfrm>
+        </p:spPr>
+        <p:txBody>
+          <a:bodyPr rtlCol="0"/>
+          <a:lstStyle/>
+          <a:p>
+            <a:pPr rtl="0"/>
+            <a:r>
+              <a:rPr lang="pt-BR" dirty="0"/>
+              <a:t>Infraestrutura</a:t>
+            </a:r>
+          </a:p>
+        </p:txBody>
+      </p:sp>
+      <p:pic>
+        <p:nvPicPr>
+          <p:cNvPr id="3" name="Imagem 2">
+            <a:extLst>
+              <a:ext uri="{FF2B5EF4-FFF2-40B4-BE49-F238E27FC236}">
+                <a16:creationId xmlns:a16="http://schemas.microsoft.com/office/drawing/2014/main" id="{AD6FD74C-6620-4A1A-B2B0-251CEE4CA682}"/>
+              </a:ext>
+            </a:extLst>
+          </p:cNvPr>
+          <p:cNvPicPr>
+            <a:picLocks noChangeAspect="1"/>
+          </p:cNvPicPr>
+          <p:nvPr/>
+        </p:nvPicPr>
+        <p:blipFill>
+          <a:blip r:embed="rId2"/>
+          <a:stretch>
+            <a:fillRect/>
+          </a:stretch>
+        </p:blipFill>
+        <p:spPr>
+          <a:xfrm>
+            <a:off x="2130626" y="2892877"/>
+            <a:ext cx="4495800" cy="3381375"/>
+          </a:xfrm>
+          <a:prstGeom prst="rect">
+            <a:avLst/>
+          </a:prstGeom>
+        </p:spPr>
+      </p:pic>
+      <p:pic>
+        <p:nvPicPr>
+          <p:cNvPr id="7" name="Imagem 6">
+            <a:extLst>
+              <a:ext uri="{FF2B5EF4-FFF2-40B4-BE49-F238E27FC236}">
+                <a16:creationId xmlns:a16="http://schemas.microsoft.com/office/drawing/2014/main" id="{C33C599D-2835-4AA6-A77F-72A2084D72A2}"/>
+              </a:ext>
+            </a:extLst>
+          </p:cNvPr>
+          <p:cNvPicPr>
+            <a:picLocks noChangeAspect="1"/>
+          </p:cNvPicPr>
+          <p:nvPr/>
+        </p:nvPicPr>
+        <p:blipFill>
+          <a:blip r:embed="rId3">
+            <a:extLst>
+              <a:ext uri="{28A0092B-C50C-407E-A947-70E740481C1C}">
+                <a14:useLocalDpi xmlns:a14="http://schemas.microsoft.com/office/drawing/2010/main" val="0"/>
+              </a:ext>
+            </a:extLst>
+          </a:blip>
+          <a:stretch>
+            <a:fillRect/>
+          </a:stretch>
+        </p:blipFill>
+        <p:spPr>
+          <a:xfrm>
+            <a:off x="8342774" y="4073845"/>
+            <a:ext cx="4353702" cy="1451234"/>
+          </a:xfrm>
+          <a:prstGeom prst="rect">
+            <a:avLst/>
+          </a:prstGeom>
+        </p:spPr>
+      </p:pic>
+      <p:pic>
+        <p:nvPicPr>
+          <p:cNvPr id="9" name="Imagem 8">
+            <a:extLst>
+              <a:ext uri="{FF2B5EF4-FFF2-40B4-BE49-F238E27FC236}">
+                <a16:creationId xmlns:a16="http://schemas.microsoft.com/office/drawing/2014/main" id="{3ADF1756-AA95-443F-A91D-DE1A7B8F23BF}"/>
+              </a:ext>
+            </a:extLst>
+          </p:cNvPr>
+          <p:cNvPicPr>
+            <a:picLocks noChangeAspect="1"/>
+          </p:cNvPicPr>
+          <p:nvPr/>
+        </p:nvPicPr>
+        <p:blipFill>
+          <a:blip r:embed="rId4">
+            <a:extLst>
+              <a:ext uri="{28A0092B-C50C-407E-A947-70E740481C1C}">
+                <a14:useLocalDpi xmlns:a14="http://schemas.microsoft.com/office/drawing/2010/main" val="0"/>
+              </a:ext>
+            </a:extLst>
+          </a:blip>
+          <a:stretch>
+            <a:fillRect/>
+          </a:stretch>
+        </p:blipFill>
+        <p:spPr>
+          <a:xfrm>
+            <a:off x="7817992" y="6274252"/>
+            <a:ext cx="5403265" cy="2315685"/>
+          </a:xfrm>
+          <a:prstGeom prst="rect">
+            <a:avLst/>
+          </a:prstGeom>
+        </p:spPr>
+      </p:pic>
+      <p:cxnSp>
+        <p:nvCxnSpPr>
+          <p:cNvPr id="12" name="Conector de Seta Reta 11">
+            <a:extLst>
+              <a:ext uri="{FF2B5EF4-FFF2-40B4-BE49-F238E27FC236}">
+                <a16:creationId xmlns:a16="http://schemas.microsoft.com/office/drawing/2014/main" id="{623D602A-3C2A-4E24-BB48-532156023B89}"/>
+              </a:ext>
+            </a:extLst>
+          </p:cNvPr>
+          <p:cNvCxnSpPr>
+            <a:cxnSpLocks/>
+          </p:cNvCxnSpPr>
+          <p:nvPr/>
+        </p:nvCxnSpPr>
+        <p:spPr>
+          <a:xfrm flipV="1">
+            <a:off x="6752350" y="2415496"/>
+            <a:ext cx="1590424" cy="1129843"/>
+          </a:xfrm>
+          <a:prstGeom prst="straightConnector1">
+            <a:avLst/>
+          </a:prstGeom>
+          <a:ln w="28575">
+            <a:tailEnd type="triangle"/>
+          </a:ln>
+        </p:spPr>
+        <p:style>
+          <a:lnRef idx="1">
+            <a:schemeClr val="accent1"/>
+          </a:lnRef>
+          <a:fillRef idx="0">
+            <a:schemeClr val="accent1"/>
+          </a:fillRef>
+          <a:effectRef idx="0">
+            <a:schemeClr val="accent1"/>
+          </a:effectRef>
+          <a:fontRef idx="minor">
+            <a:schemeClr val="tx1"/>
+          </a:fontRef>
+        </p:style>
+      </p:cxnSp>
+      <p:cxnSp>
+        <p:nvCxnSpPr>
+          <p:cNvPr id="17" name="Conector de Seta Reta 16">
+            <a:extLst>
+              <a:ext uri="{FF2B5EF4-FFF2-40B4-BE49-F238E27FC236}">
+                <a16:creationId xmlns:a16="http://schemas.microsoft.com/office/drawing/2014/main" id="{8AC32913-77E4-463F-8A03-46D1C2555AAE}"/>
+              </a:ext>
+            </a:extLst>
+          </p:cNvPr>
+          <p:cNvCxnSpPr>
+            <a:cxnSpLocks/>
+          </p:cNvCxnSpPr>
+          <p:nvPr/>
+        </p:nvCxnSpPr>
+        <p:spPr>
+          <a:xfrm>
+            <a:off x="6626426" y="4799462"/>
+            <a:ext cx="1472545" cy="0"/>
+          </a:xfrm>
+          <a:prstGeom prst="straightConnector1">
+            <a:avLst/>
+          </a:prstGeom>
+          <a:ln w="28575">
+            <a:tailEnd type="triangle"/>
+          </a:ln>
+        </p:spPr>
+        <p:style>
+          <a:lnRef idx="1">
+            <a:schemeClr val="accent1"/>
+          </a:lnRef>
+          <a:fillRef idx="0">
+            <a:schemeClr val="accent1"/>
+          </a:fillRef>
+          <a:effectRef idx="0">
+            <a:schemeClr val="accent1"/>
+          </a:effectRef>
+          <a:fontRef idx="minor">
+            <a:schemeClr val="tx1"/>
+          </a:fontRef>
+        </p:style>
+      </p:cxnSp>
+      <p:cxnSp>
+        <p:nvCxnSpPr>
+          <p:cNvPr id="19" name="Conector de Seta Reta 18">
+            <a:extLst>
+              <a:ext uri="{FF2B5EF4-FFF2-40B4-BE49-F238E27FC236}">
+                <a16:creationId xmlns:a16="http://schemas.microsoft.com/office/drawing/2014/main" id="{85F7E09B-DF97-4850-A75C-6E3A137906D8}"/>
+              </a:ext>
+            </a:extLst>
+          </p:cNvPr>
+          <p:cNvCxnSpPr>
+            <a:cxnSpLocks/>
+          </p:cNvCxnSpPr>
+          <p:nvPr/>
+        </p:nvCxnSpPr>
+        <p:spPr>
+          <a:xfrm>
+            <a:off x="6752350" y="5815111"/>
+            <a:ext cx="1590424" cy="1529563"/>
+          </a:xfrm>
+          <a:prstGeom prst="straightConnector1">
+            <a:avLst/>
+          </a:prstGeom>
+          <a:ln w="28575">
+            <a:tailEnd type="triangle"/>
+          </a:ln>
+        </p:spPr>
+        <p:style>
+          <a:lnRef idx="1">
+            <a:schemeClr val="accent1"/>
+          </a:lnRef>
+          <a:fillRef idx="0">
+            <a:schemeClr val="accent1"/>
+          </a:fillRef>
+          <a:effectRef idx="0">
+            <a:schemeClr val="accent1"/>
+          </a:effectRef>
+          <a:fontRef idx="minor">
+            <a:schemeClr val="tx1"/>
+          </a:fontRef>
+        </p:style>
+      </p:cxnSp>
+      <p:pic>
+        <p:nvPicPr>
+          <p:cNvPr id="23" name="Imagem 22">
+            <a:extLst>
+              <a:ext uri="{FF2B5EF4-FFF2-40B4-BE49-F238E27FC236}">
+                <a16:creationId xmlns:a16="http://schemas.microsoft.com/office/drawing/2014/main" id="{3BE2066E-08D7-45F1-A086-3539B98230E6}"/>
+              </a:ext>
+            </a:extLst>
+          </p:cNvPr>
+          <p:cNvPicPr>
+            <a:picLocks noChangeAspect="1"/>
+          </p:cNvPicPr>
+          <p:nvPr/>
+        </p:nvPicPr>
+        <p:blipFill>
+          <a:blip r:embed="rId5">
+            <a:extLst>
+              <a:ext uri="{28A0092B-C50C-407E-A947-70E740481C1C}">
+                <a14:useLocalDpi xmlns:a14="http://schemas.microsoft.com/office/drawing/2010/main" val="0"/>
+              </a:ext>
+            </a:extLst>
+          </a:blip>
+          <a:stretch>
+            <a:fillRect/>
+          </a:stretch>
+        </p:blipFill>
+        <p:spPr>
+          <a:xfrm>
+            <a:off x="6681503" y="1061070"/>
+            <a:ext cx="7676244" cy="2349871"/>
+          </a:xfrm>
+          <a:prstGeom prst="rect">
+            <a:avLst/>
+          </a:prstGeom>
+        </p:spPr>
+      </p:pic>
+    </p:spTree>
+    <p:extLst>
+      <p:ext uri="{BB962C8B-B14F-4D97-AF65-F5344CB8AC3E}">
+        <p14:creationId xmlns:p14="http://schemas.microsoft.com/office/powerpoint/2010/main" val="217081995"/>
+      </p:ext>
+    </p:extLst>
+  </p:cSld>
+  <p:clrMapOvr>
+    <a:masterClrMapping/>
+  </p:clrMapOvr>
+</p:sld>
+</file>
+
+<file path=ppt/slides/slide48.xml><?xml version="1.0" encoding="utf-8"?>
+<p:sld xmlns:a="http://schemas.openxmlformats.org/drawingml/2006/main" xmlns:r="http://schemas.openxmlformats.org/officeDocument/2006/relationships" xmlns:p="http://schemas.openxmlformats.org/presentationml/2006/main">
+  <p:cSld>
+    <p:spTree>
+      <p:nvGrpSpPr>
+        <p:cNvPr id="1" name=""/>
+        <p:cNvGrpSpPr/>
+        <p:nvPr/>
+      </p:nvGrpSpPr>
+      <p:grpSpPr>
+        <a:xfrm>
+          <a:off x="0" y="0"/>
+          <a:ext cx="0" cy="0"/>
+          <a:chOff x="0" y="0"/>
+          <a:chExt cx="0" cy="0"/>
+        </a:xfrm>
+      </p:grpSpPr>
+      <p:sp>
+        <p:nvSpPr>
+          <p:cNvPr id="13" name="Espaço Reservado para Data 4">
+            <a:extLst>
+              <a:ext uri="{FF2B5EF4-FFF2-40B4-BE49-F238E27FC236}">
+                <a16:creationId xmlns:a16="http://schemas.microsoft.com/office/drawing/2014/main" id="{4DA7F7DF-79FC-4782-8BBB-8E272F0DFB83}"/>
+              </a:ext>
+            </a:extLst>
+          </p:cNvPr>
+          <p:cNvSpPr>
+            <a:spLocks noGrp="1"/>
+          </p:cNvSpPr>
+          <p:nvPr>
+            <p:ph type="dt" sz="half" idx="10"/>
+          </p:nvPr>
+        </p:nvSpPr>
+        <p:spPr>
+          <a:xfrm>
+            <a:off x="350235" y="8751182"/>
+            <a:ext cx="3291840" cy="486833"/>
+          </a:xfrm>
+        </p:spPr>
+        <p:txBody>
+          <a:bodyPr/>
+          <a:lstStyle/>
+          <a:p>
+            <a:pPr rtl="0"/>
+            <a:r>
+              <a:rPr lang="pt-BR" dirty="0"/>
+              <a:t>04</a:t>
+            </a:r>
+            <a:r>
+              <a:rPr lang="pt-BR" noProof="0" dirty="0"/>
+              <a:t>/08/2018</a:t>
+            </a:r>
+          </a:p>
+        </p:txBody>
+      </p:sp>
+      <p:sp>
+        <p:nvSpPr>
+          <p:cNvPr id="14" name="Espaço reservado para rodapé 5">
+            <a:extLst>
+              <a:ext uri="{FF2B5EF4-FFF2-40B4-BE49-F238E27FC236}">
+                <a16:creationId xmlns:a16="http://schemas.microsoft.com/office/drawing/2014/main" id="{021DA041-32B5-43DD-B16D-F849B179196D}"/>
+              </a:ext>
+            </a:extLst>
+          </p:cNvPr>
+          <p:cNvSpPr>
+            <a:spLocks noGrp="1"/>
+          </p:cNvSpPr>
+          <p:nvPr>
+            <p:ph type="ftr" sz="quarter" idx="11"/>
+          </p:nvPr>
+        </p:nvSpPr>
+        <p:spPr>
+          <a:xfrm>
+            <a:off x="4846320" y="8751182"/>
+            <a:ext cx="4937760" cy="486833"/>
+          </a:xfrm>
+        </p:spPr>
+        <p:txBody>
+          <a:bodyPr rtlCol="0"/>
+          <a:lstStyle/>
+          <a:p>
+            <a:pPr rtl="0"/>
+            <a:r>
+              <a:rPr lang="pt-BR" dirty="0"/>
+              <a:t>Olé Tecnologia</a:t>
+            </a:r>
+          </a:p>
+        </p:txBody>
+      </p:sp>
+      <p:pic>
+        <p:nvPicPr>
+          <p:cNvPr id="2" name="Imagem 1">
+            <a:extLst>
+              <a:ext uri="{FF2B5EF4-FFF2-40B4-BE49-F238E27FC236}">
+                <a16:creationId xmlns:a16="http://schemas.microsoft.com/office/drawing/2014/main" id="{FE531853-6265-4A98-98CF-07BD21C46A10}"/>
+              </a:ext>
+            </a:extLst>
+          </p:cNvPr>
+          <p:cNvPicPr>
+            <a:picLocks noChangeAspect="1"/>
+          </p:cNvPicPr>
+          <p:nvPr/>
+        </p:nvPicPr>
+        <p:blipFill>
+          <a:blip r:embed="rId2"/>
+          <a:stretch>
+            <a:fillRect/>
+          </a:stretch>
+        </p:blipFill>
+        <p:spPr>
+          <a:xfrm>
+            <a:off x="2479448" y="725715"/>
+            <a:ext cx="11258860" cy="8657166"/>
+          </a:xfrm>
+          <a:prstGeom prst="rect">
+            <a:avLst/>
+          </a:prstGeom>
+        </p:spPr>
+      </p:pic>
+      <p:sp>
+        <p:nvSpPr>
+          <p:cNvPr id="4" name="Retângulo 3">
+            <a:extLst>
+              <a:ext uri="{FF2B5EF4-FFF2-40B4-BE49-F238E27FC236}">
+                <a16:creationId xmlns:a16="http://schemas.microsoft.com/office/drawing/2014/main" id="{C9849D58-EF78-45CF-8E47-0421DC35F23A}"/>
+              </a:ext>
+            </a:extLst>
+          </p:cNvPr>
+          <p:cNvSpPr/>
+          <p:nvPr/>
+        </p:nvSpPr>
+        <p:spPr>
+          <a:xfrm>
+            <a:off x="2483577" y="4544523"/>
+            <a:ext cx="10604226" cy="1492498"/>
+          </a:xfrm>
+          <a:prstGeom prst="rect">
+            <a:avLst/>
+          </a:prstGeom>
+          <a:noFill/>
+        </p:spPr>
+        <p:style>
+          <a:lnRef idx="2">
+            <a:schemeClr val="accent1">
+              <a:shade val="50000"/>
+            </a:schemeClr>
+          </a:lnRef>
+          <a:fillRef idx="1">
+            <a:schemeClr val="accent1"/>
+          </a:fillRef>
+          <a:effectRef idx="0">
+            <a:schemeClr val="accent1"/>
+          </a:effectRef>
+          <a:fontRef idx="minor">
+            <a:schemeClr val="lt1"/>
+          </a:fontRef>
+        </p:style>
+        <p:txBody>
+          <a:bodyPr rtlCol="0" anchor="ctr"/>
+          <a:lstStyle/>
+          <a:p>
+            <a:pPr algn="ctr"/>
+            <a:endParaRPr lang="pt-BR"/>
+          </a:p>
+        </p:txBody>
+      </p:sp>
+      <p:sp>
+        <p:nvSpPr>
+          <p:cNvPr id="15" name="Retângulo 14">
+            <a:extLst>
+              <a:ext uri="{FF2B5EF4-FFF2-40B4-BE49-F238E27FC236}">
+                <a16:creationId xmlns:a16="http://schemas.microsoft.com/office/drawing/2014/main" id="{C5107C22-0180-42FF-9BC7-9927B5B6D4D2}"/>
+              </a:ext>
+            </a:extLst>
+          </p:cNvPr>
+          <p:cNvSpPr/>
+          <p:nvPr/>
+        </p:nvSpPr>
+        <p:spPr>
+          <a:xfrm>
+            <a:off x="5646057" y="1402976"/>
+            <a:ext cx="8092251" cy="2360059"/>
+          </a:xfrm>
+          <a:prstGeom prst="rect">
+            <a:avLst/>
+          </a:prstGeom>
+          <a:noFill/>
+        </p:spPr>
+        <p:style>
+          <a:lnRef idx="2">
+            <a:schemeClr val="accent1">
+              <a:shade val="50000"/>
+            </a:schemeClr>
+          </a:lnRef>
+          <a:fillRef idx="1">
+            <a:schemeClr val="accent1"/>
+          </a:fillRef>
+          <a:effectRef idx="0">
+            <a:schemeClr val="accent1"/>
+          </a:effectRef>
+          <a:fontRef idx="minor">
+            <a:schemeClr val="lt1"/>
+          </a:fontRef>
+        </p:style>
+        <p:txBody>
+          <a:bodyPr rtlCol="0" anchor="ctr"/>
+          <a:lstStyle/>
+          <a:p>
+            <a:pPr algn="ctr"/>
+            <a:endParaRPr lang="pt-BR"/>
+          </a:p>
+        </p:txBody>
+      </p:sp>
+      <p:sp>
+        <p:nvSpPr>
+          <p:cNvPr id="5" name="CaixaDeTexto 4">
+            <a:extLst>
+              <a:ext uri="{FF2B5EF4-FFF2-40B4-BE49-F238E27FC236}">
+                <a16:creationId xmlns:a16="http://schemas.microsoft.com/office/drawing/2014/main" id="{36651EC0-4F4D-4F7F-9E4A-304BE171A89F}"/>
+              </a:ext>
+            </a:extLst>
+          </p:cNvPr>
+          <p:cNvSpPr txBox="1"/>
+          <p:nvPr/>
+        </p:nvSpPr>
+        <p:spPr>
+          <a:xfrm>
+            <a:off x="11633378" y="4589222"/>
+            <a:ext cx="1620122" cy="369332"/>
+          </a:xfrm>
+          <a:prstGeom prst="rect">
+            <a:avLst/>
+          </a:prstGeom>
+          <a:noFill/>
+        </p:spPr>
+        <p:txBody>
+          <a:bodyPr wrap="square" rtlCol="0">
+            <a:spAutoFit/>
+          </a:bodyPr>
+          <a:lstStyle/>
+          <a:p>
+            <a:r>
+              <a:rPr lang="pt-BR" dirty="0"/>
+              <a:t>Infraestrutura</a:t>
+            </a:r>
+          </a:p>
+        </p:txBody>
+      </p:sp>
+      <p:sp>
+        <p:nvSpPr>
+          <p:cNvPr id="16" name="CaixaDeTexto 15">
+            <a:extLst>
+              <a:ext uri="{FF2B5EF4-FFF2-40B4-BE49-F238E27FC236}">
+                <a16:creationId xmlns:a16="http://schemas.microsoft.com/office/drawing/2014/main" id="{1CD7D67D-A9D3-44D0-A830-BBC00961DFEC}"/>
+              </a:ext>
+            </a:extLst>
+          </p:cNvPr>
+          <p:cNvSpPr txBox="1"/>
+          <p:nvPr/>
+        </p:nvSpPr>
+        <p:spPr>
+          <a:xfrm>
+            <a:off x="5728788" y="1436748"/>
+            <a:ext cx="678785" cy="369332"/>
+          </a:xfrm>
+          <a:prstGeom prst="rect">
+            <a:avLst/>
+          </a:prstGeom>
+          <a:noFill/>
+        </p:spPr>
+        <p:txBody>
+          <a:bodyPr wrap="square" rtlCol="0">
+            <a:spAutoFit/>
+          </a:bodyPr>
+          <a:lstStyle/>
+          <a:p>
+            <a:r>
+              <a:rPr lang="en-US" dirty="0"/>
+              <a:t>Core</a:t>
+            </a:r>
+            <a:endParaRPr lang="pt-BR" dirty="0"/>
+          </a:p>
+        </p:txBody>
+      </p:sp>
+      <p:sp>
+        <p:nvSpPr>
+          <p:cNvPr id="10" name="Título 1">
+            <a:extLst>
+              <a:ext uri="{FF2B5EF4-FFF2-40B4-BE49-F238E27FC236}">
+                <a16:creationId xmlns:a16="http://schemas.microsoft.com/office/drawing/2014/main" id="{BE0E2390-5D4E-4824-847C-A5BB28BEDD70}"/>
+              </a:ext>
+            </a:extLst>
+          </p:cNvPr>
+          <p:cNvSpPr>
+            <a:spLocks noGrp="1"/>
+          </p:cNvSpPr>
+          <p:nvPr>
+            <p:ph type="title"/>
+          </p:nvPr>
+        </p:nvSpPr>
+        <p:spPr>
+          <a:xfrm>
+            <a:off x="1005840" y="486834"/>
+            <a:ext cx="12618720" cy="1767417"/>
+          </a:xfrm>
+        </p:spPr>
+        <p:txBody>
+          <a:bodyPr rtlCol="0"/>
+          <a:lstStyle/>
+          <a:p>
+            <a:pPr rtl="0"/>
+            <a:r>
+              <a:rPr lang="pt-BR" dirty="0"/>
+              <a:t>Visão geral</a:t>
+            </a:r>
+          </a:p>
+        </p:txBody>
+      </p:sp>
+      <p:sp>
+        <p:nvSpPr>
+          <p:cNvPr id="18" name="Retângulo 17">
+            <a:extLst>
+              <a:ext uri="{FF2B5EF4-FFF2-40B4-BE49-F238E27FC236}">
+                <a16:creationId xmlns:a16="http://schemas.microsoft.com/office/drawing/2014/main" id="{22EC124A-6E2C-4681-81F3-371DF907EC5D}"/>
+              </a:ext>
+            </a:extLst>
+          </p:cNvPr>
+          <p:cNvSpPr/>
+          <p:nvPr/>
+        </p:nvSpPr>
+        <p:spPr>
+          <a:xfrm>
+            <a:off x="2479448" y="6482175"/>
+            <a:ext cx="10604226" cy="1492498"/>
+          </a:xfrm>
+          <a:prstGeom prst="rect">
+            <a:avLst/>
+          </a:prstGeom>
+          <a:noFill/>
+        </p:spPr>
+        <p:style>
+          <a:lnRef idx="2">
+            <a:schemeClr val="accent1">
+              <a:shade val="50000"/>
+            </a:schemeClr>
+          </a:lnRef>
+          <a:fillRef idx="1">
+            <a:schemeClr val="accent1"/>
+          </a:fillRef>
+          <a:effectRef idx="0">
+            <a:schemeClr val="accent1"/>
+          </a:effectRef>
+          <a:fontRef idx="minor">
+            <a:schemeClr val="lt1"/>
+          </a:fontRef>
+        </p:style>
+        <p:txBody>
+          <a:bodyPr rtlCol="0" anchor="ctr"/>
+          <a:lstStyle/>
+          <a:p>
+            <a:pPr algn="ctr"/>
+            <a:endParaRPr lang="pt-BR"/>
+          </a:p>
+        </p:txBody>
+      </p:sp>
+      <p:sp>
+        <p:nvSpPr>
+          <p:cNvPr id="20" name="CaixaDeTexto 19">
+            <a:extLst>
+              <a:ext uri="{FF2B5EF4-FFF2-40B4-BE49-F238E27FC236}">
+                <a16:creationId xmlns:a16="http://schemas.microsoft.com/office/drawing/2014/main" id="{81FB38EA-8112-4F55-86EA-44146CE69ADD}"/>
+              </a:ext>
+            </a:extLst>
+          </p:cNvPr>
+          <p:cNvSpPr txBox="1"/>
+          <p:nvPr/>
+        </p:nvSpPr>
+        <p:spPr>
+          <a:xfrm>
+            <a:off x="10715441" y="7600362"/>
+            <a:ext cx="2575582" cy="369332"/>
+          </a:xfrm>
+          <a:prstGeom prst="rect">
+            <a:avLst/>
+          </a:prstGeom>
+          <a:noFill/>
+        </p:spPr>
+        <p:txBody>
+          <a:bodyPr wrap="square" rtlCol="0">
+            <a:spAutoFit/>
+          </a:bodyPr>
+          <a:lstStyle/>
+          <a:p>
+            <a:r>
+              <a:rPr lang="pt-BR" dirty="0"/>
+              <a:t>Bibliotecas de terceiros</a:t>
+            </a:r>
+          </a:p>
+        </p:txBody>
+      </p:sp>
+    </p:spTree>
+    <p:extLst>
+      <p:ext uri="{BB962C8B-B14F-4D97-AF65-F5344CB8AC3E}">
+        <p14:creationId xmlns:p14="http://schemas.microsoft.com/office/powerpoint/2010/main" val="1148774914"/>
+      </p:ext>
+    </p:extLst>
+  </p:cSld>
+  <p:clrMapOvr>
+    <a:masterClrMapping/>
+  </p:clrMapOvr>
+</p:sld>
+</file>
+
+<file path=ppt/slides/slide49.xml><?xml version="1.0" encoding="utf-8"?>
+<p:sld xmlns:a="http://schemas.openxmlformats.org/drawingml/2006/main" xmlns:r="http://schemas.openxmlformats.org/officeDocument/2006/relationships" xmlns:p="http://schemas.openxmlformats.org/presentationml/2006/main">
+  <p:cSld>
+    <p:spTree>
+      <p:nvGrpSpPr>
+        <p:cNvPr id="1" name=""/>
+        <p:cNvGrpSpPr/>
+        <p:nvPr/>
+      </p:nvGrpSpPr>
+      <p:grpSpPr>
+        <a:xfrm>
+          <a:off x="0" y="0"/>
+          <a:ext cx="0" cy="0"/>
+          <a:chOff x="0" y="0"/>
+          <a:chExt cx="0" cy="0"/>
+        </a:xfrm>
+      </p:grpSpPr>
+      <p:sp>
+        <p:nvSpPr>
+          <p:cNvPr id="13" name="Espaço Reservado para Data 4">
+            <a:extLst>
+              <a:ext uri="{FF2B5EF4-FFF2-40B4-BE49-F238E27FC236}">
+                <a16:creationId xmlns:a16="http://schemas.microsoft.com/office/drawing/2014/main" id="{4DA7F7DF-79FC-4782-8BBB-8E272F0DFB83}"/>
+              </a:ext>
+            </a:extLst>
+          </p:cNvPr>
+          <p:cNvSpPr>
+            <a:spLocks noGrp="1"/>
+          </p:cNvSpPr>
+          <p:nvPr>
+            <p:ph type="dt" sz="half" idx="10"/>
+          </p:nvPr>
+        </p:nvSpPr>
+        <p:spPr>
+          <a:xfrm>
+            <a:off x="350235" y="8751182"/>
+            <a:ext cx="3291840" cy="486833"/>
+          </a:xfrm>
+        </p:spPr>
+        <p:txBody>
+          <a:bodyPr/>
+          <a:lstStyle/>
+          <a:p>
+            <a:pPr rtl="0"/>
+            <a:r>
+              <a:rPr lang="pt-BR" dirty="0"/>
+              <a:t>04</a:t>
+            </a:r>
+            <a:r>
+              <a:rPr lang="pt-BR" noProof="0" dirty="0"/>
+              <a:t>/08/2018</a:t>
+            </a:r>
+          </a:p>
+        </p:txBody>
+      </p:sp>
+      <p:sp>
+        <p:nvSpPr>
+          <p:cNvPr id="14" name="Espaço reservado para rodapé 5">
+            <a:extLst>
+              <a:ext uri="{FF2B5EF4-FFF2-40B4-BE49-F238E27FC236}">
+                <a16:creationId xmlns:a16="http://schemas.microsoft.com/office/drawing/2014/main" id="{021DA041-32B5-43DD-B16D-F849B179196D}"/>
+              </a:ext>
+            </a:extLst>
+          </p:cNvPr>
+          <p:cNvSpPr>
+            <a:spLocks noGrp="1"/>
+          </p:cNvSpPr>
+          <p:nvPr>
+            <p:ph type="ftr" sz="quarter" idx="11"/>
+          </p:nvPr>
+        </p:nvSpPr>
+        <p:spPr>
+          <a:xfrm>
+            <a:off x="4846320" y="8751182"/>
+            <a:ext cx="4937760" cy="486833"/>
+          </a:xfrm>
+        </p:spPr>
+        <p:txBody>
+          <a:bodyPr rtlCol="0"/>
+          <a:lstStyle/>
+          <a:p>
+            <a:pPr rtl="0"/>
+            <a:r>
+              <a:rPr lang="pt-BR" dirty="0"/>
+              <a:t>Olé Tecnologia</a:t>
+            </a:r>
+          </a:p>
+        </p:txBody>
+      </p:sp>
+      <p:sp>
+        <p:nvSpPr>
+          <p:cNvPr id="10" name="Título 1">
+            <a:extLst>
+              <a:ext uri="{FF2B5EF4-FFF2-40B4-BE49-F238E27FC236}">
+                <a16:creationId xmlns:a16="http://schemas.microsoft.com/office/drawing/2014/main" id="{BE0E2390-5D4E-4824-847C-A5BB28BEDD70}"/>
+              </a:ext>
+            </a:extLst>
+          </p:cNvPr>
+          <p:cNvSpPr>
+            <a:spLocks noGrp="1"/>
+          </p:cNvSpPr>
+          <p:nvPr>
+            <p:ph type="title"/>
+          </p:nvPr>
+        </p:nvSpPr>
+        <p:spPr>
+          <a:xfrm>
+            <a:off x="1005840" y="486834"/>
+            <a:ext cx="12618720" cy="1767417"/>
+          </a:xfrm>
+        </p:spPr>
+        <p:txBody>
+          <a:bodyPr rtlCol="0"/>
+          <a:lstStyle/>
+          <a:p>
+            <a:pPr rtl="0"/>
+            <a:r>
+              <a:rPr lang="pt-BR" dirty="0"/>
+              <a:t>Domínio</a:t>
+            </a:r>
+          </a:p>
+        </p:txBody>
+      </p:sp>
+      <p:sp>
+        <p:nvSpPr>
+          <p:cNvPr id="3" name="Retângulo 2">
+            <a:extLst>
+              <a:ext uri="{FF2B5EF4-FFF2-40B4-BE49-F238E27FC236}">
+                <a16:creationId xmlns:a16="http://schemas.microsoft.com/office/drawing/2014/main" id="{852AB4ED-16DB-4B6A-81E9-762260AD8914}"/>
+              </a:ext>
+            </a:extLst>
+          </p:cNvPr>
+          <p:cNvSpPr/>
+          <p:nvPr/>
+        </p:nvSpPr>
+        <p:spPr>
+          <a:xfrm>
+            <a:off x="1430767" y="2524963"/>
+            <a:ext cx="6831106" cy="2610843"/>
+          </a:xfrm>
+          <a:prstGeom prst="rect">
+            <a:avLst/>
+          </a:prstGeom>
+        </p:spPr>
+        <p:txBody>
+          <a:bodyPr wrap="square">
+            <a:spAutoFit/>
+          </a:bodyPr>
+          <a:lstStyle/>
+          <a:p>
+            <a:pPr algn="ctr">
+              <a:lnSpc>
+                <a:spcPct val="150000"/>
+              </a:lnSpc>
+            </a:pPr>
+            <a:r>
+              <a:rPr lang="pt-BR" sz="2800" i="1" dirty="0"/>
+              <a:t>"Qualquer tolo consegue escrever código que um computador entenda. Bons programadores escrevem código que humanos possam entender." </a:t>
+            </a:r>
+            <a:r>
+              <a:rPr lang="pt-BR" sz="2800" dirty="0"/>
+              <a:t>(Martin Fowler)</a:t>
+            </a:r>
+          </a:p>
+        </p:txBody>
+      </p:sp>
+      <p:pic>
+        <p:nvPicPr>
+          <p:cNvPr id="5" name="Imagem 4">
+            <a:extLst>
+              <a:ext uri="{FF2B5EF4-FFF2-40B4-BE49-F238E27FC236}">
+                <a16:creationId xmlns:a16="http://schemas.microsoft.com/office/drawing/2014/main" id="{96F68238-7BA3-4EB0-B606-441D1C48D0A1}"/>
+              </a:ext>
+            </a:extLst>
+          </p:cNvPr>
+          <p:cNvPicPr>
+            <a:picLocks noChangeAspect="1"/>
+          </p:cNvPicPr>
+          <p:nvPr/>
+        </p:nvPicPr>
+        <p:blipFill>
+          <a:blip r:embed="rId2">
+            <a:extLst>
+              <a:ext uri="{28A0092B-C50C-407E-A947-70E740481C1C}">
+                <a14:useLocalDpi xmlns:a14="http://schemas.microsoft.com/office/drawing/2010/main" val="0"/>
+              </a:ext>
+            </a:extLst>
+          </a:blip>
+          <a:stretch>
+            <a:fillRect/>
+          </a:stretch>
+        </p:blipFill>
+        <p:spPr>
+          <a:xfrm>
+            <a:off x="9052560" y="510644"/>
+            <a:ext cx="4572000" cy="4438650"/>
+          </a:xfrm>
+          <a:prstGeom prst="rect">
+            <a:avLst/>
+          </a:prstGeom>
+        </p:spPr>
+      </p:pic>
+    </p:spTree>
+    <p:extLst>
+      <p:ext uri="{BB962C8B-B14F-4D97-AF65-F5344CB8AC3E}">
+        <p14:creationId xmlns:p14="http://schemas.microsoft.com/office/powerpoint/2010/main" val="2329845167"/>
+      </p:ext>
+    </p:extLst>
+  </p:cSld>
+  <p:clrMapOvr>
+    <a:masterClrMapping/>
+  </p:clrMapOvr>
 </p:sld>
 </file>
 
@@ -23116,7 +26136,7 @@
           <p:cNvPr id="7" name="Espaço Reservado para Data 4">
             <a:extLst>
               <a:ext uri="{FF2B5EF4-FFF2-40B4-BE49-F238E27FC236}">
-                <a16:creationId xmlns="" xmlns:a16="http://schemas.microsoft.com/office/drawing/2014/main" id="{5027949B-8BAD-4E75-AC2F-213BC962F9B3}"/>
+                <a16:creationId xmlns:a16="http://schemas.microsoft.com/office/drawing/2014/main" id="{5027949B-8BAD-4E75-AC2F-213BC962F9B3}"/>
               </a:ext>
             </a:extLst>
           </p:cNvPr>
@@ -23150,7 +26170,7 @@
           <p:cNvPr id="8" name="Espaço reservado para rodapé 5">
             <a:extLst>
               <a:ext uri="{FF2B5EF4-FFF2-40B4-BE49-F238E27FC236}">
-                <a16:creationId xmlns="" xmlns:a16="http://schemas.microsoft.com/office/drawing/2014/main" id="{812E6C33-6473-43E3-8DE1-9D33AB15D861}"/>
+                <a16:creationId xmlns:a16="http://schemas.microsoft.com/office/drawing/2014/main" id="{812E6C33-6473-43E3-8DE1-9D33AB15D861}"/>
               </a:ext>
             </a:extLst>
           </p:cNvPr>
@@ -23183,7 +26203,7 @@
           <p:cNvPr id="3" name="Imagem 2">
             <a:extLst>
               <a:ext uri="{FF2B5EF4-FFF2-40B4-BE49-F238E27FC236}">
-                <a16:creationId xmlns="" xmlns:a16="http://schemas.microsoft.com/office/drawing/2014/main" id="{D16FB126-52F5-40E4-9609-BBFCFEB7BE42}"/>
+                <a16:creationId xmlns:a16="http://schemas.microsoft.com/office/drawing/2014/main" id="{D16FB126-52F5-40E4-9609-BBFCFEB7BE42}"/>
               </a:ext>
             </a:extLst>
           </p:cNvPr>
@@ -23230,13 +26250,6 @@
       </p:transition>
     </mc:Fallback>
   </mc:AlternateContent>
-  <p:timing>
-    <p:tnLst>
-      <p:par>
-        <p:cTn id="1" dur="indefinite" restart="never" nodeType="tmRoot"/>
-      </p:par>
-    </p:tnLst>
-  </p:timing>
 </p:sld>
 </file>
 
@@ -23285,7 +26298,7 @@
           <p:cNvPr id="7" name="Espaço Reservado para Data 4">
             <a:extLst>
               <a:ext uri="{FF2B5EF4-FFF2-40B4-BE49-F238E27FC236}">
-                <a16:creationId xmlns="" xmlns:a16="http://schemas.microsoft.com/office/drawing/2014/main" id="{5027949B-8BAD-4E75-AC2F-213BC962F9B3}"/>
+                <a16:creationId xmlns:a16="http://schemas.microsoft.com/office/drawing/2014/main" id="{5027949B-8BAD-4E75-AC2F-213BC962F9B3}"/>
               </a:ext>
             </a:extLst>
           </p:cNvPr>
@@ -23319,7 +26332,7 @@
           <p:cNvPr id="8" name="Espaço reservado para rodapé 5">
             <a:extLst>
               <a:ext uri="{FF2B5EF4-FFF2-40B4-BE49-F238E27FC236}">
-                <a16:creationId xmlns="" xmlns:a16="http://schemas.microsoft.com/office/drawing/2014/main" id="{812E6C33-6473-43E3-8DE1-9D33AB15D861}"/>
+                <a16:creationId xmlns:a16="http://schemas.microsoft.com/office/drawing/2014/main" id="{812E6C33-6473-43E3-8DE1-9D33AB15D861}"/>
               </a:ext>
             </a:extLst>
           </p:cNvPr>
@@ -23352,7 +26365,7 @@
           <p:cNvPr id="4" name="Imagem 3">
             <a:extLst>
               <a:ext uri="{FF2B5EF4-FFF2-40B4-BE49-F238E27FC236}">
-                <a16:creationId xmlns="" xmlns:a16="http://schemas.microsoft.com/office/drawing/2014/main" id="{13AC27FA-E005-446B-8700-F37F04AAA9D1}"/>
+                <a16:creationId xmlns:a16="http://schemas.microsoft.com/office/drawing/2014/main" id="{13AC27FA-E005-446B-8700-F37F04AAA9D1}"/>
               </a:ext>
             </a:extLst>
           </p:cNvPr>
@@ -23382,7 +26395,7 @@
           <p:cNvPr id="9" name="Imagem 8">
             <a:extLst>
               <a:ext uri="{FF2B5EF4-FFF2-40B4-BE49-F238E27FC236}">
-                <a16:creationId xmlns="" xmlns:a16="http://schemas.microsoft.com/office/drawing/2014/main" id="{AA0AD21D-6153-4A0C-9461-E9EE6CB3D8CE}"/>
+                <a16:creationId xmlns:a16="http://schemas.microsoft.com/office/drawing/2014/main" id="{AA0AD21D-6153-4A0C-9461-E9EE6CB3D8CE}"/>
               </a:ext>
             </a:extLst>
           </p:cNvPr>
@@ -23412,7 +26425,7 @@
           <p:cNvPr id="5" name="Retângulo 4">
             <a:extLst>
               <a:ext uri="{FF2B5EF4-FFF2-40B4-BE49-F238E27FC236}">
-                <a16:creationId xmlns="" xmlns:a16="http://schemas.microsoft.com/office/drawing/2014/main" id="{1AFF71A3-2452-43BC-972B-23772B32B5CD}"/>
+                <a16:creationId xmlns:a16="http://schemas.microsoft.com/office/drawing/2014/main" id="{1AFF71A3-2452-43BC-972B-23772B32B5CD}"/>
               </a:ext>
             </a:extLst>
           </p:cNvPr>
@@ -23462,7 +26475,7 @@
           <p:cNvPr id="10" name="Retângulo 9">
             <a:extLst>
               <a:ext uri="{FF2B5EF4-FFF2-40B4-BE49-F238E27FC236}">
-                <a16:creationId xmlns="" xmlns:a16="http://schemas.microsoft.com/office/drawing/2014/main" id="{57A600AF-996F-4EC4-BBE1-343E5DE53BFA}"/>
+                <a16:creationId xmlns:a16="http://schemas.microsoft.com/office/drawing/2014/main" id="{57A600AF-996F-4EC4-BBE1-343E5DE53BFA}"/>
               </a:ext>
             </a:extLst>
           </p:cNvPr>
@@ -23512,7 +26525,7 @@
           <p:cNvPr id="12" name="Conector: Angulado 11">
             <a:extLst>
               <a:ext uri="{FF2B5EF4-FFF2-40B4-BE49-F238E27FC236}">
-                <a16:creationId xmlns="" xmlns:a16="http://schemas.microsoft.com/office/drawing/2014/main" id="{9CF02D98-F864-4CC8-8653-2F861C75CCD8}"/>
+                <a16:creationId xmlns:a16="http://schemas.microsoft.com/office/drawing/2014/main" id="{9CF02D98-F864-4CC8-8653-2F861C75CCD8}"/>
               </a:ext>
             </a:extLst>
           </p:cNvPr>
@@ -23573,13 +26586,6 @@
       </p:transition>
     </mc:Fallback>
   </mc:AlternateContent>
-  <p:timing>
-    <p:tnLst>
-      <p:par>
-        <p:cTn id="1" dur="indefinite" restart="never" nodeType="tmRoot"/>
-      </p:par>
-    </p:tnLst>
-  </p:timing>
 </p:sld>
 </file>
 
@@ -23637,7 +26643,7 @@
           <p:cNvPr id="7" name="Espaço Reservado para Data 4">
             <a:extLst>
               <a:ext uri="{FF2B5EF4-FFF2-40B4-BE49-F238E27FC236}">
-                <a16:creationId xmlns="" xmlns:a16="http://schemas.microsoft.com/office/drawing/2014/main" id="{5027949B-8BAD-4E75-AC2F-213BC962F9B3}"/>
+                <a16:creationId xmlns:a16="http://schemas.microsoft.com/office/drawing/2014/main" id="{5027949B-8BAD-4E75-AC2F-213BC962F9B3}"/>
               </a:ext>
             </a:extLst>
           </p:cNvPr>
@@ -23671,7 +26677,7 @@
           <p:cNvPr id="8" name="Espaço reservado para rodapé 5">
             <a:extLst>
               <a:ext uri="{FF2B5EF4-FFF2-40B4-BE49-F238E27FC236}">
-                <a16:creationId xmlns="" xmlns:a16="http://schemas.microsoft.com/office/drawing/2014/main" id="{812E6C33-6473-43E3-8DE1-9D33AB15D861}"/>
+                <a16:creationId xmlns:a16="http://schemas.microsoft.com/office/drawing/2014/main" id="{812E6C33-6473-43E3-8DE1-9D33AB15D861}"/>
               </a:ext>
             </a:extLst>
           </p:cNvPr>
@@ -23704,7 +26710,7 @@
           <p:cNvPr id="3" name="Imagem 2">
             <a:extLst>
               <a:ext uri="{FF2B5EF4-FFF2-40B4-BE49-F238E27FC236}">
-                <a16:creationId xmlns="" xmlns:a16="http://schemas.microsoft.com/office/drawing/2014/main" id="{BE986EA4-0A57-473E-9D2D-F827D7F31D13}"/>
+                <a16:creationId xmlns:a16="http://schemas.microsoft.com/office/drawing/2014/main" id="{BE986EA4-0A57-473E-9D2D-F827D7F31D13}"/>
               </a:ext>
             </a:extLst>
           </p:cNvPr>
@@ -23751,13 +26757,6 @@
       </p:transition>
     </mc:Fallback>
   </mc:AlternateContent>
-  <p:timing>
-    <p:tnLst>
-      <p:par>
-        <p:cTn id="1" dur="indefinite" restart="never" nodeType="tmRoot"/>
-      </p:par>
-    </p:tnLst>
-  </p:timing>
 </p:sld>
 </file>
 
@@ -23783,7 +26782,7 @@
           <p:cNvPr id="4" name="Imagem 3">
             <a:extLst>
               <a:ext uri="{FF2B5EF4-FFF2-40B4-BE49-F238E27FC236}">
-                <a16:creationId xmlns="" xmlns:a16="http://schemas.microsoft.com/office/drawing/2014/main" id="{52630C84-B16C-46D0-8854-3932C18E80BF}"/>
+                <a16:creationId xmlns:a16="http://schemas.microsoft.com/office/drawing/2014/main" id="{52630C84-B16C-46D0-8854-3932C18E80BF}"/>
               </a:ext>
             </a:extLst>
           </p:cNvPr>
@@ -23836,7 +26835,7 @@
           <p:cNvPr id="7" name="Espaço Reservado para Data 4">
             <a:extLst>
               <a:ext uri="{FF2B5EF4-FFF2-40B4-BE49-F238E27FC236}">
-                <a16:creationId xmlns="" xmlns:a16="http://schemas.microsoft.com/office/drawing/2014/main" id="{5027949B-8BAD-4E75-AC2F-213BC962F9B3}"/>
+                <a16:creationId xmlns:a16="http://schemas.microsoft.com/office/drawing/2014/main" id="{5027949B-8BAD-4E75-AC2F-213BC962F9B3}"/>
               </a:ext>
             </a:extLst>
           </p:cNvPr>
@@ -23870,7 +26869,7 @@
           <p:cNvPr id="8" name="Espaço reservado para rodapé 5">
             <a:extLst>
               <a:ext uri="{FF2B5EF4-FFF2-40B4-BE49-F238E27FC236}">
-                <a16:creationId xmlns="" xmlns:a16="http://schemas.microsoft.com/office/drawing/2014/main" id="{812E6C33-6473-43E3-8DE1-9D33AB15D861}"/>
+                <a16:creationId xmlns:a16="http://schemas.microsoft.com/office/drawing/2014/main" id="{812E6C33-6473-43E3-8DE1-9D33AB15D861}"/>
               </a:ext>
             </a:extLst>
           </p:cNvPr>
@@ -23920,13 +26919,6 @@
       </p:transition>
     </mc:Fallback>
   </mc:AlternateContent>
-  <p:timing>
-    <p:tnLst>
-      <p:par>
-        <p:cTn id="1" dur="indefinite" restart="never" nodeType="tmRoot"/>
-      </p:par>
-    </p:tnLst>
-  </p:timing>
 </p:sld>
 </file>
 
@@ -23952,7 +26944,7 @@
           <p:cNvPr id="3" name="Imagem 2">
             <a:extLst>
               <a:ext uri="{FF2B5EF4-FFF2-40B4-BE49-F238E27FC236}">
-                <a16:creationId xmlns="" xmlns:a16="http://schemas.microsoft.com/office/drawing/2014/main" id="{46092EEA-D08D-4055-AF56-0D1D283F05AC}"/>
+                <a16:creationId xmlns:a16="http://schemas.microsoft.com/office/drawing/2014/main" id="{46092EEA-D08D-4055-AF56-0D1D283F05AC}"/>
               </a:ext>
             </a:extLst>
           </p:cNvPr>
@@ -24005,7 +26997,7 @@
           <p:cNvPr id="7" name="Espaço Reservado para Data 4">
             <a:extLst>
               <a:ext uri="{FF2B5EF4-FFF2-40B4-BE49-F238E27FC236}">
-                <a16:creationId xmlns="" xmlns:a16="http://schemas.microsoft.com/office/drawing/2014/main" id="{5027949B-8BAD-4E75-AC2F-213BC962F9B3}"/>
+                <a16:creationId xmlns:a16="http://schemas.microsoft.com/office/drawing/2014/main" id="{5027949B-8BAD-4E75-AC2F-213BC962F9B3}"/>
               </a:ext>
             </a:extLst>
           </p:cNvPr>
@@ -24039,7 +27031,7 @@
           <p:cNvPr id="8" name="Espaço reservado para rodapé 5">
             <a:extLst>
               <a:ext uri="{FF2B5EF4-FFF2-40B4-BE49-F238E27FC236}">
-                <a16:creationId xmlns="" xmlns:a16="http://schemas.microsoft.com/office/drawing/2014/main" id="{812E6C33-6473-43E3-8DE1-9D33AB15D861}"/>
+                <a16:creationId xmlns:a16="http://schemas.microsoft.com/office/drawing/2014/main" id="{812E6C33-6473-43E3-8DE1-9D33AB15D861}"/>
               </a:ext>
             </a:extLst>
           </p:cNvPr>
@@ -24089,13 +27081,6 @@
       </p:transition>
     </mc:Fallback>
   </mc:AlternateContent>
-  <p:timing>
-    <p:tnLst>
-      <p:par>
-        <p:cTn id="1" dur="indefinite" restart="never" nodeType="tmRoot"/>
-      </p:par>
-    </p:tnLst>
-  </p:timing>
 </p:sld>
 </file>
 
@@ -24388,7 +27373,7 @@
   <a:extraClrSchemeLst/>
   <a:extLst>
     <a:ext uri="{05A4C25C-085E-4340-85A3-A5531E510DB2}">
-      <thm15:themeFamily xmlns="" xmlns:thm15="http://schemas.microsoft.com/office/thememl/2012/main" name="Office Theme" id="{62F939B6-93AF-4DB8-9C6B-D6C7DFDC589F}" vid="{4A3C46E8-61CC-4603-A589-7422A47A8E4A}"/>
+      <thm15:themeFamily xmlns:thm15="http://schemas.microsoft.com/office/thememl/2012/main" name="Office Theme" id="{62F939B6-93AF-4DB8-9C6B-D6C7DFDC589F}" vid="{4A3C46E8-61CC-4603-A589-7422A47A8E4A}"/>
     </a:ext>
   </a:extLst>
 </a:theme>
@@ -24649,7 +27634,7 @@
   <a:extraClrSchemeLst/>
   <a:extLst>
     <a:ext uri="{05A4C25C-085E-4340-85A3-A5531E510DB2}">
-      <thm15:themeFamily xmlns="" xmlns:thm15="http://schemas.microsoft.com/office/thememl/2012/main" name="Office Theme" id="{62F939B6-93AF-4DB8-9C6B-D6C7DFDC589F}" vid="{4A3C46E8-61CC-4603-A589-7422A47A8E4A}"/>
+      <thm15:themeFamily xmlns:thm15="http://schemas.microsoft.com/office/thememl/2012/main" name="Office Theme" id="{62F939B6-93AF-4DB8-9C6B-D6C7DFDC589F}" vid="{4A3C46E8-61CC-4603-A589-7422A47A8E4A}"/>
     </a:ext>
   </a:extLst>
 </a:theme>
@@ -24910,7 +27895,7 @@
   <a:extraClrSchemeLst/>
   <a:extLst>
     <a:ext uri="{05A4C25C-085E-4340-85A3-A5531E510DB2}">
-      <thm15:themeFamily xmlns="" xmlns:thm15="http://schemas.microsoft.com/office/thememl/2012/main" name="Office Theme" id="{62F939B6-93AF-4DB8-9C6B-D6C7DFDC589F}" vid="{4A3C46E8-61CC-4603-A589-7422A47A8E4A}"/>
+      <thm15:themeFamily xmlns:thm15="http://schemas.microsoft.com/office/thememl/2012/main" name="Office Theme" id="{62F939B6-93AF-4DB8-9C6B-D6C7DFDC589F}" vid="{4A3C46E8-61CC-4603-A589-7422A47A8E4A}"/>
     </a:ext>
   </a:extLst>
 </a:theme>
